--- a/Class_Materials/Week_2/Day_3/ISBPM w2d3.pptx
+++ b/Class_Materials/Week_2/Day_3/ISBPM w2d3.pptx
@@ -2,19 +2,26 @@
 <file path=ppt/presentation.xml><?xml version="1.0" encoding="utf-8"?>
 <p:presentation xmlns:a="http://schemas.openxmlformats.org/drawingml/2006/main" xmlns:r="http://schemas.openxmlformats.org/officeDocument/2006/relationships" xmlns:p="http://schemas.openxmlformats.org/presentationml/2006/main" autoCompressPictures="0">
   <p:sldMasterIdLst>
-    <p:sldMasterId id="2147483792" r:id="rId1"/>
+    <p:sldMasterId id="2147483810" r:id="rId1"/>
   </p:sldMasterIdLst>
   <p:notesMasterIdLst>
-    <p:notesMasterId r:id="rId9"/>
+    <p:notesMasterId r:id="rId16"/>
   </p:notesMasterIdLst>
   <p:sldIdLst>
     <p:sldId id="256" r:id="rId2"/>
     <p:sldId id="257" r:id="rId3"/>
     <p:sldId id="278" r:id="rId4"/>
-    <p:sldId id="260" r:id="rId5"/>
-    <p:sldId id="274" r:id="rId6"/>
-    <p:sldId id="275" r:id="rId7"/>
-    <p:sldId id="276" r:id="rId8"/>
+    <p:sldId id="286" r:id="rId5"/>
+    <p:sldId id="287" r:id="rId6"/>
+    <p:sldId id="297" r:id="rId7"/>
+    <p:sldId id="296" r:id="rId8"/>
+    <p:sldId id="280" r:id="rId9"/>
+    <p:sldId id="277" r:id="rId10"/>
+    <p:sldId id="281" r:id="rId11"/>
+    <p:sldId id="260" r:id="rId12"/>
+    <p:sldId id="274" r:id="rId13"/>
+    <p:sldId id="275" r:id="rId14"/>
+    <p:sldId id="276" r:id="rId15"/>
   </p:sldIdLst>
   <p:sldSz cx="12192000" cy="6858000"/>
   <p:notesSz cx="6858000" cy="9144000"/>
@@ -124,7 +131,7 @@
 <file path=ppt/revisionInfo.xml><?xml version="1.0" encoding="utf-8"?>
 <p1510:revInfo xmlns:a="http://schemas.openxmlformats.org/drawingml/2006/main" xmlns:r="http://schemas.openxmlformats.org/officeDocument/2006/relationships" xmlns:p1510="http://schemas.microsoft.com/office/powerpoint/2015/10/main">
   <p1510:revLst>
-    <p1510:client id="{6668FEAE-FAFE-41B4-ACB7-4D21B7F45387}" v="14" dt="2023-04-12T19:32:23.209"/>
+    <p1510:client id="{75F37481-841B-40AD-A891-4A29A46DEAFB}" v="2" dt="2023-04-17T00:08:52.373"/>
   </p1510:revLst>
 </p1510:revInfo>
 </file>
@@ -1705,23 +1712,366 @@
   </pc:docChgLst>
   <pc:docChgLst>
     <pc:chgData name="Emily Crose" userId="5a1598ef78992c55" providerId="LiveId" clId="{75F37481-841B-40AD-A891-4A29A46DEAFB}"/>
-    <pc:docChg chg="modSld">
-      <pc:chgData name="Emily Crose" userId="5a1598ef78992c55" providerId="LiveId" clId="{75F37481-841B-40AD-A891-4A29A46DEAFB}" dt="2023-04-12T21:26:51.986" v="1" actId="20577"/>
+    <pc:docChg chg="custSel addSld modSld">
+      <pc:chgData name="Emily Crose" userId="5a1598ef78992c55" providerId="LiveId" clId="{75F37481-841B-40AD-A891-4A29A46DEAFB}" dt="2023-04-17T00:09:46.376" v="29" actId="26606"/>
       <pc:docMkLst>
         <pc:docMk/>
       </pc:docMkLst>
-      <pc:sldChg chg="modSp mod">
-        <pc:chgData name="Emily Crose" userId="5a1598ef78992c55" providerId="LiveId" clId="{75F37481-841B-40AD-A891-4A29A46DEAFB}" dt="2023-04-12T21:26:51.986" v="1" actId="20577"/>
+      <pc:sldChg chg="addSp delSp modSp mod setBg setClrOvrMap">
+        <pc:chgData name="Emily Crose" userId="5a1598ef78992c55" providerId="LiveId" clId="{75F37481-841B-40AD-A891-4A29A46DEAFB}" dt="2023-04-17T00:09:27.786" v="27" actId="26606"/>
         <pc:sldMkLst>
           <pc:docMk/>
           <pc:sldMk cId="1938681844" sldId="256"/>
         </pc:sldMkLst>
         <pc:spChg chg="mod">
-          <ac:chgData name="Emily Crose" userId="5a1598ef78992c55" providerId="LiveId" clId="{75F37481-841B-40AD-A891-4A29A46DEAFB}" dt="2023-04-12T21:26:51.986" v="1" actId="20577"/>
+          <ac:chgData name="Emily Crose" userId="5a1598ef78992c55" providerId="LiveId" clId="{75F37481-841B-40AD-A891-4A29A46DEAFB}" dt="2023-04-17T00:09:27.786" v="27" actId="26606"/>
+          <ac:spMkLst>
+            <pc:docMk/>
+            <pc:sldMk cId="1938681844" sldId="256"/>
+            <ac:spMk id="2" creationId="{E84EBFFF-D976-C46F-C884-33E6C3D3D040}"/>
+          </ac:spMkLst>
+        </pc:spChg>
+        <pc:spChg chg="mod">
+          <ac:chgData name="Emily Crose" userId="5a1598ef78992c55" providerId="LiveId" clId="{75F37481-841B-40AD-A891-4A29A46DEAFB}" dt="2023-04-17T00:09:27.786" v="27" actId="26606"/>
           <ac:spMkLst>
             <pc:docMk/>
             <pc:sldMk cId="1938681844" sldId="256"/>
             <ac:spMk id="3" creationId="{AF3ACA5B-2163-AEC4-7BB9-C0423A72604D}"/>
+          </ac:spMkLst>
+        </pc:spChg>
+        <pc:spChg chg="add">
+          <ac:chgData name="Emily Crose" userId="5a1598ef78992c55" providerId="LiveId" clId="{75F37481-841B-40AD-A891-4A29A46DEAFB}" dt="2023-04-17T00:09:27.786" v="27" actId="26606"/>
+          <ac:spMkLst>
+            <pc:docMk/>
+            <pc:sldMk cId="1938681844" sldId="256"/>
+            <ac:spMk id="11" creationId="{37D54B6C-87D0-4C03-8335-3955179D2B5B}"/>
+          </ac:spMkLst>
+        </pc:spChg>
+        <pc:picChg chg="del">
+          <ac:chgData name="Emily Crose" userId="5a1598ef78992c55" providerId="LiveId" clId="{75F37481-841B-40AD-A891-4A29A46DEAFB}" dt="2023-04-17T00:09:12.231" v="23" actId="478"/>
+          <ac:picMkLst>
+            <pc:docMk/>
+            <pc:sldMk cId="1938681844" sldId="256"/>
+            <ac:picMk id="5" creationId="{299974F5-C877-037B-7955-31E680DE8F92}"/>
+          </ac:picMkLst>
+        </pc:picChg>
+        <pc:picChg chg="add mod">
+          <ac:chgData name="Emily Crose" userId="5a1598ef78992c55" providerId="LiveId" clId="{75F37481-841B-40AD-A891-4A29A46DEAFB}" dt="2023-04-17T00:09:27.786" v="27" actId="26606"/>
+          <ac:picMkLst>
+            <pc:docMk/>
+            <pc:sldMk cId="1938681844" sldId="256"/>
+            <ac:picMk id="6" creationId="{04F3A968-ACF6-8C7D-6D9B-442A814644A7}"/>
+          </ac:picMkLst>
+        </pc:picChg>
+      </pc:sldChg>
+      <pc:sldChg chg="addSp delSp modSp mod setBg setClrOvrMap delDesignElem">
+        <pc:chgData name="Emily Crose" userId="5a1598ef78992c55" providerId="LiveId" clId="{75F37481-841B-40AD-A891-4A29A46DEAFB}" dt="2023-04-17T00:09:09.595" v="22" actId="20577"/>
+        <pc:sldMkLst>
+          <pc:docMk/>
+          <pc:sldMk cId="3013550915" sldId="257"/>
+        </pc:sldMkLst>
+        <pc:spChg chg="mod">
+          <ac:chgData name="Emily Crose" userId="5a1598ef78992c55" providerId="LiveId" clId="{75F37481-841B-40AD-A891-4A29A46DEAFB}" dt="2023-04-17T00:09:09.595" v="22" actId="20577"/>
+          <ac:spMkLst>
+            <pc:docMk/>
+            <pc:sldMk cId="3013550915" sldId="257"/>
+            <ac:spMk id="2" creationId="{4F68AD2C-B46D-FA8F-1E07-13A75AF50670}"/>
+          </ac:spMkLst>
+        </pc:spChg>
+        <pc:spChg chg="add">
+          <ac:chgData name="Emily Crose" userId="5a1598ef78992c55" providerId="LiveId" clId="{75F37481-841B-40AD-A891-4A29A46DEAFB}" dt="2023-04-17T00:09:05.388" v="18" actId="26606"/>
+          <ac:spMkLst>
+            <pc:docMk/>
+            <pc:sldMk cId="3013550915" sldId="257"/>
+            <ac:spMk id="4" creationId="{DAB482FD-C684-4DAA-AC4C-1739F51A98A0}"/>
+          </ac:spMkLst>
+        </pc:spChg>
+        <pc:spChg chg="del">
+          <ac:chgData name="Emily Crose" userId="5a1598ef78992c55" providerId="LiveId" clId="{75F37481-841B-40AD-A891-4A29A46DEAFB}" dt="2023-04-17T00:08:52.373" v="16"/>
+          <ac:spMkLst>
+            <pc:docMk/>
+            <pc:sldMk cId="3013550915" sldId="257"/>
+            <ac:spMk id="21" creationId="{DF17025D-0558-4BB1-932D-D407F5BDCAB8}"/>
+          </ac:spMkLst>
+        </pc:spChg>
+        <pc:spChg chg="del">
+          <ac:chgData name="Emily Crose" userId="5a1598ef78992c55" providerId="LiveId" clId="{75F37481-841B-40AD-A891-4A29A46DEAFB}" dt="2023-04-17T00:08:52.373" v="16"/>
+          <ac:spMkLst>
+            <pc:docMk/>
+            <pc:sldMk cId="3013550915" sldId="257"/>
+            <ac:spMk id="24" creationId="{23897308-2491-4C39-B764-46DCD1CAD321}"/>
+          </ac:spMkLst>
+        </pc:spChg>
+        <pc:grpChg chg="del">
+          <ac:chgData name="Emily Crose" userId="5a1598ef78992c55" providerId="LiveId" clId="{75F37481-841B-40AD-A891-4A29A46DEAFB}" dt="2023-04-17T00:08:52.373" v="16"/>
+          <ac:grpSpMkLst>
+            <pc:docMk/>
+            <pc:sldMk cId="3013550915" sldId="257"/>
+            <ac:grpSpMk id="26" creationId="{437C3370-E183-40E3-8F06-FDD26E64DD97}"/>
+          </ac:grpSpMkLst>
+        </pc:grpChg>
+        <pc:picChg chg="del">
+          <ac:chgData name="Emily Crose" userId="5a1598ef78992c55" providerId="LiveId" clId="{75F37481-841B-40AD-A891-4A29A46DEAFB}" dt="2023-04-17T00:09:02.598" v="17" actId="478"/>
+          <ac:picMkLst>
+            <pc:docMk/>
+            <pc:sldMk cId="3013550915" sldId="257"/>
+            <ac:picMk id="7" creationId="{7DD5BDCA-309E-1234-5D16-20962C9AB1EE}"/>
+          </ac:picMkLst>
+        </pc:picChg>
+        <pc:cxnChg chg="add">
+          <ac:chgData name="Emily Crose" userId="5a1598ef78992c55" providerId="LiveId" clId="{75F37481-841B-40AD-A891-4A29A46DEAFB}" dt="2023-04-17T00:09:05.388" v="18" actId="26606"/>
+          <ac:cxnSpMkLst>
+            <pc:docMk/>
+            <pc:sldMk cId="3013550915" sldId="257"/>
+            <ac:cxnSpMk id="5" creationId="{2DAA738B-EDF5-4694-B25A-3488245BC87C}"/>
+          </ac:cxnSpMkLst>
+        </pc:cxnChg>
+        <pc:cxnChg chg="del">
+          <ac:chgData name="Emily Crose" userId="5a1598ef78992c55" providerId="LiveId" clId="{75F37481-841B-40AD-A891-4A29A46DEAFB}" dt="2023-04-17T00:08:52.373" v="16"/>
+          <ac:cxnSpMkLst>
+            <pc:docMk/>
+            <pc:sldMk cId="3013550915" sldId="257"/>
+            <ac:cxnSpMk id="9" creationId="{0512F9CB-A1A0-4043-A103-F6A4B94B695A}"/>
+          </ac:cxnSpMkLst>
+        </pc:cxnChg>
+        <pc:cxnChg chg="del">
+          <ac:chgData name="Emily Crose" userId="5a1598ef78992c55" providerId="LiveId" clId="{75F37481-841B-40AD-A891-4A29A46DEAFB}" dt="2023-04-17T00:08:52.373" v="16"/>
+          <ac:cxnSpMkLst>
+            <pc:docMk/>
+            <pc:sldMk cId="3013550915" sldId="257"/>
+            <ac:cxnSpMk id="11" creationId="{ADBE6588-EE16-4389-857C-86A156D49E5D}"/>
+          </ac:cxnSpMkLst>
+        </pc:cxnChg>
+        <pc:cxnChg chg="del">
+          <ac:chgData name="Emily Crose" userId="5a1598ef78992c55" providerId="LiveId" clId="{75F37481-841B-40AD-A891-4A29A46DEAFB}" dt="2023-04-17T00:08:52.373" v="16"/>
+          <ac:cxnSpMkLst>
+            <pc:docMk/>
+            <pc:sldMk cId="3013550915" sldId="257"/>
+            <ac:cxnSpMk id="15" creationId="{17FD48D2-B0A7-413D-B947-AA55AC1296D5}"/>
+          </ac:cxnSpMkLst>
+        </pc:cxnChg>
+        <pc:cxnChg chg="del">
+          <ac:chgData name="Emily Crose" userId="5a1598ef78992c55" providerId="LiveId" clId="{75F37481-841B-40AD-A891-4A29A46DEAFB}" dt="2023-04-17T00:08:52.373" v="16"/>
+          <ac:cxnSpMkLst>
+            <pc:docMk/>
+            <pc:sldMk cId="3013550915" sldId="257"/>
+            <ac:cxnSpMk id="17" creationId="{2BE668D0-D906-4EEE-B32F-8C028624B837}"/>
+          </ac:cxnSpMkLst>
+        </pc:cxnChg>
+        <pc:cxnChg chg="del">
+          <ac:chgData name="Emily Crose" userId="5a1598ef78992c55" providerId="LiveId" clId="{75F37481-841B-40AD-A891-4A29A46DEAFB}" dt="2023-04-17T00:08:52.373" v="16"/>
+          <ac:cxnSpMkLst>
+            <pc:docMk/>
+            <pc:sldMk cId="3013550915" sldId="257"/>
+            <ac:cxnSpMk id="19" creationId="{D1DE67A3-B8F6-4CFD-A8E0-D15200F23152}"/>
+          </ac:cxnSpMkLst>
+        </pc:cxnChg>
+      </pc:sldChg>
+      <pc:sldChg chg="modSp add">
+        <pc:chgData name="Emily Crose" userId="5a1598ef78992c55" providerId="LiveId" clId="{75F37481-841B-40AD-A891-4A29A46DEAFB}" dt="2023-04-17T00:08:52.373" v="16"/>
+        <pc:sldMkLst>
+          <pc:docMk/>
+          <pc:sldMk cId="2158119916" sldId="277"/>
+        </pc:sldMkLst>
+        <pc:spChg chg="mod">
+          <ac:chgData name="Emily Crose" userId="5a1598ef78992c55" providerId="LiveId" clId="{75F37481-841B-40AD-A891-4A29A46DEAFB}" dt="2023-04-17T00:08:52.373" v="16"/>
+          <ac:spMkLst>
+            <pc:docMk/>
+            <pc:sldMk cId="2158119916" sldId="277"/>
+            <ac:spMk id="2" creationId="{047B3247-CD57-A68D-86CB-226AD9D932CC}"/>
+          </ac:spMkLst>
+        </pc:spChg>
+        <pc:spChg chg="mod">
+          <ac:chgData name="Emily Crose" userId="5a1598ef78992c55" providerId="LiveId" clId="{75F37481-841B-40AD-A891-4A29A46DEAFB}" dt="2023-04-17T00:08:52.373" v="16"/>
+          <ac:spMkLst>
+            <pc:docMk/>
+            <pc:sldMk cId="2158119916" sldId="277"/>
+            <ac:spMk id="3" creationId="{940F9860-AD79-8C22-AF4B-170D69ACC5C7}"/>
+          </ac:spMkLst>
+        </pc:spChg>
+      </pc:sldChg>
+      <pc:sldChg chg="addSp delSp modSp mod setBg delDesignElem">
+        <pc:chgData name="Emily Crose" userId="5a1598ef78992c55" providerId="LiveId" clId="{75F37481-841B-40AD-A891-4A29A46DEAFB}" dt="2023-04-17T00:09:46.376" v="29" actId="26606"/>
+        <pc:sldMkLst>
+          <pc:docMk/>
+          <pc:sldMk cId="3519171936" sldId="278"/>
+        </pc:sldMkLst>
+        <pc:spChg chg="mod">
+          <ac:chgData name="Emily Crose" userId="5a1598ef78992c55" providerId="LiveId" clId="{75F37481-841B-40AD-A891-4A29A46DEAFB}" dt="2023-04-17T00:09:46.376" v="29" actId="26606"/>
+          <ac:spMkLst>
+            <pc:docMk/>
+            <pc:sldMk cId="3519171936" sldId="278"/>
+            <ac:spMk id="4" creationId="{8128039C-0EE4-9C77-38DE-69A5998C5EFF}"/>
+          </ac:spMkLst>
+        </pc:spChg>
+        <pc:spChg chg="add">
+          <ac:chgData name="Emily Crose" userId="5a1598ef78992c55" providerId="LiveId" clId="{75F37481-841B-40AD-A891-4A29A46DEAFB}" dt="2023-04-17T00:09:46.376" v="29" actId="26606"/>
+          <ac:spMkLst>
+            <pc:docMk/>
+            <pc:sldMk cId="3519171936" sldId="278"/>
+            <ac:spMk id="9" creationId="{608EAA06-5488-416B-B2B2-E55213011012}"/>
+          </ac:spMkLst>
+        </pc:spChg>
+        <pc:spChg chg="del">
+          <ac:chgData name="Emily Crose" userId="5a1598ef78992c55" providerId="LiveId" clId="{75F37481-841B-40AD-A891-4A29A46DEAFB}" dt="2023-04-17T00:08:52.373" v="16"/>
+          <ac:spMkLst>
+            <pc:docMk/>
+            <pc:sldMk cId="3519171936" sldId="278"/>
+            <ac:spMk id="37" creationId="{7A675F33-98AF-4B83-A3BB-0780A23145E6}"/>
+          </ac:spMkLst>
+        </pc:spChg>
+        <pc:grpChg chg="del">
+          <ac:chgData name="Emily Crose" userId="5a1598ef78992c55" providerId="LiveId" clId="{75F37481-841B-40AD-A891-4A29A46DEAFB}" dt="2023-04-17T00:08:52.373" v="16"/>
+          <ac:grpSpMkLst>
+            <pc:docMk/>
+            <pc:sldMk cId="3519171936" sldId="278"/>
+            <ac:grpSpMk id="38" creationId="{EA75029C-64B9-41D0-9540-75846D4B04A5}"/>
+          </ac:grpSpMkLst>
+        </pc:grpChg>
+        <pc:picChg chg="del">
+          <ac:chgData name="Emily Crose" userId="5a1598ef78992c55" providerId="LiveId" clId="{75F37481-841B-40AD-A891-4A29A46DEAFB}" dt="2023-04-17T00:09:44.573" v="28" actId="478"/>
+          <ac:picMkLst>
+            <pc:docMk/>
+            <pc:sldMk cId="3519171936" sldId="278"/>
+            <ac:picMk id="6" creationId="{43E9473A-6AF2-2D03-2B51-04177FC03B1D}"/>
+          </ac:picMkLst>
+        </pc:picChg>
+        <pc:picChg chg="add">
+          <ac:chgData name="Emily Crose" userId="5a1598ef78992c55" providerId="LiveId" clId="{75F37481-841B-40AD-A891-4A29A46DEAFB}" dt="2023-04-17T00:09:46.376" v="29" actId="26606"/>
+          <ac:picMkLst>
+            <pc:docMk/>
+            <pc:sldMk cId="3519171936" sldId="278"/>
+            <ac:picMk id="7" creationId="{E9FA19AC-E9CD-85C1-9052-7279C81C0D68}"/>
+          </ac:picMkLst>
+        </pc:picChg>
+        <pc:cxnChg chg="del">
+          <ac:chgData name="Emily Crose" userId="5a1598ef78992c55" providerId="LiveId" clId="{75F37481-841B-40AD-A891-4A29A46DEAFB}" dt="2023-04-17T00:08:52.373" v="16"/>
+          <ac:cxnSpMkLst>
+            <pc:docMk/>
+            <pc:sldMk cId="3519171936" sldId="278"/>
+            <ac:cxnSpMk id="32" creationId="{8FD48FB1-66D8-4676-B0AA-C139A1DB78D1}"/>
+          </ac:cxnSpMkLst>
+        </pc:cxnChg>
+        <pc:cxnChg chg="del">
+          <ac:chgData name="Emily Crose" userId="5a1598ef78992c55" providerId="LiveId" clId="{75F37481-841B-40AD-A891-4A29A46DEAFB}" dt="2023-04-17T00:08:52.373" v="16"/>
+          <ac:cxnSpMkLst>
+            <pc:docMk/>
+            <pc:sldMk cId="3519171936" sldId="278"/>
+            <ac:cxnSpMk id="33" creationId="{F033F5AE-6728-4F19-8DED-658E674B31B9}"/>
+          </ac:cxnSpMkLst>
+        </pc:cxnChg>
+        <pc:cxnChg chg="del">
+          <ac:chgData name="Emily Crose" userId="5a1598ef78992c55" providerId="LiveId" clId="{75F37481-841B-40AD-A891-4A29A46DEAFB}" dt="2023-04-17T00:08:52.373" v="16"/>
+          <ac:cxnSpMkLst>
+            <pc:docMk/>
+            <pc:sldMk cId="3519171936" sldId="278"/>
+            <ac:cxnSpMk id="34" creationId="{82C7D74A-18BA-4709-A808-44E8815C4430}"/>
+          </ac:cxnSpMkLst>
+        </pc:cxnChg>
+        <pc:cxnChg chg="del">
+          <ac:chgData name="Emily Crose" userId="5a1598ef78992c55" providerId="LiveId" clId="{75F37481-841B-40AD-A891-4A29A46DEAFB}" dt="2023-04-17T00:08:52.373" v="16"/>
+          <ac:cxnSpMkLst>
+            <pc:docMk/>
+            <pc:sldMk cId="3519171936" sldId="278"/>
+            <ac:cxnSpMk id="35" creationId="{B5164A3F-1561-4039-8185-AB0EEB713EA7}"/>
+          </ac:cxnSpMkLst>
+        </pc:cxnChg>
+        <pc:cxnChg chg="del">
+          <ac:chgData name="Emily Crose" userId="5a1598ef78992c55" providerId="LiveId" clId="{75F37481-841B-40AD-A891-4A29A46DEAFB}" dt="2023-04-17T00:08:52.373" v="16"/>
+          <ac:cxnSpMkLst>
+            <pc:docMk/>
+            <pc:sldMk cId="3519171936" sldId="278"/>
+            <ac:cxnSpMk id="36" creationId="{2A35DB53-42BE-460E-9CA1-1294C98463CB}"/>
+          </ac:cxnSpMkLst>
+        </pc:cxnChg>
+      </pc:sldChg>
+      <pc:sldChg chg="modSp add">
+        <pc:chgData name="Emily Crose" userId="5a1598ef78992c55" providerId="LiveId" clId="{75F37481-841B-40AD-A891-4A29A46DEAFB}" dt="2023-04-17T00:08:52.373" v="16"/>
+        <pc:sldMkLst>
+          <pc:docMk/>
+          <pc:sldMk cId="3076984293" sldId="280"/>
+        </pc:sldMkLst>
+        <pc:spChg chg="mod">
+          <ac:chgData name="Emily Crose" userId="5a1598ef78992c55" providerId="LiveId" clId="{75F37481-841B-40AD-A891-4A29A46DEAFB}" dt="2023-04-17T00:08:52.373" v="16"/>
+          <ac:spMkLst>
+            <pc:docMk/>
+            <pc:sldMk cId="3076984293" sldId="280"/>
+            <ac:spMk id="2" creationId="{2FD098B1-0412-424E-49DE-3F80E7AA8349}"/>
+          </ac:spMkLst>
+        </pc:spChg>
+        <pc:spChg chg="mod">
+          <ac:chgData name="Emily Crose" userId="5a1598ef78992c55" providerId="LiveId" clId="{75F37481-841B-40AD-A891-4A29A46DEAFB}" dt="2023-04-17T00:08:52.373" v="16"/>
+          <ac:spMkLst>
+            <pc:docMk/>
+            <pc:sldMk cId="3076984293" sldId="280"/>
+            <ac:spMk id="3" creationId="{9E791FFB-9F3B-75BA-D539-11E5BAB941EF}"/>
+          </ac:spMkLst>
+        </pc:spChg>
+      </pc:sldChg>
+      <pc:sldChg chg="add">
+        <pc:chgData name="Emily Crose" userId="5a1598ef78992c55" providerId="LiveId" clId="{75F37481-841B-40AD-A891-4A29A46DEAFB}" dt="2023-04-16T21:38:38.578" v="2"/>
+        <pc:sldMkLst>
+          <pc:docMk/>
+          <pc:sldMk cId="3028504148" sldId="281"/>
+        </pc:sldMkLst>
+      </pc:sldChg>
+      <pc:sldChg chg="modSp add">
+        <pc:chgData name="Emily Crose" userId="5a1598ef78992c55" providerId="LiveId" clId="{75F37481-841B-40AD-A891-4A29A46DEAFB}" dt="2023-04-17T00:08:52.373" v="16"/>
+        <pc:sldMkLst>
+          <pc:docMk/>
+          <pc:sldMk cId="2004189387" sldId="286"/>
+        </pc:sldMkLst>
+        <pc:spChg chg="mod">
+          <ac:chgData name="Emily Crose" userId="5a1598ef78992c55" providerId="LiveId" clId="{75F37481-841B-40AD-A891-4A29A46DEAFB}" dt="2023-04-17T00:08:52.373" v="16"/>
+          <ac:spMkLst>
+            <pc:docMk/>
+            <pc:sldMk cId="2004189387" sldId="286"/>
+            <ac:spMk id="2" creationId="{069A3439-69E9-F1FE-B8F7-605B4B8E5545}"/>
+          </ac:spMkLst>
+        </pc:spChg>
+        <pc:spChg chg="mod">
+          <ac:chgData name="Emily Crose" userId="5a1598ef78992c55" providerId="LiveId" clId="{75F37481-841B-40AD-A891-4A29A46DEAFB}" dt="2023-04-17T00:08:52.373" v="16"/>
+          <ac:spMkLst>
+            <pc:docMk/>
+            <pc:sldMk cId="2004189387" sldId="286"/>
+            <ac:spMk id="3" creationId="{6DE9F48A-4055-A9BC-D003-61325B422A56}"/>
+          </ac:spMkLst>
+        </pc:spChg>
+      </pc:sldChg>
+      <pc:sldChg chg="add">
+        <pc:chgData name="Emily Crose" userId="5a1598ef78992c55" providerId="LiveId" clId="{75F37481-841B-40AD-A891-4A29A46DEAFB}" dt="2023-04-16T21:38:38.578" v="2"/>
+        <pc:sldMkLst>
+          <pc:docMk/>
+          <pc:sldMk cId="2221949335" sldId="287"/>
+        </pc:sldMkLst>
+      </pc:sldChg>
+      <pc:sldChg chg="modSp add">
+        <pc:chgData name="Emily Crose" userId="5a1598ef78992c55" providerId="LiveId" clId="{75F37481-841B-40AD-A891-4A29A46DEAFB}" dt="2023-04-17T00:08:52.373" v="16"/>
+        <pc:sldMkLst>
+          <pc:docMk/>
+          <pc:sldMk cId="2437315508" sldId="296"/>
+        </pc:sldMkLst>
+        <pc:spChg chg="mod">
+          <ac:chgData name="Emily Crose" userId="5a1598ef78992c55" providerId="LiveId" clId="{75F37481-841B-40AD-A891-4A29A46DEAFB}" dt="2023-04-17T00:08:52.373" v="16"/>
+          <ac:spMkLst>
+            <pc:docMk/>
+            <pc:sldMk cId="2437315508" sldId="296"/>
+            <ac:spMk id="2" creationId="{B401AA53-CB3A-8EF2-7C9D-70B19BF8F561}"/>
+          </ac:spMkLst>
+        </pc:spChg>
+      </pc:sldChg>
+      <pc:sldChg chg="modSp add">
+        <pc:chgData name="Emily Crose" userId="5a1598ef78992c55" providerId="LiveId" clId="{75F37481-841B-40AD-A891-4A29A46DEAFB}" dt="2023-04-17T00:08:52.373" v="16"/>
+        <pc:sldMkLst>
+          <pc:docMk/>
+          <pc:sldMk cId="2559449484" sldId="297"/>
+        </pc:sldMkLst>
+        <pc:spChg chg="mod">
+          <ac:chgData name="Emily Crose" userId="5a1598ef78992c55" providerId="LiveId" clId="{75F37481-841B-40AD-A891-4A29A46DEAFB}" dt="2023-04-17T00:08:52.373" v="16"/>
+          <ac:spMkLst>
+            <pc:docMk/>
+            <pc:sldMk cId="2559449484" sldId="297"/>
+            <ac:spMk id="2" creationId="{21BF4D03-BD03-DAC4-BD45-155F165873FF}"/>
           </ac:spMkLst>
         </pc:spChg>
       </pc:sldChg>
@@ -3733,7 +4083,7 @@
           <a:p>
             <a:fld id="{BE048F1E-0B01-B04D-9371-15538F615E4A}" type="datetimeFigureOut">
               <a:rPr lang="en-US" smtClean="0"/>
-              <a:t>4/12/2023</a:t>
+              <a:t>4/16/2023</a:t>
             </a:fld>
             <a:endParaRPr lang="en-US"/>
           </a:p>
@@ -4128,7 +4478,10 @@
           <a:bodyPr/>
           <a:lstStyle/>
           <a:p>
-            <a:endParaRPr lang="en-US" dirty="0"/>
+            <a:r>
+              <a:rPr lang="en-US" dirty="0"/>
+              <a:t>Over the last couple of days, we’ve talked a lot about the types of software we may interact with in our lives. We now have a sense of scale of how large of a project it is to build an app, so the question for us becomes; how do we approach this project with as much organization as possible? That’s where the software development life cycle comes into play</a:t>
+            </a:r>
           </a:p>
         </p:txBody>
       </p:sp>
@@ -4149,7 +4502,178 @@
           <a:p>
             <a:fld id="{10D988CA-5978-2244-BA11-DC1A92DB7F45}" type="slidenum">
               <a:rPr lang="en-US" smtClean="0"/>
-              <a:t>5</a:t>
+              <a:t>8</a:t>
+            </a:fld>
+            <a:endParaRPr lang="en-US"/>
+          </a:p>
+        </p:txBody>
+      </p:sp>
+    </p:spTree>
+    <p:extLst>
+      <p:ext uri="{BB962C8B-B14F-4D97-AF65-F5344CB8AC3E}">
+        <p14:creationId xmlns:p14="http://schemas.microsoft.com/office/powerpoint/2010/main" val="2000501755"/>
+      </p:ext>
+    </p:extLst>
+  </p:cSld>
+  <p:clrMapOvr>
+    <a:masterClrMapping/>
+  </p:clrMapOvr>
+</p:notes>
+</file>
+
+<file path=ppt/notesSlides/notesSlide3.xml><?xml version="1.0" encoding="utf-8"?>
+<p:notes xmlns:a="http://schemas.openxmlformats.org/drawingml/2006/main" xmlns:r="http://schemas.openxmlformats.org/officeDocument/2006/relationships" xmlns:p="http://schemas.openxmlformats.org/presentationml/2006/main">
+  <p:cSld>
+    <p:spTree>
+      <p:nvGrpSpPr>
+        <p:cNvPr id="1" name=""/>
+        <p:cNvGrpSpPr/>
+        <p:nvPr/>
+      </p:nvGrpSpPr>
+      <p:grpSpPr>
+        <a:xfrm>
+          <a:off x="0" y="0"/>
+          <a:ext cx="0" cy="0"/>
+          <a:chOff x="0" y="0"/>
+          <a:chExt cx="0" cy="0"/>
+        </a:xfrm>
+      </p:grpSpPr>
+      <p:sp>
+        <p:nvSpPr>
+          <p:cNvPr id="2" name="Slide Image Placeholder 1"/>
+          <p:cNvSpPr>
+            <a:spLocks noGrp="1" noRot="1" noChangeAspect="1"/>
+          </p:cNvSpPr>
+          <p:nvPr>
+            <p:ph type="sldImg"/>
+          </p:nvPr>
+        </p:nvSpPr>
+        <p:spPr/>
+      </p:sp>
+      <p:sp>
+        <p:nvSpPr>
+          <p:cNvPr id="3" name="Notes Placeholder 2"/>
+          <p:cNvSpPr>
+            <a:spLocks noGrp="1"/>
+          </p:cNvSpPr>
+          <p:nvPr>
+            <p:ph type="body" idx="1"/>
+          </p:nvPr>
+        </p:nvSpPr>
+        <p:spPr/>
+        <p:txBody>
+          <a:bodyPr/>
+          <a:lstStyle/>
+          <a:p>
+            <a:r>
+              <a:rPr lang="en-US" dirty="0"/>
+              <a:t>This is a simple example of the SDLC. Typically, representations of the SDLC will have around 6 steps, but the steps will generally match what you see here. </a:t>
+            </a:r>
+          </a:p>
+        </p:txBody>
+      </p:sp>
+      <p:sp>
+        <p:nvSpPr>
+          <p:cNvPr id="4" name="Slide Number Placeholder 3"/>
+          <p:cNvSpPr>
+            <a:spLocks noGrp="1"/>
+          </p:cNvSpPr>
+          <p:nvPr>
+            <p:ph type="sldNum" sz="quarter" idx="5"/>
+          </p:nvPr>
+        </p:nvSpPr>
+        <p:spPr/>
+        <p:txBody>
+          <a:bodyPr/>
+          <a:lstStyle/>
+          <a:p>
+            <a:fld id="{10D988CA-5978-2244-BA11-DC1A92DB7F45}" type="slidenum">
+              <a:rPr lang="en-US" smtClean="0"/>
+              <a:t>10</a:t>
+            </a:fld>
+            <a:endParaRPr lang="en-US"/>
+          </a:p>
+        </p:txBody>
+      </p:sp>
+    </p:spTree>
+    <p:extLst>
+      <p:ext uri="{BB962C8B-B14F-4D97-AF65-F5344CB8AC3E}">
+        <p14:creationId xmlns:p14="http://schemas.microsoft.com/office/powerpoint/2010/main" val="2071879139"/>
+      </p:ext>
+    </p:extLst>
+  </p:cSld>
+  <p:clrMapOvr>
+    <a:masterClrMapping/>
+  </p:clrMapOvr>
+</p:notes>
+</file>
+
+<file path=ppt/notesSlides/notesSlide4.xml><?xml version="1.0" encoding="utf-8"?>
+<p:notes xmlns:a="http://schemas.openxmlformats.org/drawingml/2006/main" xmlns:r="http://schemas.openxmlformats.org/officeDocument/2006/relationships" xmlns:p="http://schemas.openxmlformats.org/presentationml/2006/main">
+  <p:cSld>
+    <p:spTree>
+      <p:nvGrpSpPr>
+        <p:cNvPr id="1" name=""/>
+        <p:cNvGrpSpPr/>
+        <p:nvPr/>
+      </p:nvGrpSpPr>
+      <p:grpSpPr>
+        <a:xfrm>
+          <a:off x="0" y="0"/>
+          <a:ext cx="0" cy="0"/>
+          <a:chOff x="0" y="0"/>
+          <a:chExt cx="0" cy="0"/>
+        </a:xfrm>
+      </p:grpSpPr>
+      <p:sp>
+        <p:nvSpPr>
+          <p:cNvPr id="2" name="Slide Image Placeholder 1"/>
+          <p:cNvSpPr>
+            <a:spLocks noGrp="1" noRot="1" noChangeAspect="1"/>
+          </p:cNvSpPr>
+          <p:nvPr>
+            <p:ph type="sldImg"/>
+          </p:nvPr>
+        </p:nvSpPr>
+        <p:spPr/>
+      </p:sp>
+      <p:sp>
+        <p:nvSpPr>
+          <p:cNvPr id="3" name="Notes Placeholder 2"/>
+          <p:cNvSpPr>
+            <a:spLocks noGrp="1"/>
+          </p:cNvSpPr>
+          <p:nvPr>
+            <p:ph type="body" idx="1"/>
+          </p:nvPr>
+        </p:nvSpPr>
+        <p:spPr/>
+        <p:txBody>
+          <a:bodyPr/>
+          <a:lstStyle/>
+          <a:p>
+            <a:endParaRPr lang="en-US" dirty="0"/>
+          </a:p>
+        </p:txBody>
+      </p:sp>
+      <p:sp>
+        <p:nvSpPr>
+          <p:cNvPr id="4" name="Slide Number Placeholder 3"/>
+          <p:cNvSpPr>
+            <a:spLocks noGrp="1"/>
+          </p:cNvSpPr>
+          <p:nvPr>
+            <p:ph type="sldNum" sz="quarter" idx="5"/>
+          </p:nvPr>
+        </p:nvSpPr>
+        <p:spPr/>
+        <p:txBody>
+          <a:bodyPr/>
+          <a:lstStyle/>
+          <a:p>
+            <a:fld id="{10D988CA-5978-2244-BA11-DC1A92DB7F45}" type="slidenum">
+              <a:rPr lang="en-US" smtClean="0"/>
+              <a:t>12</a:t>
             </a:fld>
             <a:endParaRPr lang="en-US"/>
           </a:p>
@@ -4169,7 +4693,7 @@
 </file>
 
 <file path=ppt/slideLayouts/slideLayout1.xml><?xml version="1.0" encoding="utf-8"?>
-<p:sldLayout xmlns:a="http://schemas.openxmlformats.org/drawingml/2006/main" xmlns:r="http://schemas.openxmlformats.org/officeDocument/2006/relationships" xmlns:p="http://schemas.openxmlformats.org/presentationml/2006/main" showMasterSp="0" type="title" preserve="1">
+<p:sldLayout xmlns:a="http://schemas.openxmlformats.org/drawingml/2006/main" xmlns:r="http://schemas.openxmlformats.org/officeDocument/2006/relationships" xmlns:p="http://schemas.openxmlformats.org/presentationml/2006/main" type="title" preserve="1">
   <p:cSld name="Title Slide">
     <p:spTree>
       <p:nvGrpSpPr>
@@ -4197,8 +4721,8 @@
         </p:nvSpPr>
         <p:spPr>
           <a:xfrm>
-            <a:off x="684212" y="685799"/>
-            <a:ext cx="8001000" cy="2971801"/>
+            <a:off x="1370693" y="1769540"/>
+            <a:ext cx="9440034" cy="1828801"/>
           </a:xfrm>
         </p:spPr>
         <p:txBody>
@@ -4206,10 +4730,8 @@
             <a:normAutofit/>
           </a:bodyPr>
           <a:lstStyle>
-            <a:lvl1pPr algn="l">
-              <a:defRPr sz="4800">
-                <a:effectLst/>
-              </a:defRPr>
+            <a:lvl1pPr algn="ctr">
+              <a:defRPr sz="5400"/>
             </a:lvl1pPr>
           </a:lstStyle>
           <a:p>
@@ -4233,22 +4755,18 @@
         </p:nvSpPr>
         <p:spPr>
           <a:xfrm>
-            <a:off x="684212" y="3843867"/>
-            <a:ext cx="6400800" cy="1947333"/>
+            <a:off x="1370693" y="3598339"/>
+            <a:ext cx="9440034" cy="1049867"/>
           </a:xfrm>
         </p:spPr>
         <p:txBody>
-          <a:bodyPr anchor="t">
-            <a:normAutofit/>
-          </a:bodyPr>
+          <a:bodyPr anchor="t"/>
           <a:lstStyle>
-            <a:lvl1pPr marL="0" indent="0" algn="l">
-              <a:buNone/>
-              <a:defRPr sz="2100">
+            <a:lvl1pPr marL="0" indent="0" algn="ctr">
+              <a:buNone/>
+              <a:defRPr>
                 <a:solidFill>
-                  <a:schemeClr val="bg2">
-                    <a:lumMod val="75000"/>
-                  </a:schemeClr>
+                  <a:schemeClr val="tx1"/>
                 </a:solidFill>
               </a:defRPr>
             </a:lvl1pPr>
@@ -4359,7 +4877,7 @@
           <a:p>
             <a:fld id="{1160EA64-D806-43AC-9DF2-F8C432F32B4C}" type="datetimeFigureOut">
               <a:rPr lang="en-US" smtClean="0"/>
-              <a:t>4/12/2023</a:t>
+              <a:t>4/16/2023</a:t>
             </a:fld>
             <a:endParaRPr lang="en-US" dirty="0"/>
           </a:p>
@@ -4408,185 +4926,10 @@
           </a:p>
         </p:txBody>
       </p:sp>
-      <p:cxnSp>
-        <p:nvCxnSpPr>
-          <p:cNvPr id="16" name="Straight Connector 15"/>
-          <p:cNvCxnSpPr/>
-          <p:nvPr/>
-        </p:nvCxnSpPr>
-        <p:spPr>
-          <a:xfrm flipH="1">
-            <a:off x="8228012" y="8467"/>
-            <a:ext cx="3810000" cy="3810000"/>
-          </a:xfrm>
-          <a:prstGeom prst="line">
-            <a:avLst/>
-          </a:prstGeom>
-          <a:ln w="12700">
-            <a:solidFill>
-              <a:schemeClr val="tx1"/>
-            </a:solidFill>
-          </a:ln>
-        </p:spPr>
-        <p:style>
-          <a:lnRef idx="2">
-            <a:schemeClr val="accent1"/>
-          </a:lnRef>
-          <a:fillRef idx="0">
-            <a:schemeClr val="accent1"/>
-          </a:fillRef>
-          <a:effectRef idx="1">
-            <a:schemeClr val="accent1"/>
-          </a:effectRef>
-          <a:fontRef idx="minor">
-            <a:schemeClr val="tx1"/>
-          </a:fontRef>
-        </p:style>
-      </p:cxnSp>
-      <p:cxnSp>
-        <p:nvCxnSpPr>
-          <p:cNvPr id="17" name="Straight Connector 16"/>
-          <p:cNvCxnSpPr/>
-          <p:nvPr/>
-        </p:nvCxnSpPr>
-        <p:spPr>
-          <a:xfrm flipH="1">
-            <a:off x="6108170" y="91545"/>
-            <a:ext cx="6080655" cy="6080655"/>
-          </a:xfrm>
-          <a:prstGeom prst="line">
-            <a:avLst/>
-          </a:prstGeom>
-          <a:ln w="12700">
-            <a:solidFill>
-              <a:schemeClr val="tx1"/>
-            </a:solidFill>
-          </a:ln>
-        </p:spPr>
-        <p:style>
-          <a:lnRef idx="2">
-            <a:schemeClr val="accent1"/>
-          </a:lnRef>
-          <a:fillRef idx="0">
-            <a:schemeClr val="accent1"/>
-          </a:fillRef>
-          <a:effectRef idx="1">
-            <a:schemeClr val="accent1"/>
-          </a:effectRef>
-          <a:fontRef idx="minor">
-            <a:schemeClr val="tx1"/>
-          </a:fontRef>
-        </p:style>
-      </p:cxnSp>
-      <p:cxnSp>
-        <p:nvCxnSpPr>
-          <p:cNvPr id="19" name="Straight Connector 18"/>
-          <p:cNvCxnSpPr/>
-          <p:nvPr/>
-        </p:nvCxnSpPr>
-        <p:spPr>
-          <a:xfrm flipH="1">
-            <a:off x="7235825" y="228600"/>
-            <a:ext cx="4953000" cy="4953000"/>
-          </a:xfrm>
-          <a:prstGeom prst="line">
-            <a:avLst/>
-          </a:prstGeom>
-          <a:ln w="12700">
-            <a:solidFill>
-              <a:schemeClr val="tx1"/>
-            </a:solidFill>
-          </a:ln>
-        </p:spPr>
-        <p:style>
-          <a:lnRef idx="2">
-            <a:schemeClr val="accent1"/>
-          </a:lnRef>
-          <a:fillRef idx="0">
-            <a:schemeClr val="accent1"/>
-          </a:fillRef>
-          <a:effectRef idx="1">
-            <a:schemeClr val="accent1"/>
-          </a:effectRef>
-          <a:fontRef idx="minor">
-            <a:schemeClr val="tx1"/>
-          </a:fontRef>
-        </p:style>
-      </p:cxnSp>
-      <p:cxnSp>
-        <p:nvCxnSpPr>
-          <p:cNvPr id="21" name="Straight Connector 20"/>
-          <p:cNvCxnSpPr/>
-          <p:nvPr/>
-        </p:nvCxnSpPr>
-        <p:spPr>
-          <a:xfrm flipH="1">
-            <a:off x="7335837" y="32278"/>
-            <a:ext cx="4852989" cy="4852989"/>
-          </a:xfrm>
-          <a:prstGeom prst="line">
-            <a:avLst/>
-          </a:prstGeom>
-          <a:ln w="31750">
-            <a:solidFill>
-              <a:schemeClr val="tx1"/>
-            </a:solidFill>
-          </a:ln>
-        </p:spPr>
-        <p:style>
-          <a:lnRef idx="2">
-            <a:schemeClr val="accent1"/>
-          </a:lnRef>
-          <a:fillRef idx="0">
-            <a:schemeClr val="accent1"/>
-          </a:fillRef>
-          <a:effectRef idx="1">
-            <a:schemeClr val="accent1"/>
-          </a:effectRef>
-          <a:fontRef idx="minor">
-            <a:schemeClr val="tx1"/>
-          </a:fontRef>
-        </p:style>
-      </p:cxnSp>
-      <p:cxnSp>
-        <p:nvCxnSpPr>
-          <p:cNvPr id="23" name="Straight Connector 22"/>
-          <p:cNvCxnSpPr/>
-          <p:nvPr/>
-        </p:nvCxnSpPr>
-        <p:spPr>
-          <a:xfrm flipH="1">
-            <a:off x="7845426" y="609601"/>
-            <a:ext cx="4343399" cy="4343399"/>
-          </a:xfrm>
-          <a:prstGeom prst="line">
-            <a:avLst/>
-          </a:prstGeom>
-          <a:ln w="31750">
-            <a:solidFill>
-              <a:schemeClr val="tx1"/>
-            </a:solidFill>
-          </a:ln>
-        </p:spPr>
-        <p:style>
-          <a:lnRef idx="2">
-            <a:schemeClr val="accent1"/>
-          </a:lnRef>
-          <a:fillRef idx="0">
-            <a:schemeClr val="accent1"/>
-          </a:fillRef>
-          <a:effectRef idx="1">
-            <a:schemeClr val="accent1"/>
-          </a:effectRef>
-          <a:fontRef idx="minor">
-            <a:schemeClr val="tx1"/>
-          </a:fontRef>
-        </p:style>
-      </p:cxnSp>
     </p:spTree>
     <p:extLst>
       <p:ext uri="{BB962C8B-B14F-4D97-AF65-F5344CB8AC3E}">
-        <p14:creationId xmlns:p14="http://schemas.microsoft.com/office/powerpoint/2010/main" val="2811187748"/>
+        <p14:creationId xmlns:p14="http://schemas.microsoft.com/office/powerpoint/2010/main" val="2049590715"/>
       </p:ext>
     </p:extLst>
   </p:cSld>
@@ -4613,6 +4956,36 @@
           <a:chExt cx="0" cy="0"/>
         </a:xfrm>
       </p:grpSpPr>
+      <p:pic>
+        <p:nvPicPr>
+          <p:cNvPr id="16" name="Picture 15" descr="Slate-V2-HD-panoPhotoInset.png"/>
+          <p:cNvPicPr>
+            <a:picLocks noChangeAspect="1"/>
+          </p:cNvPicPr>
+          <p:nvPr/>
+        </p:nvPicPr>
+        <p:blipFill>
+          <a:blip r:embed="rId2">
+            <a:extLst>
+              <a:ext uri="{28A0092B-C50C-407E-A947-70E740481C1C}">
+                <a14:useLocalDpi xmlns:a14="http://schemas.microsoft.com/office/drawing/2010/main" val="0"/>
+              </a:ext>
+            </a:extLst>
+          </a:blip>
+          <a:stretch>
+            <a:fillRect/>
+          </a:stretch>
+        </p:blipFill>
+        <p:spPr>
+          <a:xfrm>
+            <a:off x="1013883" y="547807"/>
+            <a:ext cx="10141799" cy="3816806"/>
+          </a:xfrm>
+          <a:prstGeom prst="rect">
+            <a:avLst/>
+          </a:prstGeom>
+        </p:spPr>
+      </p:pic>
       <p:sp>
         <p:nvSpPr>
           <p:cNvPr id="2" name="Title 1"/>
@@ -4623,10 +4996,21 @@
             <p:ph type="title"/>
           </p:nvPr>
         </p:nvSpPr>
-        <p:spPr/>
-        <p:txBody>
-          <a:bodyPr/>
-          <a:lstStyle/>
+        <p:spPr>
+          <a:xfrm>
+            <a:off x="913806" y="4565255"/>
+            <a:ext cx="10355326" cy="543472"/>
+          </a:xfrm>
+        </p:spPr>
+        <p:txBody>
+          <a:bodyPr anchor="b">
+            <a:normAutofit/>
+          </a:bodyPr>
+          <a:lstStyle>
+            <a:lvl1pPr algn="ctr">
+              <a:defRPr sz="2800"/>
+            </a:lvl1pPr>
+          </a:lstStyle>
           <a:p>
             <a:r>
               <a:rPr lang="en-US"/>
@@ -4638,38 +5022,25 @@
       </p:sp>
       <p:sp>
         <p:nvSpPr>
-          <p:cNvPr id="17" name="Picture Placeholder 2"/>
+          <p:cNvPr id="3" name="Picture Placeholder 2"/>
           <p:cNvSpPr>
             <a:spLocks noGrp="1" noChangeAspect="1"/>
           </p:cNvSpPr>
           <p:nvPr>
-            <p:ph type="pic" idx="13"/>
+            <p:ph type="pic" idx="1"/>
           </p:nvPr>
         </p:nvSpPr>
         <p:spPr>
           <a:xfrm>
-            <a:off x="685800" y="533400"/>
-            <a:ext cx="10818812" cy="3124200"/>
+            <a:off x="1169349" y="695009"/>
+            <a:ext cx="9845346" cy="3525671"/>
           </a:xfrm>
-          <a:prstGeom prst="snip2DiagRect">
-            <a:avLst>
-              <a:gd name="adj1" fmla="val 10815"/>
-              <a:gd name="adj2" fmla="val 0"/>
-            </a:avLst>
-          </a:prstGeom>
-          <a:ln w="15875">
-            <a:solidFill>
-              <a:schemeClr val="tx1">
-                <a:alpha val="40000"/>
-              </a:schemeClr>
-            </a:solidFill>
-          </a:ln>
           <a:effectLst>
-            <a:innerShdw blurRad="57150" dist="38100" dir="14460000">
+            <a:outerShdw blurRad="38100" dist="25400" dir="4440000">
               <a:srgbClr val="000000">
-                <a:alpha val="70000"/>
+                <a:alpha val="36000"/>
               </a:srgbClr>
-            </a:innerShdw>
+            </a:outerShdw>
           </a:effectLst>
         </p:spPr>
         <p:txBody>
@@ -4679,39 +5050,39 @@
           <a:lstStyle>
             <a:lvl1pPr marL="0" indent="0" algn="ctr">
               <a:buNone/>
-              <a:defRPr sz="1600"/>
+              <a:defRPr sz="2000"/>
             </a:lvl1pPr>
             <a:lvl2pPr marL="457200" indent="0">
               <a:buNone/>
-              <a:defRPr sz="1600"/>
+              <a:defRPr sz="2000"/>
             </a:lvl2pPr>
             <a:lvl3pPr marL="914400" indent="0">
               <a:buNone/>
-              <a:defRPr sz="1600"/>
+              <a:defRPr sz="2000"/>
             </a:lvl3pPr>
             <a:lvl4pPr marL="1371600" indent="0">
               <a:buNone/>
-              <a:defRPr sz="1600"/>
+              <a:defRPr sz="2000"/>
             </a:lvl4pPr>
             <a:lvl5pPr marL="1828800" indent="0">
               <a:buNone/>
-              <a:defRPr sz="1600"/>
+              <a:defRPr sz="2000"/>
             </a:lvl5pPr>
             <a:lvl6pPr marL="2286000" indent="0">
               <a:buNone/>
-              <a:defRPr sz="1600"/>
+              <a:defRPr sz="2000"/>
             </a:lvl6pPr>
             <a:lvl7pPr marL="2743200" indent="0">
               <a:buNone/>
-              <a:defRPr sz="1600"/>
+              <a:defRPr sz="2000"/>
             </a:lvl7pPr>
             <a:lvl8pPr marL="3200400" indent="0">
               <a:buNone/>
-              <a:defRPr sz="1600"/>
+              <a:defRPr sz="2000"/>
             </a:lvl8pPr>
             <a:lvl9pPr marL="3657600" indent="0">
               <a:buNone/>
-              <a:defRPr sz="1600"/>
+              <a:defRPr sz="2000"/>
             </a:lvl9pPr>
           </a:lstStyle>
           <a:p>
@@ -4725,50 +5096,59 @@
       </p:sp>
       <p:sp>
         <p:nvSpPr>
-          <p:cNvPr id="16" name="Text Placeholder 9"/>
-          <p:cNvSpPr>
-            <a:spLocks noGrp="1"/>
-          </p:cNvSpPr>
-          <p:nvPr>
-            <p:ph type="body" sz="quarter" idx="14"/>
+          <p:cNvPr id="4" name="Text Placeholder 3"/>
+          <p:cNvSpPr>
+            <a:spLocks noGrp="1"/>
+          </p:cNvSpPr>
+          <p:nvPr>
+            <p:ph type="body" sz="half" idx="2"/>
           </p:nvPr>
         </p:nvSpPr>
         <p:spPr>
           <a:xfrm>
-            <a:off x="914402" y="3843867"/>
-            <a:ext cx="8304210" cy="457200"/>
+            <a:off x="913795" y="5108728"/>
+            <a:ext cx="10353762" cy="682472"/>
           </a:xfrm>
         </p:spPr>
         <p:txBody>
-          <a:bodyPr anchor="t">
-            <a:normAutofit/>
-          </a:bodyPr>
+          <a:bodyPr anchor="t"/>
           <a:lstStyle>
-            <a:lvl1pPr marL="0" indent="0">
-              <a:buFontTx/>
+            <a:lvl1pPr marL="0" indent="0" algn="ctr">
               <a:buNone/>
               <a:defRPr sz="1600"/>
             </a:lvl1pPr>
             <a:lvl2pPr marL="457200" indent="0">
-              <a:buFontTx/>
-              <a:buNone/>
-              <a:defRPr/>
+              <a:buNone/>
+              <a:defRPr sz="1400"/>
             </a:lvl2pPr>
             <a:lvl3pPr marL="914400" indent="0">
-              <a:buFontTx/>
-              <a:buNone/>
-              <a:defRPr/>
+              <a:buNone/>
+              <a:defRPr sz="1200"/>
             </a:lvl3pPr>
             <a:lvl4pPr marL="1371600" indent="0">
-              <a:buFontTx/>
-              <a:buNone/>
-              <a:defRPr/>
+              <a:buNone/>
+              <a:defRPr sz="1000"/>
             </a:lvl4pPr>
             <a:lvl5pPr marL="1828800" indent="0">
-              <a:buFontTx/>
-              <a:buNone/>
-              <a:defRPr/>
+              <a:buNone/>
+              <a:defRPr sz="1000"/>
             </a:lvl5pPr>
+            <a:lvl6pPr marL="2286000" indent="0">
+              <a:buNone/>
+              <a:defRPr sz="1000"/>
+            </a:lvl6pPr>
+            <a:lvl7pPr marL="2743200" indent="0">
+              <a:buNone/>
+              <a:defRPr sz="1000"/>
+            </a:lvl7pPr>
+            <a:lvl8pPr marL="3200400" indent="0">
+              <a:buNone/>
+              <a:defRPr sz="1000"/>
+            </a:lvl8pPr>
+            <a:lvl9pPr marL="3657600" indent="0">
+              <a:buNone/>
+              <a:defRPr sz="1000"/>
+            </a:lvl9pPr>
           </a:lstStyle>
           <a:p>
             <a:pPr lvl="0"/>
@@ -4781,7 +5161,7 @@
       </p:sp>
       <p:sp>
         <p:nvSpPr>
-          <p:cNvPr id="3" name="Date Placeholder 2"/>
+          <p:cNvPr id="5" name="Date Placeholder 4"/>
           <p:cNvSpPr>
             <a:spLocks noGrp="1"/>
           </p:cNvSpPr>
@@ -4796,7 +5176,7 @@
           <a:p>
             <a:fld id="{1160EA64-D806-43AC-9DF2-F8C432F32B4C}" type="datetimeFigureOut">
               <a:rPr lang="en-US" smtClean="0"/>
-              <a:t>4/12/2023</a:t>
+              <a:t>4/16/2023</a:t>
             </a:fld>
             <a:endParaRPr lang="en-US" dirty="0"/>
           </a:p>
@@ -4804,7 +5184,7 @@
       </p:sp>
       <p:sp>
         <p:nvSpPr>
-          <p:cNvPr id="4" name="Footer Placeholder 3"/>
+          <p:cNvPr id="6" name="Footer Placeholder 5"/>
           <p:cNvSpPr>
             <a:spLocks noGrp="1"/>
           </p:cNvSpPr>
@@ -4823,7 +5203,7 @@
       </p:sp>
       <p:sp>
         <p:nvSpPr>
-          <p:cNvPr id="5" name="Slide Number Placeholder 4"/>
+          <p:cNvPr id="7" name="Slide Number Placeholder 6"/>
           <p:cNvSpPr>
             <a:spLocks noGrp="1"/>
           </p:cNvSpPr>
@@ -4848,7 +5228,7 @@
     </p:spTree>
     <p:extLst>
       <p:ext uri="{BB962C8B-B14F-4D97-AF65-F5344CB8AC3E}">
-        <p14:creationId xmlns:p14="http://schemas.microsoft.com/office/powerpoint/2010/main" val="2408305672"/>
+        <p14:creationId xmlns:p14="http://schemas.microsoft.com/office/powerpoint/2010/main" val="2333707567"/>
       </p:ext>
     </p:extLst>
   </p:cSld>
@@ -4888,17 +5268,15 @@
         </p:nvSpPr>
         <p:spPr>
           <a:xfrm>
-            <a:off x="684213" y="685800"/>
-            <a:ext cx="10058400" cy="2743200"/>
+            <a:off x="913795" y="608437"/>
+            <a:ext cx="10353762" cy="3534344"/>
           </a:xfrm>
         </p:spPr>
         <p:txBody>
-          <a:bodyPr anchor="ctr">
-            <a:normAutofit/>
-          </a:bodyPr>
+          <a:bodyPr anchor="ctr"/>
           <a:lstStyle>
-            <a:lvl1pPr algn="l">
-              <a:defRPr sz="3200" b="0" cap="all"/>
+            <a:lvl1pPr>
+              <a:defRPr sz="3200"/>
             </a:lvl1pPr>
           </a:lstStyle>
           <a:p>
@@ -4912,114 +5290,58 @@
       </p:sp>
       <p:sp>
         <p:nvSpPr>
-          <p:cNvPr id="3" name="Text Placeholder 2"/>
-          <p:cNvSpPr>
-            <a:spLocks noGrp="1"/>
-          </p:cNvSpPr>
-          <p:nvPr>
-            <p:ph type="body" idx="1"/>
+          <p:cNvPr id="4" name="Text Placeholder 3"/>
+          <p:cNvSpPr>
+            <a:spLocks noGrp="1"/>
+          </p:cNvSpPr>
+          <p:nvPr>
+            <p:ph type="body" sz="half" idx="2"/>
           </p:nvPr>
         </p:nvSpPr>
         <p:spPr>
           <a:xfrm>
-            <a:off x="684212" y="4114800"/>
-            <a:ext cx="8535988" cy="1879600"/>
+            <a:off x="913794" y="4295180"/>
+            <a:ext cx="10353763" cy="1501826"/>
           </a:xfrm>
         </p:spPr>
         <p:txBody>
-          <a:bodyPr anchor="ctr">
-            <a:normAutofit/>
-          </a:bodyPr>
+          <a:bodyPr anchor="ctr"/>
           <a:lstStyle>
-            <a:lvl1pPr marL="0" indent="0" algn="l">
-              <a:buNone/>
-              <a:defRPr sz="2000">
-                <a:solidFill>
-                  <a:schemeClr val="bg2">
-                    <a:lumMod val="75000"/>
-                  </a:schemeClr>
-                </a:solidFill>
-              </a:defRPr>
+            <a:lvl1pPr marL="0" indent="0" algn="ctr">
+              <a:buNone/>
+              <a:defRPr sz="1600"/>
             </a:lvl1pPr>
             <a:lvl2pPr marL="457200" indent="0">
               <a:buNone/>
-              <a:defRPr sz="1800">
-                <a:solidFill>
-                  <a:schemeClr val="tx1">
-                    <a:tint val="75000"/>
-                  </a:schemeClr>
-                </a:solidFill>
-              </a:defRPr>
+              <a:defRPr sz="1400"/>
             </a:lvl2pPr>
             <a:lvl3pPr marL="914400" indent="0">
               <a:buNone/>
-              <a:defRPr sz="1600">
-                <a:solidFill>
-                  <a:schemeClr val="tx1">
-                    <a:tint val="75000"/>
-                  </a:schemeClr>
-                </a:solidFill>
-              </a:defRPr>
+              <a:defRPr sz="1200"/>
             </a:lvl3pPr>
             <a:lvl4pPr marL="1371600" indent="0">
               <a:buNone/>
-              <a:defRPr sz="1400">
-                <a:solidFill>
-                  <a:schemeClr val="tx1">
-                    <a:tint val="75000"/>
-                  </a:schemeClr>
-                </a:solidFill>
-              </a:defRPr>
+              <a:defRPr sz="1000"/>
             </a:lvl4pPr>
             <a:lvl5pPr marL="1828800" indent="0">
               <a:buNone/>
-              <a:defRPr sz="1400">
-                <a:solidFill>
-                  <a:schemeClr val="tx1">
-                    <a:tint val="75000"/>
-                  </a:schemeClr>
-                </a:solidFill>
-              </a:defRPr>
+              <a:defRPr sz="1000"/>
             </a:lvl5pPr>
             <a:lvl6pPr marL="2286000" indent="0">
               <a:buNone/>
-              <a:defRPr sz="1400">
-                <a:solidFill>
-                  <a:schemeClr val="tx1">
-                    <a:tint val="75000"/>
-                  </a:schemeClr>
-                </a:solidFill>
-              </a:defRPr>
+              <a:defRPr sz="1000"/>
             </a:lvl6pPr>
             <a:lvl7pPr marL="2743200" indent="0">
               <a:buNone/>
-              <a:defRPr sz="1400">
-                <a:solidFill>
-                  <a:schemeClr val="tx1">
-                    <a:tint val="75000"/>
-                  </a:schemeClr>
-                </a:solidFill>
-              </a:defRPr>
+              <a:defRPr sz="1000"/>
             </a:lvl7pPr>
             <a:lvl8pPr marL="3200400" indent="0">
               <a:buNone/>
-              <a:defRPr sz="1400">
-                <a:solidFill>
-                  <a:schemeClr val="tx1">
-                    <a:tint val="75000"/>
-                  </a:schemeClr>
-                </a:solidFill>
-              </a:defRPr>
+              <a:defRPr sz="1000"/>
             </a:lvl8pPr>
             <a:lvl9pPr marL="3657600" indent="0">
               <a:buNone/>
-              <a:defRPr sz="1400">
-                <a:solidFill>
-                  <a:schemeClr val="tx1">
-                    <a:tint val="75000"/>
-                  </a:schemeClr>
-                </a:solidFill>
-              </a:defRPr>
+              <a:defRPr sz="1000"/>
             </a:lvl9pPr>
           </a:lstStyle>
           <a:p>
@@ -5033,7 +5355,7 @@
       </p:sp>
       <p:sp>
         <p:nvSpPr>
-          <p:cNvPr id="4" name="Date Placeholder 3"/>
+          <p:cNvPr id="5" name="Date Placeholder 4"/>
           <p:cNvSpPr>
             <a:spLocks noGrp="1"/>
           </p:cNvSpPr>
@@ -5048,7 +5370,7 @@
           <a:p>
             <a:fld id="{1160EA64-D806-43AC-9DF2-F8C432F32B4C}" type="datetimeFigureOut">
               <a:rPr lang="en-US" smtClean="0"/>
-              <a:t>4/12/2023</a:t>
+              <a:t>4/16/2023</a:t>
             </a:fld>
             <a:endParaRPr lang="en-US" dirty="0"/>
           </a:p>
@@ -5056,7 +5378,7 @@
       </p:sp>
       <p:sp>
         <p:nvSpPr>
-          <p:cNvPr id="5" name="Footer Placeholder 4"/>
+          <p:cNvPr id="6" name="Footer Placeholder 5"/>
           <p:cNvSpPr>
             <a:spLocks noGrp="1"/>
           </p:cNvSpPr>
@@ -5075,7 +5397,7 @@
       </p:sp>
       <p:sp>
         <p:nvSpPr>
-          <p:cNvPr id="6" name="Slide Number Placeholder 5"/>
+          <p:cNvPr id="7" name="Slide Number Placeholder 6"/>
           <p:cNvSpPr>
             <a:spLocks noGrp="1"/>
           </p:cNvSpPr>
@@ -5100,7 +5422,7 @@
     </p:spTree>
     <p:extLst>
       <p:ext uri="{BB962C8B-B14F-4D97-AF65-F5344CB8AC3E}">
-        <p14:creationId xmlns:p14="http://schemas.microsoft.com/office/powerpoint/2010/main" val="143510369"/>
+        <p14:creationId xmlns:p14="http://schemas.microsoft.com/office/powerpoint/2010/main" val="3501391772"/>
       </p:ext>
     </p:extLst>
   </p:cSld>
@@ -5140,21 +5462,15 @@
         </p:nvSpPr>
         <p:spPr>
           <a:xfrm>
-            <a:off x="1141411" y="685800"/>
-            <a:ext cx="9144001" cy="2743200"/>
+            <a:off x="1446212" y="609600"/>
+            <a:ext cx="9302752" cy="2992904"/>
           </a:xfrm>
         </p:spPr>
         <p:txBody>
-          <a:bodyPr anchor="ctr">
-            <a:normAutofit/>
-          </a:bodyPr>
+          <a:bodyPr anchor="ctr"/>
           <a:lstStyle>
-            <a:lvl1pPr algn="l">
-              <a:defRPr sz="3200" b="0" cap="all">
-                <a:solidFill>
-                  <a:schemeClr val="tx1"/>
-                </a:solidFill>
-              </a:defRPr>
+            <a:lvl1pPr>
+              <a:defRPr sz="3200"/>
             </a:lvl1pPr>
           </a:lstStyle>
           <a:p>
@@ -5168,48 +5484,61 @@
       </p:sp>
       <p:sp>
         <p:nvSpPr>
-          <p:cNvPr id="10" name="Text Placeholder 9"/>
-          <p:cNvSpPr>
-            <a:spLocks noGrp="1"/>
-          </p:cNvSpPr>
-          <p:nvPr>
-            <p:ph type="body" sz="quarter" idx="13"/>
+          <p:cNvPr id="12" name="Text Placeholder 3"/>
+          <p:cNvSpPr>
+            <a:spLocks noGrp="1"/>
+          </p:cNvSpPr>
+          <p:nvPr>
+            <p:ph type="body" sz="half" idx="13"/>
           </p:nvPr>
         </p:nvSpPr>
         <p:spPr>
           <a:xfrm>
-            <a:off x="1446212" y="3429000"/>
-            <a:ext cx="8534400" cy="381000"/>
+            <a:off x="1720644" y="3610032"/>
+            <a:ext cx="8752299" cy="532749"/>
           </a:xfrm>
         </p:spPr>
         <p:txBody>
-          <a:bodyPr anchor="ctr"/>
+          <a:bodyPr anchor="t">
+            <a:normAutofit/>
+          </a:bodyPr>
           <a:lstStyle>
-            <a:lvl1pPr marL="0" indent="0">
-              <a:buFontTx/>
-              <a:buNone/>
-              <a:defRPr/>
+            <a:lvl1pPr marL="0" indent="0" algn="r">
+              <a:buNone/>
+              <a:defRPr sz="1400"/>
             </a:lvl1pPr>
             <a:lvl2pPr marL="457200" indent="0">
-              <a:buFontTx/>
-              <a:buNone/>
-              <a:defRPr/>
+              <a:buNone/>
+              <a:defRPr sz="1400"/>
             </a:lvl2pPr>
             <a:lvl3pPr marL="914400" indent="0">
-              <a:buFontTx/>
-              <a:buNone/>
-              <a:defRPr/>
+              <a:buNone/>
+              <a:defRPr sz="1200"/>
             </a:lvl3pPr>
             <a:lvl4pPr marL="1371600" indent="0">
-              <a:buFontTx/>
-              <a:buNone/>
-              <a:defRPr/>
+              <a:buNone/>
+              <a:defRPr sz="1000"/>
             </a:lvl4pPr>
             <a:lvl5pPr marL="1828800" indent="0">
-              <a:buFontTx/>
-              <a:buNone/>
-              <a:defRPr/>
+              <a:buNone/>
+              <a:defRPr sz="1000"/>
             </a:lvl5pPr>
+            <a:lvl6pPr marL="2286000" indent="0">
+              <a:buNone/>
+              <a:defRPr sz="1000"/>
+            </a:lvl6pPr>
+            <a:lvl7pPr marL="2743200" indent="0">
+              <a:buNone/>
+              <a:defRPr sz="1000"/>
+            </a:lvl7pPr>
+            <a:lvl8pPr marL="3200400" indent="0">
+              <a:buNone/>
+              <a:defRPr sz="1000"/>
+            </a:lvl8pPr>
+            <a:lvl9pPr marL="3657600" indent="0">
+              <a:buNone/>
+              <a:defRPr sz="1000"/>
+            </a:lvl9pPr>
           </a:lstStyle>
           <a:p>
             <a:pPr lvl="0"/>
@@ -5222,18 +5551,18 @@
       </p:sp>
       <p:sp>
         <p:nvSpPr>
-          <p:cNvPr id="3" name="Text Placeholder 2"/>
-          <p:cNvSpPr>
-            <a:spLocks noGrp="1"/>
-          </p:cNvSpPr>
-          <p:nvPr>
-            <p:ph type="body" idx="1"/>
+          <p:cNvPr id="4" name="Text Placeholder 3"/>
+          <p:cNvSpPr>
+            <a:spLocks noGrp="1"/>
+          </p:cNvSpPr>
+          <p:nvPr>
+            <p:ph type="body" sz="half" idx="2"/>
           </p:nvPr>
         </p:nvSpPr>
         <p:spPr>
           <a:xfrm>
-            <a:off x="684213" y="4301067"/>
-            <a:ext cx="8534400" cy="1684865"/>
+            <a:off x="913794" y="4304353"/>
+            <a:ext cx="10353763" cy="1489496"/>
           </a:xfrm>
         </p:spPr>
         <p:txBody>
@@ -5241,95 +5570,41 @@
             <a:normAutofit/>
           </a:bodyPr>
           <a:lstStyle>
-            <a:lvl1pPr marL="0" indent="0" algn="l">
-              <a:buNone/>
-              <a:defRPr sz="2000">
-                <a:solidFill>
-                  <a:schemeClr val="bg2">
-                    <a:lumMod val="75000"/>
-                  </a:schemeClr>
-                </a:solidFill>
-              </a:defRPr>
+            <a:lvl1pPr marL="0" indent="0" algn="ctr">
+              <a:buNone/>
+              <a:defRPr sz="1600"/>
             </a:lvl1pPr>
             <a:lvl2pPr marL="457200" indent="0">
               <a:buNone/>
-              <a:defRPr sz="1800">
-                <a:solidFill>
-                  <a:schemeClr val="tx1">
-                    <a:tint val="75000"/>
-                  </a:schemeClr>
-                </a:solidFill>
-              </a:defRPr>
+              <a:defRPr sz="1400"/>
             </a:lvl2pPr>
             <a:lvl3pPr marL="914400" indent="0">
               <a:buNone/>
-              <a:defRPr sz="1600">
-                <a:solidFill>
-                  <a:schemeClr val="tx1">
-                    <a:tint val="75000"/>
-                  </a:schemeClr>
-                </a:solidFill>
-              </a:defRPr>
+              <a:defRPr sz="1200"/>
             </a:lvl3pPr>
             <a:lvl4pPr marL="1371600" indent="0">
               <a:buNone/>
-              <a:defRPr sz="1400">
-                <a:solidFill>
-                  <a:schemeClr val="tx1">
-                    <a:tint val="75000"/>
-                  </a:schemeClr>
-                </a:solidFill>
-              </a:defRPr>
+              <a:defRPr sz="1000"/>
             </a:lvl4pPr>
             <a:lvl5pPr marL="1828800" indent="0">
               <a:buNone/>
-              <a:defRPr sz="1400">
-                <a:solidFill>
-                  <a:schemeClr val="tx1">
-                    <a:tint val="75000"/>
-                  </a:schemeClr>
-                </a:solidFill>
-              </a:defRPr>
+              <a:defRPr sz="1000"/>
             </a:lvl5pPr>
             <a:lvl6pPr marL="2286000" indent="0">
               <a:buNone/>
-              <a:defRPr sz="1400">
-                <a:solidFill>
-                  <a:schemeClr val="tx1">
-                    <a:tint val="75000"/>
-                  </a:schemeClr>
-                </a:solidFill>
-              </a:defRPr>
+              <a:defRPr sz="1000"/>
             </a:lvl6pPr>
             <a:lvl7pPr marL="2743200" indent="0">
               <a:buNone/>
-              <a:defRPr sz="1400">
-                <a:solidFill>
-                  <a:schemeClr val="tx1">
-                    <a:tint val="75000"/>
-                  </a:schemeClr>
-                </a:solidFill>
-              </a:defRPr>
+              <a:defRPr sz="1000"/>
             </a:lvl7pPr>
             <a:lvl8pPr marL="3200400" indent="0">
               <a:buNone/>
-              <a:defRPr sz="1400">
-                <a:solidFill>
-                  <a:schemeClr val="tx1">
-                    <a:tint val="75000"/>
-                  </a:schemeClr>
-                </a:solidFill>
-              </a:defRPr>
+              <a:defRPr sz="1000"/>
             </a:lvl8pPr>
             <a:lvl9pPr marL="3657600" indent="0">
               <a:buNone/>
-              <a:defRPr sz="1400">
-                <a:solidFill>
-                  <a:schemeClr val="tx1">
-                    <a:tint val="75000"/>
-                  </a:schemeClr>
-                </a:solidFill>
-              </a:defRPr>
+              <a:defRPr sz="1000"/>
             </a:lvl9pPr>
           </a:lstStyle>
           <a:p>
@@ -5343,7 +5618,7 @@
       </p:sp>
       <p:sp>
         <p:nvSpPr>
-          <p:cNvPr id="4" name="Date Placeholder 3"/>
+          <p:cNvPr id="5" name="Date Placeholder 4"/>
           <p:cNvSpPr>
             <a:spLocks noGrp="1"/>
           </p:cNvSpPr>
@@ -5358,7 +5633,7 @@
           <a:p>
             <a:fld id="{1160EA64-D806-43AC-9DF2-F8C432F32B4C}" type="datetimeFigureOut">
               <a:rPr lang="en-US" smtClean="0"/>
-              <a:t>4/12/2023</a:t>
+              <a:t>4/16/2023</a:t>
             </a:fld>
             <a:endParaRPr lang="en-US" dirty="0"/>
           </a:p>
@@ -5366,7 +5641,7 @@
       </p:sp>
       <p:sp>
         <p:nvSpPr>
-          <p:cNvPr id="5" name="Footer Placeholder 4"/>
+          <p:cNvPr id="6" name="Footer Placeholder 5"/>
           <p:cNvSpPr>
             <a:spLocks noGrp="1"/>
           </p:cNvSpPr>
@@ -5385,7 +5660,7 @@
       </p:sp>
       <p:sp>
         <p:nvSpPr>
-          <p:cNvPr id="6" name="Slide Number Placeholder 5"/>
+          <p:cNvPr id="7" name="Slide Number Placeholder 6"/>
           <p:cNvSpPr>
             <a:spLocks noGrp="1"/>
           </p:cNvSpPr>
@@ -5409,13 +5684,13 @@
       </p:sp>
       <p:sp>
         <p:nvSpPr>
-          <p:cNvPr id="14" name="TextBox 13"/>
+          <p:cNvPr id="11" name="TextBox 10"/>
           <p:cNvSpPr txBox="1"/>
           <p:nvPr/>
         </p:nvSpPr>
         <p:spPr>
           <a:xfrm>
-            <a:off x="531812" y="812222"/>
+            <a:off x="990600" y="884796"/>
             <a:ext cx="609600" cy="584776"/>
           </a:xfrm>
           <a:prstGeom prst="rect">
@@ -5426,7 +5701,89 @@
           <a:bodyPr vert="horz" lIns="91440" tIns="45720" rIns="91440" bIns="45720" rtlCol="0" anchor="ctr">
             <a:noAutofit/>
           </a:bodyPr>
-          <a:lstStyle/>
+          <a:lstStyle>
+            <a:lvl1pPr>
+              <a:spcBef>
+                <a:spcPct val="0"/>
+              </a:spcBef>
+              <a:buNone/>
+              <a:defRPr sz="3200" b="0" cap="all">
+                <a:ln w="3175" cmpd="sng">
+                  <a:noFill/>
+                </a:ln>
+                <a:effectLst>
+                  <a:glow rad="38100">
+                    <a:schemeClr val="bg1">
+                      <a:lumMod val="65000"/>
+                      <a:lumOff val="35000"/>
+                      <a:alpha val="40000"/>
+                    </a:schemeClr>
+                  </a:glow>
+                  <a:outerShdw blurRad="28575" dist="38100" dir="14040000" algn="tl" rotWithShape="0">
+                    <a:srgbClr val="000000">
+                      <a:alpha val="25000"/>
+                    </a:srgbClr>
+                  </a:outerShdw>
+                </a:effectLst>
+              </a:defRPr>
+            </a:lvl1pPr>
+            <a:lvl2pPr>
+              <a:defRPr>
+                <a:solidFill>
+                  <a:schemeClr val="tx2"/>
+                </a:solidFill>
+              </a:defRPr>
+            </a:lvl2pPr>
+            <a:lvl3pPr>
+              <a:defRPr>
+                <a:solidFill>
+                  <a:schemeClr val="tx2"/>
+                </a:solidFill>
+              </a:defRPr>
+            </a:lvl3pPr>
+            <a:lvl4pPr>
+              <a:defRPr>
+                <a:solidFill>
+                  <a:schemeClr val="tx2"/>
+                </a:solidFill>
+              </a:defRPr>
+            </a:lvl4pPr>
+            <a:lvl5pPr>
+              <a:defRPr>
+                <a:solidFill>
+                  <a:schemeClr val="tx2"/>
+                </a:solidFill>
+              </a:defRPr>
+            </a:lvl5pPr>
+            <a:lvl6pPr>
+              <a:defRPr>
+                <a:solidFill>
+                  <a:schemeClr val="tx2"/>
+                </a:solidFill>
+              </a:defRPr>
+            </a:lvl6pPr>
+            <a:lvl7pPr>
+              <a:defRPr>
+                <a:solidFill>
+                  <a:schemeClr val="tx2"/>
+                </a:solidFill>
+              </a:defRPr>
+            </a:lvl7pPr>
+            <a:lvl8pPr>
+              <a:defRPr>
+                <a:solidFill>
+                  <a:schemeClr val="tx2"/>
+                </a:solidFill>
+              </a:defRPr>
+            </a:lvl8pPr>
+            <a:lvl9pPr>
+              <a:defRPr>
+                <a:solidFill>
+                  <a:schemeClr val="tx2"/>
+                </a:solidFill>
+              </a:defRPr>
+            </a:lvl9pPr>
+          </a:lstStyle>
           <a:p>
             <a:pPr lvl="0"/>
             <a:r>
@@ -5443,13 +5800,13 @@
       </p:sp>
       <p:sp>
         <p:nvSpPr>
-          <p:cNvPr id="15" name="TextBox 14"/>
+          <p:cNvPr id="13" name="TextBox 12"/>
           <p:cNvSpPr txBox="1"/>
           <p:nvPr/>
         </p:nvSpPr>
         <p:spPr>
           <a:xfrm>
-            <a:off x="10285412" y="2768601"/>
+            <a:off x="10504716" y="2928258"/>
             <a:ext cx="609600" cy="584776"/>
           </a:xfrm>
           <a:prstGeom prst="rect">
@@ -5460,7 +5817,89 @@
           <a:bodyPr vert="horz" lIns="91440" tIns="45720" rIns="91440" bIns="45720" rtlCol="0" anchor="ctr">
             <a:noAutofit/>
           </a:bodyPr>
-          <a:lstStyle/>
+          <a:lstStyle>
+            <a:lvl1pPr>
+              <a:spcBef>
+                <a:spcPct val="0"/>
+              </a:spcBef>
+              <a:buNone/>
+              <a:defRPr sz="3200" b="0" cap="all">
+                <a:ln w="3175" cmpd="sng">
+                  <a:noFill/>
+                </a:ln>
+                <a:effectLst>
+                  <a:glow rad="38100">
+                    <a:schemeClr val="bg1">
+                      <a:lumMod val="65000"/>
+                      <a:lumOff val="35000"/>
+                      <a:alpha val="40000"/>
+                    </a:schemeClr>
+                  </a:glow>
+                  <a:outerShdw blurRad="28575" dist="38100" dir="14040000" algn="tl" rotWithShape="0">
+                    <a:srgbClr val="000000">
+                      <a:alpha val="25000"/>
+                    </a:srgbClr>
+                  </a:outerShdw>
+                </a:effectLst>
+              </a:defRPr>
+            </a:lvl1pPr>
+            <a:lvl2pPr>
+              <a:defRPr>
+                <a:solidFill>
+                  <a:schemeClr val="tx2"/>
+                </a:solidFill>
+              </a:defRPr>
+            </a:lvl2pPr>
+            <a:lvl3pPr>
+              <a:defRPr>
+                <a:solidFill>
+                  <a:schemeClr val="tx2"/>
+                </a:solidFill>
+              </a:defRPr>
+            </a:lvl3pPr>
+            <a:lvl4pPr>
+              <a:defRPr>
+                <a:solidFill>
+                  <a:schemeClr val="tx2"/>
+                </a:solidFill>
+              </a:defRPr>
+            </a:lvl4pPr>
+            <a:lvl5pPr>
+              <a:defRPr>
+                <a:solidFill>
+                  <a:schemeClr val="tx2"/>
+                </a:solidFill>
+              </a:defRPr>
+            </a:lvl5pPr>
+            <a:lvl6pPr>
+              <a:defRPr>
+                <a:solidFill>
+                  <a:schemeClr val="tx2"/>
+                </a:solidFill>
+              </a:defRPr>
+            </a:lvl6pPr>
+            <a:lvl7pPr>
+              <a:defRPr>
+                <a:solidFill>
+                  <a:schemeClr val="tx2"/>
+                </a:solidFill>
+              </a:defRPr>
+            </a:lvl7pPr>
+            <a:lvl8pPr>
+              <a:defRPr>
+                <a:solidFill>
+                  <a:schemeClr val="tx2"/>
+                </a:solidFill>
+              </a:defRPr>
+            </a:lvl8pPr>
+            <a:lvl9pPr>
+              <a:defRPr>
+                <a:solidFill>
+                  <a:schemeClr val="tx2"/>
+                </a:solidFill>
+              </a:defRPr>
+            </a:lvl9pPr>
+          </a:lstStyle>
           <a:p>
             <a:pPr lvl="0" algn="r"/>
             <a:r>
@@ -5478,7 +5917,7 @@
     </p:spTree>
     <p:extLst>
       <p:ext uri="{BB962C8B-B14F-4D97-AF65-F5344CB8AC3E}">
-        <p14:creationId xmlns:p14="http://schemas.microsoft.com/office/powerpoint/2010/main" val="2611384126"/>
+        <p14:creationId xmlns:p14="http://schemas.microsoft.com/office/powerpoint/2010/main" val="2522349495"/>
       </p:ext>
     </p:extLst>
   </p:cSld>
@@ -5518,17 +5957,15 @@
         </p:nvSpPr>
         <p:spPr>
           <a:xfrm>
-            <a:off x="684212" y="3429000"/>
-            <a:ext cx="8534400" cy="1697400"/>
+            <a:off x="913794" y="2126942"/>
+            <a:ext cx="10353763" cy="2511835"/>
           </a:xfrm>
         </p:spPr>
         <p:txBody>
-          <a:bodyPr anchor="b">
-            <a:normAutofit/>
-          </a:bodyPr>
+          <a:bodyPr anchor="b"/>
           <a:lstStyle>
-            <a:lvl1pPr algn="l">
-              <a:defRPr sz="3200" b="0" cap="all"/>
+            <a:lvl1pPr>
+              <a:defRPr sz="3200"/>
             </a:lvl1pPr>
           </a:lstStyle>
           <a:p>
@@ -5542,114 +5979,58 @@
       </p:sp>
       <p:sp>
         <p:nvSpPr>
-          <p:cNvPr id="3" name="Text Placeholder 2"/>
-          <p:cNvSpPr>
-            <a:spLocks noGrp="1"/>
-          </p:cNvSpPr>
-          <p:nvPr>
-            <p:ph type="body" idx="1"/>
+          <p:cNvPr id="4" name="Text Placeholder 3"/>
+          <p:cNvSpPr>
+            <a:spLocks noGrp="1"/>
+          </p:cNvSpPr>
+          <p:nvPr>
+            <p:ph type="body" sz="half" idx="2"/>
           </p:nvPr>
         </p:nvSpPr>
         <p:spPr>
           <a:xfrm>
-            <a:off x="684211" y="5132981"/>
-            <a:ext cx="8535990" cy="860400"/>
+            <a:off x="913784" y="4650556"/>
+            <a:ext cx="10352199" cy="1140644"/>
           </a:xfrm>
         </p:spPr>
         <p:txBody>
-          <a:bodyPr anchor="t">
-            <a:normAutofit/>
-          </a:bodyPr>
+          <a:bodyPr anchor="t"/>
           <a:lstStyle>
-            <a:lvl1pPr marL="0" indent="0" algn="l">
-              <a:buNone/>
-              <a:defRPr sz="2000">
-                <a:solidFill>
-                  <a:schemeClr val="bg2">
-                    <a:lumMod val="75000"/>
-                  </a:schemeClr>
-                </a:solidFill>
-              </a:defRPr>
+            <a:lvl1pPr marL="0" indent="0" algn="ctr">
+              <a:buNone/>
+              <a:defRPr sz="1600"/>
             </a:lvl1pPr>
             <a:lvl2pPr marL="457200" indent="0">
               <a:buNone/>
-              <a:defRPr sz="1800">
-                <a:solidFill>
-                  <a:schemeClr val="tx1">
-                    <a:tint val="75000"/>
-                  </a:schemeClr>
-                </a:solidFill>
-              </a:defRPr>
+              <a:defRPr sz="1400"/>
             </a:lvl2pPr>
             <a:lvl3pPr marL="914400" indent="0">
               <a:buNone/>
-              <a:defRPr sz="1600">
-                <a:solidFill>
-                  <a:schemeClr val="tx1">
-                    <a:tint val="75000"/>
-                  </a:schemeClr>
-                </a:solidFill>
-              </a:defRPr>
+              <a:defRPr sz="1200"/>
             </a:lvl3pPr>
             <a:lvl4pPr marL="1371600" indent="0">
               <a:buNone/>
-              <a:defRPr sz="1400">
-                <a:solidFill>
-                  <a:schemeClr val="tx1">
-                    <a:tint val="75000"/>
-                  </a:schemeClr>
-                </a:solidFill>
-              </a:defRPr>
+              <a:defRPr sz="1000"/>
             </a:lvl4pPr>
             <a:lvl5pPr marL="1828800" indent="0">
               <a:buNone/>
-              <a:defRPr sz="1400">
-                <a:solidFill>
-                  <a:schemeClr val="tx1">
-                    <a:tint val="75000"/>
-                  </a:schemeClr>
-                </a:solidFill>
-              </a:defRPr>
+              <a:defRPr sz="1000"/>
             </a:lvl5pPr>
             <a:lvl6pPr marL="2286000" indent="0">
               <a:buNone/>
-              <a:defRPr sz="1400">
-                <a:solidFill>
-                  <a:schemeClr val="tx1">
-                    <a:tint val="75000"/>
-                  </a:schemeClr>
-                </a:solidFill>
-              </a:defRPr>
+              <a:defRPr sz="1000"/>
             </a:lvl6pPr>
             <a:lvl7pPr marL="2743200" indent="0">
               <a:buNone/>
-              <a:defRPr sz="1400">
-                <a:solidFill>
-                  <a:schemeClr val="tx1">
-                    <a:tint val="75000"/>
-                  </a:schemeClr>
-                </a:solidFill>
-              </a:defRPr>
+              <a:defRPr sz="1000"/>
             </a:lvl7pPr>
             <a:lvl8pPr marL="3200400" indent="0">
               <a:buNone/>
-              <a:defRPr sz="1400">
-                <a:solidFill>
-                  <a:schemeClr val="tx1">
-                    <a:tint val="75000"/>
-                  </a:schemeClr>
-                </a:solidFill>
-              </a:defRPr>
+              <a:defRPr sz="1000"/>
             </a:lvl8pPr>
             <a:lvl9pPr marL="3657600" indent="0">
               <a:buNone/>
-              <a:defRPr sz="1400">
-                <a:solidFill>
-                  <a:schemeClr val="tx1">
-                    <a:tint val="75000"/>
-                  </a:schemeClr>
-                </a:solidFill>
-              </a:defRPr>
+              <a:defRPr sz="1000"/>
             </a:lvl9pPr>
           </a:lstStyle>
           <a:p>
@@ -5663,7 +6044,7 @@
       </p:sp>
       <p:sp>
         <p:nvSpPr>
-          <p:cNvPr id="4" name="Date Placeholder 3"/>
+          <p:cNvPr id="5" name="Date Placeholder 4"/>
           <p:cNvSpPr>
             <a:spLocks noGrp="1"/>
           </p:cNvSpPr>
@@ -5678,7 +6059,7 @@
           <a:p>
             <a:fld id="{1160EA64-D806-43AC-9DF2-F8C432F32B4C}" type="datetimeFigureOut">
               <a:rPr lang="en-US" smtClean="0"/>
-              <a:t>4/12/2023</a:t>
+              <a:t>4/16/2023</a:t>
             </a:fld>
             <a:endParaRPr lang="en-US" dirty="0"/>
           </a:p>
@@ -5686,7 +6067,7 @@
       </p:sp>
       <p:sp>
         <p:nvSpPr>
-          <p:cNvPr id="5" name="Footer Placeholder 4"/>
+          <p:cNvPr id="6" name="Footer Placeholder 5"/>
           <p:cNvSpPr>
             <a:spLocks noGrp="1"/>
           </p:cNvSpPr>
@@ -5705,7 +6086,7 @@
       </p:sp>
       <p:sp>
         <p:nvSpPr>
-          <p:cNvPr id="6" name="Slide Number Placeholder 5"/>
+          <p:cNvPr id="7" name="Slide Number Placeholder 6"/>
           <p:cNvSpPr>
             <a:spLocks noGrp="1"/>
           </p:cNvSpPr>
@@ -5730,7 +6111,7 @@
     </p:spTree>
     <p:extLst>
       <p:ext uri="{BB962C8B-B14F-4D97-AF65-F5344CB8AC3E}">
-        <p14:creationId xmlns:p14="http://schemas.microsoft.com/office/powerpoint/2010/main" val="1076910356"/>
+        <p14:creationId xmlns:p14="http://schemas.microsoft.com/office/powerpoint/2010/main" val="3099997836"/>
       </p:ext>
     </p:extLst>
   </p:cSld>
@@ -5743,7 +6124,7 @@
 
 <file path=ppt/slideLayouts/slideLayout14.xml><?xml version="1.0" encoding="utf-8"?>
 <p:sldLayout xmlns:a="http://schemas.openxmlformats.org/drawingml/2006/main" xmlns:r="http://schemas.openxmlformats.org/officeDocument/2006/relationships" xmlns:p="http://schemas.openxmlformats.org/presentationml/2006/main" preserve="1">
-  <p:cSld name="Quote Name Card">
+  <p:cSld name="3 Column">
     <p:spTree>
       <p:nvGrpSpPr>
         <p:cNvPr id="1" name=""/>
@@ -5760,7 +6141,7 @@
       </p:grpSpPr>
       <p:sp>
         <p:nvSpPr>
-          <p:cNvPr id="2" name="Title 1"/>
+          <p:cNvPr id="15" name="Title 1"/>
           <p:cNvSpPr>
             <a:spLocks noGrp="1"/>
           </p:cNvSpPr>
@@ -5770,190 +6151,82 @@
         </p:nvSpPr>
         <p:spPr>
           <a:xfrm>
-            <a:off x="1141413" y="685800"/>
-            <a:ext cx="9144000" cy="2743200"/>
+            <a:off x="913795" y="609600"/>
+            <a:ext cx="10353762" cy="970450"/>
           </a:xfrm>
         </p:spPr>
         <p:txBody>
-          <a:bodyPr anchor="ctr">
-            <a:normAutofit/>
+          <a:bodyPr/>
+          <a:lstStyle/>
+          <a:p>
+            <a:r>
+              <a:rPr lang="en-US"/>
+              <a:t>Click to edit Master title style</a:t>
+            </a:r>
+            <a:endParaRPr lang="en-US" dirty="0"/>
+          </a:p>
+        </p:txBody>
+      </p:sp>
+      <p:sp>
+        <p:nvSpPr>
+          <p:cNvPr id="7" name="Text Placeholder 2"/>
+          <p:cNvSpPr>
+            <a:spLocks noGrp="1"/>
+          </p:cNvSpPr>
+          <p:nvPr>
+            <p:ph type="body" idx="1"/>
+          </p:nvPr>
+        </p:nvSpPr>
+        <p:spPr>
+          <a:xfrm>
+            <a:off x="913795" y="1885950"/>
+            <a:ext cx="3300984" cy="576262"/>
+          </a:xfrm>
+        </p:spPr>
+        <p:txBody>
+          <a:bodyPr anchor="b">
+            <a:noAutofit/>
           </a:bodyPr>
           <a:lstStyle>
-            <a:lvl1pPr algn="l">
-              <a:defRPr sz="3200" b="0" cap="all">
+            <a:lvl1pPr marL="0" indent="0" algn="ctr">
+              <a:buNone/>
+              <a:defRPr sz="2400" b="0">
                 <a:solidFill>
                   <a:schemeClr val="tx1"/>
                 </a:solidFill>
               </a:defRPr>
             </a:lvl1pPr>
-          </a:lstStyle>
-          <a:p>
-            <a:r>
-              <a:rPr lang="en-US"/>
-              <a:t>Click to edit Master title style</a:t>
-            </a:r>
-            <a:endParaRPr lang="en-US" dirty="0"/>
-          </a:p>
-        </p:txBody>
-      </p:sp>
-      <p:sp>
-        <p:nvSpPr>
-          <p:cNvPr id="10" name="Text Placeholder 9"/>
-          <p:cNvSpPr>
-            <a:spLocks noGrp="1"/>
-          </p:cNvSpPr>
-          <p:nvPr>
-            <p:ph type="body" sz="quarter" idx="13"/>
-          </p:nvPr>
-        </p:nvSpPr>
-        <p:spPr>
-          <a:xfrm>
-            <a:off x="684212" y="3928534"/>
-            <a:ext cx="8534401" cy="1049866"/>
-          </a:xfrm>
-        </p:spPr>
-        <p:txBody>
-          <a:bodyPr vert="horz" lIns="91440" tIns="45720" rIns="91440" bIns="45720" rtlCol="0" anchor="b">
-            <a:normAutofit/>
-          </a:bodyPr>
-          <a:lstStyle>
-            <a:lvl1pPr>
-              <a:buNone/>
-              <a:defRPr lang="en-US" sz="2400" b="0" cap="all" dirty="0">
-                <a:ln w="3175" cmpd="sng">
-                  <a:noFill/>
-                </a:ln>
-                <a:solidFill>
-                  <a:schemeClr val="tx1"/>
-                </a:solidFill>
-                <a:effectLst/>
-              </a:defRPr>
-            </a:lvl1pPr>
-          </a:lstStyle>
-          <a:p>
-            <a:pPr marL="0" lvl="0">
-              <a:spcBef>
-                <a:spcPct val="0"/>
-              </a:spcBef>
-              <a:buNone/>
-            </a:pPr>
-            <a:r>
-              <a:rPr lang="en-US"/>
-              <a:t>Click to edit Master text styles</a:t>
-            </a:r>
-          </a:p>
-        </p:txBody>
-      </p:sp>
-      <p:sp>
-        <p:nvSpPr>
-          <p:cNvPr id="3" name="Text Placeholder 2"/>
-          <p:cNvSpPr>
-            <a:spLocks noGrp="1"/>
-          </p:cNvSpPr>
-          <p:nvPr>
-            <p:ph type="body" idx="1"/>
-          </p:nvPr>
-        </p:nvSpPr>
-        <p:spPr>
-          <a:xfrm>
-            <a:off x="684211" y="4978400"/>
-            <a:ext cx="8534401" cy="1016000"/>
-          </a:xfrm>
-        </p:spPr>
-        <p:txBody>
-          <a:bodyPr anchor="t">
-            <a:normAutofit/>
-          </a:bodyPr>
-          <a:lstStyle>
-            <a:lvl1pPr marL="0" indent="0" algn="l">
-              <a:buNone/>
-              <a:defRPr sz="1800">
-                <a:solidFill>
-                  <a:schemeClr val="bg2">
-                    <a:lumMod val="75000"/>
-                  </a:schemeClr>
-                </a:solidFill>
-              </a:defRPr>
-            </a:lvl1pPr>
             <a:lvl2pPr marL="457200" indent="0">
               <a:buNone/>
-              <a:defRPr sz="1800">
-                <a:solidFill>
-                  <a:schemeClr val="tx1">
-                    <a:tint val="75000"/>
-                  </a:schemeClr>
-                </a:solidFill>
-              </a:defRPr>
+              <a:defRPr sz="2000" b="1"/>
             </a:lvl2pPr>
             <a:lvl3pPr marL="914400" indent="0">
               <a:buNone/>
-              <a:defRPr sz="1600">
-                <a:solidFill>
-                  <a:schemeClr val="tx1">
-                    <a:tint val="75000"/>
-                  </a:schemeClr>
-                </a:solidFill>
-              </a:defRPr>
+              <a:defRPr sz="1800" b="1"/>
             </a:lvl3pPr>
             <a:lvl4pPr marL="1371600" indent="0">
               <a:buNone/>
-              <a:defRPr sz="1400">
-                <a:solidFill>
-                  <a:schemeClr val="tx1">
-                    <a:tint val="75000"/>
-                  </a:schemeClr>
-                </a:solidFill>
-              </a:defRPr>
+              <a:defRPr sz="1600" b="1"/>
             </a:lvl4pPr>
             <a:lvl5pPr marL="1828800" indent="0">
               <a:buNone/>
-              <a:defRPr sz="1400">
-                <a:solidFill>
-                  <a:schemeClr val="tx1">
-                    <a:tint val="75000"/>
-                  </a:schemeClr>
-                </a:solidFill>
-              </a:defRPr>
+              <a:defRPr sz="1600" b="1"/>
             </a:lvl5pPr>
             <a:lvl6pPr marL="2286000" indent="0">
               <a:buNone/>
-              <a:defRPr sz="1400">
-                <a:solidFill>
-                  <a:schemeClr val="tx1">
-                    <a:tint val="75000"/>
-                  </a:schemeClr>
-                </a:solidFill>
-              </a:defRPr>
+              <a:defRPr sz="1600" b="1"/>
             </a:lvl6pPr>
             <a:lvl7pPr marL="2743200" indent="0">
               <a:buNone/>
-              <a:defRPr sz="1400">
-                <a:solidFill>
-                  <a:schemeClr val="tx1">
-                    <a:tint val="75000"/>
-                  </a:schemeClr>
-                </a:solidFill>
-              </a:defRPr>
+              <a:defRPr sz="1600" b="1"/>
             </a:lvl7pPr>
             <a:lvl8pPr marL="3200400" indent="0">
               <a:buNone/>
-              <a:defRPr sz="1400">
-                <a:solidFill>
-                  <a:schemeClr val="tx1">
-                    <a:tint val="75000"/>
-                  </a:schemeClr>
-                </a:solidFill>
-              </a:defRPr>
+              <a:defRPr sz="1600" b="1"/>
             </a:lvl8pPr>
             <a:lvl9pPr marL="3657600" indent="0">
               <a:buNone/>
-              <a:defRPr sz="1400">
-                <a:solidFill>
-                  <a:schemeClr val="tx1">
-                    <a:tint val="75000"/>
-                  </a:schemeClr>
-                </a:solidFill>
-              </a:defRPr>
+              <a:defRPr sz="1600" b="1"/>
             </a:lvl9pPr>
           </a:lstStyle>
           <a:p>
@@ -5967,7 +6240,350 @@
       </p:sp>
       <p:sp>
         <p:nvSpPr>
-          <p:cNvPr id="4" name="Date Placeholder 3"/>
+          <p:cNvPr id="8" name="Text Placeholder 3"/>
+          <p:cNvSpPr>
+            <a:spLocks noGrp="1"/>
+          </p:cNvSpPr>
+          <p:nvPr>
+            <p:ph type="body" sz="half" idx="15"/>
+          </p:nvPr>
+        </p:nvSpPr>
+        <p:spPr>
+          <a:xfrm>
+            <a:off x="913795" y="2571750"/>
+            <a:ext cx="3300984" cy="3219450"/>
+          </a:xfrm>
+        </p:spPr>
+        <p:txBody>
+          <a:bodyPr anchor="t">
+            <a:normAutofit/>
+          </a:bodyPr>
+          <a:lstStyle>
+            <a:lvl1pPr marL="0" indent="0" algn="ctr">
+              <a:buNone/>
+              <a:defRPr sz="1400"/>
+            </a:lvl1pPr>
+            <a:lvl2pPr marL="457200" indent="0">
+              <a:buNone/>
+              <a:defRPr sz="1200"/>
+            </a:lvl2pPr>
+            <a:lvl3pPr marL="914400" indent="0">
+              <a:buNone/>
+              <a:defRPr sz="1000"/>
+            </a:lvl3pPr>
+            <a:lvl4pPr marL="1371600" indent="0">
+              <a:buNone/>
+              <a:defRPr sz="900"/>
+            </a:lvl4pPr>
+            <a:lvl5pPr marL="1828800" indent="0">
+              <a:buNone/>
+              <a:defRPr sz="900"/>
+            </a:lvl5pPr>
+            <a:lvl6pPr marL="2286000" indent="0">
+              <a:buNone/>
+              <a:defRPr sz="900"/>
+            </a:lvl6pPr>
+            <a:lvl7pPr marL="2743200" indent="0">
+              <a:buNone/>
+              <a:defRPr sz="900"/>
+            </a:lvl7pPr>
+            <a:lvl8pPr marL="3200400" indent="0">
+              <a:buNone/>
+              <a:defRPr sz="900"/>
+            </a:lvl8pPr>
+            <a:lvl9pPr marL="3657600" indent="0">
+              <a:buNone/>
+              <a:defRPr sz="900"/>
+            </a:lvl9pPr>
+          </a:lstStyle>
+          <a:p>
+            <a:pPr lvl="0"/>
+            <a:r>
+              <a:rPr lang="en-US"/>
+              <a:t>Click to edit Master text styles</a:t>
+            </a:r>
+          </a:p>
+        </p:txBody>
+      </p:sp>
+      <p:sp>
+        <p:nvSpPr>
+          <p:cNvPr id="9" name="Text Placeholder 4"/>
+          <p:cNvSpPr>
+            <a:spLocks noGrp="1"/>
+          </p:cNvSpPr>
+          <p:nvPr>
+            <p:ph type="body" sz="quarter" idx="3"/>
+          </p:nvPr>
+        </p:nvSpPr>
+        <p:spPr>
+          <a:xfrm>
+            <a:off x="4446711" y="1885950"/>
+            <a:ext cx="3300984" cy="576262"/>
+          </a:xfrm>
+        </p:spPr>
+        <p:txBody>
+          <a:bodyPr anchor="b">
+            <a:noAutofit/>
+          </a:bodyPr>
+          <a:lstStyle>
+            <a:lvl1pPr marL="0" indent="0" algn="ctr">
+              <a:buNone/>
+              <a:defRPr sz="2400" b="0">
+                <a:solidFill>
+                  <a:schemeClr val="tx1"/>
+                </a:solidFill>
+              </a:defRPr>
+            </a:lvl1pPr>
+            <a:lvl2pPr marL="457200" indent="0">
+              <a:buNone/>
+              <a:defRPr sz="2000" b="1"/>
+            </a:lvl2pPr>
+            <a:lvl3pPr marL="914400" indent="0">
+              <a:buNone/>
+              <a:defRPr sz="1800" b="1"/>
+            </a:lvl3pPr>
+            <a:lvl4pPr marL="1371600" indent="0">
+              <a:buNone/>
+              <a:defRPr sz="1600" b="1"/>
+            </a:lvl4pPr>
+            <a:lvl5pPr marL="1828800" indent="0">
+              <a:buNone/>
+              <a:defRPr sz="1600" b="1"/>
+            </a:lvl5pPr>
+            <a:lvl6pPr marL="2286000" indent="0">
+              <a:buNone/>
+              <a:defRPr sz="1600" b="1"/>
+            </a:lvl6pPr>
+            <a:lvl7pPr marL="2743200" indent="0">
+              <a:buNone/>
+              <a:defRPr sz="1600" b="1"/>
+            </a:lvl7pPr>
+            <a:lvl8pPr marL="3200400" indent="0">
+              <a:buNone/>
+              <a:defRPr sz="1600" b="1"/>
+            </a:lvl8pPr>
+            <a:lvl9pPr marL="3657600" indent="0">
+              <a:buNone/>
+              <a:defRPr sz="1600" b="1"/>
+            </a:lvl9pPr>
+          </a:lstStyle>
+          <a:p>
+            <a:pPr lvl="0"/>
+            <a:r>
+              <a:rPr lang="en-US"/>
+              <a:t>Click to edit Master text styles</a:t>
+            </a:r>
+          </a:p>
+        </p:txBody>
+      </p:sp>
+      <p:sp>
+        <p:nvSpPr>
+          <p:cNvPr id="10" name="Text Placeholder 3"/>
+          <p:cNvSpPr>
+            <a:spLocks noGrp="1"/>
+          </p:cNvSpPr>
+          <p:nvPr>
+            <p:ph type="body" sz="half" idx="16"/>
+          </p:nvPr>
+        </p:nvSpPr>
+        <p:spPr>
+          <a:xfrm>
+            <a:off x="4441435" y="2571750"/>
+            <a:ext cx="3300984" cy="3219450"/>
+          </a:xfrm>
+        </p:spPr>
+        <p:txBody>
+          <a:bodyPr anchor="t">
+            <a:normAutofit/>
+          </a:bodyPr>
+          <a:lstStyle>
+            <a:lvl1pPr marL="0" indent="0" algn="ctr">
+              <a:buNone/>
+              <a:defRPr sz="1400"/>
+            </a:lvl1pPr>
+            <a:lvl2pPr marL="457200" indent="0">
+              <a:buNone/>
+              <a:defRPr sz="1200"/>
+            </a:lvl2pPr>
+            <a:lvl3pPr marL="914400" indent="0">
+              <a:buNone/>
+              <a:defRPr sz="1000"/>
+            </a:lvl3pPr>
+            <a:lvl4pPr marL="1371600" indent="0">
+              <a:buNone/>
+              <a:defRPr sz="900"/>
+            </a:lvl4pPr>
+            <a:lvl5pPr marL="1828800" indent="0">
+              <a:buNone/>
+              <a:defRPr sz="900"/>
+            </a:lvl5pPr>
+            <a:lvl6pPr marL="2286000" indent="0">
+              <a:buNone/>
+              <a:defRPr sz="900"/>
+            </a:lvl6pPr>
+            <a:lvl7pPr marL="2743200" indent="0">
+              <a:buNone/>
+              <a:defRPr sz="900"/>
+            </a:lvl7pPr>
+            <a:lvl8pPr marL="3200400" indent="0">
+              <a:buNone/>
+              <a:defRPr sz="900"/>
+            </a:lvl8pPr>
+            <a:lvl9pPr marL="3657600" indent="0">
+              <a:buNone/>
+              <a:defRPr sz="900"/>
+            </a:lvl9pPr>
+          </a:lstStyle>
+          <a:p>
+            <a:pPr lvl="0"/>
+            <a:r>
+              <a:rPr lang="en-US"/>
+              <a:t>Click to edit Master text styles</a:t>
+            </a:r>
+          </a:p>
+        </p:txBody>
+      </p:sp>
+      <p:sp>
+        <p:nvSpPr>
+          <p:cNvPr id="11" name="Text Placeholder 4"/>
+          <p:cNvSpPr>
+            <a:spLocks noGrp="1"/>
+          </p:cNvSpPr>
+          <p:nvPr>
+            <p:ph type="body" sz="quarter" idx="13"/>
+          </p:nvPr>
+        </p:nvSpPr>
+        <p:spPr>
+          <a:xfrm>
+            <a:off x="7966572" y="1885950"/>
+            <a:ext cx="3300984" cy="576262"/>
+          </a:xfrm>
+        </p:spPr>
+        <p:txBody>
+          <a:bodyPr anchor="b">
+            <a:noAutofit/>
+          </a:bodyPr>
+          <a:lstStyle>
+            <a:lvl1pPr marL="0" indent="0" algn="ctr">
+              <a:buNone/>
+              <a:defRPr sz="2400" b="0">
+                <a:solidFill>
+                  <a:schemeClr val="tx1"/>
+                </a:solidFill>
+              </a:defRPr>
+            </a:lvl1pPr>
+            <a:lvl2pPr marL="457200" indent="0">
+              <a:buNone/>
+              <a:defRPr sz="2000" b="1"/>
+            </a:lvl2pPr>
+            <a:lvl3pPr marL="914400" indent="0">
+              <a:buNone/>
+              <a:defRPr sz="1800" b="1"/>
+            </a:lvl3pPr>
+            <a:lvl4pPr marL="1371600" indent="0">
+              <a:buNone/>
+              <a:defRPr sz="1600" b="1"/>
+            </a:lvl4pPr>
+            <a:lvl5pPr marL="1828800" indent="0">
+              <a:buNone/>
+              <a:defRPr sz="1600" b="1"/>
+            </a:lvl5pPr>
+            <a:lvl6pPr marL="2286000" indent="0">
+              <a:buNone/>
+              <a:defRPr sz="1600" b="1"/>
+            </a:lvl6pPr>
+            <a:lvl7pPr marL="2743200" indent="0">
+              <a:buNone/>
+              <a:defRPr sz="1600" b="1"/>
+            </a:lvl7pPr>
+            <a:lvl8pPr marL="3200400" indent="0">
+              <a:buNone/>
+              <a:defRPr sz="1600" b="1"/>
+            </a:lvl8pPr>
+            <a:lvl9pPr marL="3657600" indent="0">
+              <a:buNone/>
+              <a:defRPr sz="1600" b="1"/>
+            </a:lvl9pPr>
+          </a:lstStyle>
+          <a:p>
+            <a:pPr lvl="0"/>
+            <a:r>
+              <a:rPr lang="en-US"/>
+              <a:t>Click to edit Master text styles</a:t>
+            </a:r>
+          </a:p>
+        </p:txBody>
+      </p:sp>
+      <p:sp>
+        <p:nvSpPr>
+          <p:cNvPr id="12" name="Text Placeholder 3"/>
+          <p:cNvSpPr>
+            <a:spLocks noGrp="1"/>
+          </p:cNvSpPr>
+          <p:nvPr>
+            <p:ph type="body" sz="half" idx="17"/>
+          </p:nvPr>
+        </p:nvSpPr>
+        <p:spPr>
+          <a:xfrm>
+            <a:off x="7966572" y="2571750"/>
+            <a:ext cx="3300984" cy="3219450"/>
+          </a:xfrm>
+        </p:spPr>
+        <p:txBody>
+          <a:bodyPr anchor="t">
+            <a:normAutofit/>
+          </a:bodyPr>
+          <a:lstStyle>
+            <a:lvl1pPr marL="0" indent="0" algn="ctr">
+              <a:buNone/>
+              <a:defRPr sz="1400"/>
+            </a:lvl1pPr>
+            <a:lvl2pPr marL="457200" indent="0">
+              <a:buNone/>
+              <a:defRPr sz="1200"/>
+            </a:lvl2pPr>
+            <a:lvl3pPr marL="914400" indent="0">
+              <a:buNone/>
+              <a:defRPr sz="1000"/>
+            </a:lvl3pPr>
+            <a:lvl4pPr marL="1371600" indent="0">
+              <a:buNone/>
+              <a:defRPr sz="900"/>
+            </a:lvl4pPr>
+            <a:lvl5pPr marL="1828800" indent="0">
+              <a:buNone/>
+              <a:defRPr sz="900"/>
+            </a:lvl5pPr>
+            <a:lvl6pPr marL="2286000" indent="0">
+              <a:buNone/>
+              <a:defRPr sz="900"/>
+            </a:lvl6pPr>
+            <a:lvl7pPr marL="2743200" indent="0">
+              <a:buNone/>
+              <a:defRPr sz="900"/>
+            </a:lvl7pPr>
+            <a:lvl8pPr marL="3200400" indent="0">
+              <a:buNone/>
+              <a:defRPr sz="900"/>
+            </a:lvl8pPr>
+            <a:lvl9pPr marL="3657600" indent="0">
+              <a:buNone/>
+              <a:defRPr sz="900"/>
+            </a:lvl9pPr>
+          </a:lstStyle>
+          <a:p>
+            <a:pPr lvl="0"/>
+            <a:r>
+              <a:rPr lang="en-US"/>
+              <a:t>Click to edit Master text styles</a:t>
+            </a:r>
+          </a:p>
+        </p:txBody>
+      </p:sp>
+      <p:sp>
+        <p:nvSpPr>
+          <p:cNvPr id="3" name="Date Placeholder 2"/>
           <p:cNvSpPr>
             <a:spLocks noGrp="1"/>
           </p:cNvSpPr>
@@ -5982,7 +6598,7 @@
           <a:p>
             <a:fld id="{1160EA64-D806-43AC-9DF2-F8C432F32B4C}" type="datetimeFigureOut">
               <a:rPr lang="en-US" smtClean="0"/>
-              <a:t>4/12/2023</a:t>
+              <a:t>4/16/2023</a:t>
             </a:fld>
             <a:endParaRPr lang="en-US" dirty="0"/>
           </a:p>
@@ -5990,7 +6606,7 @@
       </p:sp>
       <p:sp>
         <p:nvSpPr>
-          <p:cNvPr id="5" name="Footer Placeholder 4"/>
+          <p:cNvPr id="4" name="Footer Placeholder 3"/>
           <p:cNvSpPr>
             <a:spLocks noGrp="1"/>
           </p:cNvSpPr>
@@ -6009,7 +6625,7 @@
       </p:sp>
       <p:sp>
         <p:nvSpPr>
-          <p:cNvPr id="6" name="Slide Number Placeholder 5"/>
+          <p:cNvPr id="5" name="Slide Number Placeholder 4"/>
           <p:cNvSpPr>
             <a:spLocks noGrp="1"/>
           </p:cNvSpPr>
@@ -6031,78 +6647,10 @@
           </a:p>
         </p:txBody>
       </p:sp>
-      <p:sp>
-        <p:nvSpPr>
-          <p:cNvPr id="11" name="TextBox 10"/>
-          <p:cNvSpPr txBox="1"/>
-          <p:nvPr/>
-        </p:nvSpPr>
-        <p:spPr>
-          <a:xfrm>
-            <a:off x="531812" y="812222"/>
-            <a:ext cx="609600" cy="584776"/>
-          </a:xfrm>
-          <a:prstGeom prst="rect">
-            <a:avLst/>
-          </a:prstGeom>
-        </p:spPr>
-        <p:txBody>
-          <a:bodyPr vert="horz" lIns="91440" tIns="45720" rIns="91440" bIns="45720" rtlCol="0" anchor="ctr">
-            <a:noAutofit/>
-          </a:bodyPr>
-          <a:lstStyle/>
-          <a:p>
-            <a:pPr lvl="0"/>
-            <a:r>
-              <a:rPr lang="en-US" sz="8000" dirty="0">
-                <a:solidFill>
-                  <a:schemeClr val="tx1"/>
-                </a:solidFill>
-                <a:effectLst/>
-              </a:rPr>
-              <a:t>“</a:t>
-            </a:r>
-          </a:p>
-        </p:txBody>
-      </p:sp>
-      <p:sp>
-        <p:nvSpPr>
-          <p:cNvPr id="12" name="TextBox 11"/>
-          <p:cNvSpPr txBox="1"/>
-          <p:nvPr/>
-        </p:nvSpPr>
-        <p:spPr>
-          <a:xfrm>
-            <a:off x="10285412" y="2768601"/>
-            <a:ext cx="609600" cy="584776"/>
-          </a:xfrm>
-          <a:prstGeom prst="rect">
-            <a:avLst/>
-          </a:prstGeom>
-        </p:spPr>
-        <p:txBody>
-          <a:bodyPr vert="horz" lIns="91440" tIns="45720" rIns="91440" bIns="45720" rtlCol="0" anchor="ctr">
-            <a:noAutofit/>
-          </a:bodyPr>
-          <a:lstStyle/>
-          <a:p>
-            <a:pPr lvl="0" algn="r"/>
-            <a:r>
-              <a:rPr lang="en-US" sz="8000" dirty="0">
-                <a:solidFill>
-                  <a:schemeClr val="tx1"/>
-                </a:solidFill>
-                <a:effectLst/>
-              </a:rPr>
-              <a:t>”</a:t>
-            </a:r>
-          </a:p>
-        </p:txBody>
-      </p:sp>
     </p:spTree>
     <p:extLst>
       <p:ext uri="{BB962C8B-B14F-4D97-AF65-F5344CB8AC3E}">
-        <p14:creationId xmlns:p14="http://schemas.microsoft.com/office/powerpoint/2010/main" val="2691390276"/>
+        <p14:creationId xmlns:p14="http://schemas.microsoft.com/office/powerpoint/2010/main" val="3465110848"/>
       </p:ext>
     </p:extLst>
   </p:cSld>
@@ -6115,7 +6663,7 @@
 
 <file path=ppt/slideLayouts/slideLayout15.xml><?xml version="1.0" encoding="utf-8"?>
 <p:sldLayout xmlns:a="http://schemas.openxmlformats.org/drawingml/2006/main" xmlns:r="http://schemas.openxmlformats.org/officeDocument/2006/relationships" xmlns:p="http://schemas.openxmlformats.org/presentationml/2006/main" preserve="1">
-  <p:cSld name="True or False">
+  <p:cSld name="3 Picture Column">
     <p:spTree>
       <p:nvGrpSpPr>
         <p:cNvPr id="1" name=""/>
@@ -6130,33 +6678,116 @@
           <a:chExt cx="0" cy="0"/>
         </a:xfrm>
       </p:grpSpPr>
-      <p:sp>
-        <p:nvSpPr>
-          <p:cNvPr id="2" name="Title 1"/>
-          <p:cNvSpPr>
-            <a:spLocks noGrp="1"/>
-          </p:cNvSpPr>
-          <p:nvPr>
-            <p:ph type="title"/>
-          </p:nvPr>
-        </p:nvSpPr>
+      <p:pic>
+        <p:nvPicPr>
+          <p:cNvPr id="2" name="Picture 1" descr="Slate-V2-HD-3colPhotoInset.png"/>
+          <p:cNvPicPr>
+            <a:picLocks noChangeAspect="1"/>
+          </p:cNvPicPr>
+          <p:nvPr/>
+        </p:nvPicPr>
+        <p:blipFill>
+          <a:blip r:embed="rId2">
+            <a:extLst>
+              <a:ext uri="{28A0092B-C50C-407E-A947-70E740481C1C}">
+                <a14:useLocalDpi xmlns:a14="http://schemas.microsoft.com/office/drawing/2010/main" val="0"/>
+              </a:ext>
+            </a:extLst>
+          </a:blip>
+          <a:stretch>
+            <a:fillRect/>
+          </a:stretch>
+        </p:blipFill>
         <p:spPr>
           <a:xfrm>
-            <a:off x="684213" y="685800"/>
-            <a:ext cx="10058400" cy="2743200"/>
+            <a:off x="897962" y="1818214"/>
+            <a:ext cx="3339972" cy="1847851"/>
+          </a:xfrm>
+          <a:prstGeom prst="rect">
+            <a:avLst/>
+          </a:prstGeom>
+        </p:spPr>
+      </p:pic>
+      <p:pic>
+        <p:nvPicPr>
+          <p:cNvPr id="36" name="Picture 35" descr="Slate-V2-HD-3colPhotoInset.png"/>
+          <p:cNvPicPr>
+            <a:picLocks noChangeAspect="1"/>
+          </p:cNvPicPr>
+          <p:nvPr/>
+        </p:nvPicPr>
+        <p:blipFill>
+          <a:blip r:embed="rId2">
+            <a:extLst>
+              <a:ext uri="{28A0092B-C50C-407E-A947-70E740481C1C}">
+                <a14:useLocalDpi xmlns:a14="http://schemas.microsoft.com/office/drawing/2010/main" val="0"/>
+              </a:ext>
+            </a:extLst>
+          </a:blip>
+          <a:stretch>
+            <a:fillRect/>
+          </a:stretch>
+        </p:blipFill>
+        <p:spPr>
+          <a:xfrm>
+            <a:off x="4403800" y="1818214"/>
+            <a:ext cx="3339972" cy="1847851"/>
+          </a:xfrm>
+          <a:prstGeom prst="rect">
+            <a:avLst/>
+          </a:prstGeom>
+        </p:spPr>
+      </p:pic>
+      <p:pic>
+        <p:nvPicPr>
+          <p:cNvPr id="37" name="Picture 36" descr="Slate-V2-HD-3colPhotoInset.png"/>
+          <p:cNvPicPr>
+            <a:picLocks noChangeAspect="1"/>
+          </p:cNvPicPr>
+          <p:nvPr/>
+        </p:nvPicPr>
+        <p:blipFill>
+          <a:blip r:embed="rId2">
+            <a:extLst>
+              <a:ext uri="{28A0092B-C50C-407E-A947-70E740481C1C}">
+                <a14:useLocalDpi xmlns:a14="http://schemas.microsoft.com/office/drawing/2010/main" val="0"/>
+              </a:ext>
+            </a:extLst>
+          </a:blip>
+          <a:stretch>
+            <a:fillRect/>
+          </a:stretch>
+        </p:blipFill>
+        <p:spPr>
+          <a:xfrm>
+            <a:off x="7936051" y="1818214"/>
+            <a:ext cx="3339972" cy="1847851"/>
+          </a:xfrm>
+          <a:prstGeom prst="rect">
+            <a:avLst/>
+          </a:prstGeom>
+        </p:spPr>
+      </p:pic>
+      <p:sp>
+        <p:nvSpPr>
+          <p:cNvPr id="30" name="Title 1"/>
+          <p:cNvSpPr>
+            <a:spLocks noGrp="1"/>
+          </p:cNvSpPr>
+          <p:nvPr>
+            <p:ph type="title"/>
+          </p:nvPr>
+        </p:nvSpPr>
+        <p:spPr>
+          <a:xfrm>
+            <a:off x="913794" y="609600"/>
+            <a:ext cx="10353763" cy="970450"/>
           </a:xfrm>
         </p:spPr>
         <p:txBody>
-          <a:bodyPr vert="horz" lIns="91440" tIns="45720" rIns="91440" bIns="45720" rtlCol="0" anchor="ctr">
-            <a:normAutofit/>
-          </a:bodyPr>
-          <a:lstStyle>
-            <a:lvl1pPr>
-              <a:defRPr lang="en-US" b="0" dirty="0"/>
-            </a:lvl1pPr>
-          </a:lstStyle>
-          <a:p>
-            <a:pPr marL="0" lvl="0"/>
+          <a:bodyPr/>
+          <a:lstStyle/>
+          <a:p>
             <a:r>
               <a:rPr lang="en-US"/>
               <a:t>Click to edit Master title style</a:t>
@@ -6167,162 +6798,64 @@
       </p:sp>
       <p:sp>
         <p:nvSpPr>
-          <p:cNvPr id="10" name="Text Placeholder 9"/>
-          <p:cNvSpPr>
-            <a:spLocks noGrp="1"/>
-          </p:cNvSpPr>
-          <p:nvPr>
-            <p:ph type="body" sz="quarter" idx="13"/>
+          <p:cNvPr id="19" name="Text Placeholder 2"/>
+          <p:cNvSpPr>
+            <a:spLocks noGrp="1"/>
+          </p:cNvSpPr>
+          <p:nvPr>
+            <p:ph type="body" idx="1"/>
           </p:nvPr>
         </p:nvSpPr>
         <p:spPr>
           <a:xfrm>
-            <a:off x="684212" y="3928534"/>
-            <a:ext cx="8534400" cy="838200"/>
+            <a:off x="913795" y="3904106"/>
+            <a:ext cx="3300984" cy="576262"/>
           </a:xfrm>
         </p:spPr>
         <p:txBody>
-          <a:bodyPr vert="horz" lIns="91440" tIns="45720" rIns="91440" bIns="45720" rtlCol="0" anchor="b">
-            <a:normAutofit/>
+          <a:bodyPr anchor="b">
+            <a:noAutofit/>
           </a:bodyPr>
           <a:lstStyle>
-            <a:lvl1pPr>
-              <a:buNone/>
-              <a:defRPr lang="en-US" sz="2400" b="0" cap="all" dirty="0">
-                <a:ln w="3175" cmpd="sng">
-                  <a:noFill/>
-                </a:ln>
+            <a:lvl1pPr marL="0" indent="0" algn="ctr">
+              <a:buNone/>
+              <a:defRPr sz="2000" b="0">
                 <a:solidFill>
                   <a:schemeClr val="tx1"/>
-                </a:solidFill>
-                <a:effectLst/>
-              </a:defRPr>
-            </a:lvl1pPr>
-          </a:lstStyle>
-          <a:p>
-            <a:pPr marL="0" lvl="0">
-              <a:spcBef>
-                <a:spcPct val="0"/>
-              </a:spcBef>
-              <a:buNone/>
-            </a:pPr>
-            <a:r>
-              <a:rPr lang="en-US"/>
-              <a:t>Click to edit Master text styles</a:t>
-            </a:r>
-          </a:p>
-        </p:txBody>
-      </p:sp>
-      <p:sp>
-        <p:nvSpPr>
-          <p:cNvPr id="3" name="Text Placeholder 2"/>
-          <p:cNvSpPr>
-            <a:spLocks noGrp="1"/>
-          </p:cNvSpPr>
-          <p:nvPr>
-            <p:ph type="body" idx="1"/>
-          </p:nvPr>
-        </p:nvSpPr>
-        <p:spPr>
-          <a:xfrm>
-            <a:off x="684211" y="4766732"/>
-            <a:ext cx="8534401" cy="1227667"/>
-          </a:xfrm>
-        </p:spPr>
-        <p:txBody>
-          <a:bodyPr anchor="t">
-            <a:normAutofit/>
-          </a:bodyPr>
-          <a:lstStyle>
-            <a:lvl1pPr marL="0" indent="0" algn="l">
-              <a:buNone/>
-              <a:defRPr sz="1800">
-                <a:solidFill>
-                  <a:schemeClr val="bg2">
-                    <a:lumMod val="75000"/>
-                  </a:schemeClr>
                 </a:solidFill>
               </a:defRPr>
             </a:lvl1pPr>
             <a:lvl2pPr marL="457200" indent="0">
               <a:buNone/>
-              <a:defRPr sz="1800">
-                <a:solidFill>
-                  <a:schemeClr val="tx1">
-                    <a:tint val="75000"/>
-                  </a:schemeClr>
-                </a:solidFill>
-              </a:defRPr>
+              <a:defRPr sz="2000" b="1"/>
             </a:lvl2pPr>
             <a:lvl3pPr marL="914400" indent="0">
               <a:buNone/>
-              <a:defRPr sz="1600">
-                <a:solidFill>
-                  <a:schemeClr val="tx1">
-                    <a:tint val="75000"/>
-                  </a:schemeClr>
-                </a:solidFill>
-              </a:defRPr>
+              <a:defRPr sz="1800" b="1"/>
             </a:lvl3pPr>
             <a:lvl4pPr marL="1371600" indent="0">
               <a:buNone/>
-              <a:defRPr sz="1400">
-                <a:solidFill>
-                  <a:schemeClr val="tx1">
-                    <a:tint val="75000"/>
-                  </a:schemeClr>
-                </a:solidFill>
-              </a:defRPr>
+              <a:defRPr sz="1600" b="1"/>
             </a:lvl4pPr>
             <a:lvl5pPr marL="1828800" indent="0">
               <a:buNone/>
-              <a:defRPr sz="1400">
-                <a:solidFill>
-                  <a:schemeClr val="tx1">
-                    <a:tint val="75000"/>
-                  </a:schemeClr>
-                </a:solidFill>
-              </a:defRPr>
+              <a:defRPr sz="1600" b="1"/>
             </a:lvl5pPr>
             <a:lvl6pPr marL="2286000" indent="0">
               <a:buNone/>
-              <a:defRPr sz="1400">
-                <a:solidFill>
-                  <a:schemeClr val="tx1">
-                    <a:tint val="75000"/>
-                  </a:schemeClr>
-                </a:solidFill>
-              </a:defRPr>
+              <a:defRPr sz="1600" b="1"/>
             </a:lvl6pPr>
             <a:lvl7pPr marL="2743200" indent="0">
               <a:buNone/>
-              <a:defRPr sz="1400">
-                <a:solidFill>
-                  <a:schemeClr val="tx1">
-                    <a:tint val="75000"/>
-                  </a:schemeClr>
-                </a:solidFill>
-              </a:defRPr>
+              <a:defRPr sz="1600" b="1"/>
             </a:lvl7pPr>
             <a:lvl8pPr marL="3200400" indent="0">
               <a:buNone/>
-              <a:defRPr sz="1400">
-                <a:solidFill>
-                  <a:schemeClr val="tx1">
-                    <a:tint val="75000"/>
-                  </a:schemeClr>
-                </a:solidFill>
-              </a:defRPr>
+              <a:defRPr sz="1600" b="1"/>
             </a:lvl8pPr>
             <a:lvl9pPr marL="3657600" indent="0">
               <a:buNone/>
-              <a:defRPr sz="1400">
-                <a:solidFill>
-                  <a:schemeClr val="tx1">
-                    <a:tint val="75000"/>
-                  </a:schemeClr>
-                </a:solidFill>
-              </a:defRPr>
+              <a:defRPr sz="1600" b="1"/>
             </a:lvl9pPr>
           </a:lstStyle>
           <a:p>
@@ -6336,7 +6869,587 @@
       </p:sp>
       <p:sp>
         <p:nvSpPr>
-          <p:cNvPr id="4" name="Date Placeholder 3"/>
+          <p:cNvPr id="20" name="Picture Placeholder 2"/>
+          <p:cNvSpPr>
+            <a:spLocks noGrp="1" noChangeAspect="1"/>
+          </p:cNvSpPr>
+          <p:nvPr>
+            <p:ph type="pic" idx="15"/>
+          </p:nvPr>
+        </p:nvSpPr>
+        <p:spPr>
+          <a:xfrm>
+            <a:off x="1018102" y="1938918"/>
+            <a:ext cx="3092368" cy="1602954"/>
+          </a:xfrm>
+          <a:prstGeom prst="roundRect">
+            <a:avLst>
+              <a:gd name="adj" fmla="val 1858"/>
+            </a:avLst>
+          </a:prstGeom>
+          <a:effectLst>
+            <a:outerShdw blurRad="38100" dist="25400" dir="4440000">
+              <a:srgbClr val="000000">
+                <a:alpha val="36000"/>
+              </a:srgbClr>
+            </a:outerShdw>
+          </a:effectLst>
+        </p:spPr>
+        <p:txBody>
+          <a:bodyPr anchor="t">
+            <a:normAutofit/>
+          </a:bodyPr>
+          <a:lstStyle>
+            <a:lvl1pPr marL="0" indent="0" algn="ctr">
+              <a:buNone/>
+              <a:defRPr sz="1600"/>
+            </a:lvl1pPr>
+            <a:lvl2pPr marL="457200" indent="0">
+              <a:buNone/>
+              <a:defRPr sz="1600"/>
+            </a:lvl2pPr>
+            <a:lvl3pPr marL="914400" indent="0">
+              <a:buNone/>
+              <a:defRPr sz="1600"/>
+            </a:lvl3pPr>
+            <a:lvl4pPr marL="1371600" indent="0">
+              <a:buNone/>
+              <a:defRPr sz="1600"/>
+            </a:lvl4pPr>
+            <a:lvl5pPr marL="1828800" indent="0">
+              <a:buNone/>
+              <a:defRPr sz="1600"/>
+            </a:lvl5pPr>
+            <a:lvl6pPr marL="2286000" indent="0">
+              <a:buNone/>
+              <a:defRPr sz="1600"/>
+            </a:lvl6pPr>
+            <a:lvl7pPr marL="2743200" indent="0">
+              <a:buNone/>
+              <a:defRPr sz="1600"/>
+            </a:lvl7pPr>
+            <a:lvl8pPr marL="3200400" indent="0">
+              <a:buNone/>
+              <a:defRPr sz="1600"/>
+            </a:lvl8pPr>
+            <a:lvl9pPr marL="3657600" indent="0">
+              <a:buNone/>
+              <a:defRPr sz="1600"/>
+            </a:lvl9pPr>
+          </a:lstStyle>
+          <a:p>
+            <a:r>
+              <a:rPr lang="en-US"/>
+              <a:t>Click icon to add picture</a:t>
+            </a:r>
+            <a:endParaRPr lang="en-US" dirty="0"/>
+          </a:p>
+        </p:txBody>
+      </p:sp>
+      <p:sp>
+        <p:nvSpPr>
+          <p:cNvPr id="21" name="Text Placeholder 3"/>
+          <p:cNvSpPr>
+            <a:spLocks noGrp="1"/>
+          </p:cNvSpPr>
+          <p:nvPr>
+            <p:ph type="body" sz="half" idx="18"/>
+          </p:nvPr>
+        </p:nvSpPr>
+        <p:spPr>
+          <a:xfrm>
+            <a:off x="913795" y="4480368"/>
+            <a:ext cx="3300984" cy="1310833"/>
+          </a:xfrm>
+        </p:spPr>
+        <p:txBody>
+          <a:bodyPr anchor="t">
+            <a:normAutofit/>
+          </a:bodyPr>
+          <a:lstStyle>
+            <a:lvl1pPr marL="0" indent="0" algn="ctr">
+              <a:buNone/>
+              <a:defRPr sz="1400"/>
+            </a:lvl1pPr>
+            <a:lvl2pPr marL="457200" indent="0">
+              <a:buNone/>
+              <a:defRPr sz="1200"/>
+            </a:lvl2pPr>
+            <a:lvl3pPr marL="914400" indent="0">
+              <a:buNone/>
+              <a:defRPr sz="1000"/>
+            </a:lvl3pPr>
+            <a:lvl4pPr marL="1371600" indent="0">
+              <a:buNone/>
+              <a:defRPr sz="900"/>
+            </a:lvl4pPr>
+            <a:lvl5pPr marL="1828800" indent="0">
+              <a:buNone/>
+              <a:defRPr sz="900"/>
+            </a:lvl5pPr>
+            <a:lvl6pPr marL="2286000" indent="0">
+              <a:buNone/>
+              <a:defRPr sz="900"/>
+            </a:lvl6pPr>
+            <a:lvl7pPr marL="2743200" indent="0">
+              <a:buNone/>
+              <a:defRPr sz="900"/>
+            </a:lvl7pPr>
+            <a:lvl8pPr marL="3200400" indent="0">
+              <a:buNone/>
+              <a:defRPr sz="900"/>
+            </a:lvl8pPr>
+            <a:lvl9pPr marL="3657600" indent="0">
+              <a:buNone/>
+              <a:defRPr sz="900"/>
+            </a:lvl9pPr>
+          </a:lstStyle>
+          <a:p>
+            <a:pPr lvl="0"/>
+            <a:r>
+              <a:rPr lang="en-US"/>
+              <a:t>Click to edit Master text styles</a:t>
+            </a:r>
+          </a:p>
+        </p:txBody>
+      </p:sp>
+      <p:sp>
+        <p:nvSpPr>
+          <p:cNvPr id="22" name="Text Placeholder 4"/>
+          <p:cNvSpPr>
+            <a:spLocks noGrp="1"/>
+          </p:cNvSpPr>
+          <p:nvPr>
+            <p:ph type="body" sz="quarter" idx="3"/>
+          </p:nvPr>
+        </p:nvSpPr>
+        <p:spPr>
+          <a:xfrm>
+            <a:off x="4442788" y="3904106"/>
+            <a:ext cx="3300984" cy="576262"/>
+          </a:xfrm>
+        </p:spPr>
+        <p:txBody>
+          <a:bodyPr anchor="b">
+            <a:noAutofit/>
+          </a:bodyPr>
+          <a:lstStyle>
+            <a:lvl1pPr marL="0" indent="0" algn="ctr">
+              <a:buNone/>
+              <a:defRPr sz="2000" b="0">
+                <a:solidFill>
+                  <a:schemeClr val="tx1"/>
+                </a:solidFill>
+              </a:defRPr>
+            </a:lvl1pPr>
+            <a:lvl2pPr marL="457200" indent="0">
+              <a:buNone/>
+              <a:defRPr sz="2000" b="1"/>
+            </a:lvl2pPr>
+            <a:lvl3pPr marL="914400" indent="0">
+              <a:buNone/>
+              <a:defRPr sz="1800" b="1"/>
+            </a:lvl3pPr>
+            <a:lvl4pPr marL="1371600" indent="0">
+              <a:buNone/>
+              <a:defRPr sz="1600" b="1"/>
+            </a:lvl4pPr>
+            <a:lvl5pPr marL="1828800" indent="0">
+              <a:buNone/>
+              <a:defRPr sz="1600" b="1"/>
+            </a:lvl5pPr>
+            <a:lvl6pPr marL="2286000" indent="0">
+              <a:buNone/>
+              <a:defRPr sz="1600" b="1"/>
+            </a:lvl6pPr>
+            <a:lvl7pPr marL="2743200" indent="0">
+              <a:buNone/>
+              <a:defRPr sz="1600" b="1"/>
+            </a:lvl7pPr>
+            <a:lvl8pPr marL="3200400" indent="0">
+              <a:buNone/>
+              <a:defRPr sz="1600" b="1"/>
+            </a:lvl8pPr>
+            <a:lvl9pPr marL="3657600" indent="0">
+              <a:buNone/>
+              <a:defRPr sz="1600" b="1"/>
+            </a:lvl9pPr>
+          </a:lstStyle>
+          <a:p>
+            <a:pPr lvl="0"/>
+            <a:r>
+              <a:rPr lang="en-US"/>
+              <a:t>Click to edit Master text styles</a:t>
+            </a:r>
+          </a:p>
+        </p:txBody>
+      </p:sp>
+      <p:sp>
+        <p:nvSpPr>
+          <p:cNvPr id="23" name="Picture Placeholder 2"/>
+          <p:cNvSpPr>
+            <a:spLocks noGrp="1" noChangeAspect="1"/>
+          </p:cNvSpPr>
+          <p:nvPr>
+            <p:ph type="pic" idx="21"/>
+          </p:nvPr>
+        </p:nvSpPr>
+        <p:spPr>
+          <a:xfrm>
+            <a:off x="4545743" y="1939094"/>
+            <a:ext cx="3092368" cy="1608164"/>
+          </a:xfrm>
+          <a:prstGeom prst="roundRect">
+            <a:avLst>
+              <a:gd name="adj" fmla="val 1858"/>
+            </a:avLst>
+          </a:prstGeom>
+          <a:effectLst>
+            <a:outerShdw blurRad="38100" dist="25400" dir="4440000">
+              <a:srgbClr val="000000">
+                <a:alpha val="36000"/>
+              </a:srgbClr>
+            </a:outerShdw>
+          </a:effectLst>
+        </p:spPr>
+        <p:txBody>
+          <a:bodyPr anchor="t">
+            <a:normAutofit/>
+          </a:bodyPr>
+          <a:lstStyle>
+            <a:lvl1pPr marL="0" indent="0" algn="ctr">
+              <a:buNone/>
+              <a:defRPr sz="1600"/>
+            </a:lvl1pPr>
+            <a:lvl2pPr marL="457200" indent="0">
+              <a:buNone/>
+              <a:defRPr sz="1600"/>
+            </a:lvl2pPr>
+            <a:lvl3pPr marL="914400" indent="0">
+              <a:buNone/>
+              <a:defRPr sz="1600"/>
+            </a:lvl3pPr>
+            <a:lvl4pPr marL="1371600" indent="0">
+              <a:buNone/>
+              <a:defRPr sz="1600"/>
+            </a:lvl4pPr>
+            <a:lvl5pPr marL="1828800" indent="0">
+              <a:buNone/>
+              <a:defRPr sz="1600"/>
+            </a:lvl5pPr>
+            <a:lvl6pPr marL="2286000" indent="0">
+              <a:buNone/>
+              <a:defRPr sz="1600"/>
+            </a:lvl6pPr>
+            <a:lvl7pPr marL="2743200" indent="0">
+              <a:buNone/>
+              <a:defRPr sz="1600"/>
+            </a:lvl7pPr>
+            <a:lvl8pPr marL="3200400" indent="0">
+              <a:buNone/>
+              <a:defRPr sz="1600"/>
+            </a:lvl8pPr>
+            <a:lvl9pPr marL="3657600" indent="0">
+              <a:buNone/>
+              <a:defRPr sz="1600"/>
+            </a:lvl9pPr>
+          </a:lstStyle>
+          <a:p>
+            <a:r>
+              <a:rPr lang="en-US"/>
+              <a:t>Click icon to add picture</a:t>
+            </a:r>
+            <a:endParaRPr lang="en-US" dirty="0"/>
+          </a:p>
+        </p:txBody>
+      </p:sp>
+      <p:sp>
+        <p:nvSpPr>
+          <p:cNvPr id="24" name="Text Placeholder 3"/>
+          <p:cNvSpPr>
+            <a:spLocks noGrp="1"/>
+          </p:cNvSpPr>
+          <p:nvPr>
+            <p:ph type="body" sz="half" idx="19"/>
+          </p:nvPr>
+        </p:nvSpPr>
+        <p:spPr>
+          <a:xfrm>
+            <a:off x="4441435" y="4480367"/>
+            <a:ext cx="3300984" cy="1310833"/>
+          </a:xfrm>
+        </p:spPr>
+        <p:txBody>
+          <a:bodyPr anchor="t">
+            <a:normAutofit/>
+          </a:bodyPr>
+          <a:lstStyle>
+            <a:lvl1pPr marL="0" indent="0" algn="ctr">
+              <a:buNone/>
+              <a:defRPr sz="1400"/>
+            </a:lvl1pPr>
+            <a:lvl2pPr marL="457200" indent="0">
+              <a:buNone/>
+              <a:defRPr sz="1200"/>
+            </a:lvl2pPr>
+            <a:lvl3pPr marL="914400" indent="0">
+              <a:buNone/>
+              <a:defRPr sz="1000"/>
+            </a:lvl3pPr>
+            <a:lvl4pPr marL="1371600" indent="0">
+              <a:buNone/>
+              <a:defRPr sz="900"/>
+            </a:lvl4pPr>
+            <a:lvl5pPr marL="1828800" indent="0">
+              <a:buNone/>
+              <a:defRPr sz="900"/>
+            </a:lvl5pPr>
+            <a:lvl6pPr marL="2286000" indent="0">
+              <a:buNone/>
+              <a:defRPr sz="900"/>
+            </a:lvl6pPr>
+            <a:lvl7pPr marL="2743200" indent="0">
+              <a:buNone/>
+              <a:defRPr sz="900"/>
+            </a:lvl7pPr>
+            <a:lvl8pPr marL="3200400" indent="0">
+              <a:buNone/>
+              <a:defRPr sz="900"/>
+            </a:lvl8pPr>
+            <a:lvl9pPr marL="3657600" indent="0">
+              <a:buNone/>
+              <a:defRPr sz="900"/>
+            </a:lvl9pPr>
+          </a:lstStyle>
+          <a:p>
+            <a:pPr lvl="0"/>
+            <a:r>
+              <a:rPr lang="en-US"/>
+              <a:t>Click to edit Master text styles</a:t>
+            </a:r>
+          </a:p>
+        </p:txBody>
+      </p:sp>
+      <p:sp>
+        <p:nvSpPr>
+          <p:cNvPr id="25" name="Text Placeholder 4"/>
+          <p:cNvSpPr>
+            <a:spLocks noGrp="1"/>
+          </p:cNvSpPr>
+          <p:nvPr>
+            <p:ph type="body" sz="quarter" idx="13"/>
+          </p:nvPr>
+        </p:nvSpPr>
+        <p:spPr>
+          <a:xfrm>
+            <a:off x="7966697" y="3904106"/>
+            <a:ext cx="3300984" cy="576262"/>
+          </a:xfrm>
+        </p:spPr>
+        <p:txBody>
+          <a:bodyPr anchor="b">
+            <a:noAutofit/>
+          </a:bodyPr>
+          <a:lstStyle>
+            <a:lvl1pPr marL="0" indent="0" algn="ctr">
+              <a:buNone/>
+              <a:defRPr sz="2000" b="0">
+                <a:solidFill>
+                  <a:schemeClr val="tx1"/>
+                </a:solidFill>
+              </a:defRPr>
+            </a:lvl1pPr>
+            <a:lvl2pPr marL="457200" indent="0">
+              <a:buNone/>
+              <a:defRPr sz="2000" b="1"/>
+            </a:lvl2pPr>
+            <a:lvl3pPr marL="914400" indent="0">
+              <a:buNone/>
+              <a:defRPr sz="1800" b="1"/>
+            </a:lvl3pPr>
+            <a:lvl4pPr marL="1371600" indent="0">
+              <a:buNone/>
+              <a:defRPr sz="1600" b="1"/>
+            </a:lvl4pPr>
+            <a:lvl5pPr marL="1828800" indent="0">
+              <a:buNone/>
+              <a:defRPr sz="1600" b="1"/>
+            </a:lvl5pPr>
+            <a:lvl6pPr marL="2286000" indent="0">
+              <a:buNone/>
+              <a:defRPr sz="1600" b="1"/>
+            </a:lvl6pPr>
+            <a:lvl7pPr marL="2743200" indent="0">
+              <a:buNone/>
+              <a:defRPr sz="1600" b="1"/>
+            </a:lvl7pPr>
+            <a:lvl8pPr marL="3200400" indent="0">
+              <a:buNone/>
+              <a:defRPr sz="1600" b="1"/>
+            </a:lvl8pPr>
+            <a:lvl9pPr marL="3657600" indent="0">
+              <a:buNone/>
+              <a:defRPr sz="1600" b="1"/>
+            </a:lvl9pPr>
+          </a:lstStyle>
+          <a:p>
+            <a:pPr lvl="0"/>
+            <a:r>
+              <a:rPr lang="en-US"/>
+              <a:t>Click to edit Master text styles</a:t>
+            </a:r>
+          </a:p>
+        </p:txBody>
+      </p:sp>
+      <p:sp>
+        <p:nvSpPr>
+          <p:cNvPr id="26" name="Picture Placeholder 2"/>
+          <p:cNvSpPr>
+            <a:spLocks noGrp="1" noChangeAspect="1"/>
+          </p:cNvSpPr>
+          <p:nvPr>
+            <p:ph type="pic" idx="22"/>
+          </p:nvPr>
+        </p:nvSpPr>
+        <p:spPr>
+          <a:xfrm>
+            <a:off x="8075698" y="1934432"/>
+            <a:ext cx="3092368" cy="1607294"/>
+          </a:xfrm>
+          <a:prstGeom prst="roundRect">
+            <a:avLst>
+              <a:gd name="adj" fmla="val 1858"/>
+            </a:avLst>
+          </a:prstGeom>
+          <a:effectLst>
+            <a:outerShdw blurRad="38100" dist="25400" dir="4440000">
+              <a:srgbClr val="000000">
+                <a:alpha val="36000"/>
+              </a:srgbClr>
+            </a:outerShdw>
+          </a:effectLst>
+        </p:spPr>
+        <p:txBody>
+          <a:bodyPr anchor="t">
+            <a:normAutofit/>
+          </a:bodyPr>
+          <a:lstStyle>
+            <a:lvl1pPr marL="0" indent="0" algn="ctr">
+              <a:buNone/>
+              <a:defRPr sz="1600"/>
+            </a:lvl1pPr>
+            <a:lvl2pPr marL="457200" indent="0">
+              <a:buNone/>
+              <a:defRPr sz="1600"/>
+            </a:lvl2pPr>
+            <a:lvl3pPr marL="914400" indent="0">
+              <a:buNone/>
+              <a:defRPr sz="1600"/>
+            </a:lvl3pPr>
+            <a:lvl4pPr marL="1371600" indent="0">
+              <a:buNone/>
+              <a:defRPr sz="1600"/>
+            </a:lvl4pPr>
+            <a:lvl5pPr marL="1828800" indent="0">
+              <a:buNone/>
+              <a:defRPr sz="1600"/>
+            </a:lvl5pPr>
+            <a:lvl6pPr marL="2286000" indent="0">
+              <a:buNone/>
+              <a:defRPr sz="1600"/>
+            </a:lvl6pPr>
+            <a:lvl7pPr marL="2743200" indent="0">
+              <a:buNone/>
+              <a:defRPr sz="1600"/>
+            </a:lvl7pPr>
+            <a:lvl8pPr marL="3200400" indent="0">
+              <a:buNone/>
+              <a:defRPr sz="1600"/>
+            </a:lvl8pPr>
+            <a:lvl9pPr marL="3657600" indent="0">
+              <a:buNone/>
+              <a:defRPr sz="1600"/>
+            </a:lvl9pPr>
+          </a:lstStyle>
+          <a:p>
+            <a:r>
+              <a:rPr lang="en-US"/>
+              <a:t>Click icon to add picture</a:t>
+            </a:r>
+            <a:endParaRPr lang="en-US" dirty="0"/>
+          </a:p>
+        </p:txBody>
+      </p:sp>
+      <p:sp>
+        <p:nvSpPr>
+          <p:cNvPr id="27" name="Text Placeholder 3"/>
+          <p:cNvSpPr>
+            <a:spLocks noGrp="1"/>
+          </p:cNvSpPr>
+          <p:nvPr>
+            <p:ph type="body" sz="half" idx="20"/>
+          </p:nvPr>
+        </p:nvSpPr>
+        <p:spPr>
+          <a:xfrm>
+            <a:off x="7966572" y="4480365"/>
+            <a:ext cx="3300984" cy="1310835"/>
+          </a:xfrm>
+        </p:spPr>
+        <p:txBody>
+          <a:bodyPr anchor="t">
+            <a:normAutofit/>
+          </a:bodyPr>
+          <a:lstStyle>
+            <a:lvl1pPr marL="0" indent="0" algn="ctr">
+              <a:buNone/>
+              <a:defRPr sz="1400"/>
+            </a:lvl1pPr>
+            <a:lvl2pPr marL="457200" indent="0">
+              <a:buNone/>
+              <a:defRPr sz="1200"/>
+            </a:lvl2pPr>
+            <a:lvl3pPr marL="914400" indent="0">
+              <a:buNone/>
+              <a:defRPr sz="1000"/>
+            </a:lvl3pPr>
+            <a:lvl4pPr marL="1371600" indent="0">
+              <a:buNone/>
+              <a:defRPr sz="900"/>
+            </a:lvl4pPr>
+            <a:lvl5pPr marL="1828800" indent="0">
+              <a:buNone/>
+              <a:defRPr sz="900"/>
+            </a:lvl5pPr>
+            <a:lvl6pPr marL="2286000" indent="0">
+              <a:buNone/>
+              <a:defRPr sz="900"/>
+            </a:lvl6pPr>
+            <a:lvl7pPr marL="2743200" indent="0">
+              <a:buNone/>
+              <a:defRPr sz="900"/>
+            </a:lvl7pPr>
+            <a:lvl8pPr marL="3200400" indent="0">
+              <a:buNone/>
+              <a:defRPr sz="900"/>
+            </a:lvl8pPr>
+            <a:lvl9pPr marL="3657600" indent="0">
+              <a:buNone/>
+              <a:defRPr sz="900"/>
+            </a:lvl9pPr>
+          </a:lstStyle>
+          <a:p>
+            <a:pPr lvl="0"/>
+            <a:r>
+              <a:rPr lang="en-US"/>
+              <a:t>Click to edit Master text styles</a:t>
+            </a:r>
+          </a:p>
+        </p:txBody>
+      </p:sp>
+      <p:sp>
+        <p:nvSpPr>
+          <p:cNvPr id="3" name="Date Placeholder 2"/>
           <p:cNvSpPr>
             <a:spLocks noGrp="1"/>
           </p:cNvSpPr>
@@ -6351,7 +7464,7 @@
           <a:p>
             <a:fld id="{1160EA64-D806-43AC-9DF2-F8C432F32B4C}" type="datetimeFigureOut">
               <a:rPr lang="en-US" smtClean="0"/>
-              <a:t>4/12/2023</a:t>
+              <a:t>4/16/2023</a:t>
             </a:fld>
             <a:endParaRPr lang="en-US" dirty="0"/>
           </a:p>
@@ -6359,7 +7472,7 @@
       </p:sp>
       <p:sp>
         <p:nvSpPr>
-          <p:cNvPr id="5" name="Footer Placeholder 4"/>
+          <p:cNvPr id="4" name="Footer Placeholder 3"/>
           <p:cNvSpPr>
             <a:spLocks noGrp="1"/>
           </p:cNvSpPr>
@@ -6378,7 +7491,7 @@
       </p:sp>
       <p:sp>
         <p:nvSpPr>
-          <p:cNvPr id="6" name="Slide Number Placeholder 5"/>
+          <p:cNvPr id="5" name="Slide Number Placeholder 4"/>
           <p:cNvSpPr>
             <a:spLocks noGrp="1"/>
           </p:cNvSpPr>
@@ -6403,7 +7516,7 @@
     </p:spTree>
     <p:extLst>
       <p:ext uri="{BB962C8B-B14F-4D97-AF65-F5344CB8AC3E}">
-        <p14:creationId xmlns:p14="http://schemas.microsoft.com/office/powerpoint/2010/main" val="2298472814"/>
+        <p14:creationId xmlns:p14="http://schemas.microsoft.com/office/powerpoint/2010/main" val="1669818774"/>
       </p:ext>
     </p:extLst>
   </p:cSld>
@@ -6444,11 +7557,7 @@
         <p:spPr/>
         <p:txBody>
           <a:bodyPr/>
-          <a:lstStyle>
-            <a:lvl1pPr algn="l">
-              <a:defRPr/>
-            </a:lvl1pPr>
-          </a:lstStyle>
+          <a:lstStyle/>
           <a:p>
             <a:r>
               <a:rPr lang="en-US"/>
@@ -6527,7 +7636,7 @@
           <a:p>
             <a:fld id="{E9F9C37B-1D36-470B-8223-D6C91242EC14}" type="datetimeFigureOut">
               <a:rPr lang="en-US" smtClean="0"/>
-              <a:t>4/12/2023</a:t>
+              <a:t>4/16/2023</a:t>
             </a:fld>
             <a:endParaRPr lang="en-US" dirty="0"/>
           </a:p>
@@ -6578,7 +7687,7 @@
     </p:spTree>
     <p:extLst>
       <p:ext uri="{BB962C8B-B14F-4D97-AF65-F5344CB8AC3E}">
-        <p14:creationId xmlns:p14="http://schemas.microsoft.com/office/powerpoint/2010/main" val="1084067915"/>
+        <p14:creationId xmlns:p14="http://schemas.microsoft.com/office/powerpoint/2010/main" val="4013806708"/>
       </p:ext>
     </p:extLst>
   </p:cSld>
@@ -6617,13 +7726,17 @@
         </p:nvSpPr>
         <p:spPr>
           <a:xfrm>
-            <a:off x="8685212" y="685800"/>
-            <a:ext cx="2057400" cy="4572000"/>
+            <a:off x="8983068" y="609599"/>
+            <a:ext cx="2284487" cy="5181601"/>
           </a:xfrm>
         </p:spPr>
         <p:txBody>
           <a:bodyPr vert="eaVert"/>
-          <a:lstStyle/>
+          <a:lstStyle>
+            <a:lvl1pPr algn="l">
+              <a:defRPr/>
+            </a:lvl1pPr>
+          </a:lstStyle>
           <a:p>
             <a:r>
               <a:rPr lang="en-US"/>
@@ -6645,8 +7758,8 @@
         </p:nvSpPr>
         <p:spPr>
           <a:xfrm>
-            <a:off x="685800" y="685800"/>
-            <a:ext cx="7823200" cy="5308600"/>
+            <a:off x="913796" y="609599"/>
+            <a:ext cx="7916872" cy="5181601"/>
           </a:xfrm>
         </p:spPr>
         <p:txBody>
@@ -6707,7 +7820,7 @@
           <a:p>
             <a:fld id="{67C6F52A-A82B-47A2-A83A-8C4C91F2D59F}" type="datetimeFigureOut">
               <a:rPr lang="en-US" smtClean="0"/>
-              <a:t>4/12/2023</a:t>
+              <a:t>4/16/2023</a:t>
             </a:fld>
             <a:endParaRPr lang="en-US" dirty="0"/>
           </a:p>
@@ -6758,7 +7871,7 @@
     </p:spTree>
     <p:extLst>
       <p:ext uri="{BB962C8B-B14F-4D97-AF65-F5344CB8AC3E}">
-        <p14:creationId xmlns:p14="http://schemas.microsoft.com/office/powerpoint/2010/main" val="3598746842"/>
+        <p14:creationId xmlns:p14="http://schemas.microsoft.com/office/powerpoint/2010/main" val="3121913079"/>
       </p:ext>
     </p:extLst>
   </p:cSld>
@@ -6820,7 +7933,7 @@
         </p:nvSpPr>
         <p:spPr/>
         <p:txBody>
-          <a:bodyPr anchor="ctr"/>
+          <a:bodyPr/>
           <a:lstStyle/>
           <a:p>
             <a:pPr lvl="0"/>
@@ -6877,7 +7990,7 @@
           <a:p>
             <a:fld id="{F070A7B3-6521-4DCA-87E5-044747A908C1}" type="datetimeFigureOut">
               <a:rPr lang="en-US" smtClean="0"/>
-              <a:t>4/12/2023</a:t>
+              <a:t>4/16/2023</a:t>
             </a:fld>
             <a:endParaRPr lang="en-US" dirty="0"/>
           </a:p>
@@ -6929,7 +8042,7 @@
     </p:spTree>
     <p:extLst>
       <p:ext uri="{BB962C8B-B14F-4D97-AF65-F5344CB8AC3E}">
-        <p14:creationId xmlns:p14="http://schemas.microsoft.com/office/powerpoint/2010/main" val="1398867485"/>
+        <p14:creationId xmlns:p14="http://schemas.microsoft.com/office/powerpoint/2010/main" val="826413653"/>
       </p:ext>
     </p:extLst>
   </p:cSld>
@@ -6968,17 +8081,15 @@
         </p:nvSpPr>
         <p:spPr>
           <a:xfrm>
-            <a:off x="684211" y="2006600"/>
-            <a:ext cx="8534401" cy="2281600"/>
+            <a:off x="1295401" y="1761067"/>
+            <a:ext cx="9590550" cy="1828813"/>
           </a:xfrm>
         </p:spPr>
         <p:txBody>
-          <a:bodyPr anchor="b">
-            <a:normAutofit/>
-          </a:bodyPr>
+          <a:bodyPr anchor="b"/>
           <a:lstStyle>
-            <a:lvl1pPr algn="l">
-              <a:defRPr sz="3600" b="0" cap="all"/>
+            <a:lvl1pPr algn="ctr">
+              <a:defRPr sz="4000" b="0" cap="none"/>
             </a:lvl1pPr>
           </a:lstStyle>
           <a:p>
@@ -7002,22 +8113,18 @@
         </p:nvSpPr>
         <p:spPr>
           <a:xfrm>
-            <a:off x="684213" y="4495800"/>
-            <a:ext cx="8534400" cy="1498600"/>
+            <a:off x="1295401" y="3589879"/>
+            <a:ext cx="9590550" cy="1507054"/>
           </a:xfrm>
         </p:spPr>
         <p:txBody>
-          <a:bodyPr anchor="t">
-            <a:normAutofit/>
-          </a:bodyPr>
+          <a:bodyPr anchor="t"/>
           <a:lstStyle>
-            <a:lvl1pPr marL="0" indent="0" algn="l">
-              <a:buNone/>
-              <a:defRPr sz="1800">
+            <a:lvl1pPr marL="0" indent="0" algn="ctr">
+              <a:buNone/>
+              <a:defRPr sz="2000">
                 <a:solidFill>
-                  <a:schemeClr val="bg2">
-                    <a:lumMod val="75000"/>
-                  </a:schemeClr>
+                  <a:schemeClr val="tx1"/>
                 </a:solidFill>
               </a:defRPr>
             </a:lvl1pPr>
@@ -7128,7 +8235,7 @@
           <a:p>
             <a:fld id="{1160EA64-D806-43AC-9DF2-F8C432F32B4C}" type="datetimeFigureOut">
               <a:rPr lang="en-US" smtClean="0"/>
-              <a:t>4/12/2023</a:t>
+              <a:t>4/16/2023</a:t>
             </a:fld>
             <a:endParaRPr lang="en-US" dirty="0"/>
           </a:p>
@@ -7180,7 +8287,7 @@
     </p:spTree>
     <p:extLst>
       <p:ext uri="{BB962C8B-B14F-4D97-AF65-F5344CB8AC3E}">
-        <p14:creationId xmlns:p14="http://schemas.microsoft.com/office/powerpoint/2010/main" val="3231201665"/>
+        <p14:creationId xmlns:p14="http://schemas.microsoft.com/office/powerpoint/2010/main" val="3058728270"/>
       </p:ext>
     </p:extLst>
   </p:cSld>
@@ -7242,12 +8349,12 @@
         </p:nvSpPr>
         <p:spPr>
           <a:xfrm>
-            <a:off x="684211" y="685800"/>
-            <a:ext cx="4937655" cy="3615267"/>
+            <a:off x="913795" y="1732449"/>
+            <a:ext cx="5060497" cy="4058750"/>
           </a:xfrm>
         </p:spPr>
         <p:txBody>
-          <a:bodyPr>
+          <a:bodyPr anchor="t">
             <a:normAutofit/>
           </a:bodyPr>
           <a:lstStyle/>
@@ -7301,12 +8408,12 @@
         </p:nvSpPr>
         <p:spPr>
           <a:xfrm>
-            <a:off x="5808133" y="685801"/>
-            <a:ext cx="4934479" cy="3615266"/>
+            <a:off x="6202892" y="1732449"/>
+            <a:ext cx="5064665" cy="4058751"/>
           </a:xfrm>
         </p:spPr>
         <p:txBody>
-          <a:bodyPr>
+          <a:bodyPr anchor="t">
             <a:normAutofit/>
           </a:bodyPr>
           <a:lstStyle/>
@@ -7365,7 +8472,7 @@
           <a:p>
             <a:fld id="{AB134690-1557-4C89-A502-4959FE7FAD70}" type="datetimeFigureOut">
               <a:rPr lang="en-US" smtClean="0"/>
-              <a:t>4/12/2023</a:t>
+              <a:t>4/16/2023</a:t>
             </a:fld>
             <a:endParaRPr lang="en-US" dirty="0"/>
           </a:p>
@@ -7416,7 +8523,7 @@
     </p:spTree>
     <p:extLst>
       <p:ext uri="{BB962C8B-B14F-4D97-AF65-F5344CB8AC3E}">
-        <p14:creationId xmlns:p14="http://schemas.microsoft.com/office/powerpoint/2010/main" val="2496772000"/>
+        <p14:creationId xmlns:p14="http://schemas.microsoft.com/office/powerpoint/2010/main" val="1297882362"/>
       </p:ext>
     </p:extLst>
   </p:cSld>
@@ -7443,6 +8550,66 @@
           <a:chExt cx="0" cy="0"/>
         </a:xfrm>
       </p:grpSpPr>
+      <p:pic>
+        <p:nvPicPr>
+          <p:cNvPr id="20" name="Picture 19" descr="Slate-V2-HD-compPhotoInset.png"/>
+          <p:cNvPicPr>
+            <a:picLocks noChangeAspect="1"/>
+          </p:cNvPicPr>
+          <p:nvPr/>
+        </p:nvPicPr>
+        <p:blipFill>
+          <a:blip r:embed="rId2">
+            <a:extLst>
+              <a:ext uri="{28A0092B-C50C-407E-A947-70E740481C1C}">
+                <a14:useLocalDpi xmlns:a14="http://schemas.microsoft.com/office/drawing/2010/main" val="0"/>
+              </a:ext>
+            </a:extLst>
+          </a:blip>
+          <a:stretch>
+            <a:fillRect/>
+          </a:stretch>
+        </p:blipFill>
+        <p:spPr>
+          <a:xfrm>
+            <a:off x="913795" y="1734506"/>
+            <a:ext cx="5089072" cy="4148769"/>
+          </a:xfrm>
+          <a:prstGeom prst="rect">
+            <a:avLst/>
+          </a:prstGeom>
+        </p:spPr>
+      </p:pic>
+      <p:pic>
+        <p:nvPicPr>
+          <p:cNvPr id="21" name="Picture 20" descr="Slate-V2-HD-compPhotoInset.png"/>
+          <p:cNvPicPr>
+            <a:picLocks noChangeAspect="1"/>
+          </p:cNvPicPr>
+          <p:nvPr/>
+        </p:nvPicPr>
+        <p:blipFill>
+          <a:blip r:embed="rId2">
+            <a:extLst>
+              <a:ext uri="{28A0092B-C50C-407E-A947-70E740481C1C}">
+                <a14:useLocalDpi xmlns:a14="http://schemas.microsoft.com/office/drawing/2010/main" val="0"/>
+              </a:ext>
+            </a:extLst>
+          </a:blip>
+          <a:stretch>
+            <a:fillRect/>
+          </a:stretch>
+        </p:blipFill>
+        <p:spPr>
+          <a:xfrm>
+            <a:off x="6178485" y="1734506"/>
+            <a:ext cx="5089072" cy="4148769"/>
+          </a:xfrm>
+          <a:prstGeom prst="rect">
+            <a:avLst/>
+          </a:prstGeom>
+        </p:spPr>
+      </p:pic>
       <p:sp>
         <p:nvSpPr>
           <p:cNvPr id="2" name="Title 1"/>
@@ -7482,8 +8649,8 @@
         </p:nvSpPr>
         <p:spPr>
           <a:xfrm>
-            <a:off x="972080" y="685800"/>
-            <a:ext cx="4649787" cy="576262"/>
+            <a:off x="1005872" y="1835254"/>
+            <a:ext cx="4876344" cy="544884"/>
           </a:xfrm>
         </p:spPr>
         <p:txBody>
@@ -7491,13 +8658,9 @@
             <a:noAutofit/>
           </a:bodyPr>
           <a:lstStyle>
-            <a:lvl1pPr marL="0" indent="0">
-              <a:buNone/>
-              <a:defRPr sz="2800" b="0">
-                <a:solidFill>
-                  <a:schemeClr val="tx1"/>
-                </a:solidFill>
-              </a:defRPr>
+            <a:lvl1pPr marL="0" indent="0" algn="ctr">
+              <a:buNone/>
+              <a:defRPr sz="2400" b="0"/>
             </a:lvl1pPr>
             <a:lvl2pPr marL="457200" indent="0">
               <a:buNone/>
@@ -7553,15 +8716,31 @@
         </p:nvSpPr>
         <p:spPr>
           <a:xfrm>
-            <a:off x="684211" y="1270529"/>
-            <a:ext cx="4937655" cy="3030538"/>
+            <a:off x="1005872" y="2380137"/>
+            <a:ext cx="4876344" cy="3411063"/>
           </a:xfrm>
         </p:spPr>
         <p:txBody>
           <a:bodyPr anchor="t">
             <a:normAutofit/>
           </a:bodyPr>
-          <a:lstStyle/>
+          <a:lstStyle>
+            <a:lvl1pPr>
+              <a:defRPr sz="1800"/>
+            </a:lvl1pPr>
+            <a:lvl2pPr>
+              <a:defRPr sz="1600"/>
+            </a:lvl2pPr>
+            <a:lvl3pPr>
+              <a:defRPr sz="1400"/>
+            </a:lvl3pPr>
+            <a:lvl4pPr>
+              <a:defRPr sz="1200"/>
+            </a:lvl4pPr>
+            <a:lvl5pPr>
+              <a:defRPr sz="1200"/>
+            </a:lvl5pPr>
+          </a:lstStyle>
           <a:p>
             <a:pPr lvl="0"/>
             <a:r>
@@ -7612,8 +8791,8 @@
         </p:nvSpPr>
         <p:spPr>
           <a:xfrm>
-            <a:off x="6079066" y="685800"/>
-            <a:ext cx="4665134" cy="576262"/>
+            <a:off x="6294967" y="1835254"/>
+            <a:ext cx="4895330" cy="544883"/>
           </a:xfrm>
         </p:spPr>
         <p:txBody>
@@ -7621,13 +8800,9 @@
             <a:noAutofit/>
           </a:bodyPr>
           <a:lstStyle>
-            <a:lvl1pPr marL="0" indent="0">
-              <a:buNone/>
-              <a:defRPr sz="2800" b="0">
-                <a:solidFill>
-                  <a:schemeClr val="tx1"/>
-                </a:solidFill>
-              </a:defRPr>
+            <a:lvl1pPr marL="0" indent="0" algn="ctr">
+              <a:buNone/>
+              <a:defRPr sz="2400" b="0"/>
             </a:lvl1pPr>
             <a:lvl2pPr marL="457200" indent="0">
               <a:buNone/>
@@ -7683,15 +8858,31 @@
         </p:nvSpPr>
         <p:spPr>
           <a:xfrm>
-            <a:off x="5806545" y="1262062"/>
-            <a:ext cx="4929188" cy="3030538"/>
+            <a:off x="6294967" y="2380137"/>
+            <a:ext cx="4895330" cy="3411063"/>
           </a:xfrm>
         </p:spPr>
         <p:txBody>
           <a:bodyPr anchor="t">
             <a:normAutofit/>
           </a:bodyPr>
-          <a:lstStyle/>
+          <a:lstStyle>
+            <a:lvl1pPr>
+              <a:defRPr sz="1800"/>
+            </a:lvl1pPr>
+            <a:lvl2pPr>
+              <a:defRPr sz="1600"/>
+            </a:lvl2pPr>
+            <a:lvl3pPr>
+              <a:defRPr sz="1400"/>
+            </a:lvl3pPr>
+            <a:lvl4pPr>
+              <a:defRPr sz="1200"/>
+            </a:lvl4pPr>
+            <a:lvl5pPr>
+              <a:defRPr sz="1200"/>
+            </a:lvl5pPr>
+          </a:lstStyle>
           <a:p>
             <a:pPr lvl="0"/>
             <a:r>
@@ -7747,7 +8938,7 @@
           <a:p>
             <a:fld id="{1160EA64-D806-43AC-9DF2-F8C432F32B4C}" type="datetimeFigureOut">
               <a:rPr lang="en-US" smtClean="0"/>
-              <a:t>4/12/2023</a:t>
+              <a:t>4/16/2023</a:t>
             </a:fld>
             <a:endParaRPr lang="en-US" dirty="0"/>
           </a:p>
@@ -7799,7 +8990,7 @@
     </p:spTree>
     <p:extLst>
       <p:ext uri="{BB962C8B-B14F-4D97-AF65-F5344CB8AC3E}">
-        <p14:creationId xmlns:p14="http://schemas.microsoft.com/office/powerpoint/2010/main" val="2427266277"/>
+        <p14:creationId xmlns:p14="http://schemas.microsoft.com/office/powerpoint/2010/main" val="128985597"/>
       </p:ext>
     </p:extLst>
   </p:cSld>
@@ -7867,7 +9058,7 @@
           <a:p>
             <a:fld id="{E1037C31-9E7A-4F99-8774-A0E530DE1A42}" type="datetimeFigureOut">
               <a:rPr lang="en-US" smtClean="0"/>
-              <a:t>4/12/2023</a:t>
+              <a:t>4/16/2023</a:t>
             </a:fld>
             <a:endParaRPr lang="en-US" dirty="0"/>
           </a:p>
@@ -7918,7 +9109,7 @@
     </p:spTree>
     <p:extLst>
       <p:ext uri="{BB962C8B-B14F-4D97-AF65-F5344CB8AC3E}">
-        <p14:creationId xmlns:p14="http://schemas.microsoft.com/office/powerpoint/2010/main" val="1363643054"/>
+        <p14:creationId xmlns:p14="http://schemas.microsoft.com/office/powerpoint/2010/main" val="3675798817"/>
       </p:ext>
     </p:extLst>
   </p:cSld>
@@ -7962,7 +9153,7 @@
           <a:p>
             <a:fld id="{C278504F-A551-4DE0-9316-4DCD1D8CC752}" type="datetimeFigureOut">
               <a:rPr lang="en-US" smtClean="0"/>
-              <a:t>4/12/2023</a:t>
+              <a:t>4/16/2023</a:t>
             </a:fld>
             <a:endParaRPr lang="en-US" dirty="0"/>
           </a:p>
@@ -8013,7 +9204,7 @@
     </p:spTree>
     <p:extLst>
       <p:ext uri="{BB962C8B-B14F-4D97-AF65-F5344CB8AC3E}">
-        <p14:creationId xmlns:p14="http://schemas.microsoft.com/office/powerpoint/2010/main" val="4190262532"/>
+        <p14:creationId xmlns:p14="http://schemas.microsoft.com/office/powerpoint/2010/main" val="251360115"/>
       </p:ext>
     </p:extLst>
   </p:cSld>
@@ -8052,8 +9243,8 @@
         </p:nvSpPr>
         <p:spPr>
           <a:xfrm>
-            <a:off x="7085012" y="685800"/>
-            <a:ext cx="3657600" cy="1371600"/>
+            <a:off x="913795" y="609600"/>
+            <a:ext cx="3706889" cy="1821918"/>
           </a:xfrm>
         </p:spPr>
         <p:txBody>
@@ -8061,7 +9252,7 @@
             <a:normAutofit/>
           </a:bodyPr>
           <a:lstStyle>
-            <a:lvl1pPr algn="l">
+            <a:lvl1pPr algn="ctr">
               <a:defRPr sz="2400" b="0"/>
             </a:lvl1pPr>
           </a:lstStyle>
@@ -8086,12 +9277,12 @@
         </p:nvSpPr>
         <p:spPr>
           <a:xfrm>
-            <a:off x="684212" y="685800"/>
-            <a:ext cx="5943601" cy="5308600"/>
+            <a:off x="4855633" y="609600"/>
+            <a:ext cx="6411924" cy="5181600"/>
           </a:xfrm>
         </p:spPr>
         <p:txBody>
-          <a:bodyPr anchor="ctr">
+          <a:bodyPr>
             <a:normAutofit/>
           </a:bodyPr>
           <a:lstStyle/>
@@ -8145,8 +9336,8 @@
         </p:nvSpPr>
         <p:spPr>
           <a:xfrm>
-            <a:off x="7085012" y="2209799"/>
-            <a:ext cx="3657600" cy="2091267"/>
+            <a:off x="913795" y="2431518"/>
+            <a:ext cx="3706889" cy="3359681"/>
           </a:xfrm>
         </p:spPr>
         <p:txBody>
@@ -8154,7 +9345,7 @@
             <a:normAutofit/>
           </a:bodyPr>
           <a:lstStyle>
-            <a:lvl1pPr marL="0" indent="0">
+            <a:lvl1pPr marL="0" indent="0" algn="ctr">
               <a:buNone/>
               <a:defRPr sz="1600"/>
             </a:lvl1pPr>
@@ -8217,7 +9408,7 @@
           <a:p>
             <a:fld id="{D1BE4249-C0D0-4B06-8692-E8BB871AF643}" type="datetimeFigureOut">
               <a:rPr lang="en-US" smtClean="0"/>
-              <a:t>4/12/2023</a:t>
+              <a:t>4/16/2023</a:t>
             </a:fld>
             <a:endParaRPr lang="en-US" dirty="0"/>
           </a:p>
@@ -8268,7 +9459,7 @@
     </p:spTree>
     <p:extLst>
       <p:ext uri="{BB962C8B-B14F-4D97-AF65-F5344CB8AC3E}">
-        <p14:creationId xmlns:p14="http://schemas.microsoft.com/office/powerpoint/2010/main" val="4271903744"/>
+        <p14:creationId xmlns:p14="http://schemas.microsoft.com/office/powerpoint/2010/main" val="4010703916"/>
       </p:ext>
     </p:extLst>
   </p:cSld>
@@ -8295,29 +9486,59 @@
           <a:chExt cx="0" cy="0"/>
         </a:xfrm>
       </p:grpSpPr>
-      <p:sp>
-        <p:nvSpPr>
-          <p:cNvPr id="2" name="Title 1"/>
-          <p:cNvSpPr>
-            <a:spLocks noGrp="1"/>
-          </p:cNvSpPr>
-          <p:nvPr>
-            <p:ph type="title"/>
-          </p:nvPr>
-        </p:nvSpPr>
+      <p:pic>
+        <p:nvPicPr>
+          <p:cNvPr id="22" name="Picture 21" descr="Slate-V2-HD-vertPhotoInset.png"/>
+          <p:cNvPicPr>
+            <a:picLocks noChangeAspect="1"/>
+          </p:cNvPicPr>
+          <p:nvPr/>
+        </p:nvPicPr>
+        <p:blipFill>
+          <a:blip r:embed="rId2">
+            <a:extLst>
+              <a:ext uri="{28A0092B-C50C-407E-A947-70E740481C1C}">
+                <a14:useLocalDpi xmlns:a14="http://schemas.microsoft.com/office/drawing/2010/main" val="0"/>
+              </a:ext>
+            </a:extLst>
+          </a:blip>
+          <a:stretch>
+            <a:fillRect/>
+          </a:stretch>
+        </p:blipFill>
         <p:spPr>
           <a:xfrm>
-            <a:off x="4722812" y="1447800"/>
-            <a:ext cx="6019800" cy="1143000"/>
+            <a:off x="7293665" y="609600"/>
+            <a:ext cx="3584166" cy="5204832"/>
+          </a:xfrm>
+          <a:prstGeom prst="rect">
+            <a:avLst/>
+          </a:prstGeom>
+        </p:spPr>
+      </p:pic>
+      <p:sp>
+        <p:nvSpPr>
+          <p:cNvPr id="2" name="Title 1"/>
+          <p:cNvSpPr>
+            <a:spLocks noGrp="1"/>
+          </p:cNvSpPr>
+          <p:nvPr>
+            <p:ph type="title"/>
+          </p:nvPr>
+        </p:nvSpPr>
+        <p:spPr>
+          <a:xfrm>
+            <a:off x="913795" y="609923"/>
+            <a:ext cx="5934949" cy="1829338"/>
           </a:xfrm>
         </p:spPr>
         <p:txBody>
           <a:bodyPr anchor="b">
-            <a:normAutofit/>
+            <a:noAutofit/>
           </a:bodyPr>
           <a:lstStyle>
-            <a:lvl1pPr algn="l">
-              <a:defRPr sz="2800" b="0"/>
+            <a:lvl1pPr algn="ctr">
+              <a:defRPr sz="3200" b="0"/>
             </a:lvl1pPr>
           </a:lstStyle>
           <a:p>
@@ -8331,7 +9552,7 @@
       </p:sp>
       <p:sp>
         <p:nvSpPr>
-          <p:cNvPr id="14" name="Picture Placeholder 2"/>
+          <p:cNvPr id="3" name="Picture Placeholder 2"/>
           <p:cNvSpPr>
             <a:spLocks noGrp="1" noChangeAspect="1"/>
           </p:cNvSpPr>
@@ -8341,28 +9562,15 @@
         </p:nvSpPr>
         <p:spPr>
           <a:xfrm>
-            <a:off x="989012" y="914400"/>
-            <a:ext cx="3280974" cy="4572000"/>
+            <a:off x="7442551" y="763702"/>
+            <a:ext cx="3275751" cy="4912822"/>
           </a:xfrm>
-          <a:prstGeom prst="snip2DiagRect">
-            <a:avLst>
-              <a:gd name="adj1" fmla="val 10815"/>
-              <a:gd name="adj2" fmla="val 0"/>
-            </a:avLst>
-          </a:prstGeom>
-          <a:ln w="15875">
-            <a:solidFill>
-              <a:schemeClr val="tx1">
-                <a:alpha val="40000"/>
-              </a:schemeClr>
-            </a:solidFill>
-          </a:ln>
           <a:effectLst>
-            <a:innerShdw blurRad="57150" dist="38100" dir="14460000">
+            <a:outerShdw blurRad="38100" dist="25400" dir="4440000">
               <a:srgbClr val="000000">
-                <a:alpha val="70000"/>
+                <a:alpha val="36000"/>
               </a:srgbClr>
-            </a:innerShdw>
+            </a:outerShdw>
           </a:effectLst>
         </p:spPr>
         <p:txBody>
@@ -8428,8 +9636,8 @@
         </p:nvSpPr>
         <p:spPr>
           <a:xfrm>
-            <a:off x="4722812" y="2777066"/>
-            <a:ext cx="6021388" cy="2048933"/>
+            <a:off x="913795" y="2439261"/>
+            <a:ext cx="5934949" cy="3376134"/>
           </a:xfrm>
         </p:spPr>
         <p:txBody>
@@ -8437,9 +9645,9 @@
             <a:normAutofit/>
           </a:bodyPr>
           <a:lstStyle>
-            <a:lvl1pPr marL="0" indent="0">
-              <a:buNone/>
-              <a:defRPr sz="1800"/>
+            <a:lvl1pPr marL="0" indent="0" algn="ctr">
+              <a:buNone/>
+              <a:defRPr sz="1600"/>
             </a:lvl1pPr>
             <a:lvl2pPr marL="457200" indent="0">
               <a:buNone/>
@@ -8500,7 +9708,7 @@
           <a:p>
             <a:fld id="{042B0DB6-F5C7-45FB-8CF3-31B45F9C2DAC}" type="datetimeFigureOut">
               <a:rPr lang="en-US" smtClean="0"/>
-              <a:t>4/12/2023</a:t>
+              <a:t>4/16/2023</a:t>
             </a:fld>
             <a:endParaRPr lang="en-US" dirty="0"/>
           </a:p>
@@ -8551,7 +9759,7 @@
     </p:spTree>
     <p:extLst>
       <p:ext uri="{BB962C8B-B14F-4D97-AF65-F5344CB8AC3E}">
-        <p14:creationId xmlns:p14="http://schemas.microsoft.com/office/powerpoint/2010/main" val="4155094861"/>
+        <p14:creationId xmlns:p14="http://schemas.microsoft.com/office/powerpoint/2010/main" val="2952340183"/>
       </p:ext>
     </p:extLst>
   </p:cSld>
@@ -8565,7 +9773,7 @@
 <p:sldMaster xmlns:a="http://schemas.openxmlformats.org/drawingml/2006/main" xmlns:r="http://schemas.openxmlformats.org/officeDocument/2006/relationships" xmlns:p="http://schemas.openxmlformats.org/presentationml/2006/main">
   <p:cSld>
     <p:bg>
-      <p:bgRef idx="1002">
+      <p:bgRef idx="1003">
         <a:schemeClr val="bg2"/>
       </p:bgRef>
     </p:bg>
@@ -8583,196 +9791,6 @@
           <a:chExt cx="0" cy="0"/>
         </a:xfrm>
       </p:grpSpPr>
-      <p:grpSp>
-        <p:nvGrpSpPr>
-          <p:cNvPr id="7" name="Group 6"/>
-          <p:cNvGrpSpPr/>
-          <p:nvPr/>
-        </p:nvGrpSpPr>
-        <p:grpSpPr>
-          <a:xfrm>
-            <a:off x="9206969" y="2963333"/>
-            <a:ext cx="2981858" cy="3208867"/>
-            <a:chOff x="9206969" y="2963333"/>
-            <a:chExt cx="2981858" cy="3208867"/>
-          </a:xfrm>
-        </p:grpSpPr>
-        <p:cxnSp>
-          <p:nvCxnSpPr>
-            <p:cNvPr id="8" name="Straight Connector 7"/>
-            <p:cNvCxnSpPr/>
-            <p:nvPr/>
-          </p:nvCxnSpPr>
-          <p:spPr>
-            <a:xfrm flipH="1">
-              <a:off x="11276012" y="2963333"/>
-              <a:ext cx="912814" cy="912812"/>
-            </a:xfrm>
-            <a:prstGeom prst="line">
-              <a:avLst/>
-            </a:prstGeom>
-            <a:ln w="9525">
-              <a:solidFill>
-                <a:schemeClr val="tx1"/>
-              </a:solidFill>
-            </a:ln>
-          </p:spPr>
-          <p:style>
-            <a:lnRef idx="2">
-              <a:schemeClr val="accent1"/>
-            </a:lnRef>
-            <a:fillRef idx="0">
-              <a:schemeClr val="accent1"/>
-            </a:fillRef>
-            <a:effectRef idx="1">
-              <a:schemeClr val="accent1"/>
-            </a:effectRef>
-            <a:fontRef idx="minor">
-              <a:schemeClr val="tx1"/>
-            </a:fontRef>
-          </p:style>
-        </p:cxnSp>
-        <p:cxnSp>
-          <p:nvCxnSpPr>
-            <p:cNvPr id="9" name="Straight Connector 8"/>
-            <p:cNvCxnSpPr/>
-            <p:nvPr/>
-          </p:nvCxnSpPr>
-          <p:spPr>
-            <a:xfrm flipH="1">
-              <a:off x="9206969" y="3190344"/>
-              <a:ext cx="2981857" cy="2981856"/>
-            </a:xfrm>
-            <a:prstGeom prst="line">
-              <a:avLst/>
-            </a:prstGeom>
-            <a:ln w="9525">
-              <a:solidFill>
-                <a:schemeClr val="tx1"/>
-              </a:solidFill>
-            </a:ln>
-          </p:spPr>
-          <p:style>
-            <a:lnRef idx="2">
-              <a:schemeClr val="accent1"/>
-            </a:lnRef>
-            <a:fillRef idx="0">
-              <a:schemeClr val="accent1"/>
-            </a:fillRef>
-            <a:effectRef idx="1">
-              <a:schemeClr val="accent1"/>
-            </a:effectRef>
-            <a:fontRef idx="minor">
-              <a:schemeClr val="tx1"/>
-            </a:fontRef>
-          </p:style>
-        </p:cxnSp>
-        <p:cxnSp>
-          <p:nvCxnSpPr>
-            <p:cNvPr id="10" name="Straight Connector 9"/>
-            <p:cNvCxnSpPr/>
-            <p:nvPr/>
-          </p:nvCxnSpPr>
-          <p:spPr>
-            <a:xfrm flipH="1">
-              <a:off x="10292292" y="3285067"/>
-              <a:ext cx="1896534" cy="1896533"/>
-            </a:xfrm>
-            <a:prstGeom prst="line">
-              <a:avLst/>
-            </a:prstGeom>
-            <a:ln w="9525">
-              <a:solidFill>
-                <a:schemeClr val="tx1"/>
-              </a:solidFill>
-            </a:ln>
-          </p:spPr>
-          <p:style>
-            <a:lnRef idx="2">
-              <a:schemeClr val="accent1"/>
-            </a:lnRef>
-            <a:fillRef idx="0">
-              <a:schemeClr val="accent1"/>
-            </a:fillRef>
-            <a:effectRef idx="1">
-              <a:schemeClr val="accent1"/>
-            </a:effectRef>
-            <a:fontRef idx="minor">
-              <a:schemeClr val="tx1"/>
-            </a:fontRef>
-          </p:style>
-        </p:cxnSp>
-        <p:cxnSp>
-          <p:nvCxnSpPr>
-            <p:cNvPr id="11" name="Straight Connector 10"/>
-            <p:cNvCxnSpPr/>
-            <p:nvPr/>
-          </p:nvCxnSpPr>
-          <p:spPr>
-            <a:xfrm flipH="1">
-              <a:off x="10443103" y="3131080"/>
-              <a:ext cx="1745722" cy="1745720"/>
-            </a:xfrm>
-            <a:prstGeom prst="line">
-              <a:avLst/>
-            </a:prstGeom>
-            <a:ln w="28575">
-              <a:solidFill>
-                <a:schemeClr val="tx1"/>
-              </a:solidFill>
-            </a:ln>
-          </p:spPr>
-          <p:style>
-            <a:lnRef idx="2">
-              <a:schemeClr val="accent1"/>
-            </a:lnRef>
-            <a:fillRef idx="0">
-              <a:schemeClr val="accent1"/>
-            </a:fillRef>
-            <a:effectRef idx="1">
-              <a:schemeClr val="accent1"/>
-            </a:effectRef>
-            <a:fontRef idx="minor">
-              <a:schemeClr val="tx1"/>
-            </a:fontRef>
-          </p:style>
-        </p:cxnSp>
-        <p:cxnSp>
-          <p:nvCxnSpPr>
-            <p:cNvPr id="12" name="Straight Connector 11"/>
-            <p:cNvCxnSpPr/>
-            <p:nvPr/>
-          </p:nvCxnSpPr>
-          <p:spPr>
-            <a:xfrm flipH="1">
-              <a:off x="10918826" y="3683001"/>
-              <a:ext cx="1270001" cy="1269999"/>
-            </a:xfrm>
-            <a:prstGeom prst="line">
-              <a:avLst/>
-            </a:prstGeom>
-            <a:ln w="28575">
-              <a:solidFill>
-                <a:schemeClr val="tx1"/>
-              </a:solidFill>
-            </a:ln>
-          </p:spPr>
-          <p:style>
-            <a:lnRef idx="2">
-              <a:schemeClr val="accent1"/>
-            </a:lnRef>
-            <a:fillRef idx="0">
-              <a:schemeClr val="accent1"/>
-            </a:fillRef>
-            <a:effectRef idx="1">
-              <a:schemeClr val="accent1"/>
-            </a:effectRef>
-            <a:fontRef idx="minor">
-              <a:schemeClr val="tx1"/>
-            </a:fontRef>
-          </p:style>
-        </p:cxnSp>
-      </p:grpSp>
       <p:sp>
         <p:nvSpPr>
           <p:cNvPr id="2" name="Title Placeholder 1"/>
@@ -8785,13 +9803,19 @@
         </p:nvSpPr>
         <p:spPr>
           <a:xfrm>
-            <a:off x="684212" y="4487332"/>
-            <a:ext cx="8534400" cy="1507067"/>
+            <a:off x="913795" y="609600"/>
+            <a:ext cx="10353762" cy="970450"/>
           </a:xfrm>
           <a:prstGeom prst="rect">
             <a:avLst/>
           </a:prstGeom>
-          <a:effectLst/>
+          <a:effectLst>
+            <a:outerShdw blurRad="25400" dir="17880000">
+              <a:srgbClr val="000000">
+                <a:alpha val="46000"/>
+              </a:srgbClr>
+            </a:outerShdw>
+          </a:effectLst>
         </p:spPr>
         <p:txBody>
           <a:bodyPr vert="horz" lIns="91440" tIns="45720" rIns="91440" bIns="45720" rtlCol="0" anchor="ctr">
@@ -8819,15 +9843,22 @@
         </p:nvSpPr>
         <p:spPr>
           <a:xfrm>
-            <a:off x="684212" y="685800"/>
-            <a:ext cx="8534400" cy="3615267"/>
+            <a:off x="913795" y="1732449"/>
+            <a:ext cx="10353762" cy="4058751"/>
           </a:xfrm>
           <a:prstGeom prst="rect">
             <a:avLst/>
           </a:prstGeom>
+          <a:effectLst>
+            <a:outerShdw blurRad="25400" dir="17880000">
+              <a:srgbClr val="000000">
+                <a:alpha val="46000"/>
+              </a:srgbClr>
+            </a:outerShdw>
+          </a:effectLst>
         </p:spPr>
         <p:txBody>
-          <a:bodyPr vert="horz" lIns="91440" tIns="45720" rIns="91440" bIns="45720" rtlCol="0" anchor="ctr">
+          <a:bodyPr vert="horz" lIns="91440" tIns="45720" rIns="91440" bIns="45720" rtlCol="0" anchor="t">
             <a:normAutofit/>
           </a:bodyPr>
           <a:lstStyle/>
@@ -8881,32 +9912,37 @@
         </p:nvSpPr>
         <p:spPr>
           <a:xfrm>
-            <a:off x="9904412" y="6172200"/>
-            <a:ext cx="1600200" cy="365125"/>
+            <a:off x="7678736" y="5883275"/>
+            <a:ext cx="2743200" cy="365125"/>
           </a:xfrm>
           <a:prstGeom prst="rect">
             <a:avLst/>
           </a:prstGeom>
         </p:spPr>
         <p:txBody>
-          <a:bodyPr vert="horz" lIns="91440" tIns="45720" rIns="91440" bIns="45720" rtlCol="0" anchor="t"/>
+          <a:bodyPr vert="horz" lIns="91440" tIns="45720" rIns="91440" bIns="45720" rtlCol="0" anchor="ctr"/>
           <a:lstStyle>
             <a:lvl1pPr algn="r">
-              <a:defRPr sz="1000" b="0" i="0">
+              <a:defRPr sz="1000">
                 <a:solidFill>
-                  <a:schemeClr val="bg2">
-                    <a:lumMod val="50000"/>
+                  <a:schemeClr val="tx1">
+                    <a:lumMod val="95000"/>
                   </a:schemeClr>
                 </a:solidFill>
-                <a:effectLst/>
-                <a:latin typeface="+mn-lt"/>
+                <a:effectLst>
+                  <a:outerShdw blurRad="50800" dist="38100" dir="2700000" algn="tl" rotWithShape="0">
+                    <a:schemeClr val="bg1">
+                      <a:alpha val="43000"/>
+                    </a:schemeClr>
+                  </a:outerShdw>
+                </a:effectLst>
               </a:defRPr>
             </a:lvl1pPr>
           </a:lstStyle>
           <a:p>
             <a:fld id="{1160EA64-D806-43AC-9DF2-F8C432F32B4C}" type="datetimeFigureOut">
               <a:rPr lang="en-US" smtClean="0"/>
-              <a:t>4/12/2023</a:t>
+              <a:t>4/16/2023</a:t>
             </a:fld>
             <a:endParaRPr lang="en-US" dirty="0"/>
           </a:p>
@@ -8924,25 +9960,30 @@
         </p:nvSpPr>
         <p:spPr>
           <a:xfrm>
-            <a:off x="684212" y="6172200"/>
-            <a:ext cx="7543800" cy="365125"/>
+            <a:off x="913795" y="5883275"/>
+            <a:ext cx="6672865" cy="365125"/>
           </a:xfrm>
           <a:prstGeom prst="rect">
             <a:avLst/>
           </a:prstGeom>
         </p:spPr>
         <p:txBody>
-          <a:bodyPr vert="horz" lIns="91440" tIns="45720" rIns="91440" bIns="45720" rtlCol="0" anchor="t"/>
+          <a:bodyPr vert="horz" lIns="91440" tIns="45720" rIns="91440" bIns="45720" rtlCol="0" anchor="ctr"/>
           <a:lstStyle>
             <a:lvl1pPr algn="l">
-              <a:defRPr sz="1000" b="0" i="0">
+              <a:defRPr sz="1000">
                 <a:solidFill>
-                  <a:schemeClr val="bg2">
-                    <a:lumMod val="50000"/>
+                  <a:schemeClr val="tx1">
+                    <a:lumMod val="95000"/>
                   </a:schemeClr>
                 </a:solidFill>
-                <a:effectLst/>
-                <a:latin typeface="+mn-lt"/>
+                <a:effectLst>
+                  <a:outerShdw blurRad="50800" dist="38100" dir="2700000" algn="tl" rotWithShape="0">
+                    <a:schemeClr val="bg1">
+                      <a:alpha val="43000"/>
+                    </a:schemeClr>
+                  </a:outerShdw>
+                </a:effectLst>
               </a:defRPr>
             </a:lvl1pPr>
           </a:lstStyle>
@@ -8963,25 +10004,30 @@
         </p:nvSpPr>
         <p:spPr>
           <a:xfrm>
-            <a:off x="10363200" y="5578475"/>
-            <a:ext cx="1142245" cy="669925"/>
+            <a:off x="10514011" y="5883275"/>
+            <a:ext cx="753545" cy="365125"/>
           </a:xfrm>
           <a:prstGeom prst="rect">
             <a:avLst/>
           </a:prstGeom>
         </p:spPr>
         <p:txBody>
-          <a:bodyPr vert="horz" lIns="91440" tIns="45720" rIns="91440" bIns="45720" rtlCol="0" anchor="b"/>
+          <a:bodyPr vert="horz" lIns="91440" tIns="45720" rIns="91440" bIns="45720" rtlCol="0" anchor="ctr"/>
           <a:lstStyle>
             <a:lvl1pPr algn="r">
-              <a:defRPr sz="3200" b="0" i="0">
+              <a:defRPr sz="1000">
                 <a:solidFill>
-                  <a:schemeClr val="bg2">
-                    <a:lumMod val="50000"/>
+                  <a:schemeClr val="tx1">
+                    <a:lumMod val="95000"/>
                   </a:schemeClr>
                 </a:solidFill>
-                <a:effectLst/>
-                <a:latin typeface="+mn-lt"/>
+                <a:effectLst>
+                  <a:outerShdw blurRad="50800" dist="38100" dir="2700000" algn="tl" rotWithShape="0">
+                    <a:schemeClr val="bg1">
+                      <a:alpha val="43000"/>
+                    </a:schemeClr>
+                  </a:outerShdw>
+                </a:effectLst>
               </a:defRPr>
             </a:lvl1pPr>
           </a:lstStyle>
@@ -8998,49 +10044,61 @@
     </p:spTree>
     <p:extLst>
       <p:ext uri="{BB962C8B-B14F-4D97-AF65-F5344CB8AC3E}">
-        <p14:creationId xmlns:p14="http://schemas.microsoft.com/office/powerpoint/2010/main" val="2691746325"/>
+        <p14:creationId xmlns:p14="http://schemas.microsoft.com/office/powerpoint/2010/main" val="3375470133"/>
       </p:ext>
     </p:extLst>
   </p:cSld>
   <p:clrMap bg1="dk1" tx1="lt1" bg2="dk2" tx2="lt2" accent1="accent1" accent2="accent2" accent3="accent3" accent4="accent4" accent5="accent5" accent6="accent6" hlink="hlink" folHlink="folHlink"/>
   <p:sldLayoutIdLst>
-    <p:sldLayoutId id="2147483793" r:id="rId1"/>
-    <p:sldLayoutId id="2147483794" r:id="rId2"/>
-    <p:sldLayoutId id="2147483795" r:id="rId3"/>
-    <p:sldLayoutId id="2147483796" r:id="rId4"/>
-    <p:sldLayoutId id="2147483797" r:id="rId5"/>
-    <p:sldLayoutId id="2147483798" r:id="rId6"/>
-    <p:sldLayoutId id="2147483799" r:id="rId7"/>
-    <p:sldLayoutId id="2147483800" r:id="rId8"/>
-    <p:sldLayoutId id="2147483801" r:id="rId9"/>
-    <p:sldLayoutId id="2147483802" r:id="rId10"/>
-    <p:sldLayoutId id="2147483803" r:id="rId11"/>
-    <p:sldLayoutId id="2147483804" r:id="rId12"/>
-    <p:sldLayoutId id="2147483805" r:id="rId13"/>
-    <p:sldLayoutId id="2147483806" r:id="rId14"/>
-    <p:sldLayoutId id="2147483807" r:id="rId15"/>
-    <p:sldLayoutId id="2147483808" r:id="rId16"/>
-    <p:sldLayoutId id="2147483809" r:id="rId17"/>
+    <p:sldLayoutId id="2147483811" r:id="rId1"/>
+    <p:sldLayoutId id="2147483812" r:id="rId2"/>
+    <p:sldLayoutId id="2147483813" r:id="rId3"/>
+    <p:sldLayoutId id="2147483814" r:id="rId4"/>
+    <p:sldLayoutId id="2147483815" r:id="rId5"/>
+    <p:sldLayoutId id="2147483816" r:id="rId6"/>
+    <p:sldLayoutId id="2147483817" r:id="rId7"/>
+    <p:sldLayoutId id="2147483818" r:id="rId8"/>
+    <p:sldLayoutId id="2147483819" r:id="rId9"/>
+    <p:sldLayoutId id="2147483820" r:id="rId10"/>
+    <p:sldLayoutId id="2147483821" r:id="rId11"/>
+    <p:sldLayoutId id="2147483822" r:id="rId12"/>
+    <p:sldLayoutId id="2147483823" r:id="rId13"/>
+    <p:sldLayoutId id="2147483824" r:id="rId14"/>
+    <p:sldLayoutId id="2147483825" r:id="rId15"/>
+    <p:sldLayoutId id="2147483826" r:id="rId16"/>
+    <p:sldLayoutId id="2147483827" r:id="rId17"/>
   </p:sldLayoutIdLst>
   <p:hf sldNum="0" hdr="0" ftr="0" dt="0"/>
   <p:txStyles>
     <p:titleStyle>
-      <a:lvl1pPr algn="l" defTabSz="457200" rtl="0" eaLnBrk="1" latinLnBrk="0" hangingPunct="1">
+      <a:lvl1pPr algn="ctr" defTabSz="457200" rtl="0" eaLnBrk="1" latinLnBrk="0" hangingPunct="1">
         <a:spcBef>
           <a:spcPct val="0"/>
         </a:spcBef>
         <a:buNone/>
-        <a:defRPr sz="3600" kern="1200" cap="all">
-          <a:ln w="3175" cmpd="sng">
-            <a:noFill/>
+        <a:defRPr sz="4000" kern="1200">
+          <a:ln>
+            <a:solidFill>
+              <a:schemeClr val="bg1">
+                <a:lumMod val="75000"/>
+                <a:lumOff val="25000"/>
+                <a:alpha val="10000"/>
+              </a:schemeClr>
+            </a:solidFill>
           </a:ln>
           <a:solidFill>
-            <a:schemeClr val="tx1"/>
+            <a:schemeClr val="tx2"/>
           </a:solidFill>
-          <a:effectLst/>
+          <a:effectLst>
+            <a:outerShdw blurRad="9525" dist="25400" dir="14640000" algn="tl" rotWithShape="0">
+              <a:schemeClr val="bg1">
+                <a:alpha val="30000"/>
+              </a:schemeClr>
+            </a:outerShdw>
+          </a:effectLst>
           <a:latin typeface="+mj-lt"/>
           <a:ea typeface="+mj-ea"/>
-          <a:cs typeface="+mj-cs"/>
+          <a:cs typeface="Trebuchet MS"/>
         </a:defRPr>
       </a:lvl1pPr>
       <a:lvl2pPr eaLnBrk="1" hangingPunct="1">
@@ -9101,7 +10159,7 @@
       </a:lvl9pPr>
     </p:titleStyle>
     <p:bodyStyle>
-      <a:lvl1pPr marL="285750" indent="-285750" algn="l" defTabSz="457200" rtl="0" eaLnBrk="1" latinLnBrk="0" hangingPunct="1">
+      <a:lvl1pPr marL="342900" indent="-306000" algn="l" defTabSz="457200" rtl="0" eaLnBrk="1" latinLnBrk="0" hangingPunct="1">
         <a:spcBef>
           <a:spcPct val="20000"/>
         </a:spcBef>
@@ -9109,24 +10167,37 @@
           <a:spcPts val="600"/>
         </a:spcAft>
         <a:buClr>
-          <a:schemeClr val="tx1"/>
+          <a:schemeClr val="tx2"/>
         </a:buClr>
-        <a:buSzPct val="80000"/>
-        <a:buFont typeface="Wingdings 3" panose="05040102010807070707" pitchFamily="18" charset="2"/>
-        <a:buChar char=""/>
-        <a:defRPr sz="2000" kern="1200" cap="none">
+        <a:buSzPct val="70000"/>
+        <a:buFont typeface="Wingdings 2" charset="2"/>
+        <a:buChar char=""/>
+        <a:defRPr sz="2000" kern="1200">
+          <a:ln>
+            <a:solidFill>
+              <a:schemeClr val="bg1">
+                <a:lumMod val="75000"/>
+                <a:lumOff val="25000"/>
+                <a:alpha val="10000"/>
+              </a:schemeClr>
+            </a:solidFill>
+          </a:ln>
           <a:solidFill>
-            <a:schemeClr val="bg2">
-              <a:lumMod val="75000"/>
-            </a:schemeClr>
+            <a:schemeClr val="tx2"/>
           </a:solidFill>
-          <a:effectLst/>
+          <a:effectLst>
+            <a:outerShdw blurRad="9525" dist="25400" dir="14640000" algn="tl" rotWithShape="0">
+              <a:schemeClr val="bg1">
+                <a:alpha val="30000"/>
+              </a:schemeClr>
+            </a:outerShdw>
+          </a:effectLst>
           <a:latin typeface="+mn-lt"/>
           <a:ea typeface="+mn-ea"/>
           <a:cs typeface="+mn-cs"/>
         </a:defRPr>
       </a:lvl1pPr>
-      <a:lvl2pPr marL="742950" indent="-285750" algn="l" defTabSz="457200" rtl="0" eaLnBrk="1" latinLnBrk="0" hangingPunct="1">
+      <a:lvl2pPr marL="720000" indent="-270000" algn="l" defTabSz="457200" rtl="0" eaLnBrk="1" latinLnBrk="0" hangingPunct="1">
         <a:spcBef>
           <a:spcPct val="20000"/>
         </a:spcBef>
@@ -9134,24 +10205,37 @@
           <a:spcPts val="600"/>
         </a:spcAft>
         <a:buClr>
-          <a:schemeClr val="tx1"/>
+          <a:schemeClr val="tx2"/>
         </a:buClr>
-        <a:buSzPct val="80000"/>
-        <a:buFont typeface="Wingdings 3" panose="05040102010807070707" pitchFamily="18" charset="2"/>
-        <a:buChar char=""/>
-        <a:defRPr sz="1800" kern="1200" cap="none">
+        <a:buSzPct val="70000"/>
+        <a:buFont typeface="Wingdings 2" charset="2"/>
+        <a:buChar char=""/>
+        <a:defRPr sz="1800" kern="1200">
+          <a:ln>
+            <a:solidFill>
+              <a:schemeClr val="bg1">
+                <a:lumMod val="75000"/>
+                <a:lumOff val="25000"/>
+                <a:alpha val="10000"/>
+              </a:schemeClr>
+            </a:solidFill>
+          </a:ln>
           <a:solidFill>
-            <a:schemeClr val="bg2">
-              <a:lumMod val="75000"/>
-            </a:schemeClr>
+            <a:schemeClr val="tx2"/>
           </a:solidFill>
-          <a:effectLst/>
+          <a:effectLst>
+            <a:outerShdw blurRad="9525" dist="25400" dir="14640000" algn="tl" rotWithShape="0">
+              <a:schemeClr val="bg1">
+                <a:alpha val="30000"/>
+              </a:schemeClr>
+            </a:outerShdw>
+          </a:effectLst>
           <a:latin typeface="+mn-lt"/>
           <a:ea typeface="+mn-ea"/>
           <a:cs typeface="+mn-cs"/>
         </a:defRPr>
       </a:lvl2pPr>
-      <a:lvl3pPr marL="1200150" indent="-285750" algn="l" defTabSz="457200" rtl="0" eaLnBrk="1" latinLnBrk="0" hangingPunct="1">
+      <a:lvl3pPr marL="1026000" indent="-216000" algn="l" defTabSz="457200" rtl="0" eaLnBrk="1" latinLnBrk="0" hangingPunct="1">
         <a:spcBef>
           <a:spcPct val="20000"/>
         </a:spcBef>
@@ -9159,24 +10243,37 @@
           <a:spcPts val="600"/>
         </a:spcAft>
         <a:buClr>
-          <a:schemeClr val="tx1"/>
+          <a:schemeClr val="tx2"/>
         </a:buClr>
-        <a:buSzPct val="80000"/>
-        <a:buFont typeface="Wingdings 3" panose="05040102010807070707" pitchFamily="18" charset="2"/>
-        <a:buChar char=""/>
-        <a:defRPr sz="1600" kern="1200" cap="none">
+        <a:buSzPct val="70000"/>
+        <a:buFont typeface="Wingdings 2" charset="2"/>
+        <a:buChar char=""/>
+        <a:defRPr sz="1600" kern="1200">
+          <a:ln>
+            <a:solidFill>
+              <a:schemeClr val="bg1">
+                <a:lumMod val="75000"/>
+                <a:lumOff val="25000"/>
+                <a:alpha val="10000"/>
+              </a:schemeClr>
+            </a:solidFill>
+          </a:ln>
           <a:solidFill>
-            <a:schemeClr val="bg2">
-              <a:lumMod val="75000"/>
-            </a:schemeClr>
+            <a:schemeClr val="tx2"/>
           </a:solidFill>
-          <a:effectLst/>
+          <a:effectLst>
+            <a:outerShdw blurRad="9525" dist="25400" dir="14640000" algn="tl" rotWithShape="0">
+              <a:schemeClr val="bg1">
+                <a:alpha val="30000"/>
+              </a:schemeClr>
+            </a:outerShdw>
+          </a:effectLst>
           <a:latin typeface="+mn-lt"/>
           <a:ea typeface="+mn-ea"/>
           <a:cs typeface="+mn-cs"/>
         </a:defRPr>
       </a:lvl3pPr>
-      <a:lvl4pPr marL="1543050" indent="-171450" algn="l" defTabSz="457200" rtl="0" eaLnBrk="1" latinLnBrk="0" hangingPunct="1">
+      <a:lvl4pPr marL="1386000" indent="-216000" algn="l" defTabSz="457200" rtl="0" eaLnBrk="1" latinLnBrk="0" hangingPunct="1">
         <a:spcBef>
           <a:spcPct val="20000"/>
         </a:spcBef>
@@ -9184,24 +10281,37 @@
           <a:spcPts val="600"/>
         </a:spcAft>
         <a:buClr>
-          <a:schemeClr val="tx1"/>
+          <a:schemeClr val="tx2"/>
         </a:buClr>
-        <a:buSzPct val="80000"/>
-        <a:buFont typeface="Wingdings 3" panose="05040102010807070707" pitchFamily="18" charset="2"/>
-        <a:buChar char=""/>
-        <a:defRPr sz="1400" kern="1200" cap="none">
+        <a:buSzPct val="70000"/>
+        <a:buFont typeface="Wingdings 2" charset="2"/>
+        <a:buChar char=""/>
+        <a:defRPr sz="1400" kern="1200">
+          <a:ln>
+            <a:solidFill>
+              <a:schemeClr val="bg1">
+                <a:lumMod val="75000"/>
+                <a:lumOff val="25000"/>
+                <a:alpha val="10000"/>
+              </a:schemeClr>
+            </a:solidFill>
+          </a:ln>
           <a:solidFill>
-            <a:schemeClr val="bg2">
-              <a:lumMod val="75000"/>
-            </a:schemeClr>
+            <a:schemeClr val="tx2"/>
           </a:solidFill>
-          <a:effectLst/>
+          <a:effectLst>
+            <a:outerShdw blurRad="9525" dist="25400" dir="14640000" algn="tl" rotWithShape="0">
+              <a:schemeClr val="bg1">
+                <a:alpha val="30000"/>
+              </a:schemeClr>
+            </a:outerShdw>
+          </a:effectLst>
           <a:latin typeface="+mn-lt"/>
           <a:ea typeface="+mn-ea"/>
           <a:cs typeface="+mn-cs"/>
         </a:defRPr>
       </a:lvl4pPr>
-      <a:lvl5pPr marL="2000250" indent="-171450" algn="l" defTabSz="457200" rtl="0" eaLnBrk="1" latinLnBrk="0" hangingPunct="1">
+      <a:lvl5pPr marL="1674000" indent="-216000" algn="l" defTabSz="457200" rtl="0" eaLnBrk="1" latinLnBrk="0" hangingPunct="1">
         <a:spcBef>
           <a:spcPct val="20000"/>
         </a:spcBef>
@@ -9209,24 +10319,37 @@
           <a:spcPts val="600"/>
         </a:spcAft>
         <a:buClr>
-          <a:schemeClr val="tx1"/>
+          <a:schemeClr val="tx2"/>
         </a:buClr>
-        <a:buSzPct val="80000"/>
-        <a:buFont typeface="Wingdings 3" panose="05040102010807070707" pitchFamily="18" charset="2"/>
-        <a:buChar char=""/>
-        <a:defRPr sz="1400" kern="1200" cap="none">
+        <a:buSzPct val="70000"/>
+        <a:buFont typeface="Wingdings 2" charset="2"/>
+        <a:buChar char=""/>
+        <a:defRPr sz="1400" kern="1200">
+          <a:ln>
+            <a:solidFill>
+              <a:schemeClr val="bg1">
+                <a:lumMod val="75000"/>
+                <a:lumOff val="25000"/>
+                <a:alpha val="10000"/>
+              </a:schemeClr>
+            </a:solidFill>
+          </a:ln>
           <a:solidFill>
-            <a:schemeClr val="bg2">
-              <a:lumMod val="75000"/>
-            </a:schemeClr>
+            <a:schemeClr val="tx2"/>
           </a:solidFill>
-          <a:effectLst/>
+          <a:effectLst>
+            <a:outerShdw blurRad="9525" dist="25400" dir="14640000" algn="tl" rotWithShape="0">
+              <a:schemeClr val="bg1">
+                <a:alpha val="30000"/>
+              </a:schemeClr>
+            </a:outerShdw>
+          </a:effectLst>
           <a:latin typeface="+mn-lt"/>
           <a:ea typeface="+mn-ea"/>
           <a:cs typeface="+mn-cs"/>
         </a:defRPr>
       </a:lvl5pPr>
-      <a:lvl6pPr marL="2514600" indent="-228600" algn="l" defTabSz="457200" rtl="0" eaLnBrk="1" latinLnBrk="0" hangingPunct="1">
+      <a:lvl6pPr marL="2014600" indent="-228600" algn="l" defTabSz="457200" rtl="0" eaLnBrk="1" latinLnBrk="0" hangingPunct="1">
         <a:spcBef>
           <a:spcPct val="20000"/>
         </a:spcBef>
@@ -9234,24 +10357,37 @@
           <a:spcPts val="600"/>
         </a:spcAft>
         <a:buClr>
-          <a:schemeClr val="tx1"/>
+          <a:schemeClr val="tx2"/>
         </a:buClr>
-        <a:buSzPct val="80000"/>
-        <a:buFont typeface="Wingdings 3" panose="05040102010807070707" pitchFamily="18" charset="2"/>
-        <a:buChar char=""/>
-        <a:defRPr sz="1400" kern="1200" cap="none">
+        <a:buSzPct val="70000"/>
+        <a:buFont typeface="Wingdings 2" charset="2"/>
+        <a:buChar char=""/>
+        <a:defRPr sz="1400" kern="1200">
+          <a:ln>
+            <a:solidFill>
+              <a:schemeClr val="bg1">
+                <a:lumMod val="75000"/>
+                <a:lumOff val="25000"/>
+                <a:alpha val="10000"/>
+              </a:schemeClr>
+            </a:solidFill>
+          </a:ln>
           <a:solidFill>
-            <a:schemeClr val="bg2">
-              <a:lumMod val="75000"/>
-            </a:schemeClr>
+            <a:schemeClr val="tx2"/>
           </a:solidFill>
-          <a:effectLst/>
+          <a:effectLst>
+            <a:outerShdw blurRad="9525" dist="25400" dir="14640000" algn="tl" rotWithShape="0">
+              <a:schemeClr val="bg1">
+                <a:alpha val="30000"/>
+              </a:schemeClr>
+            </a:outerShdw>
+          </a:effectLst>
           <a:latin typeface="+mn-lt"/>
           <a:ea typeface="+mn-ea"/>
           <a:cs typeface="+mn-cs"/>
         </a:defRPr>
       </a:lvl6pPr>
-      <a:lvl7pPr marL="2971800" indent="-228600" algn="l" defTabSz="457200" rtl="0" eaLnBrk="1" latinLnBrk="0" hangingPunct="1">
+      <a:lvl7pPr marL="2401800" indent="-228600" algn="l" defTabSz="457200" rtl="0" eaLnBrk="1" latinLnBrk="0" hangingPunct="1">
         <a:spcBef>
           <a:spcPct val="20000"/>
         </a:spcBef>
@@ -9259,24 +10395,37 @@
           <a:spcPts val="600"/>
         </a:spcAft>
         <a:buClr>
-          <a:schemeClr val="tx1"/>
+          <a:schemeClr val="tx2"/>
         </a:buClr>
-        <a:buSzPct val="80000"/>
-        <a:buFont typeface="Wingdings 3" panose="05040102010807070707" pitchFamily="18" charset="2"/>
-        <a:buChar char=""/>
-        <a:defRPr sz="1400" kern="1200" cap="none">
+        <a:buSzPct val="70000"/>
+        <a:buFont typeface="Wingdings 2" charset="2"/>
+        <a:buChar char=""/>
+        <a:defRPr sz="1400" kern="1200">
+          <a:ln>
+            <a:solidFill>
+              <a:schemeClr val="bg1">
+                <a:lumMod val="75000"/>
+                <a:lumOff val="25000"/>
+                <a:alpha val="10000"/>
+              </a:schemeClr>
+            </a:solidFill>
+          </a:ln>
           <a:solidFill>
-            <a:schemeClr val="bg2">
-              <a:lumMod val="75000"/>
-            </a:schemeClr>
+            <a:schemeClr val="tx2"/>
           </a:solidFill>
-          <a:effectLst/>
+          <a:effectLst>
+            <a:outerShdw blurRad="9525" dist="25400" dir="14640000" algn="tl" rotWithShape="0">
+              <a:schemeClr val="bg1">
+                <a:alpha val="30000"/>
+              </a:schemeClr>
+            </a:outerShdw>
+          </a:effectLst>
           <a:latin typeface="+mn-lt"/>
           <a:ea typeface="+mn-ea"/>
           <a:cs typeface="+mn-cs"/>
         </a:defRPr>
       </a:lvl7pPr>
-      <a:lvl8pPr marL="3429000" indent="-228600" algn="l" defTabSz="457200" rtl="0" eaLnBrk="1" latinLnBrk="0" hangingPunct="1">
+      <a:lvl8pPr marL="2789000" indent="-228600" algn="l" defTabSz="457200" rtl="0" eaLnBrk="1" latinLnBrk="0" hangingPunct="1">
         <a:spcBef>
           <a:spcPct val="20000"/>
         </a:spcBef>
@@ -9284,24 +10433,37 @@
           <a:spcPts val="600"/>
         </a:spcAft>
         <a:buClr>
-          <a:schemeClr val="tx1"/>
+          <a:schemeClr val="tx2"/>
         </a:buClr>
-        <a:buSzPct val="80000"/>
-        <a:buFont typeface="Wingdings 3" panose="05040102010807070707" pitchFamily="18" charset="2"/>
-        <a:buChar char=""/>
-        <a:defRPr sz="1400" kern="1200" cap="none">
+        <a:buSzPct val="70000"/>
+        <a:buFont typeface="Wingdings 2" charset="2"/>
+        <a:buChar char=""/>
+        <a:defRPr sz="1400" kern="1200">
+          <a:ln>
+            <a:solidFill>
+              <a:schemeClr val="bg1">
+                <a:lumMod val="75000"/>
+                <a:lumOff val="25000"/>
+                <a:alpha val="10000"/>
+              </a:schemeClr>
+            </a:solidFill>
+          </a:ln>
           <a:solidFill>
-            <a:schemeClr val="bg2">
-              <a:lumMod val="75000"/>
-            </a:schemeClr>
+            <a:schemeClr val="tx2"/>
           </a:solidFill>
-          <a:effectLst/>
+          <a:effectLst>
+            <a:outerShdw blurRad="9525" dist="25400" dir="14640000" algn="tl" rotWithShape="0">
+              <a:schemeClr val="bg1">
+                <a:alpha val="30000"/>
+              </a:schemeClr>
+            </a:outerShdw>
+          </a:effectLst>
           <a:latin typeface="+mn-lt"/>
           <a:ea typeface="+mn-ea"/>
           <a:cs typeface="+mn-cs"/>
         </a:defRPr>
       </a:lvl8pPr>
-      <a:lvl9pPr marL="3886200" indent="-228600" algn="l" defTabSz="457200" rtl="0" eaLnBrk="1" latinLnBrk="0" hangingPunct="1">
+      <a:lvl9pPr marL="3106200" indent="-228600" algn="l" defTabSz="457200" rtl="0" eaLnBrk="1" latinLnBrk="0" hangingPunct="1">
         <a:spcBef>
           <a:spcPct val="20000"/>
         </a:spcBef>
@@ -9309,18 +10471,31 @@
           <a:spcPts val="600"/>
         </a:spcAft>
         <a:buClr>
-          <a:schemeClr val="tx1"/>
+          <a:schemeClr val="tx2"/>
         </a:buClr>
-        <a:buSzPct val="80000"/>
-        <a:buFont typeface="Wingdings 3" panose="05040102010807070707" pitchFamily="18" charset="2"/>
-        <a:buChar char=""/>
-        <a:defRPr sz="1400" kern="1200" cap="none">
+        <a:buSzPct val="70000"/>
+        <a:buFont typeface="Wingdings 2" charset="2"/>
+        <a:buChar char=""/>
+        <a:defRPr sz="1400" kern="1200">
+          <a:ln>
+            <a:solidFill>
+              <a:schemeClr val="bg1">
+                <a:lumMod val="75000"/>
+                <a:lumOff val="25000"/>
+                <a:alpha val="10000"/>
+              </a:schemeClr>
+            </a:solidFill>
+          </a:ln>
           <a:solidFill>
-            <a:schemeClr val="bg2">
-              <a:lumMod val="75000"/>
-            </a:schemeClr>
+            <a:schemeClr val="tx2"/>
           </a:solidFill>
-          <a:effectLst/>
+          <a:effectLst>
+            <a:outerShdw blurRad="9525" dist="25400" dir="14640000" algn="tl" rotWithShape="0">
+              <a:schemeClr val="bg1">
+                <a:alpha val="30000"/>
+              </a:schemeClr>
+            </a:outerShdw>
+          </a:effectLst>
           <a:latin typeface="+mn-lt"/>
           <a:ea typeface="+mn-ea"/>
           <a:cs typeface="+mn-cs"/>
@@ -9431,9 +10606,20 @@
   <p:cSld>
     <p:bg>
       <p:bgPr>
-        <a:solidFill>
-          <a:schemeClr val="bg1"/>
-        </a:solidFill>
+        <a:blipFill rotWithShape="1">
+          <a:blip r:embed="rId2">
+            <a:duotone>
+              <a:schemeClr val="bg2">
+                <a:shade val="80000"/>
+                <a:lumMod val="80000"/>
+              </a:schemeClr>
+              <a:schemeClr val="bg2">
+                <a:tint val="98000"/>
+              </a:schemeClr>
+            </a:duotone>
+          </a:blip>
+          <a:stretch/>
+        </a:blipFill>
         <a:effectLst/>
       </p:bgPr>
     </p:bg>
@@ -9453,10 +10639,10 @@
       </p:grpSpPr>
       <p:pic>
         <p:nvPicPr>
-          <p:cNvPr id="5" name="Picture 4">
+          <p:cNvPr id="6" name="Picture 4">
             <a:extLst>
               <a:ext uri="{FF2B5EF4-FFF2-40B4-BE49-F238E27FC236}">
-                <a16:creationId xmlns:a16="http://schemas.microsoft.com/office/drawing/2014/main" id="{299974F5-C877-037B-7955-31E680DE8F92}"/>
+                <a16:creationId xmlns:a16="http://schemas.microsoft.com/office/drawing/2014/main" id="{04F3A968-ACF6-8C7D-6D9B-442A814644A7}"/>
               </a:ext>
             </a:extLst>
           </p:cNvPr>
@@ -9466,10 +10652,8 @@
           <p:nvPr/>
         </p:nvPicPr>
         <p:blipFill rotWithShape="1">
-          <a:blip r:embed="rId2">
-            <a:alphaModFix amt="40000"/>
-          </a:blip>
-          <a:srcRect t="205" b="14568"/>
+          <a:blip r:embed="rId3"/>
+          <a:srcRect t="20495"/>
           <a:stretch/>
         </p:blipFill>
         <p:spPr>
@@ -9482,6 +10666,211 @@
           </a:prstGeom>
         </p:spPr>
       </p:pic>
+      <p:sp useBgFill="1">
+        <p:nvSpPr>
+          <p:cNvPr id="11" name="Freeform 5">
+            <a:extLst>
+              <a:ext uri="{FF2B5EF4-FFF2-40B4-BE49-F238E27FC236}">
+                <a16:creationId xmlns:a16="http://schemas.microsoft.com/office/drawing/2014/main" id="{37D54B6C-87D0-4C03-8335-3955179D2B5B}"/>
+              </a:ext>
+              <a:ext uri="{C183D7F6-B498-43B3-948B-1728B52AA6E4}">
+                <adec:decorative xmlns:adec="http://schemas.microsoft.com/office/drawing/2017/decorative" val="1"/>
+              </a:ext>
+            </a:extLst>
+          </p:cNvPr>
+          <p:cNvSpPr>
+            <a:spLocks noGrp="1" noRot="1" noChangeAspect="1" noMove="1" noResize="1" noEditPoints="1" noAdjustHandles="1" noChangeArrowheads="1" noChangeShapeType="1" noTextEdit="1"/>
+          </p:cNvSpPr>
+          <p:nvPr>
+            <p:extLst>
+              <p:ext uri="{386F3935-93C4-4BCD-93E2-E3B085C9AB24}">
+                <p16:designElem xmlns:p16="http://schemas.microsoft.com/office/powerpoint/2015/main" val="1"/>
+              </p:ext>
+            </p:extLst>
+          </p:nvPr>
+        </p:nvSpPr>
+        <p:spPr bwMode="auto">
+          <a:xfrm rot="5400000">
+            <a:off x="-118536" y="1371603"/>
+            <a:ext cx="5624423" cy="4100418"/>
+          </a:xfrm>
+          <a:custGeom>
+            <a:avLst/>
+            <a:gdLst>
+              <a:gd name="T0" fmla="*/ 1577 w 1601"/>
+              <a:gd name="T1" fmla="*/ 0 h 696"/>
+              <a:gd name="T2" fmla="*/ 833 w 1601"/>
+              <a:gd name="T3" fmla="*/ 0 h 696"/>
+              <a:gd name="T4" fmla="*/ 768 w 1601"/>
+              <a:gd name="T5" fmla="*/ 0 h 696"/>
+              <a:gd name="T6" fmla="*/ 24 w 1601"/>
+              <a:gd name="T7" fmla="*/ 0 h 696"/>
+              <a:gd name="T8" fmla="*/ 0 w 1601"/>
+              <a:gd name="T9" fmla="*/ 27 h 696"/>
+              <a:gd name="T10" fmla="*/ 0 w 1601"/>
+              <a:gd name="T11" fmla="*/ 669 h 696"/>
+              <a:gd name="T12" fmla="*/ 24 w 1601"/>
+              <a:gd name="T13" fmla="*/ 696 h 696"/>
+              <a:gd name="T14" fmla="*/ 768 w 1601"/>
+              <a:gd name="T15" fmla="*/ 696 h 696"/>
+              <a:gd name="T16" fmla="*/ 833 w 1601"/>
+              <a:gd name="T17" fmla="*/ 696 h 696"/>
+              <a:gd name="T18" fmla="*/ 1577 w 1601"/>
+              <a:gd name="T19" fmla="*/ 696 h 696"/>
+              <a:gd name="T20" fmla="*/ 1601 w 1601"/>
+              <a:gd name="T21" fmla="*/ 669 h 696"/>
+              <a:gd name="T22" fmla="*/ 1601 w 1601"/>
+              <a:gd name="T23" fmla="*/ 27 h 696"/>
+              <a:gd name="T24" fmla="*/ 1577 w 1601"/>
+              <a:gd name="T25" fmla="*/ 0 h 696"/>
+            </a:gdLst>
+            <a:ahLst/>
+            <a:cxnLst>
+              <a:cxn ang="0">
+                <a:pos x="T0" y="T1"/>
+              </a:cxn>
+              <a:cxn ang="0">
+                <a:pos x="T2" y="T3"/>
+              </a:cxn>
+              <a:cxn ang="0">
+                <a:pos x="T4" y="T5"/>
+              </a:cxn>
+              <a:cxn ang="0">
+                <a:pos x="T6" y="T7"/>
+              </a:cxn>
+              <a:cxn ang="0">
+                <a:pos x="T8" y="T9"/>
+              </a:cxn>
+              <a:cxn ang="0">
+                <a:pos x="T10" y="T11"/>
+              </a:cxn>
+              <a:cxn ang="0">
+                <a:pos x="T12" y="T13"/>
+              </a:cxn>
+              <a:cxn ang="0">
+                <a:pos x="T14" y="T15"/>
+              </a:cxn>
+              <a:cxn ang="0">
+                <a:pos x="T16" y="T17"/>
+              </a:cxn>
+              <a:cxn ang="0">
+                <a:pos x="T18" y="T19"/>
+              </a:cxn>
+              <a:cxn ang="0">
+                <a:pos x="T20" y="T21"/>
+              </a:cxn>
+              <a:cxn ang="0">
+                <a:pos x="T22" y="T23"/>
+              </a:cxn>
+              <a:cxn ang="0">
+                <a:pos x="T24" y="T25"/>
+              </a:cxn>
+            </a:cxnLst>
+            <a:rect l="0" t="0" r="r" b="b"/>
+            <a:pathLst>
+              <a:path w="1601" h="696">
+                <a:moveTo>
+                  <a:pt x="1577" y="0"/>
+                </a:moveTo>
+                <a:cubicBezTo>
+                  <a:pt x="833" y="0"/>
+                  <a:pt x="833" y="0"/>
+                  <a:pt x="833" y="0"/>
+                </a:cubicBezTo>
+                <a:cubicBezTo>
+                  <a:pt x="768" y="0"/>
+                  <a:pt x="768" y="0"/>
+                  <a:pt x="768" y="0"/>
+                </a:cubicBezTo>
+                <a:cubicBezTo>
+                  <a:pt x="24" y="0"/>
+                  <a:pt x="24" y="0"/>
+                  <a:pt x="24" y="0"/>
+                </a:cubicBezTo>
+                <a:cubicBezTo>
+                  <a:pt x="11" y="0"/>
+                  <a:pt x="0" y="12"/>
+                  <a:pt x="0" y="27"/>
+                </a:cubicBezTo>
+                <a:cubicBezTo>
+                  <a:pt x="0" y="669"/>
+                  <a:pt x="0" y="669"/>
+                  <a:pt x="0" y="669"/>
+                </a:cubicBezTo>
+                <a:cubicBezTo>
+                  <a:pt x="0" y="684"/>
+                  <a:pt x="11" y="696"/>
+                  <a:pt x="24" y="696"/>
+                </a:cubicBezTo>
+                <a:cubicBezTo>
+                  <a:pt x="768" y="696"/>
+                  <a:pt x="768" y="696"/>
+                  <a:pt x="768" y="696"/>
+                </a:cubicBezTo>
+                <a:cubicBezTo>
+                  <a:pt x="833" y="696"/>
+                  <a:pt x="833" y="696"/>
+                  <a:pt x="833" y="696"/>
+                </a:cubicBezTo>
+                <a:cubicBezTo>
+                  <a:pt x="1577" y="696"/>
+                  <a:pt x="1577" y="696"/>
+                  <a:pt x="1577" y="696"/>
+                </a:cubicBezTo>
+                <a:cubicBezTo>
+                  <a:pt x="1590" y="696"/>
+                  <a:pt x="1601" y="684"/>
+                  <a:pt x="1601" y="669"/>
+                </a:cubicBezTo>
+                <a:cubicBezTo>
+                  <a:pt x="1601" y="27"/>
+                  <a:pt x="1601" y="27"/>
+                  <a:pt x="1601" y="27"/>
+                </a:cubicBezTo>
+                <a:cubicBezTo>
+                  <a:pt x="1601" y="12"/>
+                  <a:pt x="1590" y="0"/>
+                  <a:pt x="1577" y="0"/>
+                </a:cubicBezTo>
+                <a:close/>
+              </a:path>
+            </a:pathLst>
+          </a:custGeom>
+          <a:ln>
+            <a:noFill/>
+          </a:ln>
+          <a:effectLst>
+            <a:outerShdw blurRad="50800" dist="38100" dir="5400000" algn="tl" rotWithShape="0">
+              <a:srgbClr val="000000">
+                <a:alpha val="43000"/>
+              </a:srgbClr>
+            </a:outerShdw>
+          </a:effectLst>
+          <a:extLst>
+            <a:ext uri="{91240B29-F687-4f45-9708-019B960494DF}">
+              <a14:hiddenLine xmlns="" xmlns:a16="http://schemas.microsoft.com/office/drawing/2014/main" xmlns:p14="http://schemas.microsoft.com/office/powerpoint/2010/main" xmlns:a14="http://schemas.microsoft.com/office/drawing/2010/main" w="9525">
+                <a:solidFill>
+                  <a:srgbClr val="000000"/>
+                </a:solidFill>
+                <a:round/>
+                <a:headEnd/>
+                <a:tailEnd/>
+              </a14:hiddenLine>
+            </a:ext>
+          </a:extLst>
+        </p:spPr>
+        <p:txBody>
+          <a:bodyPr vert="horz" wrap="square" lIns="91440" tIns="45720" rIns="91440" bIns="45720" numCol="1" anchor="t" anchorCtr="0" compatLnSpc="1">
+            <a:prstTxWarp prst="textNoShape">
+              <a:avLst/>
+            </a:prstTxWarp>
+          </a:bodyPr>
+          <a:lstStyle/>
+          <a:p>
+            <a:endParaRPr lang="en-US"/>
+          </a:p>
+        </p:txBody>
+      </p:sp>
       <p:sp>
         <p:nvSpPr>
           <p:cNvPr id="2" name="Title 1">
@@ -9498,20 +10887,26 @@
             <p:ph type="ctrTitle"/>
           </p:nvPr>
         </p:nvSpPr>
-        <p:spPr/>
-        <p:txBody>
-          <a:bodyPr>
+        <p:spPr>
+          <a:xfrm>
+            <a:off x="913795" y="845388"/>
+            <a:ext cx="3596420" cy="979016"/>
+          </a:xfrm>
+        </p:spPr>
+        <p:txBody>
+          <a:bodyPr vert="horz" lIns="91440" tIns="45720" rIns="91440" bIns="45720" rtlCol="0" anchor="b">
             <a:normAutofit/>
           </a:bodyPr>
           <a:lstStyle/>
           <a:p>
+            <a:pPr algn="l">
+              <a:lnSpc>
+                <a:spcPct val="90000"/>
+              </a:lnSpc>
+            </a:pPr>
             <a:r>
-              <a:rPr lang="en-US">
-                <a:solidFill>
-                  <a:schemeClr val="tx1"/>
-                </a:solidFill>
-              </a:rPr>
-              <a:t>Introduction to Software Business Product management</a:t>
+              <a:rPr lang="en-US" sz="2000" dirty="0"/>
+              <a:t>Introduction to Software Business Product Management</a:t>
             </a:r>
           </a:p>
         </p:txBody>
@@ -9534,70 +10929,54 @@
         </p:nvSpPr>
         <p:spPr>
           <a:xfrm>
-            <a:off x="1154955" y="4777379"/>
-            <a:ext cx="8825658" cy="1416591"/>
+            <a:off x="913795" y="1968237"/>
+            <a:ext cx="3531684" cy="3679189"/>
           </a:xfrm>
         </p:spPr>
         <p:txBody>
-          <a:bodyPr>
+          <a:bodyPr vert="horz" lIns="91440" tIns="45720" rIns="91440" bIns="45720" rtlCol="0" anchor="t">
             <a:normAutofit/>
           </a:bodyPr>
           <a:lstStyle/>
           <a:p>
-            <a:pPr>
-              <a:lnSpc>
-                <a:spcPct val="90000"/>
-              </a:lnSpc>
-            </a:pPr>
+            <a:pPr algn="l"/>
             <a:r>
-              <a:rPr lang="en-US" b="1" dirty="0">
+              <a:rPr lang="en-US" sz="1600" b="1">
                 <a:solidFill>
-                  <a:schemeClr val="tx1"/>
+                  <a:schemeClr val="tx2"/>
                 </a:solidFill>
               </a:rPr>
               <a:t>Week 2 Day 3</a:t>
             </a:r>
           </a:p>
           <a:p>
-            <a:pPr>
-              <a:lnSpc>
-                <a:spcPct val="90000"/>
-              </a:lnSpc>
-            </a:pPr>
+            <a:pPr algn="l"/>
             <a:r>
-              <a:rPr lang="en-US" sz="1000" dirty="0">
+              <a:rPr lang="en-US" sz="1600">
                 <a:solidFill>
-                  <a:schemeClr val="tx1"/>
+                  <a:schemeClr val="tx2"/>
                 </a:solidFill>
               </a:rPr>
               <a:t>Led by: Emily Crose</a:t>
             </a:r>
           </a:p>
           <a:p>
-            <a:pPr>
-              <a:lnSpc>
-                <a:spcPct val="90000"/>
-              </a:lnSpc>
-            </a:pPr>
+            <a:pPr algn="l"/>
             <a:r>
-              <a:rPr lang="en-US" sz="1000" dirty="0">
+              <a:rPr lang="en-US" sz="1600">
                 <a:solidFill>
-                  <a:schemeClr val="tx1"/>
+                  <a:schemeClr val="tx2"/>
                 </a:solidFill>
               </a:rPr>
               <a:t>for</a:t>
             </a:r>
           </a:p>
           <a:p>
-            <a:pPr>
-              <a:lnSpc>
-                <a:spcPct val="90000"/>
-              </a:lnSpc>
-            </a:pPr>
+            <a:pPr algn="l"/>
             <a:r>
-              <a:rPr lang="en-US" sz="1000" dirty="0">
+              <a:rPr lang="en-US" sz="1600">
                 <a:solidFill>
-                  <a:schemeClr val="tx1"/>
+                  <a:schemeClr val="tx2"/>
                 </a:solidFill>
               </a:rPr>
               <a:t>Oakland University</a:t>
@@ -9613,22 +10992,14 @@
     </p:extLst>
   </p:cSld>
   <p:clrMapOvr>
-    <a:overrideClrMapping bg1="dk1" tx1="lt1" bg2="dk2" tx2="lt2" accent1="accent1" accent2="accent2" accent3="accent3" accent4="accent4" accent5="accent5" accent6="accent6" hlink="hlink" folHlink="folHlink"/>
+    <a:masterClrMapping/>
   </p:clrMapOvr>
 </p:sld>
 </file>
 
-<file path=ppt/slides/slide2.xml><?xml version="1.0" encoding="utf-8"?>
+<file path=ppt/slides/slide10.xml><?xml version="1.0" encoding="utf-8"?>
 <p:sld xmlns:a="http://schemas.openxmlformats.org/drawingml/2006/main" xmlns:r="http://schemas.openxmlformats.org/officeDocument/2006/relationships" xmlns:p="http://schemas.openxmlformats.org/presentationml/2006/main">
   <p:cSld>
-    <p:bg>
-      <p:bgPr>
-        <a:solidFill>
-          <a:schemeClr val="bg1"/>
-        </a:solidFill>
-        <a:effectLst/>
-      </p:bgPr>
-    </p:bg>
     <p:spTree>
       <p:nvGrpSpPr>
         <p:cNvPr id="1" name=""/>
@@ -9643,1157 +11014,12 @@
           <a:chExt cx="0" cy="0"/>
         </a:xfrm>
       </p:grpSpPr>
-      <p:cxnSp>
-        <p:nvCxnSpPr>
-          <p:cNvPr id="9" name="Straight Connector 11">
+      <p:pic>
+        <p:nvPicPr>
+          <p:cNvPr id="5" name="Picture 4" descr="Diagram&#10;&#10;Description automatically generated">
             <a:extLst>
               <a:ext uri="{FF2B5EF4-FFF2-40B4-BE49-F238E27FC236}">
-                <a16:creationId xmlns:a16="http://schemas.microsoft.com/office/drawing/2014/main" id="{0512F9CB-A1A0-4043-A103-F6A4B94B695A}"/>
-              </a:ext>
-              <a:ext uri="{C183D7F6-B498-43B3-948B-1728B52AA6E4}">
-                <adec:decorative xmlns:adec="http://schemas.microsoft.com/office/drawing/2017/decorative" val="1"/>
-              </a:ext>
-            </a:extLst>
-          </p:cNvPr>
-          <p:cNvCxnSpPr>
-            <a:cxnSpLocks noGrp="1" noRot="1" noChangeAspect="1" noMove="1" noResize="1" noEditPoints="1" noAdjustHandles="1" noChangeArrowheads="1" noChangeShapeType="1"/>
-          </p:cNvCxnSpPr>
-          <p:nvPr>
-            <p:extLst>
-              <p:ext uri="{386F3935-93C4-4BCD-93E2-E3B085C9AB24}">
-                <p16:designElem xmlns:p16="http://schemas.microsoft.com/office/powerpoint/2015/main" val="1"/>
-              </p:ext>
-            </p:extLst>
-          </p:nvPr>
-        </p:nvCxnSpPr>
-        <p:spPr>
-          <a:xfrm flipH="1">
-            <a:off x="8228012" y="8467"/>
-            <a:ext cx="3810000" cy="3810000"/>
-          </a:xfrm>
-          <a:prstGeom prst="line">
-            <a:avLst/>
-          </a:prstGeom>
-          <a:ln w="12700">
-            <a:solidFill>
-              <a:schemeClr val="tx1"/>
-            </a:solidFill>
-          </a:ln>
-        </p:spPr>
-        <p:style>
-          <a:lnRef idx="2">
-            <a:schemeClr val="accent1"/>
-          </a:lnRef>
-          <a:fillRef idx="0">
-            <a:schemeClr val="accent1"/>
-          </a:fillRef>
-          <a:effectRef idx="1">
-            <a:schemeClr val="accent1"/>
-          </a:effectRef>
-          <a:fontRef idx="minor">
-            <a:schemeClr val="tx1"/>
-          </a:fontRef>
-        </p:style>
-      </p:cxnSp>
-      <p:cxnSp>
-        <p:nvCxnSpPr>
-          <p:cNvPr id="11" name="Straight Connector 13">
-            <a:extLst>
-              <a:ext uri="{FF2B5EF4-FFF2-40B4-BE49-F238E27FC236}">
-                <a16:creationId xmlns:a16="http://schemas.microsoft.com/office/drawing/2014/main" id="{ADBE6588-EE16-4389-857C-86A156D49E5D}"/>
-              </a:ext>
-              <a:ext uri="{C183D7F6-B498-43B3-948B-1728B52AA6E4}">
-                <adec:decorative xmlns:adec="http://schemas.microsoft.com/office/drawing/2017/decorative" val="1"/>
-              </a:ext>
-            </a:extLst>
-          </p:cNvPr>
-          <p:cNvCxnSpPr>
-            <a:cxnSpLocks noGrp="1" noRot="1" noChangeAspect="1" noMove="1" noResize="1" noEditPoints="1" noAdjustHandles="1" noChangeArrowheads="1" noChangeShapeType="1"/>
-          </p:cNvCxnSpPr>
-          <p:nvPr>
-            <p:extLst>
-              <p:ext uri="{386F3935-93C4-4BCD-93E2-E3B085C9AB24}">
-                <p16:designElem xmlns:p16="http://schemas.microsoft.com/office/powerpoint/2015/main" val="1"/>
-              </p:ext>
-            </p:extLst>
-          </p:nvPr>
-        </p:nvCxnSpPr>
-        <p:spPr>
-          <a:xfrm flipH="1">
-            <a:off x="6108170" y="91545"/>
-            <a:ext cx="6080655" cy="6080655"/>
-          </a:xfrm>
-          <a:prstGeom prst="line">
-            <a:avLst/>
-          </a:prstGeom>
-          <a:ln w="12700">
-            <a:solidFill>
-              <a:schemeClr val="tx1"/>
-            </a:solidFill>
-          </a:ln>
-        </p:spPr>
-        <p:style>
-          <a:lnRef idx="2">
-            <a:schemeClr val="accent1"/>
-          </a:lnRef>
-          <a:fillRef idx="0">
-            <a:schemeClr val="accent1"/>
-          </a:fillRef>
-          <a:effectRef idx="1">
-            <a:schemeClr val="accent1"/>
-          </a:effectRef>
-          <a:fontRef idx="minor">
-            <a:schemeClr val="tx1"/>
-          </a:fontRef>
-        </p:style>
-      </p:cxnSp>
-      <p:cxnSp>
-        <p:nvCxnSpPr>
-          <p:cNvPr id="15" name="Straight Connector 15">
-            <a:extLst>
-              <a:ext uri="{FF2B5EF4-FFF2-40B4-BE49-F238E27FC236}">
-                <a16:creationId xmlns:a16="http://schemas.microsoft.com/office/drawing/2014/main" id="{17FD48D2-B0A7-413D-B947-AA55AC1296D5}"/>
-              </a:ext>
-              <a:ext uri="{C183D7F6-B498-43B3-948B-1728B52AA6E4}">
-                <adec:decorative xmlns:adec="http://schemas.microsoft.com/office/drawing/2017/decorative" val="1"/>
-              </a:ext>
-            </a:extLst>
-          </p:cNvPr>
-          <p:cNvCxnSpPr>
-            <a:cxnSpLocks noGrp="1" noRot="1" noChangeAspect="1" noMove="1" noResize="1" noEditPoints="1" noAdjustHandles="1" noChangeArrowheads="1" noChangeShapeType="1"/>
-          </p:cNvCxnSpPr>
-          <p:nvPr>
-            <p:extLst>
-              <p:ext uri="{386F3935-93C4-4BCD-93E2-E3B085C9AB24}">
-                <p16:designElem xmlns:p16="http://schemas.microsoft.com/office/powerpoint/2015/main" val="1"/>
-              </p:ext>
-            </p:extLst>
-          </p:nvPr>
-        </p:nvCxnSpPr>
-        <p:spPr>
-          <a:xfrm flipH="1">
-            <a:off x="7235825" y="228600"/>
-            <a:ext cx="4953000" cy="4953000"/>
-          </a:xfrm>
-          <a:prstGeom prst="line">
-            <a:avLst/>
-          </a:prstGeom>
-          <a:ln w="12700">
-            <a:solidFill>
-              <a:schemeClr val="tx1"/>
-            </a:solidFill>
-          </a:ln>
-        </p:spPr>
-        <p:style>
-          <a:lnRef idx="2">
-            <a:schemeClr val="accent1"/>
-          </a:lnRef>
-          <a:fillRef idx="0">
-            <a:schemeClr val="accent1"/>
-          </a:fillRef>
-          <a:effectRef idx="1">
-            <a:schemeClr val="accent1"/>
-          </a:effectRef>
-          <a:fontRef idx="minor">
-            <a:schemeClr val="tx1"/>
-          </a:fontRef>
-        </p:style>
-      </p:cxnSp>
-      <p:cxnSp>
-        <p:nvCxnSpPr>
-          <p:cNvPr id="17" name="Straight Connector 17">
-            <a:extLst>
-              <a:ext uri="{FF2B5EF4-FFF2-40B4-BE49-F238E27FC236}">
-                <a16:creationId xmlns:a16="http://schemas.microsoft.com/office/drawing/2014/main" id="{2BE668D0-D906-4EEE-B32F-8C028624B837}"/>
-              </a:ext>
-              <a:ext uri="{C183D7F6-B498-43B3-948B-1728B52AA6E4}">
-                <adec:decorative xmlns:adec="http://schemas.microsoft.com/office/drawing/2017/decorative" val="1"/>
-              </a:ext>
-            </a:extLst>
-          </p:cNvPr>
-          <p:cNvCxnSpPr>
-            <a:cxnSpLocks noGrp="1" noRot="1" noChangeAspect="1" noMove="1" noResize="1" noEditPoints="1" noAdjustHandles="1" noChangeArrowheads="1" noChangeShapeType="1"/>
-          </p:cNvCxnSpPr>
-          <p:nvPr>
-            <p:extLst>
-              <p:ext uri="{386F3935-93C4-4BCD-93E2-E3B085C9AB24}">
-                <p16:designElem xmlns:p16="http://schemas.microsoft.com/office/powerpoint/2015/main" val="1"/>
-              </p:ext>
-            </p:extLst>
-          </p:nvPr>
-        </p:nvCxnSpPr>
-        <p:spPr>
-          <a:xfrm flipH="1">
-            <a:off x="7335837" y="32278"/>
-            <a:ext cx="4852989" cy="4852989"/>
-          </a:xfrm>
-          <a:prstGeom prst="line">
-            <a:avLst/>
-          </a:prstGeom>
-          <a:ln w="31750">
-            <a:solidFill>
-              <a:schemeClr val="tx1"/>
-            </a:solidFill>
-          </a:ln>
-        </p:spPr>
-        <p:style>
-          <a:lnRef idx="2">
-            <a:schemeClr val="accent1"/>
-          </a:lnRef>
-          <a:fillRef idx="0">
-            <a:schemeClr val="accent1"/>
-          </a:fillRef>
-          <a:effectRef idx="1">
-            <a:schemeClr val="accent1"/>
-          </a:effectRef>
-          <a:fontRef idx="minor">
-            <a:schemeClr val="tx1"/>
-          </a:fontRef>
-        </p:style>
-      </p:cxnSp>
-      <p:cxnSp>
-        <p:nvCxnSpPr>
-          <p:cNvPr id="19" name="Straight Connector 19">
-            <a:extLst>
-              <a:ext uri="{FF2B5EF4-FFF2-40B4-BE49-F238E27FC236}">
-                <a16:creationId xmlns:a16="http://schemas.microsoft.com/office/drawing/2014/main" id="{D1DE67A3-B8F6-4CFD-A8E0-D15200F23152}"/>
-              </a:ext>
-              <a:ext uri="{C183D7F6-B498-43B3-948B-1728B52AA6E4}">
-                <adec:decorative xmlns:adec="http://schemas.microsoft.com/office/drawing/2017/decorative" val="1"/>
-              </a:ext>
-            </a:extLst>
-          </p:cNvPr>
-          <p:cNvCxnSpPr>
-            <a:cxnSpLocks noGrp="1" noRot="1" noChangeAspect="1" noMove="1" noResize="1" noEditPoints="1" noAdjustHandles="1" noChangeArrowheads="1" noChangeShapeType="1"/>
-          </p:cNvCxnSpPr>
-          <p:nvPr>
-            <p:extLst>
-              <p:ext uri="{386F3935-93C4-4BCD-93E2-E3B085C9AB24}">
-                <p16:designElem xmlns:p16="http://schemas.microsoft.com/office/powerpoint/2015/main" val="1"/>
-              </p:ext>
-            </p:extLst>
-          </p:nvPr>
-        </p:nvCxnSpPr>
-        <p:spPr>
-          <a:xfrm flipH="1">
-            <a:off x="7845426" y="609601"/>
-            <a:ext cx="4343399" cy="4343399"/>
-          </a:xfrm>
-          <a:prstGeom prst="line">
-            <a:avLst/>
-          </a:prstGeom>
-          <a:ln w="31750">
-            <a:solidFill>
-              <a:schemeClr val="tx1"/>
-            </a:solidFill>
-          </a:ln>
-        </p:spPr>
-        <p:style>
-          <a:lnRef idx="2">
-            <a:schemeClr val="accent1"/>
-          </a:lnRef>
-          <a:fillRef idx="0">
-            <a:schemeClr val="accent1"/>
-          </a:fillRef>
-          <a:effectRef idx="1">
-            <a:schemeClr val="accent1"/>
-          </a:effectRef>
-          <a:fontRef idx="minor">
-            <a:schemeClr val="tx1"/>
-          </a:fontRef>
-        </p:style>
-      </p:cxnSp>
-      <p:sp>
-        <p:nvSpPr>
-          <p:cNvPr id="21" name="Rectangle 21">
-            <a:extLst>
-              <a:ext uri="{FF2B5EF4-FFF2-40B4-BE49-F238E27FC236}">
-                <a16:creationId xmlns:a16="http://schemas.microsoft.com/office/drawing/2014/main" id="{DF17025D-0558-4BB1-932D-D407F5BDCAB8}"/>
-              </a:ext>
-              <a:ext uri="{C183D7F6-B498-43B3-948B-1728B52AA6E4}">
-                <adec:decorative xmlns:adec="http://schemas.microsoft.com/office/drawing/2017/decorative" val="1"/>
-              </a:ext>
-            </a:extLst>
-          </p:cNvPr>
-          <p:cNvSpPr>
-            <a:spLocks noGrp="1" noRot="1" noChangeAspect="1" noMove="1" noResize="1" noEditPoints="1" noAdjustHandles="1" noChangeArrowheads="1" noChangeShapeType="1" noTextEdit="1"/>
-          </p:cNvSpPr>
-          <p:nvPr>
-            <p:extLst>
-              <p:ext uri="{386F3935-93C4-4BCD-93E2-E3B085C9AB24}">
-                <p16:designElem xmlns:p16="http://schemas.microsoft.com/office/powerpoint/2015/main" val="1"/>
-              </p:ext>
-            </p:extLst>
-          </p:nvPr>
-        </p:nvSpPr>
-        <p:spPr>
-          <a:xfrm>
-            <a:off x="0" y="0"/>
-            <a:ext cx="12192000" cy="6858000"/>
-          </a:xfrm>
-          <a:prstGeom prst="rect">
-            <a:avLst/>
-          </a:prstGeom>
-          <a:ln>
-            <a:noFill/>
-          </a:ln>
-        </p:spPr>
-        <p:style>
-          <a:lnRef idx="2">
-            <a:schemeClr val="accent1">
-              <a:shade val="50000"/>
-            </a:schemeClr>
-          </a:lnRef>
-          <a:fillRef idx="1002">
-            <a:schemeClr val="dk2"/>
-          </a:fillRef>
-          <a:effectRef idx="0">
-            <a:schemeClr val="accent1"/>
-          </a:effectRef>
-          <a:fontRef idx="minor">
-            <a:schemeClr val="lt1"/>
-          </a:fontRef>
-        </p:style>
-        <p:txBody>
-          <a:bodyPr rtlCol="0" anchor="ctr"/>
-          <a:lstStyle/>
-          <a:p>
-            <a:pPr algn="ctr"/>
-            <a:endParaRPr lang="en-US"/>
-          </a:p>
-        </p:txBody>
-      </p:sp>
-      <p:sp>
-        <p:nvSpPr>
-          <p:cNvPr id="2" name="Title 1">
-            <a:extLst>
-              <a:ext uri="{FF2B5EF4-FFF2-40B4-BE49-F238E27FC236}">
-                <a16:creationId xmlns:a16="http://schemas.microsoft.com/office/drawing/2014/main" id="{4F68AD2C-B46D-FA8F-1E07-13A75AF50670}"/>
-              </a:ext>
-            </a:extLst>
-          </p:cNvPr>
-          <p:cNvSpPr>
-            <a:spLocks noGrp="1"/>
-          </p:cNvSpPr>
-          <p:nvPr>
-            <p:ph type="title"/>
-          </p:nvPr>
-        </p:nvSpPr>
-        <p:spPr>
-          <a:xfrm>
-            <a:off x="4944753" y="628617"/>
-            <a:ext cx="6559859" cy="3028983"/>
-          </a:xfrm>
-        </p:spPr>
-        <p:txBody>
-          <a:bodyPr vert="horz" lIns="91440" tIns="45720" rIns="91440" bIns="45720" rtlCol="0" anchor="b">
-            <a:normAutofit/>
-          </a:bodyPr>
-          <a:lstStyle/>
-          <a:p>
-            <a:r>
-              <a:rPr lang="en-US" sz="4800" b="0" i="0">
-                <a:solidFill>
-                  <a:srgbClr val="FFFFFF"/>
-                </a:solidFill>
-              </a:rPr>
-              <a:t>Week 1 recap</a:t>
-            </a:r>
-          </a:p>
-        </p:txBody>
-      </p:sp>
-      <p:sp useBgFill="1">
-        <p:nvSpPr>
-          <p:cNvPr id="24" name="Snip Diagonal Corner Rectangle 6">
-            <a:extLst>
-              <a:ext uri="{FF2B5EF4-FFF2-40B4-BE49-F238E27FC236}">
-                <a16:creationId xmlns:a16="http://schemas.microsoft.com/office/drawing/2014/main" id="{23897308-2491-4C39-B764-46DCD1CAD321}"/>
-              </a:ext>
-              <a:ext uri="{C183D7F6-B498-43B3-948B-1728B52AA6E4}">
-                <adec:decorative xmlns:adec="http://schemas.microsoft.com/office/drawing/2017/decorative" val="1"/>
-              </a:ext>
-            </a:extLst>
-          </p:cNvPr>
-          <p:cNvSpPr>
-            <a:spLocks noGrp="1" noRot="1" noChangeAspect="1" noMove="1" noResize="1" noEditPoints="1" noAdjustHandles="1" noChangeArrowheads="1" noChangeShapeType="1" noTextEdit="1"/>
-          </p:cNvSpPr>
-          <p:nvPr>
-            <p:extLst>
-              <p:ext uri="{386F3935-93C4-4BCD-93E2-E3B085C9AB24}">
-                <p16:designElem xmlns:p16="http://schemas.microsoft.com/office/powerpoint/2015/main" val="1"/>
-              </p:ext>
-            </p:extLst>
-          </p:nvPr>
-        </p:nvSpPr>
-        <p:spPr>
-          <a:xfrm>
-            <a:off x="634001" y="620722"/>
-            <a:ext cx="3670674" cy="5286838"/>
-          </a:xfrm>
-          <a:prstGeom prst="snip2DiagRect">
-            <a:avLst>
-              <a:gd name="adj1" fmla="val 15804"/>
-              <a:gd name="adj2" fmla="val 0"/>
-            </a:avLst>
-          </a:prstGeom>
-          <a:ln>
-            <a:noFill/>
-          </a:ln>
-          <a:effectLst>
-            <a:innerShdw blurRad="57150" dist="38100" dir="14460000">
-              <a:prstClr val="black">
-                <a:alpha val="70000"/>
-              </a:prstClr>
-            </a:innerShdw>
-          </a:effectLst>
-        </p:spPr>
-        <p:style>
-          <a:lnRef idx="2">
-            <a:schemeClr val="accent1">
-              <a:shade val="50000"/>
-            </a:schemeClr>
-          </a:lnRef>
-          <a:fillRef idx="1">
-            <a:schemeClr val="accent1"/>
-          </a:fillRef>
-          <a:effectRef idx="0">
-            <a:schemeClr val="accent1"/>
-          </a:effectRef>
-          <a:fontRef idx="minor">
-            <a:schemeClr val="lt1"/>
-          </a:fontRef>
-        </p:style>
-        <p:txBody>
-          <a:bodyPr rtlCol="0" anchor="ctr"/>
-          <a:lstStyle/>
-          <a:p>
-            <a:pPr algn="ctr"/>
-            <a:endParaRPr lang="en-US"/>
-          </a:p>
-        </p:txBody>
-      </p:sp>
-      <p:pic>
-        <p:nvPicPr>
-          <p:cNvPr id="7" name="Graphic 6" descr="Checkmark">
-            <a:extLst>
-              <a:ext uri="{FF2B5EF4-FFF2-40B4-BE49-F238E27FC236}">
-                <a16:creationId xmlns:a16="http://schemas.microsoft.com/office/drawing/2014/main" id="{7DD5BDCA-309E-1234-5D16-20962C9AB1EE}"/>
-              </a:ext>
-            </a:extLst>
-          </p:cNvPr>
-          <p:cNvPicPr>
-            <a:picLocks noChangeAspect="1"/>
-          </p:cNvPicPr>
-          <p:nvPr/>
-        </p:nvPicPr>
-        <p:blipFill>
-          <a:blip r:embed="rId2">
-            <a:extLst>
-              <a:ext uri="{28A0092B-C50C-407E-A947-70E740481C1C}">
-                <a14:useLocalDpi xmlns:a14="http://schemas.microsoft.com/office/drawing/2010/main" val="0"/>
-              </a:ext>
-              <a:ext uri="{96DAC541-7B7A-43D3-8B79-37D633B846F1}">
-                <asvg:svgBlip xmlns:asvg="http://schemas.microsoft.com/office/drawing/2016/SVG/main" r:embed="rId3"/>
-              </a:ext>
-            </a:extLst>
-          </a:blip>
-          <a:stretch>
-            <a:fillRect/>
-          </a:stretch>
-        </p:blipFill>
-        <p:spPr>
-          <a:xfrm>
-            <a:off x="1124712" y="1911445"/>
-            <a:ext cx="2709870" cy="2709870"/>
-          </a:xfrm>
-          <a:prstGeom prst="rect">
-            <a:avLst/>
-          </a:prstGeom>
-        </p:spPr>
-      </p:pic>
-      <p:grpSp>
-        <p:nvGrpSpPr>
-          <p:cNvPr id="26" name="Group 25">
-            <a:extLst>
-              <a:ext uri="{FF2B5EF4-FFF2-40B4-BE49-F238E27FC236}">
-                <a16:creationId xmlns:a16="http://schemas.microsoft.com/office/drawing/2014/main" id="{437C3370-E183-40E3-8F06-FDD26E64DD97}"/>
-              </a:ext>
-              <a:ext uri="{C183D7F6-B498-43B3-948B-1728B52AA6E4}">
-                <adec:decorative xmlns:adec="http://schemas.microsoft.com/office/drawing/2017/decorative" val="1"/>
-              </a:ext>
-            </a:extLst>
-          </p:cNvPr>
-          <p:cNvGrpSpPr>
-            <a:grpSpLocks noGrp="1" noUngrp="1" noRot="1" noChangeAspect="1" noMove="1" noResize="1"/>
-          </p:cNvGrpSpPr>
-          <p:nvPr>
-            <p:extLst>
-              <p:ext uri="{386F3935-93C4-4BCD-93E2-E3B085C9AB24}">
-                <p16:designElem xmlns:p16="http://schemas.microsoft.com/office/powerpoint/2015/main" val="1"/>
-              </p:ext>
-            </p:extLst>
-          </p:nvPr>
-        </p:nvGrpSpPr>
-        <p:grpSpPr>
-          <a:xfrm>
-            <a:off x="9206969" y="2963333"/>
-            <a:ext cx="2981858" cy="3208867"/>
-            <a:chOff x="9206969" y="2963333"/>
-            <a:chExt cx="2981858" cy="3208867"/>
-          </a:xfrm>
-        </p:grpSpPr>
-        <p:cxnSp>
-          <p:nvCxnSpPr>
-            <p:cNvPr id="27" name="Straight Connector 26">
-              <a:extLst>
-                <a:ext uri="{FF2B5EF4-FFF2-40B4-BE49-F238E27FC236}">
-                  <a16:creationId xmlns:a16="http://schemas.microsoft.com/office/drawing/2014/main" id="{37774F20-3F21-44FE-976F-CC336A7482BF}"/>
-                </a:ext>
-                <a:ext uri="{C183D7F6-B498-43B3-948B-1728B52AA6E4}">
-                  <adec:decorative xmlns:adec="http://schemas.microsoft.com/office/drawing/2017/decorative" val="1"/>
-                </a:ext>
-              </a:extLst>
-            </p:cNvPr>
-            <p:cNvCxnSpPr/>
-            <p:nvPr>
-              <p:extLst>
-                <p:ext uri="{386F3935-93C4-4BCD-93E2-E3B085C9AB24}">
-                  <p16:designElem xmlns:p16="http://schemas.microsoft.com/office/powerpoint/2015/main" val="1"/>
-                </p:ext>
-              </p:extLst>
-            </p:nvPr>
-          </p:nvCxnSpPr>
-          <p:spPr>
-            <a:xfrm flipH="1">
-              <a:off x="11276012" y="2963333"/>
-              <a:ext cx="912814" cy="912812"/>
-            </a:xfrm>
-            <a:prstGeom prst="line">
-              <a:avLst/>
-            </a:prstGeom>
-            <a:ln w="9525">
-              <a:solidFill>
-                <a:srgbClr val="FFFFFF"/>
-              </a:solidFill>
-            </a:ln>
-          </p:spPr>
-          <p:style>
-            <a:lnRef idx="2">
-              <a:schemeClr val="accent1"/>
-            </a:lnRef>
-            <a:fillRef idx="0">
-              <a:schemeClr val="accent1"/>
-            </a:fillRef>
-            <a:effectRef idx="1">
-              <a:schemeClr val="accent1"/>
-            </a:effectRef>
-            <a:fontRef idx="minor">
-              <a:schemeClr val="tx1"/>
-            </a:fontRef>
-          </p:style>
-        </p:cxnSp>
-        <p:cxnSp>
-          <p:nvCxnSpPr>
-            <p:cNvPr id="28" name="Straight Connector 27">
-              <a:extLst>
-                <a:ext uri="{FF2B5EF4-FFF2-40B4-BE49-F238E27FC236}">
-                  <a16:creationId xmlns:a16="http://schemas.microsoft.com/office/drawing/2014/main" id="{CA342010-2E15-4FE2-8956-F562BBF500F8}"/>
-                </a:ext>
-                <a:ext uri="{C183D7F6-B498-43B3-948B-1728B52AA6E4}">
-                  <adec:decorative xmlns:adec="http://schemas.microsoft.com/office/drawing/2017/decorative" val="1"/>
-                </a:ext>
-              </a:extLst>
-            </p:cNvPr>
-            <p:cNvCxnSpPr/>
-            <p:nvPr>
-              <p:extLst>
-                <p:ext uri="{386F3935-93C4-4BCD-93E2-E3B085C9AB24}">
-                  <p16:designElem xmlns:p16="http://schemas.microsoft.com/office/powerpoint/2015/main" val="1"/>
-                </p:ext>
-              </p:extLst>
-            </p:nvPr>
-          </p:nvCxnSpPr>
-          <p:spPr>
-            <a:xfrm flipH="1">
-              <a:off x="9206969" y="3190344"/>
-              <a:ext cx="2981857" cy="2981856"/>
-            </a:xfrm>
-            <a:prstGeom prst="line">
-              <a:avLst/>
-            </a:prstGeom>
-            <a:ln w="9525">
-              <a:solidFill>
-                <a:srgbClr val="FFFFFF"/>
-              </a:solidFill>
-            </a:ln>
-          </p:spPr>
-          <p:style>
-            <a:lnRef idx="2">
-              <a:schemeClr val="accent1"/>
-            </a:lnRef>
-            <a:fillRef idx="0">
-              <a:schemeClr val="accent1"/>
-            </a:fillRef>
-            <a:effectRef idx="1">
-              <a:schemeClr val="accent1"/>
-            </a:effectRef>
-            <a:fontRef idx="minor">
-              <a:schemeClr val="tx1"/>
-            </a:fontRef>
-          </p:style>
-        </p:cxnSp>
-        <p:cxnSp>
-          <p:nvCxnSpPr>
-            <p:cNvPr id="29" name="Straight Connector 28">
-              <a:extLst>
-                <a:ext uri="{FF2B5EF4-FFF2-40B4-BE49-F238E27FC236}">
-                  <a16:creationId xmlns:a16="http://schemas.microsoft.com/office/drawing/2014/main" id="{772C8931-1DC1-48FA-878F-2B7CB813D818}"/>
-                </a:ext>
-                <a:ext uri="{C183D7F6-B498-43B3-948B-1728B52AA6E4}">
-                  <adec:decorative xmlns:adec="http://schemas.microsoft.com/office/drawing/2017/decorative" val="1"/>
-                </a:ext>
-              </a:extLst>
-            </p:cNvPr>
-            <p:cNvCxnSpPr/>
-            <p:nvPr>
-              <p:extLst>
-                <p:ext uri="{386F3935-93C4-4BCD-93E2-E3B085C9AB24}">
-                  <p16:designElem xmlns:p16="http://schemas.microsoft.com/office/powerpoint/2015/main" val="1"/>
-                </p:ext>
-              </p:extLst>
-            </p:nvPr>
-          </p:nvCxnSpPr>
-          <p:spPr>
-            <a:xfrm flipH="1">
-              <a:off x="10292292" y="3285067"/>
-              <a:ext cx="1896534" cy="1896533"/>
-            </a:xfrm>
-            <a:prstGeom prst="line">
-              <a:avLst/>
-            </a:prstGeom>
-            <a:ln w="9525">
-              <a:solidFill>
-                <a:srgbClr val="FFFFFF"/>
-              </a:solidFill>
-            </a:ln>
-          </p:spPr>
-          <p:style>
-            <a:lnRef idx="2">
-              <a:schemeClr val="accent1"/>
-            </a:lnRef>
-            <a:fillRef idx="0">
-              <a:schemeClr val="accent1"/>
-            </a:fillRef>
-            <a:effectRef idx="1">
-              <a:schemeClr val="accent1"/>
-            </a:effectRef>
-            <a:fontRef idx="minor">
-              <a:schemeClr val="tx1"/>
-            </a:fontRef>
-          </p:style>
-        </p:cxnSp>
-        <p:cxnSp>
-          <p:nvCxnSpPr>
-            <p:cNvPr id="30" name="Straight Connector 29">
-              <a:extLst>
-                <a:ext uri="{FF2B5EF4-FFF2-40B4-BE49-F238E27FC236}">
-                  <a16:creationId xmlns:a16="http://schemas.microsoft.com/office/drawing/2014/main" id="{03285CBA-1A56-43E8-8B87-570C461DA3A3}"/>
-                </a:ext>
-                <a:ext uri="{C183D7F6-B498-43B3-948B-1728B52AA6E4}">
-                  <adec:decorative xmlns:adec="http://schemas.microsoft.com/office/drawing/2017/decorative" val="1"/>
-                </a:ext>
-              </a:extLst>
-            </p:cNvPr>
-            <p:cNvCxnSpPr/>
-            <p:nvPr>
-              <p:extLst>
-                <p:ext uri="{386F3935-93C4-4BCD-93E2-E3B085C9AB24}">
-                  <p16:designElem xmlns:p16="http://schemas.microsoft.com/office/powerpoint/2015/main" val="1"/>
-                </p:ext>
-              </p:extLst>
-            </p:nvPr>
-          </p:nvCxnSpPr>
-          <p:spPr>
-            <a:xfrm flipH="1">
-              <a:off x="10443103" y="3131080"/>
-              <a:ext cx="1745722" cy="1745720"/>
-            </a:xfrm>
-            <a:prstGeom prst="line">
-              <a:avLst/>
-            </a:prstGeom>
-            <a:ln w="28575">
-              <a:solidFill>
-                <a:srgbClr val="FFFFFF"/>
-              </a:solidFill>
-            </a:ln>
-          </p:spPr>
-          <p:style>
-            <a:lnRef idx="2">
-              <a:schemeClr val="accent1"/>
-            </a:lnRef>
-            <a:fillRef idx="0">
-              <a:schemeClr val="accent1"/>
-            </a:fillRef>
-            <a:effectRef idx="1">
-              <a:schemeClr val="accent1"/>
-            </a:effectRef>
-            <a:fontRef idx="minor">
-              <a:schemeClr val="tx1"/>
-            </a:fontRef>
-          </p:style>
-        </p:cxnSp>
-        <p:cxnSp>
-          <p:nvCxnSpPr>
-            <p:cNvPr id="31" name="Straight Connector 30">
-              <a:extLst>
-                <a:ext uri="{FF2B5EF4-FFF2-40B4-BE49-F238E27FC236}">
-                  <a16:creationId xmlns:a16="http://schemas.microsoft.com/office/drawing/2014/main" id="{204A0B30-03E2-41DD-B443-95E7FB70EC11}"/>
-                </a:ext>
-                <a:ext uri="{C183D7F6-B498-43B3-948B-1728B52AA6E4}">
-                  <adec:decorative xmlns:adec="http://schemas.microsoft.com/office/drawing/2017/decorative" val="1"/>
-                </a:ext>
-              </a:extLst>
-            </p:cNvPr>
-            <p:cNvCxnSpPr/>
-            <p:nvPr>
-              <p:extLst>
-                <p:ext uri="{386F3935-93C4-4BCD-93E2-E3B085C9AB24}">
-                  <p16:designElem xmlns:p16="http://schemas.microsoft.com/office/powerpoint/2015/main" val="1"/>
-                </p:ext>
-              </p:extLst>
-            </p:nvPr>
-          </p:nvCxnSpPr>
-          <p:spPr>
-            <a:xfrm flipH="1">
-              <a:off x="10918826" y="3683001"/>
-              <a:ext cx="1270001" cy="1269999"/>
-            </a:xfrm>
-            <a:prstGeom prst="line">
-              <a:avLst/>
-            </a:prstGeom>
-            <a:ln w="28575">
-              <a:solidFill>
-                <a:srgbClr val="FFFFFF"/>
-              </a:solidFill>
-            </a:ln>
-          </p:spPr>
-          <p:style>
-            <a:lnRef idx="2">
-              <a:schemeClr val="accent1"/>
-            </a:lnRef>
-            <a:fillRef idx="0">
-              <a:schemeClr val="accent1"/>
-            </a:fillRef>
-            <a:effectRef idx="1">
-              <a:schemeClr val="accent1"/>
-            </a:effectRef>
-            <a:fontRef idx="minor">
-              <a:schemeClr val="tx1"/>
-            </a:fontRef>
-          </p:style>
-        </p:cxnSp>
-      </p:grpSp>
-    </p:spTree>
-    <p:extLst>
-      <p:ext uri="{BB962C8B-B14F-4D97-AF65-F5344CB8AC3E}">
-        <p14:creationId xmlns:p14="http://schemas.microsoft.com/office/powerpoint/2010/main" val="3013550915"/>
-      </p:ext>
-    </p:extLst>
-  </p:cSld>
-  <p:clrMapOvr>
-    <a:overrideClrMapping bg1="lt1" tx1="dk1" bg2="lt2" tx2="dk2" accent1="accent1" accent2="accent2" accent3="accent3" accent4="accent4" accent5="accent5" accent6="accent6" hlink="hlink" folHlink="folHlink"/>
-  </p:clrMapOvr>
-</p:sld>
-</file>
-
-<file path=ppt/slides/slide3.xml><?xml version="1.0" encoding="utf-8"?>
-<p:sld xmlns:a="http://schemas.openxmlformats.org/drawingml/2006/main" xmlns:r="http://schemas.openxmlformats.org/officeDocument/2006/relationships" xmlns:p="http://schemas.openxmlformats.org/presentationml/2006/main">
-  <p:cSld>
-    <p:bg>
-      <p:bgPr>
-        <a:gradFill rotWithShape="1">
-          <a:gsLst>
-            <a:gs pos="10000">
-              <a:schemeClr val="bg1">
-                <a:tint val="97000"/>
-                <a:hueMod val="92000"/>
-                <a:satMod val="169000"/>
-                <a:lumMod val="164000"/>
-              </a:schemeClr>
-            </a:gs>
-            <a:gs pos="100000">
-              <a:schemeClr val="bg1">
-                <a:shade val="96000"/>
-                <a:satMod val="120000"/>
-                <a:lumMod val="90000"/>
-              </a:schemeClr>
-            </a:gs>
-          </a:gsLst>
-          <a:lin ang="6120000" scaled="1"/>
-        </a:gradFill>
-        <a:effectLst/>
-      </p:bgPr>
-    </p:bg>
-    <p:spTree>
-      <p:nvGrpSpPr>
-        <p:cNvPr id="1" name=""/>
-        <p:cNvGrpSpPr/>
-        <p:nvPr/>
-      </p:nvGrpSpPr>
-      <p:grpSpPr>
-        <a:xfrm>
-          <a:off x="0" y="0"/>
-          <a:ext cx="0" cy="0"/>
-          <a:chOff x="0" y="0"/>
-          <a:chExt cx="0" cy="0"/>
-        </a:xfrm>
-      </p:grpSpPr>
-      <p:cxnSp>
-        <p:nvCxnSpPr>
-          <p:cNvPr id="32" name="Straight Connector 10">
-            <a:extLst>
-              <a:ext uri="{FF2B5EF4-FFF2-40B4-BE49-F238E27FC236}">
-                <a16:creationId xmlns:a16="http://schemas.microsoft.com/office/drawing/2014/main" id="{8FD48FB1-66D8-4676-B0AA-C139A1DB78D1}"/>
-              </a:ext>
-              <a:ext uri="{C183D7F6-B498-43B3-948B-1728B52AA6E4}">
-                <adec:decorative xmlns:adec="http://schemas.microsoft.com/office/drawing/2017/decorative" val="1"/>
-              </a:ext>
-            </a:extLst>
-          </p:cNvPr>
-          <p:cNvCxnSpPr>
-            <a:cxnSpLocks noGrp="1" noRot="1" noChangeAspect="1" noMove="1" noResize="1" noEditPoints="1" noAdjustHandles="1" noChangeArrowheads="1" noChangeShapeType="1"/>
-          </p:cNvCxnSpPr>
-          <p:nvPr>
-            <p:extLst>
-              <p:ext uri="{386F3935-93C4-4BCD-93E2-E3B085C9AB24}">
-                <p16:designElem xmlns:p16="http://schemas.microsoft.com/office/powerpoint/2015/main" val="1"/>
-              </p:ext>
-            </p:extLst>
-          </p:nvPr>
-        </p:nvCxnSpPr>
-        <p:spPr>
-          <a:xfrm flipH="1">
-            <a:off x="8228012" y="8467"/>
-            <a:ext cx="3810000" cy="3810000"/>
-          </a:xfrm>
-          <a:prstGeom prst="line">
-            <a:avLst/>
-          </a:prstGeom>
-          <a:ln w="12700">
-            <a:solidFill>
-              <a:schemeClr val="tx1"/>
-            </a:solidFill>
-          </a:ln>
-        </p:spPr>
-        <p:style>
-          <a:lnRef idx="2">
-            <a:schemeClr val="accent1"/>
-          </a:lnRef>
-          <a:fillRef idx="0">
-            <a:schemeClr val="accent1"/>
-          </a:fillRef>
-          <a:effectRef idx="1">
-            <a:schemeClr val="accent1"/>
-          </a:effectRef>
-          <a:fontRef idx="minor">
-            <a:schemeClr val="tx1"/>
-          </a:fontRef>
-        </p:style>
-      </p:cxnSp>
-      <p:cxnSp>
-        <p:nvCxnSpPr>
-          <p:cNvPr id="33" name="Straight Connector 12">
-            <a:extLst>
-              <a:ext uri="{FF2B5EF4-FFF2-40B4-BE49-F238E27FC236}">
-                <a16:creationId xmlns:a16="http://schemas.microsoft.com/office/drawing/2014/main" id="{F033F5AE-6728-4F19-8DED-658E674B31B9}"/>
-              </a:ext>
-              <a:ext uri="{C183D7F6-B498-43B3-948B-1728B52AA6E4}">
-                <adec:decorative xmlns:adec="http://schemas.microsoft.com/office/drawing/2017/decorative" val="1"/>
-              </a:ext>
-            </a:extLst>
-          </p:cNvPr>
-          <p:cNvCxnSpPr>
-            <a:cxnSpLocks noGrp="1" noRot="1" noChangeAspect="1" noMove="1" noResize="1" noEditPoints="1" noAdjustHandles="1" noChangeArrowheads="1" noChangeShapeType="1"/>
-          </p:cNvCxnSpPr>
-          <p:nvPr>
-            <p:extLst>
-              <p:ext uri="{386F3935-93C4-4BCD-93E2-E3B085C9AB24}">
-                <p16:designElem xmlns:p16="http://schemas.microsoft.com/office/powerpoint/2015/main" val="1"/>
-              </p:ext>
-            </p:extLst>
-          </p:nvPr>
-        </p:nvCxnSpPr>
-        <p:spPr>
-          <a:xfrm flipH="1">
-            <a:off x="6108170" y="91545"/>
-            <a:ext cx="6080655" cy="6080655"/>
-          </a:xfrm>
-          <a:prstGeom prst="line">
-            <a:avLst/>
-          </a:prstGeom>
-          <a:ln w="12700">
-            <a:solidFill>
-              <a:schemeClr val="tx1"/>
-            </a:solidFill>
-          </a:ln>
-        </p:spPr>
-        <p:style>
-          <a:lnRef idx="2">
-            <a:schemeClr val="accent1"/>
-          </a:lnRef>
-          <a:fillRef idx="0">
-            <a:schemeClr val="accent1"/>
-          </a:fillRef>
-          <a:effectRef idx="1">
-            <a:schemeClr val="accent1"/>
-          </a:effectRef>
-          <a:fontRef idx="minor">
-            <a:schemeClr val="tx1"/>
-          </a:fontRef>
-        </p:style>
-      </p:cxnSp>
-      <p:cxnSp>
-        <p:nvCxnSpPr>
-          <p:cNvPr id="34" name="Straight Connector 14">
-            <a:extLst>
-              <a:ext uri="{FF2B5EF4-FFF2-40B4-BE49-F238E27FC236}">
-                <a16:creationId xmlns:a16="http://schemas.microsoft.com/office/drawing/2014/main" id="{82C7D74A-18BA-4709-A808-44E8815C4430}"/>
-              </a:ext>
-              <a:ext uri="{C183D7F6-B498-43B3-948B-1728B52AA6E4}">
-                <adec:decorative xmlns:adec="http://schemas.microsoft.com/office/drawing/2017/decorative" val="1"/>
-              </a:ext>
-            </a:extLst>
-          </p:cNvPr>
-          <p:cNvCxnSpPr>
-            <a:cxnSpLocks noGrp="1" noRot="1" noChangeAspect="1" noMove="1" noResize="1" noEditPoints="1" noAdjustHandles="1" noChangeArrowheads="1" noChangeShapeType="1"/>
-          </p:cNvCxnSpPr>
-          <p:nvPr>
-            <p:extLst>
-              <p:ext uri="{386F3935-93C4-4BCD-93E2-E3B085C9AB24}">
-                <p16:designElem xmlns:p16="http://schemas.microsoft.com/office/powerpoint/2015/main" val="1"/>
-              </p:ext>
-            </p:extLst>
-          </p:nvPr>
-        </p:nvCxnSpPr>
-        <p:spPr>
-          <a:xfrm flipH="1">
-            <a:off x="7235825" y="228600"/>
-            <a:ext cx="4953000" cy="4953000"/>
-          </a:xfrm>
-          <a:prstGeom prst="line">
-            <a:avLst/>
-          </a:prstGeom>
-          <a:ln w="12700">
-            <a:solidFill>
-              <a:schemeClr val="tx1"/>
-            </a:solidFill>
-          </a:ln>
-        </p:spPr>
-        <p:style>
-          <a:lnRef idx="2">
-            <a:schemeClr val="accent1"/>
-          </a:lnRef>
-          <a:fillRef idx="0">
-            <a:schemeClr val="accent1"/>
-          </a:fillRef>
-          <a:effectRef idx="1">
-            <a:schemeClr val="accent1"/>
-          </a:effectRef>
-          <a:fontRef idx="minor">
-            <a:schemeClr val="tx1"/>
-          </a:fontRef>
-        </p:style>
-      </p:cxnSp>
-      <p:cxnSp>
-        <p:nvCxnSpPr>
-          <p:cNvPr id="35" name="Straight Connector 16">
-            <a:extLst>
-              <a:ext uri="{FF2B5EF4-FFF2-40B4-BE49-F238E27FC236}">
-                <a16:creationId xmlns:a16="http://schemas.microsoft.com/office/drawing/2014/main" id="{B5164A3F-1561-4039-8185-AB0EEB713EA7}"/>
-              </a:ext>
-              <a:ext uri="{C183D7F6-B498-43B3-948B-1728B52AA6E4}">
-                <adec:decorative xmlns:adec="http://schemas.microsoft.com/office/drawing/2017/decorative" val="1"/>
-              </a:ext>
-            </a:extLst>
-          </p:cNvPr>
-          <p:cNvCxnSpPr>
-            <a:cxnSpLocks noGrp="1" noRot="1" noChangeAspect="1" noMove="1" noResize="1" noEditPoints="1" noAdjustHandles="1" noChangeArrowheads="1" noChangeShapeType="1"/>
-          </p:cNvCxnSpPr>
-          <p:nvPr>
-            <p:extLst>
-              <p:ext uri="{386F3935-93C4-4BCD-93E2-E3B085C9AB24}">
-                <p16:designElem xmlns:p16="http://schemas.microsoft.com/office/powerpoint/2015/main" val="1"/>
-              </p:ext>
-            </p:extLst>
-          </p:nvPr>
-        </p:nvCxnSpPr>
-        <p:spPr>
-          <a:xfrm flipH="1">
-            <a:off x="7335837" y="32278"/>
-            <a:ext cx="4852989" cy="4852989"/>
-          </a:xfrm>
-          <a:prstGeom prst="line">
-            <a:avLst/>
-          </a:prstGeom>
-          <a:ln w="31750">
-            <a:solidFill>
-              <a:schemeClr val="tx1"/>
-            </a:solidFill>
-          </a:ln>
-        </p:spPr>
-        <p:style>
-          <a:lnRef idx="2">
-            <a:schemeClr val="accent1"/>
-          </a:lnRef>
-          <a:fillRef idx="0">
-            <a:schemeClr val="accent1"/>
-          </a:fillRef>
-          <a:effectRef idx="1">
-            <a:schemeClr val="accent1"/>
-          </a:effectRef>
-          <a:fontRef idx="minor">
-            <a:schemeClr val="tx1"/>
-          </a:fontRef>
-        </p:style>
-      </p:cxnSp>
-      <p:cxnSp>
-        <p:nvCxnSpPr>
-          <p:cNvPr id="36" name="Straight Connector 18">
-            <a:extLst>
-              <a:ext uri="{FF2B5EF4-FFF2-40B4-BE49-F238E27FC236}">
-                <a16:creationId xmlns:a16="http://schemas.microsoft.com/office/drawing/2014/main" id="{2A35DB53-42BE-460E-9CA1-1294C98463CB}"/>
-              </a:ext>
-              <a:ext uri="{C183D7F6-B498-43B3-948B-1728B52AA6E4}">
-                <adec:decorative xmlns:adec="http://schemas.microsoft.com/office/drawing/2017/decorative" val="1"/>
-              </a:ext>
-            </a:extLst>
-          </p:cNvPr>
-          <p:cNvCxnSpPr>
-            <a:cxnSpLocks noGrp="1" noRot="1" noChangeAspect="1" noMove="1" noResize="1" noEditPoints="1" noAdjustHandles="1" noChangeArrowheads="1" noChangeShapeType="1"/>
-          </p:cNvCxnSpPr>
-          <p:nvPr>
-            <p:extLst>
-              <p:ext uri="{386F3935-93C4-4BCD-93E2-E3B085C9AB24}">
-                <p16:designElem xmlns:p16="http://schemas.microsoft.com/office/powerpoint/2015/main" val="1"/>
-              </p:ext>
-            </p:extLst>
-          </p:nvPr>
-        </p:nvCxnSpPr>
-        <p:spPr>
-          <a:xfrm flipH="1">
-            <a:off x="7845426" y="609601"/>
-            <a:ext cx="4343399" cy="4343399"/>
-          </a:xfrm>
-          <a:prstGeom prst="line">
-            <a:avLst/>
-          </a:prstGeom>
-          <a:ln w="31750">
-            <a:solidFill>
-              <a:schemeClr val="tx1"/>
-            </a:solidFill>
-          </a:ln>
-        </p:spPr>
-        <p:style>
-          <a:lnRef idx="2">
-            <a:schemeClr val="accent1"/>
-          </a:lnRef>
-          <a:fillRef idx="0">
-            <a:schemeClr val="accent1"/>
-          </a:fillRef>
-          <a:effectRef idx="1">
-            <a:schemeClr val="accent1"/>
-          </a:effectRef>
-          <a:fontRef idx="minor">
-            <a:schemeClr val="tx1"/>
-          </a:fontRef>
-        </p:style>
-      </p:cxnSp>
-      <p:sp>
-        <p:nvSpPr>
-          <p:cNvPr id="37" name="Rectangle 20">
-            <a:extLst>
-              <a:ext uri="{FF2B5EF4-FFF2-40B4-BE49-F238E27FC236}">
-                <a16:creationId xmlns:a16="http://schemas.microsoft.com/office/drawing/2014/main" id="{7A675F33-98AF-4B83-A3BB-0780A23145E6}"/>
-              </a:ext>
-              <a:ext uri="{C183D7F6-B498-43B3-948B-1728B52AA6E4}">
-                <adec:decorative xmlns:adec="http://schemas.microsoft.com/office/drawing/2017/decorative" val="1"/>
-              </a:ext>
-            </a:extLst>
-          </p:cNvPr>
-          <p:cNvSpPr>
-            <a:spLocks noGrp="1" noRot="1" noChangeAspect="1" noMove="1" noResize="1" noEditPoints="1" noAdjustHandles="1" noChangeArrowheads="1" noChangeShapeType="1" noTextEdit="1"/>
-          </p:cNvSpPr>
-          <p:nvPr>
-            <p:extLst>
-              <p:ext uri="{386F3935-93C4-4BCD-93E2-E3B085C9AB24}">
-                <p16:designElem xmlns:p16="http://schemas.microsoft.com/office/powerpoint/2015/main" val="1"/>
-              </p:ext>
-            </p:extLst>
-          </p:nvPr>
-        </p:nvSpPr>
-        <p:spPr>
-          <a:xfrm>
-            <a:off x="-3175" y="0"/>
-            <a:ext cx="12192000" cy="6858000"/>
-          </a:xfrm>
-          <a:prstGeom prst="rect">
-            <a:avLst/>
-          </a:prstGeom>
-          <a:gradFill>
-            <a:gsLst>
-              <a:gs pos="10000">
-                <a:schemeClr val="bg1">
-                  <a:tint val="97000"/>
-                  <a:hueMod val="92000"/>
-                  <a:satMod val="169000"/>
-                  <a:lumMod val="164000"/>
-                </a:schemeClr>
-              </a:gs>
-              <a:gs pos="100000">
-                <a:schemeClr val="bg1">
-                  <a:shade val="96000"/>
-                  <a:satMod val="120000"/>
-                  <a:lumMod val="90000"/>
-                </a:schemeClr>
-              </a:gs>
-            </a:gsLst>
-            <a:lin ang="6120000" scaled="1"/>
-          </a:gradFill>
-          <a:ln>
-            <a:noFill/>
-          </a:ln>
-        </p:spPr>
-        <p:style>
-          <a:lnRef idx="2">
-            <a:schemeClr val="accent1">
-              <a:shade val="50000"/>
-            </a:schemeClr>
-          </a:lnRef>
-          <a:fillRef idx="1">
-            <a:schemeClr val="accent1"/>
-          </a:fillRef>
-          <a:effectRef idx="0">
-            <a:schemeClr val="accent1"/>
-          </a:effectRef>
-          <a:fontRef idx="minor">
-            <a:schemeClr val="lt1"/>
-          </a:fontRef>
-        </p:style>
-        <p:txBody>
-          <a:bodyPr rtlCol="0" anchor="ctr"/>
-          <a:lstStyle/>
-          <a:p>
-            <a:pPr algn="ctr"/>
-            <a:endParaRPr lang="en-US"/>
-          </a:p>
-        </p:txBody>
-      </p:sp>
-      <p:pic>
-        <p:nvPicPr>
-          <p:cNvPr id="6" name="Picture 5" descr="Sticky notes with question marks">
-            <a:extLst>
-              <a:ext uri="{FF2B5EF4-FFF2-40B4-BE49-F238E27FC236}">
-                <a16:creationId xmlns:a16="http://schemas.microsoft.com/office/drawing/2014/main" id="{43E9473A-6AF2-2D03-2B51-04177FC03B1D}"/>
+                <a16:creationId xmlns:a16="http://schemas.microsoft.com/office/drawing/2014/main" id="{F3984BEE-FE8D-EB37-FE61-BB680A777FD7}"/>
               </a:ext>
             </a:extLst>
           </p:cNvPr>
@@ -10803,10 +11029,8 @@
           <p:nvPr/>
         </p:nvPicPr>
         <p:blipFill rotWithShape="1">
-          <a:blip r:embed="rId3">
-            <a:alphaModFix amt="25000"/>
-          </a:blip>
-          <a:srcRect t="10162" b="5568"/>
+          <a:blip r:embed="rId3"/>
+          <a:srcRect l="8206" r="5127" b="-1"/>
           <a:stretch/>
         </p:blipFill>
         <p:spPr>
@@ -10819,327 +11043,10 @@
           </a:prstGeom>
         </p:spPr>
       </p:pic>
-      <p:sp>
-        <p:nvSpPr>
-          <p:cNvPr id="4" name="Title 3">
-            <a:extLst>
-              <a:ext uri="{FF2B5EF4-FFF2-40B4-BE49-F238E27FC236}">
-                <a16:creationId xmlns:a16="http://schemas.microsoft.com/office/drawing/2014/main" id="{8128039C-0EE4-9C77-38DE-69A5998C5EFF}"/>
-              </a:ext>
-            </a:extLst>
-          </p:cNvPr>
-          <p:cNvSpPr>
-            <a:spLocks noGrp="1"/>
-          </p:cNvSpPr>
-          <p:nvPr>
-            <p:ph type="title"/>
-          </p:nvPr>
-        </p:nvSpPr>
-        <p:spPr>
-          <a:xfrm>
-            <a:off x="684212" y="685799"/>
-            <a:ext cx="8001000" cy="2971801"/>
-          </a:xfrm>
-        </p:spPr>
-        <p:txBody>
-          <a:bodyPr vert="horz" lIns="91440" tIns="45720" rIns="91440" bIns="45720" rtlCol="0" anchor="b">
-            <a:normAutofit/>
-          </a:bodyPr>
-          <a:lstStyle/>
-          <a:p>
-            <a:r>
-              <a:rPr lang="en-US" sz="4800"/>
-              <a:t>Questions From Last Week?</a:t>
-            </a:r>
-          </a:p>
-        </p:txBody>
-      </p:sp>
-      <p:grpSp>
-        <p:nvGrpSpPr>
-          <p:cNvPr id="38" name="Group 22">
-            <a:extLst>
-              <a:ext uri="{FF2B5EF4-FFF2-40B4-BE49-F238E27FC236}">
-                <a16:creationId xmlns:a16="http://schemas.microsoft.com/office/drawing/2014/main" id="{EA75029C-64B9-41D0-9540-75846D4B04A5}"/>
-              </a:ext>
-              <a:ext uri="{C183D7F6-B498-43B3-948B-1728B52AA6E4}">
-                <adec:decorative xmlns:adec="http://schemas.microsoft.com/office/drawing/2017/decorative" val="1"/>
-              </a:ext>
-            </a:extLst>
-          </p:cNvPr>
-          <p:cNvGrpSpPr>
-            <a:grpSpLocks noGrp="1" noUngrp="1" noRot="1" noChangeAspect="1" noMove="1" noResize="1"/>
-          </p:cNvGrpSpPr>
-          <p:nvPr>
-            <p:extLst>
-              <p:ext uri="{386F3935-93C4-4BCD-93E2-E3B085C9AB24}">
-                <p16:designElem xmlns:p16="http://schemas.microsoft.com/office/powerpoint/2015/main" val="1"/>
-              </p:ext>
-            </p:extLst>
-          </p:nvPr>
-        </p:nvGrpSpPr>
-        <p:grpSpPr>
-          <a:xfrm>
-            <a:off x="6108170" y="9144"/>
-            <a:ext cx="6080656" cy="6163733"/>
-            <a:chOff x="6108170" y="8467"/>
-            <a:chExt cx="6080656" cy="6163733"/>
-          </a:xfrm>
-        </p:grpSpPr>
-        <p:cxnSp>
-          <p:nvCxnSpPr>
-            <p:cNvPr id="24" name="Straight Connector 23">
-              <a:extLst>
-                <a:ext uri="{FF2B5EF4-FFF2-40B4-BE49-F238E27FC236}">
-                  <a16:creationId xmlns:a16="http://schemas.microsoft.com/office/drawing/2014/main" id="{4AF6B07A-A0CD-4593-B501-E1D50968C78F}"/>
-                </a:ext>
-                <a:ext uri="{C183D7F6-B498-43B3-948B-1728B52AA6E4}">
-                  <adec:decorative xmlns:adec="http://schemas.microsoft.com/office/drawing/2017/decorative" val="1"/>
-                </a:ext>
-              </a:extLst>
-            </p:cNvPr>
-            <p:cNvCxnSpPr/>
-            <p:nvPr>
-              <p:extLst>
-                <p:ext uri="{386F3935-93C4-4BCD-93E2-E3B085C9AB24}">
-                  <p16:designElem xmlns:p16="http://schemas.microsoft.com/office/powerpoint/2015/main" val="1"/>
-                </p:ext>
-              </p:extLst>
-            </p:nvPr>
-          </p:nvCxnSpPr>
-          <p:spPr>
-            <a:xfrm flipH="1">
-              <a:off x="8228012" y="8467"/>
-              <a:ext cx="3810000" cy="3810000"/>
-            </a:xfrm>
-            <a:prstGeom prst="line">
-              <a:avLst/>
-            </a:prstGeom>
-            <a:ln w="12700">
-              <a:solidFill>
-                <a:schemeClr val="tx1"/>
-              </a:solidFill>
-            </a:ln>
-          </p:spPr>
-          <p:style>
-            <a:lnRef idx="2">
-              <a:schemeClr val="accent1"/>
-            </a:lnRef>
-            <a:fillRef idx="0">
-              <a:schemeClr val="accent1"/>
-            </a:fillRef>
-            <a:effectRef idx="1">
-              <a:schemeClr val="accent1"/>
-            </a:effectRef>
-            <a:fontRef idx="minor">
-              <a:schemeClr val="tx1"/>
-            </a:fontRef>
-          </p:style>
-        </p:cxnSp>
-        <p:cxnSp>
-          <p:nvCxnSpPr>
-            <p:cNvPr id="39" name="Straight Connector 24">
-              <a:extLst>
-                <a:ext uri="{FF2B5EF4-FFF2-40B4-BE49-F238E27FC236}">
-                  <a16:creationId xmlns:a16="http://schemas.microsoft.com/office/drawing/2014/main" id="{E1C2E537-D046-43E9-B78A-8D770E4C0FAA}"/>
-                </a:ext>
-                <a:ext uri="{C183D7F6-B498-43B3-948B-1728B52AA6E4}">
-                  <adec:decorative xmlns:adec="http://schemas.microsoft.com/office/drawing/2017/decorative" val="1"/>
-                </a:ext>
-              </a:extLst>
-            </p:cNvPr>
-            <p:cNvCxnSpPr/>
-            <p:nvPr>
-              <p:extLst>
-                <p:ext uri="{386F3935-93C4-4BCD-93E2-E3B085C9AB24}">
-                  <p16:designElem xmlns:p16="http://schemas.microsoft.com/office/powerpoint/2015/main" val="1"/>
-                </p:ext>
-              </p:extLst>
-            </p:nvPr>
-          </p:nvCxnSpPr>
-          <p:spPr>
-            <a:xfrm flipH="1">
-              <a:off x="6108170" y="91545"/>
-              <a:ext cx="6080655" cy="6080655"/>
-            </a:xfrm>
-            <a:prstGeom prst="line">
-              <a:avLst/>
-            </a:prstGeom>
-            <a:ln w="12700">
-              <a:solidFill>
-                <a:schemeClr val="tx1"/>
-              </a:solidFill>
-            </a:ln>
-          </p:spPr>
-          <p:style>
-            <a:lnRef idx="2">
-              <a:schemeClr val="accent1"/>
-            </a:lnRef>
-            <a:fillRef idx="0">
-              <a:schemeClr val="accent1"/>
-            </a:fillRef>
-            <a:effectRef idx="1">
-              <a:schemeClr val="accent1"/>
-            </a:effectRef>
-            <a:fontRef idx="minor">
-              <a:schemeClr val="tx1"/>
-            </a:fontRef>
-          </p:style>
-        </p:cxnSp>
-        <p:cxnSp>
-          <p:nvCxnSpPr>
-            <p:cNvPr id="26" name="Straight Connector 25">
-              <a:extLst>
-                <a:ext uri="{FF2B5EF4-FFF2-40B4-BE49-F238E27FC236}">
-                  <a16:creationId xmlns:a16="http://schemas.microsoft.com/office/drawing/2014/main" id="{CF1ED42C-32AB-4AA5-B9D5-2ADF552B0379}"/>
-                </a:ext>
-                <a:ext uri="{C183D7F6-B498-43B3-948B-1728B52AA6E4}">
-                  <adec:decorative xmlns:adec="http://schemas.microsoft.com/office/drawing/2017/decorative" val="1"/>
-                </a:ext>
-              </a:extLst>
-            </p:cNvPr>
-            <p:cNvCxnSpPr/>
-            <p:nvPr>
-              <p:extLst>
-                <p:ext uri="{386F3935-93C4-4BCD-93E2-E3B085C9AB24}">
-                  <p16:designElem xmlns:p16="http://schemas.microsoft.com/office/powerpoint/2015/main" val="1"/>
-                </p:ext>
-              </p:extLst>
-            </p:nvPr>
-          </p:nvCxnSpPr>
-          <p:spPr>
-            <a:xfrm flipH="1">
-              <a:off x="7235825" y="228600"/>
-              <a:ext cx="4953000" cy="4953000"/>
-            </a:xfrm>
-            <a:prstGeom prst="line">
-              <a:avLst/>
-            </a:prstGeom>
-            <a:ln w="12700">
-              <a:solidFill>
-                <a:schemeClr val="tx1"/>
-              </a:solidFill>
-            </a:ln>
-          </p:spPr>
-          <p:style>
-            <a:lnRef idx="2">
-              <a:schemeClr val="accent1"/>
-            </a:lnRef>
-            <a:fillRef idx="0">
-              <a:schemeClr val="accent1"/>
-            </a:fillRef>
-            <a:effectRef idx="1">
-              <a:schemeClr val="accent1"/>
-            </a:effectRef>
-            <a:fontRef idx="minor">
-              <a:schemeClr val="tx1"/>
-            </a:fontRef>
-          </p:style>
-        </p:cxnSp>
-        <p:cxnSp>
-          <p:nvCxnSpPr>
-            <p:cNvPr id="27" name="Straight Connector 26">
-              <a:extLst>
-                <a:ext uri="{FF2B5EF4-FFF2-40B4-BE49-F238E27FC236}">
-                  <a16:creationId xmlns:a16="http://schemas.microsoft.com/office/drawing/2014/main" id="{62B69715-83DD-4F53-8564-D95D5D238DA8}"/>
-                </a:ext>
-                <a:ext uri="{C183D7F6-B498-43B3-948B-1728B52AA6E4}">
-                  <adec:decorative xmlns:adec="http://schemas.microsoft.com/office/drawing/2017/decorative" val="1"/>
-                </a:ext>
-              </a:extLst>
-            </p:cNvPr>
-            <p:cNvCxnSpPr/>
-            <p:nvPr>
-              <p:extLst>
-                <p:ext uri="{386F3935-93C4-4BCD-93E2-E3B085C9AB24}">
-                  <p16:designElem xmlns:p16="http://schemas.microsoft.com/office/powerpoint/2015/main" val="1"/>
-                </p:ext>
-              </p:extLst>
-            </p:nvPr>
-          </p:nvCxnSpPr>
-          <p:spPr>
-            <a:xfrm flipH="1">
-              <a:off x="7335837" y="32278"/>
-              <a:ext cx="4852989" cy="4852989"/>
-            </a:xfrm>
-            <a:prstGeom prst="line">
-              <a:avLst/>
-            </a:prstGeom>
-            <a:ln w="31750">
-              <a:solidFill>
-                <a:schemeClr val="tx1"/>
-              </a:solidFill>
-            </a:ln>
-          </p:spPr>
-          <p:style>
-            <a:lnRef idx="2">
-              <a:schemeClr val="accent1"/>
-            </a:lnRef>
-            <a:fillRef idx="0">
-              <a:schemeClr val="accent1"/>
-            </a:fillRef>
-            <a:effectRef idx="1">
-              <a:schemeClr val="accent1"/>
-            </a:effectRef>
-            <a:fontRef idx="minor">
-              <a:schemeClr val="tx1"/>
-            </a:fontRef>
-          </p:style>
-        </p:cxnSp>
-        <p:cxnSp>
-          <p:nvCxnSpPr>
-            <p:cNvPr id="28" name="Straight Connector 27">
-              <a:extLst>
-                <a:ext uri="{FF2B5EF4-FFF2-40B4-BE49-F238E27FC236}">
-                  <a16:creationId xmlns:a16="http://schemas.microsoft.com/office/drawing/2014/main" id="{25BC2EBE-B4C1-42F9-9914-0F430C0600A7}"/>
-                </a:ext>
-                <a:ext uri="{C183D7F6-B498-43B3-948B-1728B52AA6E4}">
-                  <adec:decorative xmlns:adec="http://schemas.microsoft.com/office/drawing/2017/decorative" val="1"/>
-                </a:ext>
-              </a:extLst>
-            </p:cNvPr>
-            <p:cNvCxnSpPr/>
-            <p:nvPr>
-              <p:extLst>
-                <p:ext uri="{386F3935-93C4-4BCD-93E2-E3B085C9AB24}">
-                  <p16:designElem xmlns:p16="http://schemas.microsoft.com/office/powerpoint/2015/main" val="1"/>
-                </p:ext>
-              </p:extLst>
-            </p:nvPr>
-          </p:nvCxnSpPr>
-          <p:spPr>
-            <a:xfrm flipH="1">
-              <a:off x="7845426" y="609601"/>
-              <a:ext cx="4343399" cy="4343399"/>
-            </a:xfrm>
-            <a:prstGeom prst="line">
-              <a:avLst/>
-            </a:prstGeom>
-            <a:ln w="31750">
-              <a:solidFill>
-                <a:schemeClr val="tx1"/>
-              </a:solidFill>
-            </a:ln>
-          </p:spPr>
-          <p:style>
-            <a:lnRef idx="2">
-              <a:schemeClr val="accent1"/>
-            </a:lnRef>
-            <a:fillRef idx="0">
-              <a:schemeClr val="accent1"/>
-            </a:fillRef>
-            <a:effectRef idx="1">
-              <a:schemeClr val="accent1"/>
-            </a:effectRef>
-            <a:fontRef idx="minor">
-              <a:schemeClr val="tx1"/>
-            </a:fontRef>
-          </p:style>
-        </p:cxnSp>
-      </p:grpSp>
     </p:spTree>
     <p:extLst>
       <p:ext uri="{BB962C8B-B14F-4D97-AF65-F5344CB8AC3E}">
-        <p14:creationId xmlns:p14="http://schemas.microsoft.com/office/powerpoint/2010/main" val="3519171936"/>
+        <p14:creationId xmlns:p14="http://schemas.microsoft.com/office/powerpoint/2010/main" val="3028504148"/>
       </p:ext>
     </p:extLst>
   </p:cSld>
@@ -11149,7 +11056,7 @@
 </p:sld>
 </file>
 
-<file path=ppt/slides/slide4.xml><?xml version="1.0" encoding="utf-8"?>
+<file path=ppt/slides/slide11.xml><?xml version="1.0" encoding="utf-8"?>
 <p:sld xmlns:a="http://schemas.openxmlformats.org/drawingml/2006/main" xmlns:r="http://schemas.openxmlformats.org/officeDocument/2006/relationships" xmlns:p="http://schemas.openxmlformats.org/presentationml/2006/main">
   <p:cSld>
     <p:bg>
@@ -11268,7 +11175,7 @@
 </p:sld>
 </file>
 
-<file path=ppt/slides/slide5.xml><?xml version="1.0" encoding="utf-8"?>
+<file path=ppt/slides/slide12.xml><?xml version="1.0" encoding="utf-8"?>
 <p:sld xmlns:a="http://schemas.openxmlformats.org/drawingml/2006/main" xmlns:r="http://schemas.openxmlformats.org/officeDocument/2006/relationships" xmlns:p="http://schemas.openxmlformats.org/presentationml/2006/main">
   <p:cSld>
     <p:bg>
@@ -11390,7 +11297,7 @@
 </p:sld>
 </file>
 
-<file path=ppt/slides/slide6.xml><?xml version="1.0" encoding="utf-8"?>
+<file path=ppt/slides/slide13.xml><?xml version="1.0" encoding="utf-8"?>
 <p:sld xmlns:a="http://schemas.openxmlformats.org/drawingml/2006/main" xmlns:r="http://schemas.openxmlformats.org/officeDocument/2006/relationships" xmlns:p="http://schemas.openxmlformats.org/presentationml/2006/main">
   <p:cSld>
     <p:bg>
@@ -11492,7 +11399,7 @@
 </p:sld>
 </file>
 
-<file path=ppt/slides/slide7.xml><?xml version="1.0" encoding="utf-8"?>
+<file path=ppt/slides/slide14.xml><?xml version="1.0" encoding="utf-8"?>
 <p:sld xmlns:a="http://schemas.openxmlformats.org/drawingml/2006/main" xmlns:r="http://schemas.openxmlformats.org/officeDocument/2006/relationships" xmlns:p="http://schemas.openxmlformats.org/presentationml/2006/main">
   <p:cSld>
     <p:bg>
@@ -11610,10 +11517,865 @@
 </p:sld>
 </file>
 
+<file path=ppt/slides/slide2.xml><?xml version="1.0" encoding="utf-8"?>
+<p:sld xmlns:a="http://schemas.openxmlformats.org/drawingml/2006/main" xmlns:r="http://schemas.openxmlformats.org/officeDocument/2006/relationships" xmlns:p="http://schemas.openxmlformats.org/presentationml/2006/main">
+  <p:cSld>
+    <p:bg>
+      <p:bgPr>
+        <a:blipFill rotWithShape="1">
+          <a:blip r:embed="rId2">
+            <a:duotone>
+              <a:schemeClr val="bg2">
+                <a:shade val="80000"/>
+                <a:lumMod val="80000"/>
+              </a:schemeClr>
+              <a:schemeClr val="bg2">
+                <a:tint val="98000"/>
+              </a:schemeClr>
+            </a:duotone>
+          </a:blip>
+          <a:stretch/>
+        </a:blipFill>
+        <a:effectLst/>
+      </p:bgPr>
+    </p:bg>
+    <p:spTree>
+      <p:nvGrpSpPr>
+        <p:cNvPr id="1" name=""/>
+        <p:cNvGrpSpPr/>
+        <p:nvPr/>
+      </p:nvGrpSpPr>
+      <p:grpSpPr>
+        <a:xfrm>
+          <a:off x="0" y="0"/>
+          <a:ext cx="0" cy="0"/>
+          <a:chOff x="0" y="0"/>
+          <a:chExt cx="0" cy="0"/>
+        </a:xfrm>
+      </p:grpSpPr>
+      <p:sp useBgFill="1">
+        <p:nvSpPr>
+          <p:cNvPr id="4" name="Rectangle 6">
+            <a:extLst>
+              <a:ext uri="{FF2B5EF4-FFF2-40B4-BE49-F238E27FC236}">
+                <a16:creationId xmlns:a16="http://schemas.microsoft.com/office/drawing/2014/main" id="{DAB482FD-C684-4DAA-AC4C-1739F51A98A0}"/>
+              </a:ext>
+              <a:ext uri="{C183D7F6-B498-43B3-948B-1728B52AA6E4}">
+                <adec:decorative xmlns:adec="http://schemas.microsoft.com/office/drawing/2017/decorative" val="1"/>
+              </a:ext>
+            </a:extLst>
+          </p:cNvPr>
+          <p:cNvSpPr>
+            <a:spLocks noGrp="1" noRot="1" noChangeAspect="1" noMove="1" noResize="1" noEditPoints="1" noAdjustHandles="1" noChangeArrowheads="1" noChangeShapeType="1" noTextEdit="1"/>
+          </p:cNvSpPr>
+          <p:nvPr>
+            <p:extLst>
+              <p:ext uri="{386F3935-93C4-4BCD-93E2-E3B085C9AB24}">
+                <p16:designElem xmlns:p16="http://schemas.microsoft.com/office/powerpoint/2015/main" val="1"/>
+              </p:ext>
+            </p:extLst>
+          </p:nvPr>
+        </p:nvSpPr>
+        <p:spPr>
+          <a:xfrm>
+            <a:off x="0" y="0"/>
+            <a:ext cx="12192000" cy="6858000"/>
+          </a:xfrm>
+          <a:prstGeom prst="rect">
+            <a:avLst/>
+          </a:prstGeom>
+          <a:ln>
+            <a:noFill/>
+          </a:ln>
+        </p:spPr>
+        <p:style>
+          <a:lnRef idx="2">
+            <a:schemeClr val="accent1">
+              <a:shade val="50000"/>
+            </a:schemeClr>
+          </a:lnRef>
+          <a:fillRef idx="1">
+            <a:schemeClr val="accent1"/>
+          </a:fillRef>
+          <a:effectRef idx="0">
+            <a:schemeClr val="accent1"/>
+          </a:effectRef>
+          <a:fontRef idx="minor">
+            <a:schemeClr val="lt1"/>
+          </a:fontRef>
+        </p:style>
+        <p:txBody>
+          <a:bodyPr rtlCol="0" anchor="ctr"/>
+          <a:lstStyle/>
+          <a:p>
+            <a:pPr algn="ctr"/>
+            <a:endParaRPr lang="en-US"/>
+          </a:p>
+        </p:txBody>
+      </p:sp>
+      <p:sp>
+        <p:nvSpPr>
+          <p:cNvPr id="2" name="Title 1">
+            <a:extLst>
+              <a:ext uri="{FF2B5EF4-FFF2-40B4-BE49-F238E27FC236}">
+                <a16:creationId xmlns:a16="http://schemas.microsoft.com/office/drawing/2014/main" id="{4F68AD2C-B46D-FA8F-1E07-13A75AF50670}"/>
+              </a:ext>
+            </a:extLst>
+          </p:cNvPr>
+          <p:cNvSpPr>
+            <a:spLocks noGrp="1"/>
+          </p:cNvSpPr>
+          <p:nvPr>
+            <p:ph type="title"/>
+          </p:nvPr>
+        </p:nvSpPr>
+        <p:spPr>
+          <a:xfrm>
+            <a:off x="5139236" y="1097280"/>
+            <a:ext cx="6043875" cy="4626864"/>
+          </a:xfrm>
+        </p:spPr>
+        <p:txBody>
+          <a:bodyPr vert="horz" lIns="91440" tIns="45720" rIns="91440" bIns="45720" rtlCol="0" anchor="ctr">
+            <a:normAutofit/>
+          </a:bodyPr>
+          <a:lstStyle/>
+          <a:p>
+            <a:pPr algn="l"/>
+            <a:r>
+              <a:rPr lang="en-US" sz="5400" dirty="0"/>
+              <a:t>D</a:t>
+            </a:r>
+            <a:r>
+              <a:rPr lang="en-US" sz="5400" b="0" i="0" dirty="0"/>
+              <a:t>ay 2 Recap</a:t>
+            </a:r>
+          </a:p>
+        </p:txBody>
+      </p:sp>
+      <p:cxnSp>
+        <p:nvCxnSpPr>
+          <p:cNvPr id="5" name="Straight Connector 8">
+            <a:extLst>
+              <a:ext uri="{FF2B5EF4-FFF2-40B4-BE49-F238E27FC236}">
+                <a16:creationId xmlns:a16="http://schemas.microsoft.com/office/drawing/2014/main" id="{2DAA738B-EDF5-4694-B25A-3488245BC87C}"/>
+              </a:ext>
+              <a:ext uri="{C183D7F6-B498-43B3-948B-1728B52AA6E4}">
+                <adec:decorative xmlns:adec="http://schemas.microsoft.com/office/drawing/2017/decorative" val="1"/>
+              </a:ext>
+            </a:extLst>
+          </p:cNvPr>
+          <p:cNvCxnSpPr>
+            <a:cxnSpLocks noGrp="1" noRot="1" noChangeAspect="1" noMove="1" noResize="1" noEditPoints="1" noAdjustHandles="1" noChangeArrowheads="1" noChangeShapeType="1"/>
+          </p:cNvCxnSpPr>
+          <p:nvPr>
+            <p:extLst>
+              <p:ext uri="{386F3935-93C4-4BCD-93E2-E3B085C9AB24}">
+                <p16:designElem xmlns:p16="http://schemas.microsoft.com/office/powerpoint/2015/main" val="1"/>
+              </p:ext>
+            </p:extLst>
+          </p:nvPr>
+        </p:nvCxnSpPr>
+        <p:spPr>
+          <a:xfrm>
+            <a:off x="4654605" y="2057399"/>
+            <a:ext cx="0" cy="2743200"/>
+          </a:xfrm>
+          <a:prstGeom prst="line">
+            <a:avLst/>
+          </a:prstGeom>
+          <a:ln w="19050">
+            <a:solidFill>
+              <a:schemeClr val="tx2"/>
+            </a:solidFill>
+          </a:ln>
+        </p:spPr>
+        <p:style>
+          <a:lnRef idx="1">
+            <a:schemeClr val="accent1"/>
+          </a:lnRef>
+          <a:fillRef idx="0">
+            <a:schemeClr val="accent1"/>
+          </a:fillRef>
+          <a:effectRef idx="0">
+            <a:schemeClr val="accent1"/>
+          </a:effectRef>
+          <a:fontRef idx="minor">
+            <a:schemeClr val="tx1"/>
+          </a:fontRef>
+        </p:style>
+      </p:cxnSp>
+    </p:spTree>
+    <p:extLst>
+      <p:ext uri="{BB962C8B-B14F-4D97-AF65-F5344CB8AC3E}">
+        <p14:creationId xmlns:p14="http://schemas.microsoft.com/office/powerpoint/2010/main" val="3013550915"/>
+      </p:ext>
+    </p:extLst>
+  </p:cSld>
+  <p:clrMapOvr>
+    <a:masterClrMapping/>
+  </p:clrMapOvr>
+</p:sld>
+</file>
+
+<file path=ppt/slides/slide3.xml><?xml version="1.0" encoding="utf-8"?>
+<p:sld xmlns:a="http://schemas.openxmlformats.org/drawingml/2006/main" xmlns:r="http://schemas.openxmlformats.org/officeDocument/2006/relationships" xmlns:p="http://schemas.openxmlformats.org/presentationml/2006/main">
+  <p:cSld>
+    <p:bg>
+      <p:bgPr>
+        <a:blipFill rotWithShape="1">
+          <a:blip r:embed="rId3">
+            <a:duotone>
+              <a:schemeClr val="bg2">
+                <a:shade val="80000"/>
+                <a:lumMod val="80000"/>
+              </a:schemeClr>
+              <a:schemeClr val="bg2">
+                <a:tint val="98000"/>
+              </a:schemeClr>
+            </a:duotone>
+          </a:blip>
+          <a:stretch/>
+        </a:blipFill>
+        <a:effectLst/>
+      </p:bgPr>
+    </p:bg>
+    <p:spTree>
+      <p:nvGrpSpPr>
+        <p:cNvPr id="1" name=""/>
+        <p:cNvGrpSpPr/>
+        <p:nvPr/>
+      </p:nvGrpSpPr>
+      <p:grpSpPr>
+        <a:xfrm>
+          <a:off x="0" y="0"/>
+          <a:ext cx="0" cy="0"/>
+          <a:chOff x="0" y="0"/>
+          <a:chExt cx="0" cy="0"/>
+        </a:xfrm>
+      </p:grpSpPr>
+      <p:pic>
+        <p:nvPicPr>
+          <p:cNvPr id="7" name="Picture 5">
+            <a:extLst>
+              <a:ext uri="{FF2B5EF4-FFF2-40B4-BE49-F238E27FC236}">
+                <a16:creationId xmlns:a16="http://schemas.microsoft.com/office/drawing/2014/main" id="{E9FA19AC-E9CD-85C1-9052-7279C81C0D68}"/>
+              </a:ext>
+            </a:extLst>
+          </p:cNvPr>
+          <p:cNvPicPr>
+            <a:picLocks noChangeAspect="1"/>
+          </p:cNvPicPr>
+          <p:nvPr/>
+        </p:nvPicPr>
+        <p:blipFill rotWithShape="1">
+          <a:blip r:embed="rId4"/>
+          <a:srcRect t="10000"/>
+          <a:stretch/>
+        </p:blipFill>
+        <p:spPr>
+          <a:xfrm>
+            <a:off x="20" y="10"/>
+            <a:ext cx="12191980" cy="6857990"/>
+          </a:xfrm>
+          <a:prstGeom prst="rect">
+            <a:avLst/>
+          </a:prstGeom>
+        </p:spPr>
+      </p:pic>
+      <p:sp useBgFill="1">
+        <p:nvSpPr>
+          <p:cNvPr id="9" name="Freeform 5">
+            <a:extLst>
+              <a:ext uri="{FF2B5EF4-FFF2-40B4-BE49-F238E27FC236}">
+                <a16:creationId xmlns:a16="http://schemas.microsoft.com/office/drawing/2014/main" id="{608EAA06-5488-416B-B2B2-E55213011012}"/>
+              </a:ext>
+              <a:ext uri="{C183D7F6-B498-43B3-948B-1728B52AA6E4}">
+                <adec:decorative xmlns:adec="http://schemas.microsoft.com/office/drawing/2017/decorative" val="1"/>
+              </a:ext>
+            </a:extLst>
+          </p:cNvPr>
+          <p:cNvSpPr>
+            <a:spLocks noGrp="1" noRot="1" noChangeAspect="1" noMove="1" noResize="1" noEditPoints="1" noAdjustHandles="1" noChangeArrowheads="1" noChangeShapeType="1" noTextEdit="1"/>
+          </p:cNvSpPr>
+          <p:nvPr>
+            <p:extLst>
+              <p:ext uri="{386F3935-93C4-4BCD-93E2-E3B085C9AB24}">
+                <p16:designElem xmlns:p16="http://schemas.microsoft.com/office/powerpoint/2015/main" val="1"/>
+              </p:ext>
+            </p:extLst>
+          </p:nvPr>
+        </p:nvSpPr>
+        <p:spPr bwMode="auto">
+          <a:xfrm rot="16200000" flipH="1">
+            <a:off x="7426885" y="445383"/>
+            <a:ext cx="1995577" cy="7534653"/>
+          </a:xfrm>
+          <a:prstGeom prst="round2SameRect">
+            <a:avLst>
+              <a:gd name="adj1" fmla="val 9679"/>
+              <a:gd name="adj2" fmla="val 400"/>
+            </a:avLst>
+          </a:prstGeom>
+          <a:ln>
+            <a:noFill/>
+          </a:ln>
+          <a:effectLst>
+            <a:outerShdw blurRad="50800" dist="38100" dir="5400000" algn="tl" rotWithShape="0">
+              <a:srgbClr val="000000">
+                <a:alpha val="43000"/>
+              </a:srgbClr>
+            </a:outerShdw>
+          </a:effectLst>
+          <a:extLst>
+            <a:ext uri="{91240B29-F687-4f45-9708-019B960494DF}">
+              <a14:hiddenLine xmlns="" xmlns:a14="http://schemas.microsoft.com/office/drawing/2010/main" xmlns:p14="http://schemas.microsoft.com/office/powerpoint/2010/main" xmlns:a16="http://schemas.microsoft.com/office/drawing/2014/main" w="9525">
+                <a:solidFill>
+                  <a:srgbClr val="000000"/>
+                </a:solidFill>
+                <a:round/>
+                <a:headEnd/>
+                <a:tailEnd/>
+              </a14:hiddenLine>
+            </a:ext>
+          </a:extLst>
+        </p:spPr>
+        <p:txBody>
+          <a:bodyPr vert="horz" wrap="square" lIns="91440" tIns="45720" rIns="91440" bIns="45720" numCol="1" anchor="t" anchorCtr="0" compatLnSpc="1">
+            <a:prstTxWarp prst="textNoShape">
+              <a:avLst/>
+            </a:prstTxWarp>
+          </a:bodyPr>
+          <a:lstStyle/>
+          <a:p>
+            <a:endParaRPr lang="en-US"/>
+          </a:p>
+        </p:txBody>
+      </p:sp>
+      <p:sp>
+        <p:nvSpPr>
+          <p:cNvPr id="4" name="Title 3">
+            <a:extLst>
+              <a:ext uri="{FF2B5EF4-FFF2-40B4-BE49-F238E27FC236}">
+                <a16:creationId xmlns:a16="http://schemas.microsoft.com/office/drawing/2014/main" id="{8128039C-0EE4-9C77-38DE-69A5998C5EFF}"/>
+              </a:ext>
+            </a:extLst>
+          </p:cNvPr>
+          <p:cNvSpPr>
+            <a:spLocks noGrp="1"/>
+          </p:cNvSpPr>
+          <p:nvPr>
+            <p:ph type="title"/>
+          </p:nvPr>
+        </p:nvSpPr>
+        <p:spPr>
+          <a:xfrm>
+            <a:off x="5461682" y="3496574"/>
+            <a:ext cx="6436104" cy="1138686"/>
+          </a:xfrm>
+        </p:spPr>
+        <p:txBody>
+          <a:bodyPr vert="horz" lIns="91440" tIns="45720" rIns="91440" bIns="45720" rtlCol="0" anchor="b">
+            <a:normAutofit/>
+          </a:bodyPr>
+          <a:lstStyle/>
+          <a:p>
+            <a:pPr algn="l"/>
+            <a:r>
+              <a:rPr lang="en-US" sz="4400"/>
+              <a:t>Questions From Day 2?</a:t>
+            </a:r>
+          </a:p>
+        </p:txBody>
+      </p:sp>
+    </p:spTree>
+    <p:extLst>
+      <p:ext uri="{BB962C8B-B14F-4D97-AF65-F5344CB8AC3E}">
+        <p14:creationId xmlns:p14="http://schemas.microsoft.com/office/powerpoint/2010/main" val="3519171936"/>
+      </p:ext>
+    </p:extLst>
+  </p:cSld>
+  <p:clrMapOvr>
+    <a:masterClrMapping/>
+  </p:clrMapOvr>
+</p:sld>
+</file>
+
+<file path=ppt/slides/slide4.xml><?xml version="1.0" encoding="utf-8"?>
+<p:sld xmlns:a="http://schemas.openxmlformats.org/drawingml/2006/main" xmlns:r="http://schemas.openxmlformats.org/officeDocument/2006/relationships" xmlns:p="http://schemas.openxmlformats.org/presentationml/2006/main">
+  <p:cSld>
+    <p:spTree>
+      <p:nvGrpSpPr>
+        <p:cNvPr id="1" name=""/>
+        <p:cNvGrpSpPr/>
+        <p:nvPr/>
+      </p:nvGrpSpPr>
+      <p:grpSpPr>
+        <a:xfrm>
+          <a:off x="0" y="0"/>
+          <a:ext cx="0" cy="0"/>
+          <a:chOff x="0" y="0"/>
+          <a:chExt cx="0" cy="0"/>
+        </a:xfrm>
+      </p:grpSpPr>
+      <p:sp>
+        <p:nvSpPr>
+          <p:cNvPr id="2" name="Title 1">
+            <a:extLst>
+              <a:ext uri="{FF2B5EF4-FFF2-40B4-BE49-F238E27FC236}">
+                <a16:creationId xmlns:a16="http://schemas.microsoft.com/office/drawing/2014/main" id="{069A3439-69E9-F1FE-B8F7-605B4B8E5545}"/>
+              </a:ext>
+            </a:extLst>
+          </p:cNvPr>
+          <p:cNvSpPr>
+            <a:spLocks noGrp="1"/>
+          </p:cNvSpPr>
+          <p:nvPr>
+            <p:ph type="title"/>
+          </p:nvPr>
+        </p:nvSpPr>
+        <p:spPr/>
+        <p:txBody>
+          <a:bodyPr>
+            <a:normAutofit/>
+          </a:bodyPr>
+          <a:lstStyle/>
+          <a:p>
+            <a:r>
+              <a:rPr lang="en-US" dirty="0"/>
+              <a:t>Application Programming Interfaces (APIs)</a:t>
+            </a:r>
+          </a:p>
+        </p:txBody>
+      </p:sp>
+      <p:sp>
+        <p:nvSpPr>
+          <p:cNvPr id="3" name="Content Placeholder 2">
+            <a:extLst>
+              <a:ext uri="{FF2B5EF4-FFF2-40B4-BE49-F238E27FC236}">
+                <a16:creationId xmlns:a16="http://schemas.microsoft.com/office/drawing/2014/main" id="{6DE9F48A-4055-A9BC-D003-61325B422A56}"/>
+              </a:ext>
+            </a:extLst>
+          </p:cNvPr>
+          <p:cNvSpPr>
+            <a:spLocks noGrp="1"/>
+          </p:cNvSpPr>
+          <p:nvPr>
+            <p:ph idx="1"/>
+          </p:nvPr>
+        </p:nvSpPr>
+        <p:spPr/>
+        <p:txBody>
+          <a:bodyPr/>
+          <a:lstStyle/>
+          <a:p>
+            <a:r>
+              <a:rPr lang="en-US" dirty="0"/>
+              <a:t>What do they do for applications?</a:t>
+            </a:r>
+          </a:p>
+          <a:p>
+            <a:r>
+              <a:rPr lang="en-US" dirty="0"/>
+              <a:t>How do they work?</a:t>
+            </a:r>
+          </a:p>
+        </p:txBody>
+      </p:sp>
+    </p:spTree>
+    <p:extLst>
+      <p:ext uri="{BB962C8B-B14F-4D97-AF65-F5344CB8AC3E}">
+        <p14:creationId xmlns:p14="http://schemas.microsoft.com/office/powerpoint/2010/main" val="2004189387"/>
+      </p:ext>
+    </p:extLst>
+  </p:cSld>
+  <p:clrMapOvr>
+    <a:masterClrMapping/>
+  </p:clrMapOvr>
+</p:sld>
+</file>
+
+<file path=ppt/slides/slide5.xml><?xml version="1.0" encoding="utf-8"?>
+<p:sld xmlns:a="http://schemas.openxmlformats.org/drawingml/2006/main" xmlns:r="http://schemas.openxmlformats.org/officeDocument/2006/relationships" xmlns:p="http://schemas.openxmlformats.org/presentationml/2006/main">
+  <p:cSld>
+    <p:spTree>
+      <p:nvGrpSpPr>
+        <p:cNvPr id="1" name=""/>
+        <p:cNvGrpSpPr/>
+        <p:nvPr/>
+      </p:nvGrpSpPr>
+      <p:grpSpPr>
+        <a:xfrm>
+          <a:off x="0" y="0"/>
+          <a:ext cx="0" cy="0"/>
+          <a:chOff x="0" y="0"/>
+          <a:chExt cx="0" cy="0"/>
+        </a:xfrm>
+      </p:grpSpPr>
+      <p:pic>
+        <p:nvPicPr>
+          <p:cNvPr id="5" name="Picture 4" descr="A screenshot of a computer&#10;&#10;Description automatically generated with medium confidence">
+            <a:extLst>
+              <a:ext uri="{FF2B5EF4-FFF2-40B4-BE49-F238E27FC236}">
+                <a16:creationId xmlns:a16="http://schemas.microsoft.com/office/drawing/2014/main" id="{BA876669-4C9F-637A-0EC6-B9DB23896FB1}"/>
+              </a:ext>
+            </a:extLst>
+          </p:cNvPr>
+          <p:cNvPicPr>
+            <a:picLocks noChangeAspect="1"/>
+          </p:cNvPicPr>
+          <p:nvPr/>
+        </p:nvPicPr>
+        <p:blipFill>
+          <a:blip r:embed="rId2"/>
+          <a:stretch>
+            <a:fillRect/>
+          </a:stretch>
+        </p:blipFill>
+        <p:spPr>
+          <a:xfrm>
+            <a:off x="1498316" y="1724917"/>
+            <a:ext cx="9195367" cy="3408166"/>
+          </a:xfrm>
+          <a:prstGeom prst="rect">
+            <a:avLst/>
+          </a:prstGeom>
+        </p:spPr>
+      </p:pic>
+    </p:spTree>
+    <p:extLst>
+      <p:ext uri="{BB962C8B-B14F-4D97-AF65-F5344CB8AC3E}">
+        <p14:creationId xmlns:p14="http://schemas.microsoft.com/office/powerpoint/2010/main" val="2221949335"/>
+      </p:ext>
+    </p:extLst>
+  </p:cSld>
+  <p:clrMapOvr>
+    <a:masterClrMapping/>
+  </p:clrMapOvr>
+</p:sld>
+</file>
+
+<file path=ppt/slides/slide6.xml><?xml version="1.0" encoding="utf-8"?>
+<p:sld xmlns:a="http://schemas.openxmlformats.org/drawingml/2006/main" xmlns:r="http://schemas.openxmlformats.org/officeDocument/2006/relationships" xmlns:p="http://schemas.openxmlformats.org/presentationml/2006/main">
+  <p:cSld>
+    <p:spTree>
+      <p:nvGrpSpPr>
+        <p:cNvPr id="1" name=""/>
+        <p:cNvGrpSpPr/>
+        <p:nvPr/>
+      </p:nvGrpSpPr>
+      <p:grpSpPr>
+        <a:xfrm>
+          <a:off x="0" y="0"/>
+          <a:ext cx="0" cy="0"/>
+          <a:chOff x="0" y="0"/>
+          <a:chExt cx="0" cy="0"/>
+        </a:xfrm>
+      </p:grpSpPr>
+      <p:sp>
+        <p:nvSpPr>
+          <p:cNvPr id="2" name="Title 1">
+            <a:extLst>
+              <a:ext uri="{FF2B5EF4-FFF2-40B4-BE49-F238E27FC236}">
+                <a16:creationId xmlns:a16="http://schemas.microsoft.com/office/drawing/2014/main" id="{21BF4D03-BD03-DAC4-BD45-155F165873FF}"/>
+              </a:ext>
+            </a:extLst>
+          </p:cNvPr>
+          <p:cNvSpPr>
+            <a:spLocks noGrp="1"/>
+          </p:cNvSpPr>
+          <p:nvPr>
+            <p:ph type="title"/>
+          </p:nvPr>
+        </p:nvSpPr>
+        <p:spPr/>
+        <p:txBody>
+          <a:bodyPr/>
+          <a:lstStyle/>
+          <a:p>
+            <a:r>
+              <a:rPr lang="en-US" dirty="0"/>
+              <a:t>What is </a:t>
+            </a:r>
+            <a:r>
+              <a:rPr lang="en-US" dirty="0" err="1"/>
+              <a:t>Oauth</a:t>
+            </a:r>
+            <a:r>
+              <a:rPr lang="en-US" dirty="0"/>
+              <a:t>?</a:t>
+            </a:r>
+          </a:p>
+        </p:txBody>
+      </p:sp>
+    </p:spTree>
+    <p:extLst>
+      <p:ext uri="{BB962C8B-B14F-4D97-AF65-F5344CB8AC3E}">
+        <p14:creationId xmlns:p14="http://schemas.microsoft.com/office/powerpoint/2010/main" val="2559449484"/>
+      </p:ext>
+    </p:extLst>
+  </p:cSld>
+  <p:clrMapOvr>
+    <a:masterClrMapping/>
+  </p:clrMapOvr>
+</p:sld>
+</file>
+
+<file path=ppt/slides/slide7.xml><?xml version="1.0" encoding="utf-8"?>
+<p:sld xmlns:a="http://schemas.openxmlformats.org/drawingml/2006/main" xmlns:r="http://schemas.openxmlformats.org/officeDocument/2006/relationships" xmlns:p="http://schemas.openxmlformats.org/presentationml/2006/main">
+  <p:cSld>
+    <p:spTree>
+      <p:nvGrpSpPr>
+        <p:cNvPr id="1" name=""/>
+        <p:cNvGrpSpPr/>
+        <p:nvPr/>
+      </p:nvGrpSpPr>
+      <p:grpSpPr>
+        <a:xfrm>
+          <a:off x="0" y="0"/>
+          <a:ext cx="0" cy="0"/>
+          <a:chOff x="0" y="0"/>
+          <a:chExt cx="0" cy="0"/>
+        </a:xfrm>
+      </p:grpSpPr>
+      <p:sp>
+        <p:nvSpPr>
+          <p:cNvPr id="2" name="Title 1">
+            <a:extLst>
+              <a:ext uri="{FF2B5EF4-FFF2-40B4-BE49-F238E27FC236}">
+                <a16:creationId xmlns:a16="http://schemas.microsoft.com/office/drawing/2014/main" id="{B401AA53-CB3A-8EF2-7C9D-70B19BF8F561}"/>
+              </a:ext>
+            </a:extLst>
+          </p:cNvPr>
+          <p:cNvSpPr>
+            <a:spLocks noGrp="1"/>
+          </p:cNvSpPr>
+          <p:nvPr>
+            <p:ph type="title"/>
+          </p:nvPr>
+        </p:nvSpPr>
+        <p:spPr/>
+        <p:txBody>
+          <a:bodyPr/>
+          <a:lstStyle/>
+          <a:p>
+            <a:r>
+              <a:rPr lang="en-US" dirty="0"/>
+              <a:t>How does </a:t>
+            </a:r>
+            <a:r>
+              <a:rPr lang="en-US" dirty="0" err="1"/>
+              <a:t>oauth</a:t>
+            </a:r>
+            <a:r>
+              <a:rPr lang="en-US" dirty="0"/>
+              <a:t> work?</a:t>
+            </a:r>
+          </a:p>
+        </p:txBody>
+      </p:sp>
+    </p:spTree>
+    <p:extLst>
+      <p:ext uri="{BB962C8B-B14F-4D97-AF65-F5344CB8AC3E}">
+        <p14:creationId xmlns:p14="http://schemas.microsoft.com/office/powerpoint/2010/main" val="2437315508"/>
+      </p:ext>
+    </p:extLst>
+  </p:cSld>
+  <p:clrMapOvr>
+    <a:masterClrMapping/>
+  </p:clrMapOvr>
+</p:sld>
+</file>
+
+<file path=ppt/slides/slide8.xml><?xml version="1.0" encoding="utf-8"?>
+<p:sld xmlns:a="http://schemas.openxmlformats.org/drawingml/2006/main" xmlns:r="http://schemas.openxmlformats.org/officeDocument/2006/relationships" xmlns:p="http://schemas.openxmlformats.org/presentationml/2006/main">
+  <p:cSld>
+    <p:spTree>
+      <p:nvGrpSpPr>
+        <p:cNvPr id="1" name=""/>
+        <p:cNvGrpSpPr/>
+        <p:nvPr/>
+      </p:nvGrpSpPr>
+      <p:grpSpPr>
+        <a:xfrm>
+          <a:off x="0" y="0"/>
+          <a:ext cx="0" cy="0"/>
+          <a:chOff x="0" y="0"/>
+          <a:chExt cx="0" cy="0"/>
+        </a:xfrm>
+      </p:grpSpPr>
+      <p:sp>
+        <p:nvSpPr>
+          <p:cNvPr id="2" name="Title 1">
+            <a:extLst>
+              <a:ext uri="{FF2B5EF4-FFF2-40B4-BE49-F238E27FC236}">
+                <a16:creationId xmlns:a16="http://schemas.microsoft.com/office/drawing/2014/main" id="{2FD098B1-0412-424E-49DE-3F80E7AA8349}"/>
+              </a:ext>
+            </a:extLst>
+          </p:cNvPr>
+          <p:cNvSpPr>
+            <a:spLocks noGrp="1"/>
+          </p:cNvSpPr>
+          <p:nvPr>
+            <p:ph type="title"/>
+          </p:nvPr>
+        </p:nvSpPr>
+        <p:spPr/>
+        <p:txBody>
+          <a:bodyPr>
+            <a:normAutofit/>
+          </a:bodyPr>
+          <a:lstStyle/>
+          <a:p>
+            <a:r>
+              <a:rPr lang="en-US" dirty="0"/>
+              <a:t>The software development life cycle</a:t>
+            </a:r>
+          </a:p>
+        </p:txBody>
+      </p:sp>
+      <p:sp>
+        <p:nvSpPr>
+          <p:cNvPr id="3" name="Text Placeholder 2">
+            <a:extLst>
+              <a:ext uri="{FF2B5EF4-FFF2-40B4-BE49-F238E27FC236}">
+                <a16:creationId xmlns:a16="http://schemas.microsoft.com/office/drawing/2014/main" id="{9E791FFB-9F3B-75BA-D539-11E5BAB941EF}"/>
+              </a:ext>
+            </a:extLst>
+          </p:cNvPr>
+          <p:cNvSpPr>
+            <a:spLocks noGrp="1"/>
+          </p:cNvSpPr>
+          <p:nvPr>
+            <p:ph type="body" idx="1"/>
+          </p:nvPr>
+        </p:nvSpPr>
+        <p:spPr/>
+        <p:txBody>
+          <a:bodyPr/>
+          <a:lstStyle/>
+          <a:p>
+            <a:endParaRPr lang="en-US"/>
+          </a:p>
+        </p:txBody>
+      </p:sp>
+    </p:spTree>
+    <p:extLst>
+      <p:ext uri="{BB962C8B-B14F-4D97-AF65-F5344CB8AC3E}">
+        <p14:creationId xmlns:p14="http://schemas.microsoft.com/office/powerpoint/2010/main" val="3076984293"/>
+      </p:ext>
+    </p:extLst>
+  </p:cSld>
+  <p:clrMapOvr>
+    <a:masterClrMapping/>
+  </p:clrMapOvr>
+</p:sld>
+</file>
+
+<file path=ppt/slides/slide9.xml><?xml version="1.0" encoding="utf-8"?>
+<p:sld xmlns:a="http://schemas.openxmlformats.org/drawingml/2006/main" xmlns:r="http://schemas.openxmlformats.org/officeDocument/2006/relationships" xmlns:p="http://schemas.openxmlformats.org/presentationml/2006/main">
+  <p:cSld>
+    <p:spTree>
+      <p:nvGrpSpPr>
+        <p:cNvPr id="1" name=""/>
+        <p:cNvGrpSpPr/>
+        <p:nvPr/>
+      </p:nvGrpSpPr>
+      <p:grpSpPr>
+        <a:xfrm>
+          <a:off x="0" y="0"/>
+          <a:ext cx="0" cy="0"/>
+          <a:chOff x="0" y="0"/>
+          <a:chExt cx="0" cy="0"/>
+        </a:xfrm>
+      </p:grpSpPr>
+      <p:sp>
+        <p:nvSpPr>
+          <p:cNvPr id="2" name="Title 1">
+            <a:extLst>
+              <a:ext uri="{FF2B5EF4-FFF2-40B4-BE49-F238E27FC236}">
+                <a16:creationId xmlns:a16="http://schemas.microsoft.com/office/drawing/2014/main" id="{047B3247-CD57-A68D-86CB-226AD9D932CC}"/>
+              </a:ext>
+            </a:extLst>
+          </p:cNvPr>
+          <p:cNvSpPr>
+            <a:spLocks noGrp="1"/>
+          </p:cNvSpPr>
+          <p:nvPr>
+            <p:ph type="title"/>
+          </p:nvPr>
+        </p:nvSpPr>
+        <p:spPr/>
+        <p:txBody>
+          <a:bodyPr>
+            <a:normAutofit/>
+          </a:bodyPr>
+          <a:lstStyle/>
+          <a:p>
+            <a:r>
+              <a:rPr lang="en-US" dirty="0"/>
+              <a:t>What is the Software Development Life Cycle?</a:t>
+            </a:r>
+          </a:p>
+        </p:txBody>
+      </p:sp>
+      <p:sp>
+        <p:nvSpPr>
+          <p:cNvPr id="3" name="Content Placeholder 2">
+            <a:extLst>
+              <a:ext uri="{FF2B5EF4-FFF2-40B4-BE49-F238E27FC236}">
+                <a16:creationId xmlns:a16="http://schemas.microsoft.com/office/drawing/2014/main" id="{940F9860-AD79-8C22-AF4B-170D69ACC5C7}"/>
+              </a:ext>
+            </a:extLst>
+          </p:cNvPr>
+          <p:cNvSpPr>
+            <a:spLocks noGrp="1"/>
+          </p:cNvSpPr>
+          <p:nvPr>
+            <p:ph idx="1"/>
+          </p:nvPr>
+        </p:nvSpPr>
+        <p:spPr/>
+        <p:txBody>
+          <a:bodyPr/>
+          <a:lstStyle/>
+          <a:p>
+            <a:r>
+              <a:rPr lang="en-US" dirty="0"/>
+              <a:t>The SDLC helps us organize the process of building software</a:t>
+            </a:r>
+          </a:p>
+          <a:p>
+            <a:r>
+              <a:rPr lang="en-US" dirty="0"/>
+              <a:t>Includes steps for building, revising, and deploying software</a:t>
+            </a:r>
+          </a:p>
+          <a:p>
+            <a:r>
+              <a:rPr lang="en-US" dirty="0"/>
+              <a:t>Includes roles associated with each step along the building process</a:t>
+            </a:r>
+          </a:p>
+        </p:txBody>
+      </p:sp>
+    </p:spTree>
+    <p:extLst>
+      <p:ext uri="{BB962C8B-B14F-4D97-AF65-F5344CB8AC3E}">
+        <p14:creationId xmlns:p14="http://schemas.microsoft.com/office/powerpoint/2010/main" val="2158119916"/>
+      </p:ext>
+    </p:extLst>
+  </p:cSld>
+  <p:clrMapOvr>
+    <a:masterClrMapping/>
+  </p:clrMapOvr>
+</p:sld>
+</file>
+
 <file path=ppt/theme/theme1.xml><?xml version="1.0" encoding="utf-8"?>
-<a:theme xmlns:a="http://schemas.openxmlformats.org/drawingml/2006/main" name="Slice">
+<a:theme xmlns:a="http://schemas.openxmlformats.org/drawingml/2006/main" name="Slate">
   <a:themeElements>
-    <a:clrScheme name="Slice">
+    <a:clrScheme name="Slate">
       <a:dk1>
         <a:sysClr val="windowText" lastClr="000000"/>
       </a:dk1>
@@ -11621,48 +12383,48 @@
         <a:sysClr val="window" lastClr="FFFFFF"/>
       </a:lt1>
       <a:dk2>
-        <a:srgbClr val="146194"/>
+        <a:srgbClr val="212123"/>
       </a:dk2>
       <a:lt2>
-        <a:srgbClr val="76DBF4"/>
+        <a:srgbClr val="DADADA"/>
       </a:lt2>
       <a:accent1>
-        <a:srgbClr val="052F61"/>
+        <a:srgbClr val="BC451B"/>
       </a:accent1>
       <a:accent2>
-        <a:srgbClr val="A50E82"/>
+        <a:srgbClr val="D3BA68"/>
       </a:accent2>
       <a:accent3>
-        <a:srgbClr val="14967C"/>
+        <a:srgbClr val="BB8640"/>
       </a:accent3>
       <a:accent4>
-        <a:srgbClr val="6A9E1F"/>
+        <a:srgbClr val="AD9277"/>
       </a:accent4>
       <a:accent5>
-        <a:srgbClr val="E87D37"/>
+        <a:srgbClr val="A55A43"/>
       </a:accent5>
       <a:accent6>
-        <a:srgbClr val="C62324"/>
+        <a:srgbClr val="AD9D7B"/>
       </a:accent6>
       <a:hlink>
-        <a:srgbClr val="0D2E46"/>
+        <a:srgbClr val="E98052"/>
       </a:hlink>
       <a:folHlink>
-        <a:srgbClr val="356A95"/>
+        <a:srgbClr val="F4B69B"/>
       </a:folHlink>
     </a:clrScheme>
-    <a:fontScheme name="Slice">
+    <a:fontScheme name="Slate">
       <a:majorFont>
-        <a:latin typeface="Century Gothic" panose="020B0502020202020204"/>
+        <a:latin typeface="Calisto MT" panose="02040603050505030304"/>
         <a:ea typeface=""/>
         <a:cs typeface=""/>
-        <a:font script="Jpan" typeface="メイリオ"/>
-        <a:font script="Hang" typeface="HY중고딕"/>
-        <a:font script="Hans" typeface="幼圆"/>
+        <a:font script="Jpan" typeface="ＭＳ Ｐゴシック"/>
+        <a:font script="Hang" typeface="돋움"/>
+        <a:font script="Hans" typeface="方正舒体"/>
         <a:font script="Hant" typeface="微軟正黑體"/>
-        <a:font script="Arab" typeface="Tahoma"/>
-        <a:font script="Hebr" typeface="Gisha"/>
-        <a:font script="Thai" typeface="DilleniaUPC"/>
+        <a:font script="Arab" typeface="Arial"/>
+        <a:font script="Hebr" typeface="Arial"/>
+        <a:font script="Thai" typeface="Cordia New"/>
         <a:font script="Ethi" typeface="Nyala"/>
         <a:font script="Beng" typeface="Vrinda"/>
         <a:font script="Gujr" typeface="Shruti"/>
@@ -11683,21 +12445,21 @@
         <a:font script="Laoo" typeface="DokChampa"/>
         <a:font script="Sinh" typeface="Iskoola Pota"/>
         <a:font script="Mong" typeface="Mongolian Baiti"/>
-        <a:font script="Viet" typeface="Tahoma"/>
+        <a:font script="Viet" typeface="Arial"/>
         <a:font script="Uigh" typeface="Microsoft Uighur"/>
         <a:font script="Geor" typeface="Sylfaen"/>
       </a:majorFont>
       <a:minorFont>
-        <a:latin typeface="Century Gothic" panose="020B0502020202020204"/>
+        <a:latin typeface="Calisto MT" panose="02040603050505030304"/>
         <a:ea typeface=""/>
         <a:cs typeface=""/>
-        <a:font script="Jpan" typeface="メイリオ"/>
-        <a:font script="Hang" typeface="HY중고딕"/>
-        <a:font script="Hans" typeface="幼圆"/>
+        <a:font script="Jpan" typeface="ＭＳ Ｐゴシック"/>
+        <a:font script="Hang" typeface="돋움"/>
+        <a:font script="Hans" typeface="方正舒体"/>
         <a:font script="Hant" typeface="微軟正黑體"/>
-        <a:font script="Arab" typeface="Tahoma"/>
-        <a:font script="Hebr" typeface="Gisha"/>
-        <a:font script="Thai" typeface="DilleniaUPC"/>
+        <a:font script="Arab" typeface="Arial"/>
+        <a:font script="Hebr" typeface="Arial"/>
+        <a:font script="Thai" typeface="Cordia New"/>
         <a:font script="Ethi" typeface="Nyala"/>
         <a:font script="Beng" typeface="Vrinda"/>
         <a:font script="Gujr" typeface="Shruti"/>
@@ -11718,12 +12480,12 @@
         <a:font script="Laoo" typeface="DokChampa"/>
         <a:font script="Sinh" typeface="Iskoola Pota"/>
         <a:font script="Mong" typeface="Mongolian Baiti"/>
-        <a:font script="Viet" typeface="Tahoma"/>
+        <a:font script="Viet" typeface="Arial"/>
         <a:font script="Uigh" typeface="Microsoft Uighur"/>
         <a:font script="Geor" typeface="Sylfaen"/>
       </a:minorFont>
     </a:fontScheme>
-    <a:fmtScheme name="Slice">
+    <a:fmtScheme name="Slate">
       <a:fillStyleLst>
         <a:solidFill>
           <a:schemeClr val="phClr"/>
@@ -11732,16 +12494,13 @@
           <a:gsLst>
             <a:gs pos="0">
               <a:schemeClr val="phClr">
-                <a:tint val="62000"/>
-                <a:hueMod val="94000"/>
-                <a:satMod val="140000"/>
+                <a:tint val="60000"/>
                 <a:lumMod val="110000"/>
               </a:schemeClr>
             </a:gs>
             <a:gs pos="100000">
               <a:schemeClr val="phClr">
-                <a:tint val="84000"/>
-                <a:satMod val="160000"/>
+                <a:tint val="88000"/>
               </a:schemeClr>
             </a:gs>
           </a:gsLst>
@@ -11751,16 +12510,14 @@
           <a:gsLst>
             <a:gs pos="0">
               <a:schemeClr val="phClr">
-                <a:tint val="98000"/>
-                <a:hueMod val="94000"/>
-                <a:satMod val="130000"/>
-                <a:lumMod val="128000"/>
+                <a:tint val="96000"/>
+                <a:lumMod val="104000"/>
               </a:schemeClr>
             </a:gs>
             <a:gs pos="100000">
               <a:schemeClr val="phClr">
-                <a:shade val="94000"/>
-                <a:lumMod val="88000"/>
+                <a:shade val="90000"/>
+                <a:lumMod val="90000"/>
               </a:schemeClr>
             </a:gs>
           </a:gsLst>
@@ -11771,22 +12528,18 @@
         <a:ln w="9525" cap="rnd" cmpd="sng" algn="ctr">
           <a:solidFill>
             <a:schemeClr val="phClr">
-              <a:tint val="76000"/>
-              <a:alpha val="60000"/>
-              <a:hueMod val="94000"/>
+              <a:shade val="90000"/>
             </a:schemeClr>
           </a:solidFill>
           <a:prstDash val="solid"/>
         </a:ln>
         <a:ln w="15875" cap="rnd" cmpd="sng" algn="ctr">
           <a:solidFill>
-            <a:schemeClr val="phClr">
-              <a:hueMod val="94000"/>
-            </a:schemeClr>
+            <a:schemeClr val="phClr"/>
           </a:solidFill>
           <a:prstDash val="solid"/>
         </a:ln>
-        <a:ln w="28575" cap="rnd" cmpd="sng" algn="ctr">
+        <a:ln w="25400" cap="rnd" cmpd="sng" algn="ctr">
           <a:solidFill>
             <a:schemeClr val="phClr"/>
           </a:solidFill>
@@ -11799,18 +12552,18 @@
         </a:effectStyle>
         <a:effectStyle>
           <a:effectLst>
-            <a:innerShdw blurRad="25400" dist="12700" dir="13500000">
+            <a:outerShdw blurRad="63500" dist="25400" dir="5400000" rotWithShape="0">
               <a:srgbClr val="000000">
-                <a:alpha val="45000"/>
+                <a:alpha val="60000"/>
               </a:srgbClr>
-            </a:innerShdw>
+            </a:outerShdw>
           </a:effectLst>
         </a:effectStyle>
         <a:effectStyle>
           <a:effectLst>
-            <a:outerShdw blurRad="50800" dist="38100" dir="5400000" rotWithShape="0">
+            <a:outerShdw blurRad="76200" dist="38100" dir="5400000" rotWithShape="0">
               <a:srgbClr val="000000">
-                <a:alpha val="46000"/>
+                <a:alpha val="75000"/>
               </a:srgbClr>
             </a:outerShdw>
           </a:effectLst>
@@ -11818,10 +12571,12 @@
             <a:camera prst="orthographicFront">
               <a:rot lat="0" lon="0" rev="0"/>
             </a:camera>
-            <a:lightRig rig="threePt" dir="t"/>
+            <a:lightRig rig="threePt" dir="t">
+              <a:rot lat="0" lon="0" rev="1200000"/>
+            </a:lightRig>
           </a:scene3d>
-          <a:sp3d prstMaterial="plastic">
-            <a:bevelT w="25400" h="25400"/>
+          <a:sp3d>
+            <a:bevelT w="63500" h="25400" prst="hardEdge"/>
           </a:sp3d>
         </a:effectStyle>
       </a:effectStyleLst>
@@ -11829,48 +12584,23 @@
         <a:solidFill>
           <a:schemeClr val="phClr"/>
         </a:solidFill>
-        <a:gradFill rotWithShape="1">
-          <a:gsLst>
-            <a:gs pos="10000">
+        <a:solidFill>
+          <a:schemeClr val="phClr"/>
+        </a:solidFill>
+        <a:blipFill rotWithShape="1">
+          <a:blip xmlns:r="http://schemas.openxmlformats.org/officeDocument/2006/relationships" r:embed="rId1">
+            <a:duotone>
               <a:schemeClr val="phClr">
-                <a:tint val="97000"/>
-                <a:hueMod val="92000"/>
-                <a:satMod val="169000"/>
-                <a:lumMod val="164000"/>
+                <a:shade val="80000"/>
+                <a:lumMod val="80000"/>
               </a:schemeClr>
-            </a:gs>
-            <a:gs pos="100000">
               <a:schemeClr val="phClr">
-                <a:shade val="96000"/>
-                <a:satMod val="120000"/>
-                <a:lumMod val="90000"/>
+                <a:tint val="98000"/>
               </a:schemeClr>
-            </a:gs>
-          </a:gsLst>
-          <a:lin ang="6120000" scaled="1"/>
-        </a:gradFill>
-        <a:gradFill rotWithShape="1">
-          <a:gsLst>
-            <a:gs pos="0">
-              <a:schemeClr val="phClr">
-                <a:tint val="97000"/>
-                <a:hueMod val="92000"/>
-                <a:satMod val="169000"/>
-                <a:lumMod val="164000"/>
-              </a:schemeClr>
-            </a:gs>
-            <a:gs pos="100000">
-              <a:schemeClr val="phClr">
-                <a:shade val="96000"/>
-                <a:satMod val="120000"/>
-                <a:lumMod val="90000"/>
-              </a:schemeClr>
-            </a:gs>
-          </a:gsLst>
-          <a:path path="circle">
-            <a:fillToRect b="100000"/>
-          </a:path>
-        </a:gradFill>
+            </a:duotone>
+          </a:blip>
+          <a:stretch/>
+        </a:blipFill>
       </a:bgFillStyleLst>
     </a:fmtScheme>
   </a:themeElements>
@@ -11878,7 +12608,7 @@
   <a:extraClrSchemeLst/>
   <a:extLst>
     <a:ext uri="{05A4C25C-085E-4340-85A3-A5531E510DB2}">
-      <thm15:themeFamily xmlns:thm15="http://schemas.microsoft.com/office/thememl/2012/main" name="Slice" id="{0507925B-6AC9-4358-8E18-C330545D08F8}" vid="{13FEC7C6-62A9-40C4-99D2-581AACACAA2F}"/>
+      <thm15:themeFamily xmlns:thm15="http://schemas.microsoft.com/office/thememl/2012/main" name="Slate" id="{C3F70B94-7CE9-428E-ADC1-3269CC2C3385}" vid="{3F2DE9A5-64E6-437C-A389-CC4477E817E8}"/>
     </a:ext>
   </a:extLst>
 </a:theme>

--- a/Class_Materials/Week_2/Day_3/ISBPM w2d3.pptx
+++ b/Class_Materials/Week_2/Day_3/ISBPM w2d3.pptx
@@ -5,23 +5,33 @@
     <p:sldMasterId id="2147483810" r:id="rId1"/>
   </p:sldMasterIdLst>
   <p:notesMasterIdLst>
-    <p:notesMasterId r:id="rId16"/>
+    <p:notesMasterId r:id="rId26"/>
   </p:notesMasterIdLst>
   <p:sldIdLst>
     <p:sldId id="256" r:id="rId2"/>
     <p:sldId id="257" r:id="rId3"/>
     <p:sldId id="278" r:id="rId4"/>
-    <p:sldId id="286" r:id="rId5"/>
-    <p:sldId id="287" r:id="rId6"/>
-    <p:sldId id="297" r:id="rId7"/>
-    <p:sldId id="296" r:id="rId8"/>
-    <p:sldId id="280" r:id="rId9"/>
-    <p:sldId id="277" r:id="rId10"/>
-    <p:sldId id="281" r:id="rId11"/>
-    <p:sldId id="260" r:id="rId12"/>
-    <p:sldId id="274" r:id="rId13"/>
-    <p:sldId id="275" r:id="rId14"/>
-    <p:sldId id="276" r:id="rId15"/>
+    <p:sldId id="299" r:id="rId5"/>
+    <p:sldId id="286" r:id="rId6"/>
+    <p:sldId id="287" r:id="rId7"/>
+    <p:sldId id="302" r:id="rId8"/>
+    <p:sldId id="303" r:id="rId9"/>
+    <p:sldId id="298" r:id="rId10"/>
+    <p:sldId id="300" r:id="rId11"/>
+    <p:sldId id="305" r:id="rId12"/>
+    <p:sldId id="306" r:id="rId13"/>
+    <p:sldId id="301" r:id="rId14"/>
+    <p:sldId id="304" r:id="rId15"/>
+    <p:sldId id="307" r:id="rId16"/>
+    <p:sldId id="297" r:id="rId17"/>
+    <p:sldId id="296" r:id="rId18"/>
+    <p:sldId id="280" r:id="rId19"/>
+    <p:sldId id="277" r:id="rId20"/>
+    <p:sldId id="281" r:id="rId21"/>
+    <p:sldId id="260" r:id="rId22"/>
+    <p:sldId id="274" r:id="rId23"/>
+    <p:sldId id="275" r:id="rId24"/>
+    <p:sldId id="276" r:id="rId25"/>
   </p:sldIdLst>
   <p:sldSz cx="12192000" cy="6858000"/>
   <p:notesSz cx="6858000" cy="9144000"/>
@@ -131,7 +141,7 @@
 <file path=ppt/revisionInfo.xml><?xml version="1.0" encoding="utf-8"?>
 <p1510:revInfo xmlns:a="http://schemas.openxmlformats.org/drawingml/2006/main" xmlns:r="http://schemas.openxmlformats.org/officeDocument/2006/relationships" xmlns:p1510="http://schemas.microsoft.com/office/powerpoint/2015/10/main">
   <p1510:revLst>
-    <p1510:client id="{75F37481-841B-40AD-A891-4A29A46DEAFB}" v="2" dt="2023-04-17T00:08:52.373"/>
+    <p1510:client id="{75F37481-841B-40AD-A891-4A29A46DEAFB}" v="19" dt="2023-04-17T17:21:31.484"/>
   </p1510:revLst>
 </p1510:revInfo>
 </file>
@@ -1712,8 +1722,8 @@
   </pc:docChgLst>
   <pc:docChgLst>
     <pc:chgData name="Emily Crose" userId="5a1598ef78992c55" providerId="LiveId" clId="{75F37481-841B-40AD-A891-4A29A46DEAFB}"/>
-    <pc:docChg chg="custSel addSld modSld">
-      <pc:chgData name="Emily Crose" userId="5a1598ef78992c55" providerId="LiveId" clId="{75F37481-841B-40AD-A891-4A29A46DEAFB}" dt="2023-04-17T00:09:46.376" v="29" actId="26606"/>
+    <pc:docChg chg="undo custSel addSld modSld sldOrd">
+      <pc:chgData name="Emily Crose" userId="5a1598ef78992c55" providerId="LiveId" clId="{75F37481-841B-40AD-A891-4A29A46DEAFB}" dt="2023-04-17T17:23:45.574" v="1239" actId="20577"/>
       <pc:docMkLst>
         <pc:docMk/>
       </pc:docMkLst>
@@ -1985,14 +1995,14 @@
           </ac:cxnSpMkLst>
         </pc:cxnChg>
       </pc:sldChg>
-      <pc:sldChg chg="modSp add">
-        <pc:chgData name="Emily Crose" userId="5a1598ef78992c55" providerId="LiveId" clId="{75F37481-841B-40AD-A891-4A29A46DEAFB}" dt="2023-04-17T00:08:52.373" v="16"/>
+      <pc:sldChg chg="modSp add mod">
+        <pc:chgData name="Emily Crose" userId="5a1598ef78992c55" providerId="LiveId" clId="{75F37481-841B-40AD-A891-4A29A46DEAFB}" dt="2023-04-17T14:11:18.971" v="193" actId="20577"/>
         <pc:sldMkLst>
           <pc:docMk/>
           <pc:sldMk cId="3076984293" sldId="280"/>
         </pc:sldMkLst>
         <pc:spChg chg="mod">
-          <ac:chgData name="Emily Crose" userId="5a1598ef78992c55" providerId="LiveId" clId="{75F37481-841B-40AD-A891-4A29A46DEAFB}" dt="2023-04-17T00:08:52.373" v="16"/>
+          <ac:chgData name="Emily Crose" userId="5a1598ef78992c55" providerId="LiveId" clId="{75F37481-841B-40AD-A891-4A29A46DEAFB}" dt="2023-04-17T14:11:18.971" v="193" actId="20577"/>
           <ac:spMkLst>
             <pc:docMk/>
             <pc:sldMk cId="3076984293" sldId="280"/>
@@ -2045,8 +2055,8 @@
           <pc:sldMk cId="2221949335" sldId="287"/>
         </pc:sldMkLst>
       </pc:sldChg>
-      <pc:sldChg chg="modSp add">
-        <pc:chgData name="Emily Crose" userId="5a1598ef78992c55" providerId="LiveId" clId="{75F37481-841B-40AD-A891-4A29A46DEAFB}" dt="2023-04-17T00:08:52.373" v="16"/>
+      <pc:sldChg chg="addSp modSp add">
+        <pc:chgData name="Emily Crose" userId="5a1598ef78992c55" providerId="LiveId" clId="{75F37481-841B-40AD-A891-4A29A46DEAFB}" dt="2023-04-17T14:08:24.364" v="176"/>
         <pc:sldMkLst>
           <pc:docMk/>
           <pc:sldMk cId="2437315508" sldId="296"/>
@@ -2059,21 +2069,483 @@
             <ac:spMk id="2" creationId="{B401AA53-CB3A-8EF2-7C9D-70B19BF8F561}"/>
           </ac:spMkLst>
         </pc:spChg>
+        <pc:picChg chg="add mod">
+          <ac:chgData name="Emily Crose" userId="5a1598ef78992c55" providerId="LiveId" clId="{75F37481-841B-40AD-A891-4A29A46DEAFB}" dt="2023-04-17T14:08:24.364" v="176"/>
+          <ac:picMkLst>
+            <pc:docMk/>
+            <pc:sldMk cId="2437315508" sldId="296"/>
+            <ac:picMk id="3" creationId="{5D5F0843-A33F-DC5E-B0B4-E94D73EFBE9F}"/>
+          </ac:picMkLst>
+        </pc:picChg>
       </pc:sldChg>
-      <pc:sldChg chg="modSp add">
-        <pc:chgData name="Emily Crose" userId="5a1598ef78992c55" providerId="LiveId" clId="{75F37481-841B-40AD-A891-4A29A46DEAFB}" dt="2023-04-17T00:08:52.373" v="16"/>
+      <pc:sldChg chg="addSp delSp modSp add mod setBg setClrOvrMap">
+        <pc:chgData name="Emily Crose" userId="5a1598ef78992c55" providerId="LiveId" clId="{75F37481-841B-40AD-A891-4A29A46DEAFB}" dt="2023-04-17T14:10:51.332" v="185" actId="26606"/>
         <pc:sldMkLst>
           <pc:docMk/>
           <pc:sldMk cId="2559449484" sldId="297"/>
         </pc:sldMkLst>
         <pc:spChg chg="mod">
-          <ac:chgData name="Emily Crose" userId="5a1598ef78992c55" providerId="LiveId" clId="{75F37481-841B-40AD-A891-4A29A46DEAFB}" dt="2023-04-17T00:08:52.373" v="16"/>
+          <ac:chgData name="Emily Crose" userId="5a1598ef78992c55" providerId="LiveId" clId="{75F37481-841B-40AD-A891-4A29A46DEAFB}" dt="2023-04-17T14:10:51.332" v="185" actId="26606"/>
           <ac:spMkLst>
             <pc:docMk/>
             <pc:sldMk cId="2559449484" sldId="297"/>
             <ac:spMk id="2" creationId="{21BF4D03-BD03-DAC4-BD45-155F165873FF}"/>
           </ac:spMkLst>
         </pc:spChg>
+        <pc:spChg chg="add del">
+          <ac:chgData name="Emily Crose" userId="5a1598ef78992c55" providerId="LiveId" clId="{75F37481-841B-40AD-A891-4A29A46DEAFB}" dt="2023-04-17T14:10:00.573" v="179" actId="26606"/>
+          <ac:spMkLst>
+            <pc:docMk/>
+            <pc:sldMk cId="2559449484" sldId="297"/>
+            <ac:spMk id="9" creationId="{8E482A67-6CD8-49D7-9F85-52ECF99152D0}"/>
+          </ac:spMkLst>
+        </pc:spChg>
+        <pc:spChg chg="add del">
+          <ac:chgData name="Emily Crose" userId="5a1598ef78992c55" providerId="LiveId" clId="{75F37481-841B-40AD-A891-4A29A46DEAFB}" dt="2023-04-17T14:10:00.573" v="179" actId="26606"/>
+          <ac:spMkLst>
+            <pc:docMk/>
+            <pc:sldMk cId="2559449484" sldId="297"/>
+            <ac:spMk id="11" creationId="{418F941B-B7E9-44F2-9A2C-5D35ACF9A678}"/>
+          </ac:spMkLst>
+        </pc:spChg>
+        <pc:spChg chg="add del">
+          <ac:chgData name="Emily Crose" userId="5a1598ef78992c55" providerId="LiveId" clId="{75F37481-841B-40AD-A891-4A29A46DEAFB}" dt="2023-04-17T14:10:00.530" v="178" actId="26606"/>
+          <ac:spMkLst>
+            <pc:docMk/>
+            <pc:sldMk cId="2559449484" sldId="297"/>
+            <ac:spMk id="16" creationId="{DAB482FD-C684-4DAA-AC4C-1739F51A98A0}"/>
+          </ac:spMkLst>
+        </pc:spChg>
+        <pc:spChg chg="add del">
+          <ac:chgData name="Emily Crose" userId="5a1598ef78992c55" providerId="LiveId" clId="{75F37481-841B-40AD-A891-4A29A46DEAFB}" dt="2023-04-17T14:10:51.332" v="185" actId="26606"/>
+          <ac:spMkLst>
+            <pc:docMk/>
+            <pc:sldMk cId="2559449484" sldId="297"/>
+            <ac:spMk id="17" creationId="{608EAA06-5488-416B-B2B2-E55213011012}"/>
+          </ac:spMkLst>
+        </pc:spChg>
+        <pc:picChg chg="add del mod">
+          <ac:chgData name="Emily Crose" userId="5a1598ef78992c55" providerId="LiveId" clId="{75F37481-841B-40AD-A891-4A29A46DEAFB}" dt="2023-04-17T14:08:21.983" v="175" actId="21"/>
+          <ac:picMkLst>
+            <pc:docMk/>
+            <pc:sldMk cId="2559449484" sldId="297"/>
+            <ac:picMk id="4" creationId="{1E1F7FDB-6BA7-4DB1-D0FA-EBCF5D675AED}"/>
+          </ac:picMkLst>
+        </pc:picChg>
+        <pc:picChg chg="add mod">
+          <ac:chgData name="Emily Crose" userId="5a1598ef78992c55" providerId="LiveId" clId="{75F37481-841B-40AD-A891-4A29A46DEAFB}" dt="2023-04-17T14:10:51.332" v="185" actId="26606"/>
+          <ac:picMkLst>
+            <pc:docMk/>
+            <pc:sldMk cId="2559449484" sldId="297"/>
+            <ac:picMk id="6" creationId="{E5274FD0-050A-DF16-2A61-FC89CDDB5226}"/>
+          </ac:picMkLst>
+        </pc:picChg>
+        <pc:picChg chg="add del mod">
+          <ac:chgData name="Emily Crose" userId="5a1598ef78992c55" providerId="LiveId" clId="{75F37481-841B-40AD-A891-4A29A46DEAFB}" dt="2023-04-17T14:10:43.607" v="181" actId="478"/>
+          <ac:picMkLst>
+            <pc:docMk/>
+            <pc:sldMk cId="2559449484" sldId="297"/>
+            <ac:picMk id="13" creationId="{184D646C-02DD-33EE-9440-BFEA7F367D83}"/>
+          </ac:picMkLst>
+        </pc:picChg>
+        <pc:picChg chg="add">
+          <ac:chgData name="Emily Crose" userId="5a1598ef78992c55" providerId="LiveId" clId="{75F37481-841B-40AD-A891-4A29A46DEAFB}" dt="2023-04-17T14:10:51.332" v="185" actId="26606"/>
+          <ac:picMkLst>
+            <pc:docMk/>
+            <pc:sldMk cId="2559449484" sldId="297"/>
+            <ac:picMk id="22" creationId="{08187575-5CB4-477B-AA47-020C6D2A786E}"/>
+          </ac:picMkLst>
+        </pc:picChg>
+        <pc:picChg chg="add">
+          <ac:chgData name="Emily Crose" userId="5a1598ef78992c55" providerId="LiveId" clId="{75F37481-841B-40AD-A891-4A29A46DEAFB}" dt="2023-04-17T14:10:51.332" v="185" actId="26606"/>
+          <ac:picMkLst>
+            <pc:docMk/>
+            <pc:sldMk cId="2559449484" sldId="297"/>
+            <ac:picMk id="24" creationId="{EE585F70-7C5D-424E-A182-39507AF48A0C}"/>
+          </ac:picMkLst>
+        </pc:picChg>
+        <pc:cxnChg chg="add del">
+          <ac:chgData name="Emily Crose" userId="5a1598ef78992c55" providerId="LiveId" clId="{75F37481-841B-40AD-A891-4A29A46DEAFB}" dt="2023-04-17T14:10:00.530" v="178" actId="26606"/>
+          <ac:cxnSpMkLst>
+            <pc:docMk/>
+            <pc:sldMk cId="2559449484" sldId="297"/>
+            <ac:cxnSpMk id="18" creationId="{2DAA738B-EDF5-4694-B25A-3488245BC87C}"/>
+          </ac:cxnSpMkLst>
+        </pc:cxnChg>
+      </pc:sldChg>
+      <pc:sldChg chg="addSp delSp modSp new mod ord setBg modClrScheme delDesignElem chgLayout">
+        <pc:chgData name="Emily Crose" userId="5a1598ef78992c55" providerId="LiveId" clId="{75F37481-841B-40AD-A891-4A29A46DEAFB}" dt="2023-04-17T17:11:25.122" v="715"/>
+        <pc:sldMkLst>
+          <pc:docMk/>
+          <pc:sldMk cId="1818502" sldId="298"/>
+        </pc:sldMkLst>
+        <pc:spChg chg="add mod ord">
+          <ac:chgData name="Emily Crose" userId="5a1598ef78992c55" providerId="LiveId" clId="{75F37481-841B-40AD-A891-4A29A46DEAFB}" dt="2023-04-17T13:54:22.156" v="132" actId="26606"/>
+          <ac:spMkLst>
+            <pc:docMk/>
+            <pc:sldMk cId="1818502" sldId="298"/>
+            <ac:spMk id="2" creationId="{C376F162-0520-4F35-81C7-E55520C03059}"/>
+          </ac:spMkLst>
+        </pc:spChg>
+        <pc:spChg chg="add del mod ord">
+          <ac:chgData name="Emily Crose" userId="5a1598ef78992c55" providerId="LiveId" clId="{75F37481-841B-40AD-A891-4A29A46DEAFB}" dt="2023-04-17T13:54:07.263" v="127" actId="478"/>
+          <ac:spMkLst>
+            <pc:docMk/>
+            <pc:sldMk cId="1818502" sldId="298"/>
+            <ac:spMk id="3" creationId="{09649D18-FED7-B8E8-F3B9-2CFD07D14016}"/>
+          </ac:spMkLst>
+        </pc:spChg>
+        <pc:spChg chg="add del mod">
+          <ac:chgData name="Emily Crose" userId="5a1598ef78992c55" providerId="LiveId" clId="{75F37481-841B-40AD-A891-4A29A46DEAFB}" dt="2023-04-17T13:54:09.146" v="128" actId="478"/>
+          <ac:spMkLst>
+            <pc:docMk/>
+            <pc:sldMk cId="1818502" sldId="298"/>
+            <ac:spMk id="7" creationId="{99657543-365E-840F-9DC6-0CA125E2AD5B}"/>
+          </ac:spMkLst>
+        </pc:spChg>
+        <pc:spChg chg="add del">
+          <ac:chgData name="Emily Crose" userId="5a1598ef78992c55" providerId="LiveId" clId="{75F37481-841B-40AD-A891-4A29A46DEAFB}" dt="2023-04-17T13:52:30.791" v="68" actId="700"/>
+          <ac:spMkLst>
+            <pc:docMk/>
+            <pc:sldMk cId="1818502" sldId="298"/>
+            <ac:spMk id="8" creationId="{608EAA06-5488-416B-B2B2-E55213011012}"/>
+          </ac:spMkLst>
+        </pc:spChg>
+        <pc:spChg chg="add">
+          <ac:chgData name="Emily Crose" userId="5a1598ef78992c55" providerId="LiveId" clId="{75F37481-841B-40AD-A891-4A29A46DEAFB}" dt="2023-04-17T13:54:22.156" v="132" actId="26606"/>
+          <ac:spMkLst>
+            <pc:docMk/>
+            <pc:sldMk cId="1818502" sldId="298"/>
+            <ac:spMk id="15" creationId="{93A46EEB-10AB-4E52-AF22-A848AE9259F9}"/>
+          </ac:spMkLst>
+        </pc:spChg>
+        <pc:picChg chg="add del">
+          <ac:chgData name="Emily Crose" userId="5a1598ef78992c55" providerId="LiveId" clId="{75F37481-841B-40AD-A891-4A29A46DEAFB}" dt="2023-04-17T13:52:16.137" v="65" actId="26606"/>
+          <ac:picMkLst>
+            <pc:docMk/>
+            <pc:sldMk cId="1818502" sldId="298"/>
+            <ac:picMk id="4" creationId="{E3A53F88-ADDF-C495-6A74-08ADDE272E9A}"/>
+          </ac:picMkLst>
+        </pc:picChg>
+        <pc:picChg chg="add del">
+          <ac:chgData name="Emily Crose" userId="5a1598ef78992c55" providerId="LiveId" clId="{75F37481-841B-40AD-A891-4A29A46DEAFB}" dt="2023-04-17T13:52:27.115" v="67" actId="478"/>
+          <ac:picMkLst>
+            <pc:docMk/>
+            <pc:sldMk cId="1818502" sldId="298"/>
+            <ac:picMk id="6" creationId="{F31F01FA-BC6A-3664-54B5-455E91E830D4}"/>
+          </ac:picMkLst>
+        </pc:picChg>
+        <pc:picChg chg="add mod">
+          <ac:chgData name="Emily Crose" userId="5a1598ef78992c55" providerId="LiveId" clId="{75F37481-841B-40AD-A891-4A29A46DEAFB}" dt="2023-04-17T13:54:22.156" v="132" actId="26606"/>
+          <ac:picMkLst>
+            <pc:docMk/>
+            <pc:sldMk cId="1818502" sldId="298"/>
+            <ac:picMk id="10" creationId="{5E7F754C-9343-4B29-6B81-5474334F60B8}"/>
+          </ac:picMkLst>
+        </pc:picChg>
+      </pc:sldChg>
+      <pc:sldChg chg="addSp modSp new mod modClrScheme chgLayout">
+        <pc:chgData name="Emily Crose" userId="5a1598ef78992c55" providerId="LiveId" clId="{75F37481-841B-40AD-A891-4A29A46DEAFB}" dt="2023-04-17T17:23:45.574" v="1239" actId="20577"/>
+        <pc:sldMkLst>
+          <pc:docMk/>
+          <pc:sldMk cId="1671539891" sldId="299"/>
+        </pc:sldMkLst>
+        <pc:spChg chg="mod ord">
+          <ac:chgData name="Emily Crose" userId="5a1598ef78992c55" providerId="LiveId" clId="{75F37481-841B-40AD-A891-4A29A46DEAFB}" dt="2023-04-17T14:11:37.518" v="194" actId="700"/>
+          <ac:spMkLst>
+            <pc:docMk/>
+            <pc:sldMk cId="1671539891" sldId="299"/>
+            <ac:spMk id="2" creationId="{2863F72C-E34F-ACFC-2C46-F6B2C8C20651}"/>
+          </ac:spMkLst>
+        </pc:spChg>
+        <pc:spChg chg="add mod ord">
+          <ac:chgData name="Emily Crose" userId="5a1598ef78992c55" providerId="LiveId" clId="{75F37481-841B-40AD-A891-4A29A46DEAFB}" dt="2023-04-17T17:23:45.574" v="1239" actId="20577"/>
+          <ac:spMkLst>
+            <pc:docMk/>
+            <pc:sldMk cId="1671539891" sldId="299"/>
+            <ac:spMk id="3" creationId="{D7AE6683-AEEF-921F-EA2D-6BBA91346062}"/>
+          </ac:spMkLst>
+        </pc:spChg>
+      </pc:sldChg>
+      <pc:sldChg chg="modSp new mod">
+        <pc:chgData name="Emily Crose" userId="5a1598ef78992c55" providerId="LiveId" clId="{75F37481-841B-40AD-A891-4A29A46DEAFB}" dt="2023-04-17T17:14:07.886" v="956" actId="20577"/>
+        <pc:sldMkLst>
+          <pc:docMk/>
+          <pc:sldMk cId="1806608824" sldId="300"/>
+        </pc:sldMkLst>
+        <pc:spChg chg="mod">
+          <ac:chgData name="Emily Crose" userId="5a1598ef78992c55" providerId="LiveId" clId="{75F37481-841B-40AD-A891-4A29A46DEAFB}" dt="2023-04-17T17:14:07.886" v="956" actId="20577"/>
+          <ac:spMkLst>
+            <pc:docMk/>
+            <pc:sldMk cId="1806608824" sldId="300"/>
+            <ac:spMk id="2" creationId="{8D38055C-DB38-EB4B-6669-F605D6529E50}"/>
+          </ac:spMkLst>
+        </pc:spChg>
+        <pc:spChg chg="mod">
+          <ac:chgData name="Emily Crose" userId="5a1598ef78992c55" providerId="LiveId" clId="{75F37481-841B-40AD-A891-4A29A46DEAFB}" dt="2023-04-17T14:17:54.714" v="478" actId="20577"/>
+          <ac:spMkLst>
+            <pc:docMk/>
+            <pc:sldMk cId="1806608824" sldId="300"/>
+            <ac:spMk id="3" creationId="{C8B57EC0-36E5-FD32-3113-980C3CF7B0A7}"/>
+          </ac:spMkLst>
+        </pc:spChg>
+      </pc:sldChg>
+      <pc:sldChg chg="addSp delSp modSp new mod setBg">
+        <pc:chgData name="Emily Crose" userId="5a1598ef78992c55" providerId="LiveId" clId="{75F37481-841B-40AD-A891-4A29A46DEAFB}" dt="2023-04-17T17:15:15.840" v="1002"/>
+        <pc:sldMkLst>
+          <pc:docMk/>
+          <pc:sldMk cId="543577936" sldId="301"/>
+        </pc:sldMkLst>
+        <pc:spChg chg="mod">
+          <ac:chgData name="Emily Crose" userId="5a1598ef78992c55" providerId="LiveId" clId="{75F37481-841B-40AD-A891-4A29A46DEAFB}" dt="2023-04-17T17:15:00.041" v="999" actId="20577"/>
+          <ac:spMkLst>
+            <pc:docMk/>
+            <pc:sldMk cId="543577936" sldId="301"/>
+            <ac:spMk id="2" creationId="{9F9904BA-EB83-D80E-3C87-76326E256305}"/>
+          </ac:spMkLst>
+        </pc:spChg>
+        <pc:spChg chg="add del mod">
+          <ac:chgData name="Emily Crose" userId="5a1598ef78992c55" providerId="LiveId" clId="{75F37481-841B-40AD-A891-4A29A46DEAFB}" dt="2023-04-17T17:15:15.840" v="1002"/>
+          <ac:spMkLst>
+            <pc:docMk/>
+            <pc:sldMk cId="543577936" sldId="301"/>
+            <ac:spMk id="3" creationId="{9C8D87AB-82A6-389E-B548-03168208847E}"/>
+          </ac:spMkLst>
+        </pc:spChg>
+        <pc:spChg chg="add del mod">
+          <ac:chgData name="Emily Crose" userId="5a1598ef78992c55" providerId="LiveId" clId="{75F37481-841B-40AD-A891-4A29A46DEAFB}" dt="2023-04-17T14:22:18.816" v="508"/>
+          <ac:spMkLst>
+            <pc:docMk/>
+            <pc:sldMk cId="543577936" sldId="301"/>
+            <ac:spMk id="4" creationId="{02E56284-0C94-6F6B-69F0-8FC8A8364A56}"/>
+          </ac:spMkLst>
+        </pc:spChg>
+        <pc:spChg chg="add del mod">
+          <ac:chgData name="Emily Crose" userId="5a1598ef78992c55" providerId="LiveId" clId="{75F37481-841B-40AD-A891-4A29A46DEAFB}" dt="2023-04-17T17:15:07.192" v="1001"/>
+          <ac:spMkLst>
+            <pc:docMk/>
+            <pc:sldMk cId="543577936" sldId="301"/>
+            <ac:spMk id="5" creationId="{4FB1A239-A9BB-E124-5F91-BCE2F956040A}"/>
+          </ac:spMkLst>
+        </pc:spChg>
+      </pc:sldChg>
+      <pc:sldChg chg="addSp delSp modSp new mod setBg modClrScheme chgLayout modNotesTx">
+        <pc:chgData name="Emily Crose" userId="5a1598ef78992c55" providerId="LiveId" clId="{75F37481-841B-40AD-A891-4A29A46DEAFB}" dt="2023-04-17T14:42:26.543" v="713" actId="20577"/>
+        <pc:sldMkLst>
+          <pc:docMk/>
+          <pc:sldMk cId="2572114698" sldId="302"/>
+        </pc:sldMkLst>
+        <pc:spChg chg="add mod ord">
+          <ac:chgData name="Emily Crose" userId="5a1598ef78992c55" providerId="LiveId" clId="{75F37481-841B-40AD-A891-4A29A46DEAFB}" dt="2023-04-17T14:42:04.429" v="587" actId="26606"/>
+          <ac:spMkLst>
+            <pc:docMk/>
+            <pc:sldMk cId="2572114698" sldId="302"/>
+            <ac:spMk id="2" creationId="{92EAB30D-4E16-2D45-A6BF-9FF8002DAD8A}"/>
+          </ac:spMkLst>
+        </pc:spChg>
+        <pc:spChg chg="add del mod">
+          <ac:chgData name="Emily Crose" userId="5a1598ef78992c55" providerId="LiveId" clId="{75F37481-841B-40AD-A891-4A29A46DEAFB}" dt="2023-04-17T14:41:55.438" v="583"/>
+          <ac:spMkLst>
+            <pc:docMk/>
+            <pc:sldMk cId="2572114698" sldId="302"/>
+            <ac:spMk id="3" creationId="{16A70CF7-F9B7-BC9A-A983-E1C1B38EEE3F}"/>
+          </ac:spMkLst>
+        </pc:spChg>
+        <pc:picChg chg="add mod ord">
+          <ac:chgData name="Emily Crose" userId="5a1598ef78992c55" providerId="LiveId" clId="{75F37481-841B-40AD-A891-4A29A46DEAFB}" dt="2023-04-17T14:42:04.429" v="587" actId="26606"/>
+          <ac:picMkLst>
+            <pc:docMk/>
+            <pc:sldMk cId="2572114698" sldId="302"/>
+            <ac:picMk id="5" creationId="{CD411802-6C10-63B2-4CCC-4C31FCB7B6BA}"/>
+          </ac:picMkLst>
+        </pc:picChg>
+      </pc:sldChg>
+      <pc:sldChg chg="addSp delSp modSp new mod setBg modClrScheme chgLayout">
+        <pc:chgData name="Emily Crose" userId="5a1598ef78992c55" providerId="LiveId" clId="{75F37481-841B-40AD-A891-4A29A46DEAFB}" dt="2023-04-17T17:13:52.170" v="951" actId="26606"/>
+        <pc:sldMkLst>
+          <pc:docMk/>
+          <pc:sldMk cId="4071440447" sldId="303"/>
+        </pc:sldMkLst>
+        <pc:spChg chg="mod ord">
+          <ac:chgData name="Emily Crose" userId="5a1598ef78992c55" providerId="LiveId" clId="{75F37481-841B-40AD-A891-4A29A46DEAFB}" dt="2023-04-17T17:13:52.170" v="951" actId="26606"/>
+          <ac:spMkLst>
+            <pc:docMk/>
+            <pc:sldMk cId="4071440447" sldId="303"/>
+            <ac:spMk id="2" creationId="{F0D38242-DC86-3A6E-B3B7-D1C3C0AFE94F}"/>
+          </ac:spMkLst>
+        </pc:spChg>
+        <pc:spChg chg="add mod ord">
+          <ac:chgData name="Emily Crose" userId="5a1598ef78992c55" providerId="LiveId" clId="{75F37481-841B-40AD-A891-4A29A46DEAFB}" dt="2023-04-17T17:13:52.170" v="951" actId="26606"/>
+          <ac:spMkLst>
+            <pc:docMk/>
+            <pc:sldMk cId="4071440447" sldId="303"/>
+            <ac:spMk id="3" creationId="{8FE505C2-50F6-30DB-CFB3-01D0D325516F}"/>
+          </ac:spMkLst>
+        </pc:spChg>
+        <pc:spChg chg="add">
+          <ac:chgData name="Emily Crose" userId="5a1598ef78992c55" providerId="LiveId" clId="{75F37481-841B-40AD-A891-4A29A46DEAFB}" dt="2023-04-17T17:13:52.170" v="951" actId="26606"/>
+          <ac:spMkLst>
+            <pc:docMk/>
+            <pc:sldMk cId="4071440447" sldId="303"/>
+            <ac:spMk id="14" creationId="{37D54B6C-87D0-4C03-8335-3955179D2B5B}"/>
+          </ac:spMkLst>
+        </pc:spChg>
+        <pc:picChg chg="add mod">
+          <ac:chgData name="Emily Crose" userId="5a1598ef78992c55" providerId="LiveId" clId="{75F37481-841B-40AD-A891-4A29A46DEAFB}" dt="2023-04-17T17:13:52.170" v="951" actId="26606"/>
+          <ac:picMkLst>
+            <pc:docMk/>
+            <pc:sldMk cId="4071440447" sldId="303"/>
+            <ac:picMk id="5" creationId="{E65D158D-924C-42EB-BD0B-55270F126CEB}"/>
+          </ac:picMkLst>
+        </pc:picChg>
+        <pc:picChg chg="add del">
+          <ac:chgData name="Emily Crose" userId="5a1598ef78992c55" providerId="LiveId" clId="{75F37481-841B-40AD-A891-4A29A46DEAFB}" dt="2023-04-17T17:13:52.170" v="951" actId="26606"/>
+          <ac:picMkLst>
+            <pc:docMk/>
+            <pc:sldMk cId="4071440447" sldId="303"/>
+            <ac:picMk id="9" creationId="{559DF61F-9058-49C9-8F75-DC501F983B0E}"/>
+          </ac:picMkLst>
+        </pc:picChg>
+      </pc:sldChg>
+      <pc:sldChg chg="addSp delSp modSp new mod setBg modClrScheme chgLayout modNotesTx">
+        <pc:chgData name="Emily Crose" userId="5a1598ef78992c55" providerId="LiveId" clId="{75F37481-841B-40AD-A891-4A29A46DEAFB}" dt="2023-04-17T17:17:00.332" v="1085" actId="20577"/>
+        <pc:sldMkLst>
+          <pc:docMk/>
+          <pc:sldMk cId="272553218" sldId="304"/>
+        </pc:sldMkLst>
+        <pc:spChg chg="del">
+          <ac:chgData name="Emily Crose" userId="5a1598ef78992c55" providerId="LiveId" clId="{75F37481-841B-40AD-A891-4A29A46DEAFB}" dt="2023-04-17T17:15:46.743" v="1004" actId="700"/>
+          <ac:spMkLst>
+            <pc:docMk/>
+            <pc:sldMk cId="272553218" sldId="304"/>
+            <ac:spMk id="2" creationId="{C7EE228C-0A7E-80F1-80C7-A6DF155A41BB}"/>
+          </ac:spMkLst>
+        </pc:spChg>
+        <pc:spChg chg="del">
+          <ac:chgData name="Emily Crose" userId="5a1598ef78992c55" providerId="LiveId" clId="{75F37481-841B-40AD-A891-4A29A46DEAFB}" dt="2023-04-17T17:15:46.743" v="1004" actId="700"/>
+          <ac:spMkLst>
+            <pc:docMk/>
+            <pc:sldMk cId="272553218" sldId="304"/>
+            <ac:spMk id="3" creationId="{F634F234-8296-ECB9-CDD6-8D5D8465FE96}"/>
+          </ac:spMkLst>
+        </pc:spChg>
+        <pc:spChg chg="add">
+          <ac:chgData name="Emily Crose" userId="5a1598ef78992c55" providerId="LiveId" clId="{75F37481-841B-40AD-A891-4A29A46DEAFB}" dt="2023-04-17T17:16:10.372" v="1008" actId="26606"/>
+          <ac:spMkLst>
+            <pc:docMk/>
+            <pc:sldMk cId="272553218" sldId="304"/>
+            <ac:spMk id="10" creationId="{D64A12F0-8158-4372-9761-AD0A6ED30C2E}"/>
+          </ac:spMkLst>
+        </pc:spChg>
+        <pc:picChg chg="add mod">
+          <ac:chgData name="Emily Crose" userId="5a1598ef78992c55" providerId="LiveId" clId="{75F37481-841B-40AD-A891-4A29A46DEAFB}" dt="2023-04-17T17:16:10.372" v="1008" actId="26606"/>
+          <ac:picMkLst>
+            <pc:docMk/>
+            <pc:sldMk cId="272553218" sldId="304"/>
+            <ac:picMk id="5" creationId="{C9F2630B-6A70-6167-F37D-97831177EA64}"/>
+          </ac:picMkLst>
+        </pc:picChg>
+      </pc:sldChg>
+      <pc:sldChg chg="addSp delSp modSp new mod setBg modClrScheme chgLayout">
+        <pc:chgData name="Emily Crose" userId="5a1598ef78992c55" providerId="LiveId" clId="{75F37481-841B-40AD-A891-4A29A46DEAFB}" dt="2023-04-17T17:21:17.171" v="1138" actId="6549"/>
+        <pc:sldMkLst>
+          <pc:docMk/>
+          <pc:sldMk cId="3697047610" sldId="305"/>
+        </pc:sldMkLst>
+        <pc:spChg chg="mod ord">
+          <ac:chgData name="Emily Crose" userId="5a1598ef78992c55" providerId="LiveId" clId="{75F37481-841B-40AD-A891-4A29A46DEAFB}" dt="2023-04-17T17:21:17.171" v="1138" actId="6549"/>
+          <ac:spMkLst>
+            <pc:docMk/>
+            <pc:sldMk cId="3697047610" sldId="305"/>
+            <ac:spMk id="2" creationId="{0F8A9B09-5002-4072-2245-008EFB3DBEA4}"/>
+          </ac:spMkLst>
+        </pc:spChg>
+        <pc:spChg chg="del">
+          <ac:chgData name="Emily Crose" userId="5a1598ef78992c55" providerId="LiveId" clId="{75F37481-841B-40AD-A891-4A29A46DEAFB}" dt="2023-04-17T17:18:27.097" v="1129"/>
+          <ac:spMkLst>
+            <pc:docMk/>
+            <pc:sldMk cId="3697047610" sldId="305"/>
+            <ac:spMk id="3" creationId="{EDF0E551-EC6C-2450-28D8-45BA4A718B52}"/>
+          </ac:spMkLst>
+        </pc:spChg>
+        <pc:picChg chg="add mod ord">
+          <ac:chgData name="Emily Crose" userId="5a1598ef78992c55" providerId="LiveId" clId="{75F37481-841B-40AD-A891-4A29A46DEAFB}" dt="2023-04-17T17:18:35.215" v="1133" actId="26606"/>
+          <ac:picMkLst>
+            <pc:docMk/>
+            <pc:sldMk cId="3697047610" sldId="305"/>
+            <ac:picMk id="5" creationId="{84671443-2680-DA6E-F177-D84F2B66BF71}"/>
+          </ac:picMkLst>
+        </pc:picChg>
+      </pc:sldChg>
+      <pc:sldChg chg="addSp modSp new mod setBg">
+        <pc:chgData name="Emily Crose" userId="5a1598ef78992c55" providerId="LiveId" clId="{75F37481-841B-40AD-A891-4A29A46DEAFB}" dt="2023-04-17T17:21:33.800" v="1159" actId="26606"/>
+        <pc:sldMkLst>
+          <pc:docMk/>
+          <pc:sldMk cId="1442831529" sldId="306"/>
+        </pc:sldMkLst>
+        <pc:spChg chg="mod">
+          <ac:chgData name="Emily Crose" userId="5a1598ef78992c55" providerId="LiveId" clId="{75F37481-841B-40AD-A891-4A29A46DEAFB}" dt="2023-04-17T17:21:33.800" v="1159" actId="26606"/>
+          <ac:spMkLst>
+            <pc:docMk/>
+            <pc:sldMk cId="1442831529" sldId="306"/>
+            <ac:spMk id="2" creationId="{14550114-62A8-59B5-B6B1-EBE576F3AB08}"/>
+          </ac:spMkLst>
+        </pc:spChg>
+        <pc:spChg chg="add">
+          <ac:chgData name="Emily Crose" userId="5a1598ef78992c55" providerId="LiveId" clId="{75F37481-841B-40AD-A891-4A29A46DEAFB}" dt="2023-04-17T17:21:33.800" v="1159" actId="26606"/>
+          <ac:spMkLst>
+            <pc:docMk/>
+            <pc:sldMk cId="1442831529" sldId="306"/>
+            <ac:spMk id="9" creationId="{93A46EEB-10AB-4E52-AF22-A848AE9259F9}"/>
+          </ac:spMkLst>
+        </pc:spChg>
+        <pc:picChg chg="add mod">
+          <ac:chgData name="Emily Crose" userId="5a1598ef78992c55" providerId="LiveId" clId="{75F37481-841B-40AD-A891-4A29A46DEAFB}" dt="2023-04-17T17:21:33.800" v="1159" actId="26606"/>
+          <ac:picMkLst>
+            <pc:docMk/>
+            <pc:sldMk cId="1442831529" sldId="306"/>
+            <ac:picMk id="4" creationId="{CE7776E4-5CA9-56DD-7084-87A6DFE122AE}"/>
+          </ac:picMkLst>
+        </pc:picChg>
+      </pc:sldChg>
+      <pc:sldChg chg="addSp modSp new mod setBg modClrScheme chgLayout">
+        <pc:chgData name="Emily Crose" userId="5a1598ef78992c55" providerId="LiveId" clId="{75F37481-841B-40AD-A891-4A29A46DEAFB}" dt="2023-04-17T17:22:43.602" v="1177" actId="26606"/>
+        <pc:sldMkLst>
+          <pc:docMk/>
+          <pc:sldMk cId="1996113951" sldId="307"/>
+        </pc:sldMkLst>
+        <pc:spChg chg="add mod">
+          <ac:chgData name="Emily Crose" userId="5a1598ef78992c55" providerId="LiveId" clId="{75F37481-841B-40AD-A891-4A29A46DEAFB}" dt="2023-04-17T17:22:43.602" v="1177" actId="26606"/>
+          <ac:spMkLst>
+            <pc:docMk/>
+            <pc:sldMk cId="1996113951" sldId="307"/>
+            <ac:spMk id="2" creationId="{9699BB10-D953-4E3C-098C-14C06B316910}"/>
+          </ac:spMkLst>
+        </pc:spChg>
+        <pc:spChg chg="add mod">
+          <ac:chgData name="Emily Crose" userId="5a1598ef78992c55" providerId="LiveId" clId="{75F37481-841B-40AD-A891-4A29A46DEAFB}" dt="2023-04-17T17:22:43.602" v="1177" actId="26606"/>
+          <ac:spMkLst>
+            <pc:docMk/>
+            <pc:sldMk cId="1996113951" sldId="307"/>
+            <ac:spMk id="3" creationId="{D80EA98A-E511-4EFE-C174-52517710B712}"/>
+          </ac:spMkLst>
+        </pc:spChg>
+        <pc:picChg chg="add">
+          <ac:chgData name="Emily Crose" userId="5a1598ef78992c55" providerId="LiveId" clId="{75F37481-841B-40AD-A891-4A29A46DEAFB}" dt="2023-04-17T17:22:43.602" v="1177" actId="26606"/>
+          <ac:picMkLst>
+            <pc:docMk/>
+            <pc:sldMk cId="1996113951" sldId="307"/>
+            <ac:picMk id="5" creationId="{D70D4FBC-E1A0-E8C6-7725-0B7F3F68E766}"/>
+          </ac:picMkLst>
+        </pc:picChg>
+        <pc:picChg chg="add">
+          <ac:chgData name="Emily Crose" userId="5a1598ef78992c55" providerId="LiveId" clId="{75F37481-841B-40AD-A891-4A29A46DEAFB}" dt="2023-04-17T17:22:43.602" v="1177" actId="26606"/>
+          <ac:picMkLst>
+            <pc:docMk/>
+            <pc:sldMk cId="1996113951" sldId="307"/>
+            <ac:picMk id="9" creationId="{2BFB581C-2142-4222-9A3B-905AD6C09535}"/>
+          </ac:picMkLst>
+        </pc:picChg>
       </pc:sldChg>
     </pc:docChg>
   </pc:docChgLst>
@@ -4083,7 +4555,7 @@
           <a:p>
             <a:fld id="{BE048F1E-0B01-B04D-9371-15538F615E4A}" type="datetimeFigureOut">
               <a:rPr lang="en-US" smtClean="0"/>
-              <a:t>4/16/2023</a:t>
+              <a:t>4/17/2023</a:t>
             </a:fld>
             <a:endParaRPr lang="en-US"/>
           </a:p>
@@ -4480,7 +4952,7 @@
           <a:p>
             <a:r>
               <a:rPr lang="en-US" dirty="0"/>
-              <a:t>Over the last couple of days, we’ve talked a lot about the types of software we may interact with in our lives. We now have a sense of scale of how large of a project it is to build an app, so the question for us becomes; how do we approach this project with as much organization as possible? That’s where the software development life cycle comes into play</a:t>
+              <a:t>API keys are meant to be kept secret. Why? Because they include information related to one specific account.</a:t>
             </a:r>
           </a:p>
         </p:txBody>
@@ -4502,7 +4974,7 @@
           <a:p>
             <a:fld id="{10D988CA-5978-2244-BA11-DC1A92DB7F45}" type="slidenum">
               <a:rPr lang="en-US" smtClean="0"/>
-              <a:t>8</a:t>
+              <a:t>7</a:t>
             </a:fld>
             <a:endParaRPr lang="en-US"/>
           </a:p>
@@ -4511,7 +4983,7 @@
     </p:spTree>
     <p:extLst>
       <p:ext uri="{BB962C8B-B14F-4D97-AF65-F5344CB8AC3E}">
-        <p14:creationId xmlns:p14="http://schemas.microsoft.com/office/powerpoint/2010/main" val="2000501755"/>
+        <p14:creationId xmlns:p14="http://schemas.microsoft.com/office/powerpoint/2010/main" val="642083912"/>
       </p:ext>
     </p:extLst>
   </p:cSld>
@@ -4567,7 +5039,7 @@
           <a:p>
             <a:r>
               <a:rPr lang="en-US" dirty="0"/>
-              <a:t>This is a simple example of the SDLC. Typically, representations of the SDLC will have around 6 steps, but the steps will generally match what you see here. </a:t>
+              <a:t>So let’s take a look at what an API actually looks like in practice.</a:t>
             </a:r>
           </a:p>
         </p:txBody>
@@ -4589,7 +5061,7 @@
           <a:p>
             <a:fld id="{10D988CA-5978-2244-BA11-DC1A92DB7F45}" type="slidenum">
               <a:rPr lang="en-US" smtClean="0"/>
-              <a:t>10</a:t>
+              <a:t>14</a:t>
             </a:fld>
             <a:endParaRPr lang="en-US"/>
           </a:p>
@@ -4598,7 +5070,7 @@
     </p:spTree>
     <p:extLst>
       <p:ext uri="{BB962C8B-B14F-4D97-AF65-F5344CB8AC3E}">
-        <p14:creationId xmlns:p14="http://schemas.microsoft.com/office/powerpoint/2010/main" val="2071879139"/>
+        <p14:creationId xmlns:p14="http://schemas.microsoft.com/office/powerpoint/2010/main" val="499617542"/>
       </p:ext>
     </p:extLst>
   </p:cSld>
@@ -4673,7 +5145,265 @@
           <a:p>
             <a:fld id="{10D988CA-5978-2244-BA11-DC1A92DB7F45}" type="slidenum">
               <a:rPr lang="en-US" smtClean="0"/>
-              <a:t>12</a:t>
+              <a:t>16</a:t>
+            </a:fld>
+            <a:endParaRPr lang="en-US"/>
+          </a:p>
+        </p:txBody>
+      </p:sp>
+    </p:spTree>
+    <p:extLst>
+      <p:ext uri="{BB962C8B-B14F-4D97-AF65-F5344CB8AC3E}">
+        <p14:creationId xmlns:p14="http://schemas.microsoft.com/office/powerpoint/2010/main" val="2535370424"/>
+      </p:ext>
+    </p:extLst>
+  </p:cSld>
+  <p:clrMapOvr>
+    <a:masterClrMapping/>
+  </p:clrMapOvr>
+</p:notes>
+</file>
+
+<file path=ppt/notesSlides/notesSlide5.xml><?xml version="1.0" encoding="utf-8"?>
+<p:notes xmlns:a="http://schemas.openxmlformats.org/drawingml/2006/main" xmlns:r="http://schemas.openxmlformats.org/officeDocument/2006/relationships" xmlns:p="http://schemas.openxmlformats.org/presentationml/2006/main">
+  <p:cSld>
+    <p:spTree>
+      <p:nvGrpSpPr>
+        <p:cNvPr id="1" name=""/>
+        <p:cNvGrpSpPr/>
+        <p:nvPr/>
+      </p:nvGrpSpPr>
+      <p:grpSpPr>
+        <a:xfrm>
+          <a:off x="0" y="0"/>
+          <a:ext cx="0" cy="0"/>
+          <a:chOff x="0" y="0"/>
+          <a:chExt cx="0" cy="0"/>
+        </a:xfrm>
+      </p:grpSpPr>
+      <p:sp>
+        <p:nvSpPr>
+          <p:cNvPr id="2" name="Slide Image Placeholder 1"/>
+          <p:cNvSpPr>
+            <a:spLocks noGrp="1" noRot="1" noChangeAspect="1"/>
+          </p:cNvSpPr>
+          <p:nvPr>
+            <p:ph type="sldImg"/>
+          </p:nvPr>
+        </p:nvSpPr>
+        <p:spPr/>
+      </p:sp>
+      <p:sp>
+        <p:nvSpPr>
+          <p:cNvPr id="3" name="Notes Placeholder 2"/>
+          <p:cNvSpPr>
+            <a:spLocks noGrp="1"/>
+          </p:cNvSpPr>
+          <p:nvPr>
+            <p:ph type="body" idx="1"/>
+          </p:nvPr>
+        </p:nvSpPr>
+        <p:spPr/>
+        <p:txBody>
+          <a:bodyPr/>
+          <a:lstStyle/>
+          <a:p>
+            <a:r>
+              <a:rPr lang="en-US" dirty="0"/>
+              <a:t>Over the last couple of days, we’ve talked a lot about the types of software we may interact with in our lives. We now have a sense of scale of how large of a project it is to build an app, so the question for us becomes; how do we approach this project with as much organization as possible? That’s where the software development life cycle comes into play</a:t>
+            </a:r>
+          </a:p>
+        </p:txBody>
+      </p:sp>
+      <p:sp>
+        <p:nvSpPr>
+          <p:cNvPr id="4" name="Slide Number Placeholder 3"/>
+          <p:cNvSpPr>
+            <a:spLocks noGrp="1"/>
+          </p:cNvSpPr>
+          <p:nvPr>
+            <p:ph type="sldNum" sz="quarter" idx="5"/>
+          </p:nvPr>
+        </p:nvSpPr>
+        <p:spPr/>
+        <p:txBody>
+          <a:bodyPr/>
+          <a:lstStyle/>
+          <a:p>
+            <a:fld id="{10D988CA-5978-2244-BA11-DC1A92DB7F45}" type="slidenum">
+              <a:rPr lang="en-US" smtClean="0"/>
+              <a:t>18</a:t>
+            </a:fld>
+            <a:endParaRPr lang="en-US"/>
+          </a:p>
+        </p:txBody>
+      </p:sp>
+    </p:spTree>
+    <p:extLst>
+      <p:ext uri="{BB962C8B-B14F-4D97-AF65-F5344CB8AC3E}">
+        <p14:creationId xmlns:p14="http://schemas.microsoft.com/office/powerpoint/2010/main" val="2000501755"/>
+      </p:ext>
+    </p:extLst>
+  </p:cSld>
+  <p:clrMapOvr>
+    <a:masterClrMapping/>
+  </p:clrMapOvr>
+</p:notes>
+</file>
+
+<file path=ppt/notesSlides/notesSlide6.xml><?xml version="1.0" encoding="utf-8"?>
+<p:notes xmlns:a="http://schemas.openxmlformats.org/drawingml/2006/main" xmlns:r="http://schemas.openxmlformats.org/officeDocument/2006/relationships" xmlns:p="http://schemas.openxmlformats.org/presentationml/2006/main">
+  <p:cSld>
+    <p:spTree>
+      <p:nvGrpSpPr>
+        <p:cNvPr id="1" name=""/>
+        <p:cNvGrpSpPr/>
+        <p:nvPr/>
+      </p:nvGrpSpPr>
+      <p:grpSpPr>
+        <a:xfrm>
+          <a:off x="0" y="0"/>
+          <a:ext cx="0" cy="0"/>
+          <a:chOff x="0" y="0"/>
+          <a:chExt cx="0" cy="0"/>
+        </a:xfrm>
+      </p:grpSpPr>
+      <p:sp>
+        <p:nvSpPr>
+          <p:cNvPr id="2" name="Slide Image Placeholder 1"/>
+          <p:cNvSpPr>
+            <a:spLocks noGrp="1" noRot="1" noChangeAspect="1"/>
+          </p:cNvSpPr>
+          <p:nvPr>
+            <p:ph type="sldImg"/>
+          </p:nvPr>
+        </p:nvSpPr>
+        <p:spPr/>
+      </p:sp>
+      <p:sp>
+        <p:nvSpPr>
+          <p:cNvPr id="3" name="Notes Placeholder 2"/>
+          <p:cNvSpPr>
+            <a:spLocks noGrp="1"/>
+          </p:cNvSpPr>
+          <p:nvPr>
+            <p:ph type="body" idx="1"/>
+          </p:nvPr>
+        </p:nvSpPr>
+        <p:spPr/>
+        <p:txBody>
+          <a:bodyPr/>
+          <a:lstStyle/>
+          <a:p>
+            <a:r>
+              <a:rPr lang="en-US" dirty="0"/>
+              <a:t>This is a simple example of the SDLC. Typically, representations of the SDLC will have around 6 steps, but the steps will generally match what you see here. </a:t>
+            </a:r>
+          </a:p>
+        </p:txBody>
+      </p:sp>
+      <p:sp>
+        <p:nvSpPr>
+          <p:cNvPr id="4" name="Slide Number Placeholder 3"/>
+          <p:cNvSpPr>
+            <a:spLocks noGrp="1"/>
+          </p:cNvSpPr>
+          <p:nvPr>
+            <p:ph type="sldNum" sz="quarter" idx="5"/>
+          </p:nvPr>
+        </p:nvSpPr>
+        <p:spPr/>
+        <p:txBody>
+          <a:bodyPr/>
+          <a:lstStyle/>
+          <a:p>
+            <a:fld id="{10D988CA-5978-2244-BA11-DC1A92DB7F45}" type="slidenum">
+              <a:rPr lang="en-US" smtClean="0"/>
+              <a:t>20</a:t>
+            </a:fld>
+            <a:endParaRPr lang="en-US"/>
+          </a:p>
+        </p:txBody>
+      </p:sp>
+    </p:spTree>
+    <p:extLst>
+      <p:ext uri="{BB962C8B-B14F-4D97-AF65-F5344CB8AC3E}">
+        <p14:creationId xmlns:p14="http://schemas.microsoft.com/office/powerpoint/2010/main" val="2071879139"/>
+      </p:ext>
+    </p:extLst>
+  </p:cSld>
+  <p:clrMapOvr>
+    <a:masterClrMapping/>
+  </p:clrMapOvr>
+</p:notes>
+</file>
+
+<file path=ppt/notesSlides/notesSlide7.xml><?xml version="1.0" encoding="utf-8"?>
+<p:notes xmlns:a="http://schemas.openxmlformats.org/drawingml/2006/main" xmlns:r="http://schemas.openxmlformats.org/officeDocument/2006/relationships" xmlns:p="http://schemas.openxmlformats.org/presentationml/2006/main">
+  <p:cSld>
+    <p:spTree>
+      <p:nvGrpSpPr>
+        <p:cNvPr id="1" name=""/>
+        <p:cNvGrpSpPr/>
+        <p:nvPr/>
+      </p:nvGrpSpPr>
+      <p:grpSpPr>
+        <a:xfrm>
+          <a:off x="0" y="0"/>
+          <a:ext cx="0" cy="0"/>
+          <a:chOff x="0" y="0"/>
+          <a:chExt cx="0" cy="0"/>
+        </a:xfrm>
+      </p:grpSpPr>
+      <p:sp>
+        <p:nvSpPr>
+          <p:cNvPr id="2" name="Slide Image Placeholder 1"/>
+          <p:cNvSpPr>
+            <a:spLocks noGrp="1" noRot="1" noChangeAspect="1"/>
+          </p:cNvSpPr>
+          <p:nvPr>
+            <p:ph type="sldImg"/>
+          </p:nvPr>
+        </p:nvSpPr>
+        <p:spPr/>
+      </p:sp>
+      <p:sp>
+        <p:nvSpPr>
+          <p:cNvPr id="3" name="Notes Placeholder 2"/>
+          <p:cNvSpPr>
+            <a:spLocks noGrp="1"/>
+          </p:cNvSpPr>
+          <p:nvPr>
+            <p:ph type="body" idx="1"/>
+          </p:nvPr>
+        </p:nvSpPr>
+        <p:spPr/>
+        <p:txBody>
+          <a:bodyPr/>
+          <a:lstStyle/>
+          <a:p>
+            <a:endParaRPr lang="en-US" dirty="0"/>
+          </a:p>
+        </p:txBody>
+      </p:sp>
+      <p:sp>
+        <p:nvSpPr>
+          <p:cNvPr id="4" name="Slide Number Placeholder 3"/>
+          <p:cNvSpPr>
+            <a:spLocks noGrp="1"/>
+          </p:cNvSpPr>
+          <p:nvPr>
+            <p:ph type="sldNum" sz="quarter" idx="5"/>
+          </p:nvPr>
+        </p:nvSpPr>
+        <p:spPr/>
+        <p:txBody>
+          <a:bodyPr/>
+          <a:lstStyle/>
+          <a:p>
+            <a:fld id="{10D988CA-5978-2244-BA11-DC1A92DB7F45}" type="slidenum">
+              <a:rPr lang="en-US" smtClean="0"/>
+              <a:t>22</a:t>
             </a:fld>
             <a:endParaRPr lang="en-US"/>
           </a:p>
@@ -4877,7 +5607,7 @@
           <a:p>
             <a:fld id="{1160EA64-D806-43AC-9DF2-F8C432F32B4C}" type="datetimeFigureOut">
               <a:rPr lang="en-US" smtClean="0"/>
-              <a:t>4/16/2023</a:t>
+              <a:t>4/17/2023</a:t>
             </a:fld>
             <a:endParaRPr lang="en-US" dirty="0"/>
           </a:p>
@@ -5176,7 +5906,7 @@
           <a:p>
             <a:fld id="{1160EA64-D806-43AC-9DF2-F8C432F32B4C}" type="datetimeFigureOut">
               <a:rPr lang="en-US" smtClean="0"/>
-              <a:t>4/16/2023</a:t>
+              <a:t>4/17/2023</a:t>
             </a:fld>
             <a:endParaRPr lang="en-US" dirty="0"/>
           </a:p>
@@ -5370,7 +6100,7 @@
           <a:p>
             <a:fld id="{1160EA64-D806-43AC-9DF2-F8C432F32B4C}" type="datetimeFigureOut">
               <a:rPr lang="en-US" smtClean="0"/>
-              <a:t>4/16/2023</a:t>
+              <a:t>4/17/2023</a:t>
             </a:fld>
             <a:endParaRPr lang="en-US" dirty="0"/>
           </a:p>
@@ -5633,7 +6363,7 @@
           <a:p>
             <a:fld id="{1160EA64-D806-43AC-9DF2-F8C432F32B4C}" type="datetimeFigureOut">
               <a:rPr lang="en-US" smtClean="0"/>
-              <a:t>4/16/2023</a:t>
+              <a:t>4/17/2023</a:t>
             </a:fld>
             <a:endParaRPr lang="en-US" dirty="0"/>
           </a:p>
@@ -6059,7 +6789,7 @@
           <a:p>
             <a:fld id="{1160EA64-D806-43AC-9DF2-F8C432F32B4C}" type="datetimeFigureOut">
               <a:rPr lang="en-US" smtClean="0"/>
-              <a:t>4/16/2023</a:t>
+              <a:t>4/17/2023</a:t>
             </a:fld>
             <a:endParaRPr lang="en-US" dirty="0"/>
           </a:p>
@@ -6598,7 +7328,7 @@
           <a:p>
             <a:fld id="{1160EA64-D806-43AC-9DF2-F8C432F32B4C}" type="datetimeFigureOut">
               <a:rPr lang="en-US" smtClean="0"/>
-              <a:t>4/16/2023</a:t>
+              <a:t>4/17/2023</a:t>
             </a:fld>
             <a:endParaRPr lang="en-US" dirty="0"/>
           </a:p>
@@ -7464,7 +8194,7 @@
           <a:p>
             <a:fld id="{1160EA64-D806-43AC-9DF2-F8C432F32B4C}" type="datetimeFigureOut">
               <a:rPr lang="en-US" smtClean="0"/>
-              <a:t>4/16/2023</a:t>
+              <a:t>4/17/2023</a:t>
             </a:fld>
             <a:endParaRPr lang="en-US" dirty="0"/>
           </a:p>
@@ -7636,7 +8366,7 @@
           <a:p>
             <a:fld id="{E9F9C37B-1D36-470B-8223-D6C91242EC14}" type="datetimeFigureOut">
               <a:rPr lang="en-US" smtClean="0"/>
-              <a:t>4/16/2023</a:t>
+              <a:t>4/17/2023</a:t>
             </a:fld>
             <a:endParaRPr lang="en-US" dirty="0"/>
           </a:p>
@@ -7820,7 +8550,7 @@
           <a:p>
             <a:fld id="{67C6F52A-A82B-47A2-A83A-8C4C91F2D59F}" type="datetimeFigureOut">
               <a:rPr lang="en-US" smtClean="0"/>
-              <a:t>4/16/2023</a:t>
+              <a:t>4/17/2023</a:t>
             </a:fld>
             <a:endParaRPr lang="en-US" dirty="0"/>
           </a:p>
@@ -7990,7 +8720,7 @@
           <a:p>
             <a:fld id="{F070A7B3-6521-4DCA-87E5-044747A908C1}" type="datetimeFigureOut">
               <a:rPr lang="en-US" smtClean="0"/>
-              <a:t>4/16/2023</a:t>
+              <a:t>4/17/2023</a:t>
             </a:fld>
             <a:endParaRPr lang="en-US" dirty="0"/>
           </a:p>
@@ -8235,7 +8965,7 @@
           <a:p>
             <a:fld id="{1160EA64-D806-43AC-9DF2-F8C432F32B4C}" type="datetimeFigureOut">
               <a:rPr lang="en-US" smtClean="0"/>
-              <a:t>4/16/2023</a:t>
+              <a:t>4/17/2023</a:t>
             </a:fld>
             <a:endParaRPr lang="en-US" dirty="0"/>
           </a:p>
@@ -8472,7 +9202,7 @@
           <a:p>
             <a:fld id="{AB134690-1557-4C89-A502-4959FE7FAD70}" type="datetimeFigureOut">
               <a:rPr lang="en-US" smtClean="0"/>
-              <a:t>4/16/2023</a:t>
+              <a:t>4/17/2023</a:t>
             </a:fld>
             <a:endParaRPr lang="en-US" dirty="0"/>
           </a:p>
@@ -8938,7 +9668,7 @@
           <a:p>
             <a:fld id="{1160EA64-D806-43AC-9DF2-F8C432F32B4C}" type="datetimeFigureOut">
               <a:rPr lang="en-US" smtClean="0"/>
-              <a:t>4/16/2023</a:t>
+              <a:t>4/17/2023</a:t>
             </a:fld>
             <a:endParaRPr lang="en-US" dirty="0"/>
           </a:p>
@@ -9058,7 +9788,7 @@
           <a:p>
             <a:fld id="{E1037C31-9E7A-4F99-8774-A0E530DE1A42}" type="datetimeFigureOut">
               <a:rPr lang="en-US" smtClean="0"/>
-              <a:t>4/16/2023</a:t>
+              <a:t>4/17/2023</a:t>
             </a:fld>
             <a:endParaRPr lang="en-US" dirty="0"/>
           </a:p>
@@ -9153,7 +9883,7 @@
           <a:p>
             <a:fld id="{C278504F-A551-4DE0-9316-4DCD1D8CC752}" type="datetimeFigureOut">
               <a:rPr lang="en-US" smtClean="0"/>
-              <a:t>4/16/2023</a:t>
+              <a:t>4/17/2023</a:t>
             </a:fld>
             <a:endParaRPr lang="en-US" dirty="0"/>
           </a:p>
@@ -9408,7 +10138,7 @@
           <a:p>
             <a:fld id="{D1BE4249-C0D0-4B06-8692-E8BB871AF643}" type="datetimeFigureOut">
               <a:rPr lang="en-US" smtClean="0"/>
-              <a:t>4/16/2023</a:t>
+              <a:t>4/17/2023</a:t>
             </a:fld>
             <a:endParaRPr lang="en-US" dirty="0"/>
           </a:p>
@@ -9708,7 +10438,7 @@
           <a:p>
             <a:fld id="{042B0DB6-F5C7-45FB-8CF3-31B45F9C2DAC}" type="datetimeFigureOut">
               <a:rPr lang="en-US" smtClean="0"/>
-              <a:t>4/16/2023</a:t>
+              <a:t>4/17/2023</a:t>
             </a:fld>
             <a:endParaRPr lang="en-US" dirty="0"/>
           </a:p>
@@ -9942,7 +10672,7 @@
           <a:p>
             <a:fld id="{1160EA64-D806-43AC-9DF2-F8C432F32B4C}" type="datetimeFigureOut">
               <a:rPr lang="en-US" smtClean="0"/>
-              <a:t>4/16/2023</a:t>
+              <a:t>4/17/2023</a:t>
             </a:fld>
             <a:endParaRPr lang="en-US" dirty="0"/>
           </a:p>
@@ -10848,7 +11578,7 @@
           </a:effectLst>
           <a:extLst>
             <a:ext uri="{91240B29-F687-4f45-9708-019B960494DF}">
-              <a14:hiddenLine xmlns="" xmlns:a16="http://schemas.microsoft.com/office/drawing/2014/main" xmlns:p14="http://schemas.microsoft.com/office/powerpoint/2010/main" xmlns:a14="http://schemas.microsoft.com/office/drawing/2010/main" w="9525">
+              <a14:hiddenLine xmlns:a14="http://schemas.microsoft.com/office/drawing/2010/main" xmlns:p14="http://schemas.microsoft.com/office/powerpoint/2010/main" xmlns:a16="http://schemas.microsoft.com/office/drawing/2014/main" xmlns="" w="9525">
                 <a:solidFill>
                   <a:srgbClr val="000000"/>
                 </a:solidFill>
@@ -10998,6 +11728,1536 @@
 </file>
 
 <file path=ppt/slides/slide10.xml><?xml version="1.0" encoding="utf-8"?>
+<p:sld xmlns:a="http://schemas.openxmlformats.org/drawingml/2006/main" xmlns:r="http://schemas.openxmlformats.org/officeDocument/2006/relationships" xmlns:p="http://schemas.openxmlformats.org/presentationml/2006/main">
+  <p:cSld>
+    <p:spTree>
+      <p:nvGrpSpPr>
+        <p:cNvPr id="1" name=""/>
+        <p:cNvGrpSpPr/>
+        <p:nvPr/>
+      </p:nvGrpSpPr>
+      <p:grpSpPr>
+        <a:xfrm>
+          <a:off x="0" y="0"/>
+          <a:ext cx="0" cy="0"/>
+          <a:chOff x="0" y="0"/>
+          <a:chExt cx="0" cy="0"/>
+        </a:xfrm>
+      </p:grpSpPr>
+      <p:sp>
+        <p:nvSpPr>
+          <p:cNvPr id="2" name="Title 1">
+            <a:extLst>
+              <a:ext uri="{FF2B5EF4-FFF2-40B4-BE49-F238E27FC236}">
+                <a16:creationId xmlns:a16="http://schemas.microsoft.com/office/drawing/2014/main" id="{8D38055C-DB38-EB4B-6669-F605D6529E50}"/>
+              </a:ext>
+            </a:extLst>
+          </p:cNvPr>
+          <p:cNvSpPr>
+            <a:spLocks noGrp="1"/>
+          </p:cNvSpPr>
+          <p:nvPr>
+            <p:ph type="title"/>
+          </p:nvPr>
+        </p:nvSpPr>
+        <p:spPr/>
+        <p:txBody>
+          <a:bodyPr/>
+          <a:lstStyle/>
+          <a:p>
+            <a:r>
+              <a:rPr lang="en-US" dirty="0"/>
+              <a:t>HTTP API Verbs</a:t>
+            </a:r>
+          </a:p>
+        </p:txBody>
+      </p:sp>
+      <p:sp>
+        <p:nvSpPr>
+          <p:cNvPr id="3" name="Content Placeholder 2">
+            <a:extLst>
+              <a:ext uri="{FF2B5EF4-FFF2-40B4-BE49-F238E27FC236}">
+                <a16:creationId xmlns:a16="http://schemas.microsoft.com/office/drawing/2014/main" id="{C8B57EC0-36E5-FD32-3113-980C3CF7B0A7}"/>
+              </a:ext>
+            </a:extLst>
+          </p:cNvPr>
+          <p:cNvSpPr>
+            <a:spLocks noGrp="1"/>
+          </p:cNvSpPr>
+          <p:nvPr>
+            <p:ph idx="1"/>
+          </p:nvPr>
+        </p:nvSpPr>
+        <p:spPr/>
+        <p:txBody>
+          <a:bodyPr/>
+          <a:lstStyle/>
+          <a:p>
+            <a:r>
+              <a:rPr lang="en-US" dirty="0"/>
+              <a:t>HTTP</a:t>
+            </a:r>
+          </a:p>
+          <a:p>
+            <a:pPr lvl="1"/>
+            <a:r>
+              <a:rPr lang="en-US" dirty="0"/>
+              <a:t>GET</a:t>
+            </a:r>
+          </a:p>
+          <a:p>
+            <a:pPr lvl="1"/>
+            <a:r>
+              <a:rPr lang="en-US" dirty="0"/>
+              <a:t>POST</a:t>
+            </a:r>
+          </a:p>
+          <a:p>
+            <a:pPr lvl="1"/>
+            <a:r>
+              <a:rPr lang="en-US" dirty="0"/>
+              <a:t>PUT</a:t>
+            </a:r>
+          </a:p>
+          <a:p>
+            <a:pPr lvl="1"/>
+            <a:r>
+              <a:rPr lang="en-US" dirty="0"/>
+              <a:t>DELETE</a:t>
+            </a:r>
+          </a:p>
+        </p:txBody>
+      </p:sp>
+    </p:spTree>
+    <p:extLst>
+      <p:ext uri="{BB962C8B-B14F-4D97-AF65-F5344CB8AC3E}">
+        <p14:creationId xmlns:p14="http://schemas.microsoft.com/office/powerpoint/2010/main" val="1806608824"/>
+      </p:ext>
+    </p:extLst>
+  </p:cSld>
+  <p:clrMapOvr>
+    <a:masterClrMapping/>
+  </p:clrMapOvr>
+</p:sld>
+</file>
+
+<file path=ppt/slides/slide11.xml><?xml version="1.0" encoding="utf-8"?>
+<p:sld xmlns:a="http://schemas.openxmlformats.org/drawingml/2006/main" xmlns:r="http://schemas.openxmlformats.org/officeDocument/2006/relationships" xmlns:p="http://schemas.openxmlformats.org/presentationml/2006/main">
+  <p:cSld>
+    <p:bg>
+      <p:bgPr>
+        <a:blipFill rotWithShape="1">
+          <a:blip r:embed="rId2">
+            <a:duotone>
+              <a:schemeClr val="bg2">
+                <a:shade val="80000"/>
+                <a:lumMod val="80000"/>
+              </a:schemeClr>
+              <a:schemeClr val="bg2">
+                <a:tint val="98000"/>
+              </a:schemeClr>
+            </a:duotone>
+          </a:blip>
+          <a:stretch/>
+        </a:blipFill>
+        <a:effectLst/>
+      </p:bgPr>
+    </p:bg>
+    <p:spTree>
+      <p:nvGrpSpPr>
+        <p:cNvPr id="1" name=""/>
+        <p:cNvGrpSpPr/>
+        <p:nvPr/>
+      </p:nvGrpSpPr>
+      <p:grpSpPr>
+        <a:xfrm>
+          <a:off x="0" y="0"/>
+          <a:ext cx="0" cy="0"/>
+          <a:chOff x="0" y="0"/>
+          <a:chExt cx="0" cy="0"/>
+        </a:xfrm>
+      </p:grpSpPr>
+      <p:sp>
+        <p:nvSpPr>
+          <p:cNvPr id="2" name="Title 1">
+            <a:extLst>
+              <a:ext uri="{FF2B5EF4-FFF2-40B4-BE49-F238E27FC236}">
+                <a16:creationId xmlns:a16="http://schemas.microsoft.com/office/drawing/2014/main" id="{0F8A9B09-5002-4072-2245-008EFB3DBEA4}"/>
+              </a:ext>
+            </a:extLst>
+          </p:cNvPr>
+          <p:cNvSpPr>
+            <a:spLocks noGrp="1"/>
+          </p:cNvSpPr>
+          <p:nvPr>
+            <p:ph type="title"/>
+          </p:nvPr>
+        </p:nvSpPr>
+        <p:spPr>
+          <a:xfrm>
+            <a:off x="1370693" y="4406537"/>
+            <a:ext cx="9440034" cy="1088336"/>
+          </a:xfrm>
+        </p:spPr>
+        <p:txBody>
+          <a:bodyPr vert="horz" lIns="91440" tIns="45720" rIns="91440" bIns="45720" rtlCol="0" anchor="b">
+            <a:normAutofit/>
+          </a:bodyPr>
+          <a:lstStyle/>
+          <a:p>
+            <a:r>
+              <a:rPr lang="en-US" sz="4800" dirty="0"/>
+              <a:t>HTTP GET Header</a:t>
+            </a:r>
+          </a:p>
+        </p:txBody>
+      </p:sp>
+      <p:pic>
+        <p:nvPicPr>
+          <p:cNvPr id="5" name="Content Placeholder 4" descr="Text&#10;&#10;Description automatically generated">
+            <a:extLst>
+              <a:ext uri="{FF2B5EF4-FFF2-40B4-BE49-F238E27FC236}">
+                <a16:creationId xmlns:a16="http://schemas.microsoft.com/office/drawing/2014/main" id="{84671443-2680-DA6E-F177-D84F2B66BF71}"/>
+              </a:ext>
+            </a:extLst>
+          </p:cNvPr>
+          <p:cNvPicPr>
+            <a:picLocks noGrp="1" noChangeAspect="1"/>
+          </p:cNvPicPr>
+          <p:nvPr>
+            <p:ph idx="4294967295"/>
+          </p:nvPr>
+        </p:nvPicPr>
+        <p:blipFill>
+          <a:blip r:embed="rId3"/>
+          <a:stretch>
+            <a:fillRect/>
+          </a:stretch>
+        </p:blipFill>
+        <p:spPr>
+          <a:xfrm>
+            <a:off x="2218349" y="643463"/>
+            <a:ext cx="7762090" cy="3249553"/>
+          </a:xfrm>
+          <a:prstGeom prst="rect">
+            <a:avLst/>
+          </a:prstGeom>
+        </p:spPr>
+      </p:pic>
+    </p:spTree>
+    <p:extLst>
+      <p:ext uri="{BB962C8B-B14F-4D97-AF65-F5344CB8AC3E}">
+        <p14:creationId xmlns:p14="http://schemas.microsoft.com/office/powerpoint/2010/main" val="3697047610"/>
+      </p:ext>
+    </p:extLst>
+  </p:cSld>
+  <p:clrMapOvr>
+    <a:masterClrMapping/>
+  </p:clrMapOvr>
+</p:sld>
+</file>
+
+<file path=ppt/slides/slide12.xml><?xml version="1.0" encoding="utf-8"?>
+<p:sld xmlns:a="http://schemas.openxmlformats.org/drawingml/2006/main" xmlns:r="http://schemas.openxmlformats.org/officeDocument/2006/relationships" xmlns:p="http://schemas.openxmlformats.org/presentationml/2006/main">
+  <p:cSld>
+    <p:bg>
+      <p:bgPr>
+        <a:blipFill rotWithShape="1">
+          <a:blip r:embed="rId2">
+            <a:duotone>
+              <a:schemeClr val="bg2">
+                <a:shade val="80000"/>
+                <a:lumMod val="80000"/>
+              </a:schemeClr>
+              <a:schemeClr val="bg2">
+                <a:tint val="98000"/>
+              </a:schemeClr>
+            </a:duotone>
+          </a:blip>
+          <a:stretch/>
+        </a:blipFill>
+        <a:effectLst/>
+      </p:bgPr>
+    </p:bg>
+    <p:spTree>
+      <p:nvGrpSpPr>
+        <p:cNvPr id="1" name=""/>
+        <p:cNvGrpSpPr/>
+        <p:nvPr/>
+      </p:nvGrpSpPr>
+      <p:grpSpPr>
+        <a:xfrm>
+          <a:off x="0" y="0"/>
+          <a:ext cx="0" cy="0"/>
+          <a:chOff x="0" y="0"/>
+          <a:chExt cx="0" cy="0"/>
+        </a:xfrm>
+      </p:grpSpPr>
+      <p:sp>
+        <p:nvSpPr>
+          <p:cNvPr id="2" name="Title 1">
+            <a:extLst>
+              <a:ext uri="{FF2B5EF4-FFF2-40B4-BE49-F238E27FC236}">
+                <a16:creationId xmlns:a16="http://schemas.microsoft.com/office/drawing/2014/main" id="{14550114-62A8-59B5-B6B1-EBE576F3AB08}"/>
+              </a:ext>
+            </a:extLst>
+          </p:cNvPr>
+          <p:cNvSpPr>
+            <a:spLocks noGrp="1"/>
+          </p:cNvSpPr>
+          <p:nvPr>
+            <p:ph type="title"/>
+          </p:nvPr>
+        </p:nvSpPr>
+        <p:spPr>
+          <a:xfrm>
+            <a:off x="8094617" y="965196"/>
+            <a:ext cx="3137262" cy="2633146"/>
+          </a:xfrm>
+        </p:spPr>
+        <p:txBody>
+          <a:bodyPr vert="horz" lIns="91440" tIns="45720" rIns="91440" bIns="45720" rtlCol="0" anchor="b">
+            <a:normAutofit/>
+          </a:bodyPr>
+          <a:lstStyle/>
+          <a:p>
+            <a:r>
+              <a:rPr lang="en-US" dirty="0"/>
+              <a:t>HTTP POST Header</a:t>
+            </a:r>
+          </a:p>
+        </p:txBody>
+      </p:sp>
+      <p:sp>
+        <p:nvSpPr>
+          <p:cNvPr id="9" name="Rectangle 8">
+            <a:extLst>
+              <a:ext uri="{FF2B5EF4-FFF2-40B4-BE49-F238E27FC236}">
+                <a16:creationId xmlns:a16="http://schemas.microsoft.com/office/drawing/2014/main" id="{93A46EEB-10AB-4E52-AF22-A848AE9259F9}"/>
+              </a:ext>
+              <a:ext uri="{C183D7F6-B498-43B3-948B-1728B52AA6E4}">
+                <adec:decorative xmlns:adec="http://schemas.microsoft.com/office/drawing/2017/decorative" val="1"/>
+              </a:ext>
+            </a:extLst>
+          </p:cNvPr>
+          <p:cNvSpPr>
+            <a:spLocks noGrp="1" noRot="1" noChangeAspect="1" noMove="1" noResize="1" noEditPoints="1" noAdjustHandles="1" noChangeArrowheads="1" noChangeShapeType="1" noTextEdit="1"/>
+          </p:cNvSpPr>
+          <p:nvPr>
+            <p:extLst>
+              <p:ext uri="{386F3935-93C4-4BCD-93E2-E3B085C9AB24}">
+                <p16:designElem xmlns:p16="http://schemas.microsoft.com/office/powerpoint/2015/main" val="1"/>
+              </p:ext>
+            </p:extLst>
+          </p:nvPr>
+        </p:nvSpPr>
+        <p:spPr>
+          <a:xfrm>
+            <a:off x="950614" y="965196"/>
+            <a:ext cx="6476539" cy="4781641"/>
+          </a:xfrm>
+          <a:prstGeom prst="rect">
+            <a:avLst/>
+          </a:prstGeom>
+          <a:solidFill>
+            <a:schemeClr val="tx1"/>
+          </a:solidFill>
+          <a:ln w="190500">
+            <a:solidFill>
+              <a:schemeClr val="tx1">
+                <a:alpha val="7000"/>
+              </a:schemeClr>
+            </a:solidFill>
+          </a:ln>
+        </p:spPr>
+        <p:style>
+          <a:lnRef idx="2">
+            <a:schemeClr val="accent1">
+              <a:shade val="50000"/>
+            </a:schemeClr>
+          </a:lnRef>
+          <a:fillRef idx="1">
+            <a:schemeClr val="accent1"/>
+          </a:fillRef>
+          <a:effectRef idx="0">
+            <a:schemeClr val="accent1"/>
+          </a:effectRef>
+          <a:fontRef idx="minor">
+            <a:schemeClr val="lt1"/>
+          </a:fontRef>
+        </p:style>
+        <p:txBody>
+          <a:bodyPr rtlCol="0" anchor="ctr"/>
+          <a:lstStyle/>
+          <a:p>
+            <a:pPr algn="ctr"/>
+            <a:endParaRPr lang="en-US"/>
+          </a:p>
+        </p:txBody>
+      </p:sp>
+      <p:pic>
+        <p:nvPicPr>
+          <p:cNvPr id="4" name="Picture 3" descr="Text, letter&#10;&#10;Description automatically generated">
+            <a:extLst>
+              <a:ext uri="{FF2B5EF4-FFF2-40B4-BE49-F238E27FC236}">
+                <a16:creationId xmlns:a16="http://schemas.microsoft.com/office/drawing/2014/main" id="{CE7776E4-5CA9-56DD-7084-87A6DFE122AE}"/>
+              </a:ext>
+            </a:extLst>
+          </p:cNvPr>
+          <p:cNvPicPr>
+            <a:picLocks noChangeAspect="1"/>
+          </p:cNvPicPr>
+          <p:nvPr/>
+        </p:nvPicPr>
+        <p:blipFill rotWithShape="1">
+          <a:blip r:embed="rId3"/>
+          <a:srcRect l="514" r="15376" b="3"/>
+          <a:stretch/>
+        </p:blipFill>
+        <p:spPr>
+          <a:xfrm>
+            <a:off x="1380489" y="1438360"/>
+            <a:ext cx="5562032" cy="3835314"/>
+          </a:xfrm>
+          <a:prstGeom prst="rect">
+            <a:avLst/>
+          </a:prstGeom>
+        </p:spPr>
+      </p:pic>
+    </p:spTree>
+    <p:extLst>
+      <p:ext uri="{BB962C8B-B14F-4D97-AF65-F5344CB8AC3E}">
+        <p14:creationId xmlns:p14="http://schemas.microsoft.com/office/powerpoint/2010/main" val="1442831529"/>
+      </p:ext>
+    </p:extLst>
+  </p:cSld>
+  <p:clrMapOvr>
+    <a:masterClrMapping/>
+  </p:clrMapOvr>
+</p:sld>
+</file>
+
+<file path=ppt/slides/slide13.xml><?xml version="1.0" encoding="utf-8"?>
+<p:sld xmlns:a="http://schemas.openxmlformats.org/drawingml/2006/main" xmlns:r="http://schemas.openxmlformats.org/officeDocument/2006/relationships" xmlns:p="http://schemas.openxmlformats.org/presentationml/2006/main">
+  <p:cSld>
+    <p:spTree>
+      <p:nvGrpSpPr>
+        <p:cNvPr id="1" name=""/>
+        <p:cNvGrpSpPr/>
+        <p:nvPr/>
+      </p:nvGrpSpPr>
+      <p:grpSpPr>
+        <a:xfrm>
+          <a:off x="0" y="0"/>
+          <a:ext cx="0" cy="0"/>
+          <a:chOff x="0" y="0"/>
+          <a:chExt cx="0" cy="0"/>
+        </a:xfrm>
+      </p:grpSpPr>
+      <p:sp>
+        <p:nvSpPr>
+          <p:cNvPr id="2" name="Title 1">
+            <a:extLst>
+              <a:ext uri="{FF2B5EF4-FFF2-40B4-BE49-F238E27FC236}">
+                <a16:creationId xmlns:a16="http://schemas.microsoft.com/office/drawing/2014/main" id="{9F9904BA-EB83-D80E-3C87-76326E256305}"/>
+              </a:ext>
+            </a:extLst>
+          </p:cNvPr>
+          <p:cNvSpPr>
+            <a:spLocks noGrp="1"/>
+          </p:cNvSpPr>
+          <p:nvPr>
+            <p:ph type="title"/>
+          </p:nvPr>
+        </p:nvSpPr>
+        <p:spPr/>
+        <p:txBody>
+          <a:bodyPr/>
+          <a:lstStyle/>
+          <a:p>
+            <a:r>
+              <a:rPr lang="en-US" dirty="0"/>
+              <a:t>Weather API</a:t>
+            </a:r>
+          </a:p>
+        </p:txBody>
+      </p:sp>
+      <p:sp>
+        <p:nvSpPr>
+          <p:cNvPr id="3" name="Content Placeholder 2">
+            <a:extLst>
+              <a:ext uri="{FF2B5EF4-FFF2-40B4-BE49-F238E27FC236}">
+                <a16:creationId xmlns:a16="http://schemas.microsoft.com/office/drawing/2014/main" id="{9C8D87AB-82A6-389E-B548-03168208847E}"/>
+              </a:ext>
+            </a:extLst>
+          </p:cNvPr>
+          <p:cNvSpPr>
+            <a:spLocks noGrp="1"/>
+          </p:cNvSpPr>
+          <p:nvPr>
+            <p:ph idx="1"/>
+          </p:nvPr>
+        </p:nvSpPr>
+        <p:spPr/>
+        <p:txBody>
+          <a:bodyPr/>
+          <a:lstStyle/>
+          <a:p>
+            <a:r>
+              <a:rPr lang="en-US" dirty="0">
+                <a:effectLst>
+                  <a:outerShdw blurRad="38100" dist="38100" dir="2700000" algn="tl">
+                    <a:srgbClr val="000000">
+                      <a:alpha val="43137"/>
+                    </a:srgbClr>
+                  </a:outerShdw>
+                </a:effectLst>
+              </a:rPr>
+              <a:t>https://rapidapi.com/weatherapi/api/weatherapi-com</a:t>
+            </a:r>
+          </a:p>
+        </p:txBody>
+      </p:sp>
+    </p:spTree>
+    <p:extLst>
+      <p:ext uri="{BB962C8B-B14F-4D97-AF65-F5344CB8AC3E}">
+        <p14:creationId xmlns:p14="http://schemas.microsoft.com/office/powerpoint/2010/main" val="543577936"/>
+      </p:ext>
+    </p:extLst>
+  </p:cSld>
+  <p:clrMapOvr>
+    <a:masterClrMapping/>
+  </p:clrMapOvr>
+</p:sld>
+</file>
+
+<file path=ppt/slides/slide14.xml><?xml version="1.0" encoding="utf-8"?>
+<p:sld xmlns:a="http://schemas.openxmlformats.org/drawingml/2006/main" xmlns:r="http://schemas.openxmlformats.org/officeDocument/2006/relationships" xmlns:p="http://schemas.openxmlformats.org/presentationml/2006/main">
+  <p:cSld>
+    <p:bg>
+      <p:bgPr>
+        <a:blipFill rotWithShape="1">
+          <a:blip r:embed="rId3">
+            <a:duotone>
+              <a:schemeClr val="bg2">
+                <a:shade val="80000"/>
+                <a:lumMod val="80000"/>
+              </a:schemeClr>
+              <a:schemeClr val="bg2">
+                <a:tint val="98000"/>
+              </a:schemeClr>
+            </a:duotone>
+          </a:blip>
+          <a:stretch/>
+        </a:blipFill>
+        <a:effectLst/>
+      </p:bgPr>
+    </p:bg>
+    <p:spTree>
+      <p:nvGrpSpPr>
+        <p:cNvPr id="1" name=""/>
+        <p:cNvGrpSpPr/>
+        <p:nvPr/>
+      </p:nvGrpSpPr>
+      <p:grpSpPr>
+        <a:xfrm>
+          <a:off x="0" y="0"/>
+          <a:ext cx="0" cy="0"/>
+          <a:chOff x="0" y="0"/>
+          <a:chExt cx="0" cy="0"/>
+        </a:xfrm>
+      </p:grpSpPr>
+      <p:sp>
+        <p:nvSpPr>
+          <p:cNvPr id="10" name="Rectangle 9">
+            <a:extLst>
+              <a:ext uri="{FF2B5EF4-FFF2-40B4-BE49-F238E27FC236}">
+                <a16:creationId xmlns:a16="http://schemas.microsoft.com/office/drawing/2014/main" id="{D64A12F0-8158-4372-9761-AD0A6ED30C2E}"/>
+              </a:ext>
+              <a:ext uri="{C183D7F6-B498-43B3-948B-1728B52AA6E4}">
+                <adec:decorative xmlns:adec="http://schemas.microsoft.com/office/drawing/2017/decorative" val="1"/>
+              </a:ext>
+            </a:extLst>
+          </p:cNvPr>
+          <p:cNvSpPr>
+            <a:spLocks noGrp="1" noRot="1" noChangeAspect="1" noMove="1" noResize="1" noEditPoints="1" noAdjustHandles="1" noChangeArrowheads="1" noChangeShapeType="1" noTextEdit="1"/>
+          </p:cNvSpPr>
+          <p:nvPr>
+            <p:extLst>
+              <p:ext uri="{386F3935-93C4-4BCD-93E2-E3B085C9AB24}">
+                <p16:designElem xmlns:p16="http://schemas.microsoft.com/office/powerpoint/2015/main" val="1"/>
+              </p:ext>
+            </p:extLst>
+          </p:nvPr>
+        </p:nvSpPr>
+        <p:spPr>
+          <a:xfrm>
+            <a:off x="0" y="0"/>
+            <a:ext cx="12192000" cy="6858000"/>
+          </a:xfrm>
+          <a:prstGeom prst="rect">
+            <a:avLst/>
+          </a:prstGeom>
+          <a:solidFill>
+            <a:schemeClr val="bg2"/>
+          </a:solidFill>
+          <a:ln>
+            <a:noFill/>
+          </a:ln>
+        </p:spPr>
+        <p:style>
+          <a:lnRef idx="2">
+            <a:schemeClr val="accent1">
+              <a:shade val="50000"/>
+            </a:schemeClr>
+          </a:lnRef>
+          <a:fillRef idx="1">
+            <a:schemeClr val="accent1"/>
+          </a:fillRef>
+          <a:effectRef idx="0">
+            <a:schemeClr val="accent1"/>
+          </a:effectRef>
+          <a:fontRef idx="minor">
+            <a:schemeClr val="lt1"/>
+          </a:fontRef>
+        </p:style>
+        <p:txBody>
+          <a:bodyPr rtlCol="0" anchor="ctr"/>
+          <a:lstStyle/>
+          <a:p>
+            <a:pPr algn="ctr"/>
+            <a:endParaRPr lang="en-US"/>
+          </a:p>
+        </p:txBody>
+      </p:sp>
+      <p:pic>
+        <p:nvPicPr>
+          <p:cNvPr id="5" name="Picture 4" descr="Graphical user interface, text, application&#10;&#10;Description automatically generated">
+            <a:extLst>
+              <a:ext uri="{FF2B5EF4-FFF2-40B4-BE49-F238E27FC236}">
+                <a16:creationId xmlns:a16="http://schemas.microsoft.com/office/drawing/2014/main" id="{C9F2630B-6A70-6167-F37D-97831177EA64}"/>
+              </a:ext>
+            </a:extLst>
+          </p:cNvPr>
+          <p:cNvPicPr>
+            <a:picLocks noChangeAspect="1"/>
+          </p:cNvPicPr>
+          <p:nvPr/>
+        </p:nvPicPr>
+        <p:blipFill>
+          <a:blip r:embed="rId4"/>
+          <a:stretch>
+            <a:fillRect/>
+          </a:stretch>
+        </p:blipFill>
+        <p:spPr>
+          <a:xfrm>
+            <a:off x="3314244" y="967532"/>
+            <a:ext cx="5563511" cy="4922936"/>
+          </a:xfrm>
+          <a:prstGeom prst="rect">
+            <a:avLst/>
+          </a:prstGeom>
+          <a:ln w="190500">
+            <a:solidFill>
+              <a:schemeClr val="tx1">
+                <a:alpha val="7000"/>
+              </a:schemeClr>
+            </a:solidFill>
+          </a:ln>
+        </p:spPr>
+      </p:pic>
+    </p:spTree>
+    <p:extLst>
+      <p:ext uri="{BB962C8B-B14F-4D97-AF65-F5344CB8AC3E}">
+        <p14:creationId xmlns:p14="http://schemas.microsoft.com/office/powerpoint/2010/main" val="272553218"/>
+      </p:ext>
+    </p:extLst>
+  </p:cSld>
+  <p:clrMapOvr>
+    <a:masterClrMapping/>
+  </p:clrMapOvr>
+</p:sld>
+</file>
+
+<file path=ppt/slides/slide15.xml><?xml version="1.0" encoding="utf-8"?>
+<p:sld xmlns:a="http://schemas.openxmlformats.org/drawingml/2006/main" xmlns:r="http://schemas.openxmlformats.org/officeDocument/2006/relationships" xmlns:p="http://schemas.openxmlformats.org/presentationml/2006/main">
+  <p:cSld>
+    <p:bg>
+      <p:bgPr>
+        <a:blipFill rotWithShape="1">
+          <a:blip r:embed="rId2">
+            <a:duotone>
+              <a:schemeClr val="bg2">
+                <a:shade val="80000"/>
+                <a:lumMod val="80000"/>
+              </a:schemeClr>
+              <a:schemeClr val="bg2">
+                <a:tint val="98000"/>
+              </a:schemeClr>
+            </a:duotone>
+          </a:blip>
+          <a:stretch/>
+        </a:blipFill>
+        <a:effectLst/>
+      </p:bgPr>
+    </p:bg>
+    <p:spTree>
+      <p:nvGrpSpPr>
+        <p:cNvPr id="1" name=""/>
+        <p:cNvGrpSpPr/>
+        <p:nvPr/>
+      </p:nvGrpSpPr>
+      <p:grpSpPr>
+        <a:xfrm>
+          <a:off x="0" y="0"/>
+          <a:ext cx="0" cy="0"/>
+          <a:chOff x="0" y="0"/>
+          <a:chExt cx="0" cy="0"/>
+        </a:xfrm>
+      </p:grpSpPr>
+      <p:sp>
+        <p:nvSpPr>
+          <p:cNvPr id="2" name="Title 1">
+            <a:extLst>
+              <a:ext uri="{FF2B5EF4-FFF2-40B4-BE49-F238E27FC236}">
+                <a16:creationId xmlns:a16="http://schemas.microsoft.com/office/drawing/2014/main" id="{9699BB10-D953-4E3C-098C-14C06B316910}"/>
+              </a:ext>
+            </a:extLst>
+          </p:cNvPr>
+          <p:cNvSpPr>
+            <a:spLocks noGrp="1"/>
+          </p:cNvSpPr>
+          <p:nvPr>
+            <p:ph type="title"/>
+          </p:nvPr>
+        </p:nvSpPr>
+        <p:spPr>
+          <a:xfrm>
+            <a:off x="1370693" y="4406537"/>
+            <a:ext cx="9440034" cy="1088336"/>
+          </a:xfrm>
+        </p:spPr>
+        <p:txBody>
+          <a:bodyPr vert="horz" lIns="91440" tIns="45720" rIns="91440" bIns="45720" rtlCol="0" anchor="b">
+            <a:normAutofit/>
+          </a:bodyPr>
+          <a:lstStyle/>
+          <a:p>
+            <a:r>
+              <a:rPr lang="en-US" sz="4800"/>
+              <a:t>Securing APIs</a:t>
+            </a:r>
+          </a:p>
+        </p:txBody>
+      </p:sp>
+      <p:sp>
+        <p:nvSpPr>
+          <p:cNvPr id="3" name="Text Placeholder 2">
+            <a:extLst>
+              <a:ext uri="{FF2B5EF4-FFF2-40B4-BE49-F238E27FC236}">
+                <a16:creationId xmlns:a16="http://schemas.microsoft.com/office/drawing/2014/main" id="{D80EA98A-E511-4EFE-C174-52517710B712}"/>
+              </a:ext>
+            </a:extLst>
+          </p:cNvPr>
+          <p:cNvSpPr>
+            <a:spLocks noGrp="1"/>
+          </p:cNvSpPr>
+          <p:nvPr>
+            <p:ph type="body" idx="1"/>
+          </p:nvPr>
+        </p:nvSpPr>
+        <p:spPr>
+          <a:xfrm>
+            <a:off x="1370693" y="5494872"/>
+            <a:ext cx="9440034" cy="621614"/>
+          </a:xfrm>
+        </p:spPr>
+        <p:txBody>
+          <a:bodyPr vert="horz" lIns="91440" tIns="45720" rIns="91440" bIns="45720" rtlCol="0" anchor="t">
+            <a:normAutofit/>
+          </a:bodyPr>
+          <a:lstStyle/>
+          <a:p>
+            <a:endParaRPr lang="en-US">
+              <a:solidFill>
+                <a:srgbClr val="836534"/>
+              </a:solidFill>
+            </a:endParaRPr>
+          </a:p>
+        </p:txBody>
+      </p:sp>
+      <p:pic>
+        <p:nvPicPr>
+          <p:cNvPr id="9" name="Picture 8">
+            <a:extLst>
+              <a:ext uri="{FF2B5EF4-FFF2-40B4-BE49-F238E27FC236}">
+                <a16:creationId xmlns:a16="http://schemas.microsoft.com/office/drawing/2014/main" id="{2BFB581C-2142-4222-9A3B-905AD6C09535}"/>
+              </a:ext>
+              <a:ext uri="{C183D7F6-B498-43B3-948B-1728B52AA6E4}">
+                <adec:decorative xmlns:adec="http://schemas.microsoft.com/office/drawing/2017/decorative" val="1"/>
+              </a:ext>
+            </a:extLst>
+          </p:cNvPr>
+          <p:cNvPicPr>
+            <a:picLocks noGrp="1" noRot="1" noChangeAspect="1" noMove="1" noResize="1" noEditPoints="1" noAdjustHandles="1" noChangeArrowheads="1" noChangeShapeType="1" noCrop="1"/>
+          </p:cNvPicPr>
+          <p:nvPr>
+            <p:extLst>
+              <p:ext uri="{386F3935-93C4-4BCD-93E2-E3B085C9AB24}">
+                <p16:designElem xmlns:p16="http://schemas.microsoft.com/office/powerpoint/2015/main" val="1"/>
+              </p:ext>
+            </p:extLst>
+          </p:nvPr>
+        </p:nvPicPr>
+        <p:blipFill rotWithShape="1">
+          <a:blip r:embed="rId3">
+            <a:extLst>
+              <a:ext uri="{28A0092B-C50C-407E-A947-70E740481C1C}">
+                <a14:useLocalDpi xmlns:a14="http://schemas.microsoft.com/office/drawing/2010/main" val="0"/>
+              </a:ext>
+            </a:extLst>
+          </a:blip>
+          <a:srcRect l="798" t="2669" r="616"/>
+          <a:stretch/>
+        </p:blipFill>
+        <p:spPr>
+          <a:xfrm>
+            <a:off x="-1" y="0"/>
+            <a:ext cx="12192001" cy="4322278"/>
+          </a:xfrm>
+          <a:prstGeom prst="rect">
+            <a:avLst/>
+          </a:prstGeom>
+        </p:spPr>
+      </p:pic>
+      <p:pic>
+        <p:nvPicPr>
+          <p:cNvPr id="5" name="Picture 4">
+            <a:extLst>
+              <a:ext uri="{FF2B5EF4-FFF2-40B4-BE49-F238E27FC236}">
+                <a16:creationId xmlns:a16="http://schemas.microsoft.com/office/drawing/2014/main" id="{D70D4FBC-E1A0-E8C6-7725-0B7F3F68E766}"/>
+              </a:ext>
+            </a:extLst>
+          </p:cNvPr>
+          <p:cNvPicPr>
+            <a:picLocks noChangeAspect="1"/>
+          </p:cNvPicPr>
+          <p:nvPr/>
+        </p:nvPicPr>
+        <p:blipFill rotWithShape="1">
+          <a:blip r:embed="rId4"/>
+          <a:srcRect t="7085" r="-1" b="31405"/>
+          <a:stretch/>
+        </p:blipFill>
+        <p:spPr>
+          <a:xfrm>
+            <a:off x="-1" y="-1"/>
+            <a:ext cx="12198915" cy="4220682"/>
+          </a:xfrm>
+          <a:prstGeom prst="rect">
+            <a:avLst/>
+          </a:prstGeom>
+        </p:spPr>
+      </p:pic>
+    </p:spTree>
+    <p:extLst>
+      <p:ext uri="{BB962C8B-B14F-4D97-AF65-F5344CB8AC3E}">
+        <p14:creationId xmlns:p14="http://schemas.microsoft.com/office/powerpoint/2010/main" val="1996113951"/>
+      </p:ext>
+    </p:extLst>
+  </p:cSld>
+  <p:clrMapOvr>
+    <a:masterClrMapping/>
+  </p:clrMapOvr>
+</p:sld>
+</file>
+
+<file path=ppt/slides/slide16.xml><?xml version="1.0" encoding="utf-8"?>
+<p:sld xmlns:a="http://schemas.openxmlformats.org/drawingml/2006/main" xmlns:r="http://schemas.openxmlformats.org/officeDocument/2006/relationships" xmlns:p="http://schemas.openxmlformats.org/presentationml/2006/main">
+  <p:cSld>
+    <p:bg>
+      <p:bgPr>
+        <a:blipFill rotWithShape="1">
+          <a:blip r:embed="rId3">
+            <a:duotone>
+              <a:schemeClr val="bg2">
+                <a:shade val="80000"/>
+                <a:lumMod val="80000"/>
+              </a:schemeClr>
+              <a:schemeClr val="bg2">
+                <a:tint val="98000"/>
+              </a:schemeClr>
+            </a:duotone>
+          </a:blip>
+          <a:stretch/>
+        </a:blipFill>
+        <a:effectLst/>
+      </p:bgPr>
+    </p:bg>
+    <p:spTree>
+      <p:nvGrpSpPr>
+        <p:cNvPr id="1" name=""/>
+        <p:cNvGrpSpPr/>
+        <p:nvPr/>
+      </p:nvGrpSpPr>
+      <p:grpSpPr>
+        <a:xfrm>
+          <a:off x="0" y="0"/>
+          <a:ext cx="0" cy="0"/>
+          <a:chOff x="0" y="0"/>
+          <a:chExt cx="0" cy="0"/>
+        </a:xfrm>
+      </p:grpSpPr>
+      <p:sp>
+        <p:nvSpPr>
+          <p:cNvPr id="2" name="Title 1">
+            <a:extLst>
+              <a:ext uri="{FF2B5EF4-FFF2-40B4-BE49-F238E27FC236}">
+                <a16:creationId xmlns:a16="http://schemas.microsoft.com/office/drawing/2014/main" id="{21BF4D03-BD03-DAC4-BD45-155F165873FF}"/>
+              </a:ext>
+            </a:extLst>
+          </p:cNvPr>
+          <p:cNvSpPr>
+            <a:spLocks noGrp="1"/>
+          </p:cNvSpPr>
+          <p:nvPr>
+            <p:ph type="title"/>
+          </p:nvPr>
+        </p:nvSpPr>
+        <p:spPr>
+          <a:xfrm>
+            <a:off x="861791" y="835383"/>
+            <a:ext cx="3382832" cy="3499549"/>
+          </a:xfrm>
+        </p:spPr>
+        <p:txBody>
+          <a:bodyPr vert="horz" lIns="91440" tIns="45720" rIns="91440" bIns="45720" rtlCol="0" anchor="b">
+            <a:normAutofit/>
+          </a:bodyPr>
+          <a:lstStyle/>
+          <a:p>
+            <a:pPr algn="l"/>
+            <a:r>
+              <a:rPr lang="en-US" sz="4200"/>
+              <a:t>What is Oauth?</a:t>
+            </a:r>
+          </a:p>
+        </p:txBody>
+      </p:sp>
+      <p:pic>
+        <p:nvPicPr>
+          <p:cNvPr id="22" name="Picture 21">
+            <a:extLst>
+              <a:ext uri="{FF2B5EF4-FFF2-40B4-BE49-F238E27FC236}">
+                <a16:creationId xmlns:a16="http://schemas.microsoft.com/office/drawing/2014/main" id="{08187575-5CB4-477B-AA47-020C6D2A786E}"/>
+              </a:ext>
+              <a:ext uri="{C183D7F6-B498-43B3-948B-1728B52AA6E4}">
+                <adec:decorative xmlns:adec="http://schemas.microsoft.com/office/drawing/2017/decorative" val="1"/>
+              </a:ext>
+            </a:extLst>
+          </p:cNvPr>
+          <p:cNvPicPr>
+            <a:picLocks noGrp="1" noRot="1" noChangeAspect="1" noMove="1" noResize="1" noEditPoints="1" noAdjustHandles="1" noChangeArrowheads="1" noChangeShapeType="1" noCrop="1"/>
+          </p:cNvPicPr>
+          <p:nvPr>
+            <p:extLst>
+              <p:ext uri="{386F3935-93C4-4BCD-93E2-E3B085C9AB24}">
+                <p16:designElem xmlns:p16="http://schemas.microsoft.com/office/powerpoint/2015/main" val="1"/>
+              </p:ext>
+            </p:extLst>
+          </p:nvPr>
+        </p:nvPicPr>
+        <p:blipFill rotWithShape="1">
+          <a:blip r:embed="rId4">
+            <a:extLst>
+              <a:ext uri="{28A0092B-C50C-407E-A947-70E740481C1C}">
+                <a14:useLocalDpi xmlns:a14="http://schemas.microsoft.com/office/drawing/2010/main" val="0"/>
+              </a:ext>
+            </a:extLst>
+          </a:blip>
+          <a:srcRect t="964" r="2807" b="1446"/>
+          <a:stretch/>
+        </p:blipFill>
+        <p:spPr>
+          <a:xfrm>
+            <a:off x="4552950" y="1"/>
+            <a:ext cx="7639050" cy="6858000"/>
+          </a:xfrm>
+          <a:prstGeom prst="rect">
+            <a:avLst/>
+          </a:prstGeom>
+        </p:spPr>
+      </p:pic>
+      <p:pic>
+        <p:nvPicPr>
+          <p:cNvPr id="24" name="Picture 23">
+            <a:extLst>
+              <a:ext uri="{FF2B5EF4-FFF2-40B4-BE49-F238E27FC236}">
+                <a16:creationId xmlns:a16="http://schemas.microsoft.com/office/drawing/2014/main" id="{EE585F70-7C5D-424E-A182-39507AF48A0C}"/>
+              </a:ext>
+              <a:ext uri="{C183D7F6-B498-43B3-948B-1728B52AA6E4}">
+                <adec:decorative xmlns:adec="http://schemas.microsoft.com/office/drawing/2017/decorative" val="1"/>
+              </a:ext>
+            </a:extLst>
+          </p:cNvPr>
+          <p:cNvPicPr>
+            <a:picLocks noGrp="1" noRot="1" noChangeAspect="1" noMove="1" noResize="1" noEditPoints="1" noAdjustHandles="1" noChangeArrowheads="1" noChangeShapeType="1" noCrop="1"/>
+          </p:cNvPicPr>
+          <p:nvPr>
+            <p:extLst>
+              <p:ext uri="{386F3935-93C4-4BCD-93E2-E3B085C9AB24}">
+                <p16:designElem xmlns:p16="http://schemas.microsoft.com/office/powerpoint/2015/main" val="1"/>
+              </p:ext>
+            </p:extLst>
+          </p:nvPr>
+        </p:nvPicPr>
+        <p:blipFill rotWithShape="1">
+          <a:blip r:embed="rId4">
+            <a:extLst>
+              <a:ext uri="{28A0092B-C50C-407E-A947-70E740481C1C}">
+                <a14:useLocalDpi xmlns:a14="http://schemas.microsoft.com/office/drawing/2010/main" val="0"/>
+              </a:ext>
+            </a:extLst>
+          </a:blip>
+          <a:srcRect t="964" r="2807" b="1446"/>
+          <a:stretch/>
+        </p:blipFill>
+        <p:spPr>
+          <a:xfrm>
+            <a:off x="7501468" y="1"/>
+            <a:ext cx="4690532" cy="6858000"/>
+          </a:xfrm>
+          <a:prstGeom prst="rect">
+            <a:avLst/>
+          </a:prstGeom>
+        </p:spPr>
+      </p:pic>
+      <p:pic>
+        <p:nvPicPr>
+          <p:cNvPr id="6" name="Picture 5" descr="Logo&#10;&#10;Description automatically generated">
+            <a:extLst>
+              <a:ext uri="{FF2B5EF4-FFF2-40B4-BE49-F238E27FC236}">
+                <a16:creationId xmlns:a16="http://schemas.microsoft.com/office/drawing/2014/main" id="{E5274FD0-050A-DF16-2A61-FC89CDDB5226}"/>
+              </a:ext>
+            </a:extLst>
+          </p:cNvPr>
+          <p:cNvPicPr>
+            <a:picLocks noChangeAspect="1"/>
+          </p:cNvPicPr>
+          <p:nvPr/>
+        </p:nvPicPr>
+        <p:blipFill rotWithShape="1">
+          <a:blip r:embed="rId5"/>
+          <a:srcRect t="1039" r="-3" b="8204"/>
+          <a:stretch/>
+        </p:blipFill>
+        <p:spPr>
+          <a:xfrm>
+            <a:off x="4654297" y="10"/>
+            <a:ext cx="7537704" cy="6857990"/>
+          </a:xfrm>
+          <a:prstGeom prst="rect">
+            <a:avLst/>
+          </a:prstGeom>
+        </p:spPr>
+      </p:pic>
+    </p:spTree>
+    <p:extLst>
+      <p:ext uri="{BB962C8B-B14F-4D97-AF65-F5344CB8AC3E}">
+        <p14:creationId xmlns:p14="http://schemas.microsoft.com/office/powerpoint/2010/main" val="2559449484"/>
+      </p:ext>
+    </p:extLst>
+  </p:cSld>
+  <p:clrMapOvr>
+    <a:masterClrMapping/>
+  </p:clrMapOvr>
+</p:sld>
+</file>
+
+<file path=ppt/slides/slide17.xml><?xml version="1.0" encoding="utf-8"?>
+<p:sld xmlns:a="http://schemas.openxmlformats.org/drawingml/2006/main" xmlns:r="http://schemas.openxmlformats.org/officeDocument/2006/relationships" xmlns:p="http://schemas.openxmlformats.org/presentationml/2006/main">
+  <p:cSld>
+    <p:spTree>
+      <p:nvGrpSpPr>
+        <p:cNvPr id="1" name=""/>
+        <p:cNvGrpSpPr/>
+        <p:nvPr/>
+      </p:nvGrpSpPr>
+      <p:grpSpPr>
+        <a:xfrm>
+          <a:off x="0" y="0"/>
+          <a:ext cx="0" cy="0"/>
+          <a:chOff x="0" y="0"/>
+          <a:chExt cx="0" cy="0"/>
+        </a:xfrm>
+      </p:grpSpPr>
+      <p:sp>
+        <p:nvSpPr>
+          <p:cNvPr id="2" name="Title 1">
+            <a:extLst>
+              <a:ext uri="{FF2B5EF4-FFF2-40B4-BE49-F238E27FC236}">
+                <a16:creationId xmlns:a16="http://schemas.microsoft.com/office/drawing/2014/main" id="{B401AA53-CB3A-8EF2-7C9D-70B19BF8F561}"/>
+              </a:ext>
+            </a:extLst>
+          </p:cNvPr>
+          <p:cNvSpPr>
+            <a:spLocks noGrp="1"/>
+          </p:cNvSpPr>
+          <p:nvPr>
+            <p:ph type="title"/>
+          </p:nvPr>
+        </p:nvSpPr>
+        <p:spPr/>
+        <p:txBody>
+          <a:bodyPr/>
+          <a:lstStyle/>
+          <a:p>
+            <a:r>
+              <a:rPr lang="en-US" dirty="0"/>
+              <a:t>How does </a:t>
+            </a:r>
+            <a:r>
+              <a:rPr lang="en-US" dirty="0" err="1"/>
+              <a:t>oauth</a:t>
+            </a:r>
+            <a:r>
+              <a:rPr lang="en-US" dirty="0"/>
+              <a:t> work?</a:t>
+            </a:r>
+          </a:p>
+        </p:txBody>
+      </p:sp>
+      <p:pic>
+        <p:nvPicPr>
+          <p:cNvPr id="3" name="Picture 2" descr="Diagram&#10;&#10;Description automatically generated with low confidence">
+            <a:extLst>
+              <a:ext uri="{FF2B5EF4-FFF2-40B4-BE49-F238E27FC236}">
+                <a16:creationId xmlns:a16="http://schemas.microsoft.com/office/drawing/2014/main" id="{5D5F0843-A33F-DC5E-B0B4-E94D73EFBE9F}"/>
+              </a:ext>
+            </a:extLst>
+          </p:cNvPr>
+          <p:cNvPicPr>
+            <a:picLocks noChangeAspect="1"/>
+          </p:cNvPicPr>
+          <p:nvPr/>
+        </p:nvPicPr>
+        <p:blipFill>
+          <a:blip r:embed="rId2"/>
+          <a:stretch>
+            <a:fillRect/>
+          </a:stretch>
+        </p:blipFill>
+        <p:spPr>
+          <a:xfrm>
+            <a:off x="1380489" y="1687407"/>
+            <a:ext cx="5562032" cy="3337219"/>
+          </a:xfrm>
+          <a:prstGeom prst="rect">
+            <a:avLst/>
+          </a:prstGeom>
+        </p:spPr>
+      </p:pic>
+    </p:spTree>
+    <p:extLst>
+      <p:ext uri="{BB962C8B-B14F-4D97-AF65-F5344CB8AC3E}">
+        <p14:creationId xmlns:p14="http://schemas.microsoft.com/office/powerpoint/2010/main" val="2437315508"/>
+      </p:ext>
+    </p:extLst>
+  </p:cSld>
+  <p:clrMapOvr>
+    <a:masterClrMapping/>
+  </p:clrMapOvr>
+</p:sld>
+</file>
+
+<file path=ppt/slides/slide18.xml><?xml version="1.0" encoding="utf-8"?>
+<p:sld xmlns:a="http://schemas.openxmlformats.org/drawingml/2006/main" xmlns:r="http://schemas.openxmlformats.org/officeDocument/2006/relationships" xmlns:p="http://schemas.openxmlformats.org/presentationml/2006/main">
+  <p:cSld>
+    <p:spTree>
+      <p:nvGrpSpPr>
+        <p:cNvPr id="1" name=""/>
+        <p:cNvGrpSpPr/>
+        <p:nvPr/>
+      </p:nvGrpSpPr>
+      <p:grpSpPr>
+        <a:xfrm>
+          <a:off x="0" y="0"/>
+          <a:ext cx="0" cy="0"/>
+          <a:chOff x="0" y="0"/>
+          <a:chExt cx="0" cy="0"/>
+        </a:xfrm>
+      </p:grpSpPr>
+      <p:sp>
+        <p:nvSpPr>
+          <p:cNvPr id="2" name="Title 1">
+            <a:extLst>
+              <a:ext uri="{FF2B5EF4-FFF2-40B4-BE49-F238E27FC236}">
+                <a16:creationId xmlns:a16="http://schemas.microsoft.com/office/drawing/2014/main" id="{2FD098B1-0412-424E-49DE-3F80E7AA8349}"/>
+              </a:ext>
+            </a:extLst>
+          </p:cNvPr>
+          <p:cNvSpPr>
+            <a:spLocks noGrp="1"/>
+          </p:cNvSpPr>
+          <p:nvPr>
+            <p:ph type="title"/>
+          </p:nvPr>
+        </p:nvSpPr>
+        <p:spPr/>
+        <p:txBody>
+          <a:bodyPr>
+            <a:normAutofit/>
+          </a:bodyPr>
+          <a:lstStyle/>
+          <a:p>
+            <a:r>
+              <a:rPr lang="en-US" dirty="0"/>
+              <a:t>The Software Development Life Cycle</a:t>
+            </a:r>
+          </a:p>
+        </p:txBody>
+      </p:sp>
+      <p:sp>
+        <p:nvSpPr>
+          <p:cNvPr id="3" name="Text Placeholder 2">
+            <a:extLst>
+              <a:ext uri="{FF2B5EF4-FFF2-40B4-BE49-F238E27FC236}">
+                <a16:creationId xmlns:a16="http://schemas.microsoft.com/office/drawing/2014/main" id="{9E791FFB-9F3B-75BA-D539-11E5BAB941EF}"/>
+              </a:ext>
+            </a:extLst>
+          </p:cNvPr>
+          <p:cNvSpPr>
+            <a:spLocks noGrp="1"/>
+          </p:cNvSpPr>
+          <p:nvPr>
+            <p:ph type="body" idx="1"/>
+          </p:nvPr>
+        </p:nvSpPr>
+        <p:spPr/>
+        <p:txBody>
+          <a:bodyPr/>
+          <a:lstStyle/>
+          <a:p>
+            <a:endParaRPr lang="en-US"/>
+          </a:p>
+        </p:txBody>
+      </p:sp>
+    </p:spTree>
+    <p:extLst>
+      <p:ext uri="{BB962C8B-B14F-4D97-AF65-F5344CB8AC3E}">
+        <p14:creationId xmlns:p14="http://schemas.microsoft.com/office/powerpoint/2010/main" val="3076984293"/>
+      </p:ext>
+    </p:extLst>
+  </p:cSld>
+  <p:clrMapOvr>
+    <a:masterClrMapping/>
+  </p:clrMapOvr>
+</p:sld>
+</file>
+
+<file path=ppt/slides/slide19.xml><?xml version="1.0" encoding="utf-8"?>
+<p:sld xmlns:a="http://schemas.openxmlformats.org/drawingml/2006/main" xmlns:r="http://schemas.openxmlformats.org/officeDocument/2006/relationships" xmlns:p="http://schemas.openxmlformats.org/presentationml/2006/main">
+  <p:cSld>
+    <p:spTree>
+      <p:nvGrpSpPr>
+        <p:cNvPr id="1" name=""/>
+        <p:cNvGrpSpPr/>
+        <p:nvPr/>
+      </p:nvGrpSpPr>
+      <p:grpSpPr>
+        <a:xfrm>
+          <a:off x="0" y="0"/>
+          <a:ext cx="0" cy="0"/>
+          <a:chOff x="0" y="0"/>
+          <a:chExt cx="0" cy="0"/>
+        </a:xfrm>
+      </p:grpSpPr>
+      <p:sp>
+        <p:nvSpPr>
+          <p:cNvPr id="2" name="Title 1">
+            <a:extLst>
+              <a:ext uri="{FF2B5EF4-FFF2-40B4-BE49-F238E27FC236}">
+                <a16:creationId xmlns:a16="http://schemas.microsoft.com/office/drawing/2014/main" id="{047B3247-CD57-A68D-86CB-226AD9D932CC}"/>
+              </a:ext>
+            </a:extLst>
+          </p:cNvPr>
+          <p:cNvSpPr>
+            <a:spLocks noGrp="1"/>
+          </p:cNvSpPr>
+          <p:nvPr>
+            <p:ph type="title"/>
+          </p:nvPr>
+        </p:nvSpPr>
+        <p:spPr/>
+        <p:txBody>
+          <a:bodyPr>
+            <a:normAutofit/>
+          </a:bodyPr>
+          <a:lstStyle/>
+          <a:p>
+            <a:r>
+              <a:rPr lang="en-US" dirty="0"/>
+              <a:t>What is the Software Development Life Cycle?</a:t>
+            </a:r>
+          </a:p>
+        </p:txBody>
+      </p:sp>
+      <p:sp>
+        <p:nvSpPr>
+          <p:cNvPr id="3" name="Content Placeholder 2">
+            <a:extLst>
+              <a:ext uri="{FF2B5EF4-FFF2-40B4-BE49-F238E27FC236}">
+                <a16:creationId xmlns:a16="http://schemas.microsoft.com/office/drawing/2014/main" id="{940F9860-AD79-8C22-AF4B-170D69ACC5C7}"/>
+              </a:ext>
+            </a:extLst>
+          </p:cNvPr>
+          <p:cNvSpPr>
+            <a:spLocks noGrp="1"/>
+          </p:cNvSpPr>
+          <p:nvPr>
+            <p:ph idx="1"/>
+          </p:nvPr>
+        </p:nvSpPr>
+        <p:spPr/>
+        <p:txBody>
+          <a:bodyPr/>
+          <a:lstStyle/>
+          <a:p>
+            <a:r>
+              <a:rPr lang="en-US" dirty="0"/>
+              <a:t>The SDLC helps us organize the process of building software</a:t>
+            </a:r>
+          </a:p>
+          <a:p>
+            <a:r>
+              <a:rPr lang="en-US" dirty="0"/>
+              <a:t>Includes steps for building, revising, and deploying software</a:t>
+            </a:r>
+          </a:p>
+          <a:p>
+            <a:r>
+              <a:rPr lang="en-US" dirty="0"/>
+              <a:t>Includes roles associated with each step along the building process</a:t>
+            </a:r>
+          </a:p>
+        </p:txBody>
+      </p:sp>
+    </p:spTree>
+    <p:extLst>
+      <p:ext uri="{BB962C8B-B14F-4D97-AF65-F5344CB8AC3E}">
+        <p14:creationId xmlns:p14="http://schemas.microsoft.com/office/powerpoint/2010/main" val="2158119916"/>
+      </p:ext>
+    </p:extLst>
+  </p:cSld>
+  <p:clrMapOvr>
+    <a:masterClrMapping/>
+  </p:clrMapOvr>
+</p:sld>
+</file>
+
+<file path=ppt/slides/slide2.xml><?xml version="1.0" encoding="utf-8"?>
+<p:sld xmlns:a="http://schemas.openxmlformats.org/drawingml/2006/main" xmlns:r="http://schemas.openxmlformats.org/officeDocument/2006/relationships" xmlns:p="http://schemas.openxmlformats.org/presentationml/2006/main">
+  <p:cSld>
+    <p:bg>
+      <p:bgPr>
+        <a:blipFill rotWithShape="1">
+          <a:blip r:embed="rId2">
+            <a:duotone>
+              <a:schemeClr val="bg2">
+                <a:shade val="80000"/>
+                <a:lumMod val="80000"/>
+              </a:schemeClr>
+              <a:schemeClr val="bg2">
+                <a:tint val="98000"/>
+              </a:schemeClr>
+            </a:duotone>
+          </a:blip>
+          <a:stretch/>
+        </a:blipFill>
+        <a:effectLst/>
+      </p:bgPr>
+    </p:bg>
+    <p:spTree>
+      <p:nvGrpSpPr>
+        <p:cNvPr id="1" name=""/>
+        <p:cNvGrpSpPr/>
+        <p:nvPr/>
+      </p:nvGrpSpPr>
+      <p:grpSpPr>
+        <a:xfrm>
+          <a:off x="0" y="0"/>
+          <a:ext cx="0" cy="0"/>
+          <a:chOff x="0" y="0"/>
+          <a:chExt cx="0" cy="0"/>
+        </a:xfrm>
+      </p:grpSpPr>
+      <p:sp useBgFill="1">
+        <p:nvSpPr>
+          <p:cNvPr id="4" name="Rectangle 6">
+            <a:extLst>
+              <a:ext uri="{FF2B5EF4-FFF2-40B4-BE49-F238E27FC236}">
+                <a16:creationId xmlns:a16="http://schemas.microsoft.com/office/drawing/2014/main" id="{DAB482FD-C684-4DAA-AC4C-1739F51A98A0}"/>
+              </a:ext>
+              <a:ext uri="{C183D7F6-B498-43B3-948B-1728B52AA6E4}">
+                <adec:decorative xmlns:adec="http://schemas.microsoft.com/office/drawing/2017/decorative" val="1"/>
+              </a:ext>
+            </a:extLst>
+          </p:cNvPr>
+          <p:cNvSpPr>
+            <a:spLocks noGrp="1" noRot="1" noChangeAspect="1" noMove="1" noResize="1" noEditPoints="1" noAdjustHandles="1" noChangeArrowheads="1" noChangeShapeType="1" noTextEdit="1"/>
+          </p:cNvSpPr>
+          <p:nvPr>
+            <p:extLst>
+              <p:ext uri="{386F3935-93C4-4BCD-93E2-E3B085C9AB24}">
+                <p16:designElem xmlns:p16="http://schemas.microsoft.com/office/powerpoint/2015/main" val="1"/>
+              </p:ext>
+            </p:extLst>
+          </p:nvPr>
+        </p:nvSpPr>
+        <p:spPr>
+          <a:xfrm>
+            <a:off x="0" y="0"/>
+            <a:ext cx="12192000" cy="6858000"/>
+          </a:xfrm>
+          <a:prstGeom prst="rect">
+            <a:avLst/>
+          </a:prstGeom>
+          <a:ln>
+            <a:noFill/>
+          </a:ln>
+        </p:spPr>
+        <p:style>
+          <a:lnRef idx="2">
+            <a:schemeClr val="accent1">
+              <a:shade val="50000"/>
+            </a:schemeClr>
+          </a:lnRef>
+          <a:fillRef idx="1">
+            <a:schemeClr val="accent1"/>
+          </a:fillRef>
+          <a:effectRef idx="0">
+            <a:schemeClr val="accent1"/>
+          </a:effectRef>
+          <a:fontRef idx="minor">
+            <a:schemeClr val="lt1"/>
+          </a:fontRef>
+        </p:style>
+        <p:txBody>
+          <a:bodyPr rtlCol="0" anchor="ctr"/>
+          <a:lstStyle/>
+          <a:p>
+            <a:pPr algn="ctr"/>
+            <a:endParaRPr lang="en-US"/>
+          </a:p>
+        </p:txBody>
+      </p:sp>
+      <p:sp>
+        <p:nvSpPr>
+          <p:cNvPr id="2" name="Title 1">
+            <a:extLst>
+              <a:ext uri="{FF2B5EF4-FFF2-40B4-BE49-F238E27FC236}">
+                <a16:creationId xmlns:a16="http://schemas.microsoft.com/office/drawing/2014/main" id="{4F68AD2C-B46D-FA8F-1E07-13A75AF50670}"/>
+              </a:ext>
+            </a:extLst>
+          </p:cNvPr>
+          <p:cNvSpPr>
+            <a:spLocks noGrp="1"/>
+          </p:cNvSpPr>
+          <p:nvPr>
+            <p:ph type="title"/>
+          </p:nvPr>
+        </p:nvSpPr>
+        <p:spPr>
+          <a:xfrm>
+            <a:off x="5139236" y="1097280"/>
+            <a:ext cx="6043875" cy="4626864"/>
+          </a:xfrm>
+        </p:spPr>
+        <p:txBody>
+          <a:bodyPr vert="horz" lIns="91440" tIns="45720" rIns="91440" bIns="45720" rtlCol="0" anchor="ctr">
+            <a:normAutofit/>
+          </a:bodyPr>
+          <a:lstStyle/>
+          <a:p>
+            <a:pPr algn="l"/>
+            <a:r>
+              <a:rPr lang="en-US" sz="5400" dirty="0"/>
+              <a:t>D</a:t>
+            </a:r>
+            <a:r>
+              <a:rPr lang="en-US" sz="5400" b="0" i="0" dirty="0"/>
+              <a:t>ay 2 Recap</a:t>
+            </a:r>
+          </a:p>
+        </p:txBody>
+      </p:sp>
+      <p:cxnSp>
+        <p:nvCxnSpPr>
+          <p:cNvPr id="5" name="Straight Connector 8">
+            <a:extLst>
+              <a:ext uri="{FF2B5EF4-FFF2-40B4-BE49-F238E27FC236}">
+                <a16:creationId xmlns:a16="http://schemas.microsoft.com/office/drawing/2014/main" id="{2DAA738B-EDF5-4694-B25A-3488245BC87C}"/>
+              </a:ext>
+              <a:ext uri="{C183D7F6-B498-43B3-948B-1728B52AA6E4}">
+                <adec:decorative xmlns:adec="http://schemas.microsoft.com/office/drawing/2017/decorative" val="1"/>
+              </a:ext>
+            </a:extLst>
+          </p:cNvPr>
+          <p:cNvCxnSpPr>
+            <a:cxnSpLocks noGrp="1" noRot="1" noChangeAspect="1" noMove="1" noResize="1" noEditPoints="1" noAdjustHandles="1" noChangeArrowheads="1" noChangeShapeType="1"/>
+          </p:cNvCxnSpPr>
+          <p:nvPr>
+            <p:extLst>
+              <p:ext uri="{386F3935-93C4-4BCD-93E2-E3B085C9AB24}">
+                <p16:designElem xmlns:p16="http://schemas.microsoft.com/office/powerpoint/2015/main" val="1"/>
+              </p:ext>
+            </p:extLst>
+          </p:nvPr>
+        </p:nvCxnSpPr>
+        <p:spPr>
+          <a:xfrm>
+            <a:off x="4654605" y="2057399"/>
+            <a:ext cx="0" cy="2743200"/>
+          </a:xfrm>
+          <a:prstGeom prst="line">
+            <a:avLst/>
+          </a:prstGeom>
+          <a:ln w="19050">
+            <a:solidFill>
+              <a:schemeClr val="tx2"/>
+            </a:solidFill>
+          </a:ln>
+        </p:spPr>
+        <p:style>
+          <a:lnRef idx="1">
+            <a:schemeClr val="accent1"/>
+          </a:lnRef>
+          <a:fillRef idx="0">
+            <a:schemeClr val="accent1"/>
+          </a:fillRef>
+          <a:effectRef idx="0">
+            <a:schemeClr val="accent1"/>
+          </a:effectRef>
+          <a:fontRef idx="minor">
+            <a:schemeClr val="tx1"/>
+          </a:fontRef>
+        </p:style>
+      </p:cxnSp>
+    </p:spTree>
+    <p:extLst>
+      <p:ext uri="{BB962C8B-B14F-4D97-AF65-F5344CB8AC3E}">
+        <p14:creationId xmlns:p14="http://schemas.microsoft.com/office/powerpoint/2010/main" val="3013550915"/>
+      </p:ext>
+    </p:extLst>
+  </p:cSld>
+  <p:clrMapOvr>
+    <a:masterClrMapping/>
+  </p:clrMapOvr>
+</p:sld>
+</file>
+
+<file path=ppt/slides/slide20.xml><?xml version="1.0" encoding="utf-8"?>
 <p:sld xmlns:a="http://schemas.openxmlformats.org/drawingml/2006/main" xmlns:r="http://schemas.openxmlformats.org/officeDocument/2006/relationships" xmlns:p="http://schemas.openxmlformats.org/presentationml/2006/main">
   <p:cSld>
     <p:spTree>
@@ -11056,7 +13316,7 @@
 </p:sld>
 </file>
 
-<file path=ppt/slides/slide11.xml><?xml version="1.0" encoding="utf-8"?>
+<file path=ppt/slides/slide21.xml><?xml version="1.0" encoding="utf-8"?>
 <p:sld xmlns:a="http://schemas.openxmlformats.org/drawingml/2006/main" xmlns:r="http://schemas.openxmlformats.org/officeDocument/2006/relationships" xmlns:p="http://schemas.openxmlformats.org/presentationml/2006/main">
   <p:cSld>
     <p:bg>
@@ -11175,7 +13435,7 @@
 </p:sld>
 </file>
 
-<file path=ppt/slides/slide12.xml><?xml version="1.0" encoding="utf-8"?>
+<file path=ppt/slides/slide22.xml><?xml version="1.0" encoding="utf-8"?>
 <p:sld xmlns:a="http://schemas.openxmlformats.org/drawingml/2006/main" xmlns:r="http://schemas.openxmlformats.org/officeDocument/2006/relationships" xmlns:p="http://schemas.openxmlformats.org/presentationml/2006/main">
   <p:cSld>
     <p:bg>
@@ -11297,7 +13557,7 @@
 </p:sld>
 </file>
 
-<file path=ppt/slides/slide13.xml><?xml version="1.0" encoding="utf-8"?>
+<file path=ppt/slides/slide23.xml><?xml version="1.0" encoding="utf-8"?>
 <p:sld xmlns:a="http://schemas.openxmlformats.org/drawingml/2006/main" xmlns:r="http://schemas.openxmlformats.org/officeDocument/2006/relationships" xmlns:p="http://schemas.openxmlformats.org/presentationml/2006/main">
   <p:cSld>
     <p:bg>
@@ -11399,7 +13659,7 @@
 </p:sld>
 </file>
 
-<file path=ppt/slides/slide14.xml><?xml version="1.0" encoding="utf-8"?>
+<file path=ppt/slides/slide24.xml><?xml version="1.0" encoding="utf-8"?>
 <p:sld xmlns:a="http://schemas.openxmlformats.org/drawingml/2006/main" xmlns:r="http://schemas.openxmlformats.org/officeDocument/2006/relationships" xmlns:p="http://schemas.openxmlformats.org/presentationml/2006/main">
   <p:cSld>
     <p:bg>
@@ -11508,207 +13768,6 @@
     <p:extLst>
       <p:ext uri="{BB962C8B-B14F-4D97-AF65-F5344CB8AC3E}">
         <p14:creationId xmlns:p14="http://schemas.microsoft.com/office/powerpoint/2010/main" val="3104054636"/>
-      </p:ext>
-    </p:extLst>
-  </p:cSld>
-  <p:clrMapOvr>
-    <a:masterClrMapping/>
-  </p:clrMapOvr>
-</p:sld>
-</file>
-
-<file path=ppt/slides/slide2.xml><?xml version="1.0" encoding="utf-8"?>
-<p:sld xmlns:a="http://schemas.openxmlformats.org/drawingml/2006/main" xmlns:r="http://schemas.openxmlformats.org/officeDocument/2006/relationships" xmlns:p="http://schemas.openxmlformats.org/presentationml/2006/main">
-  <p:cSld>
-    <p:bg>
-      <p:bgPr>
-        <a:blipFill rotWithShape="1">
-          <a:blip r:embed="rId2">
-            <a:duotone>
-              <a:schemeClr val="bg2">
-                <a:shade val="80000"/>
-                <a:lumMod val="80000"/>
-              </a:schemeClr>
-              <a:schemeClr val="bg2">
-                <a:tint val="98000"/>
-              </a:schemeClr>
-            </a:duotone>
-          </a:blip>
-          <a:stretch/>
-        </a:blipFill>
-        <a:effectLst/>
-      </p:bgPr>
-    </p:bg>
-    <p:spTree>
-      <p:nvGrpSpPr>
-        <p:cNvPr id="1" name=""/>
-        <p:cNvGrpSpPr/>
-        <p:nvPr/>
-      </p:nvGrpSpPr>
-      <p:grpSpPr>
-        <a:xfrm>
-          <a:off x="0" y="0"/>
-          <a:ext cx="0" cy="0"/>
-          <a:chOff x="0" y="0"/>
-          <a:chExt cx="0" cy="0"/>
-        </a:xfrm>
-      </p:grpSpPr>
-      <p:sp useBgFill="1">
-        <p:nvSpPr>
-          <p:cNvPr id="4" name="Rectangle 6">
-            <a:extLst>
-              <a:ext uri="{FF2B5EF4-FFF2-40B4-BE49-F238E27FC236}">
-                <a16:creationId xmlns:a16="http://schemas.microsoft.com/office/drawing/2014/main" id="{DAB482FD-C684-4DAA-AC4C-1739F51A98A0}"/>
-              </a:ext>
-              <a:ext uri="{C183D7F6-B498-43B3-948B-1728B52AA6E4}">
-                <adec:decorative xmlns:adec="http://schemas.microsoft.com/office/drawing/2017/decorative" val="1"/>
-              </a:ext>
-            </a:extLst>
-          </p:cNvPr>
-          <p:cNvSpPr>
-            <a:spLocks noGrp="1" noRot="1" noChangeAspect="1" noMove="1" noResize="1" noEditPoints="1" noAdjustHandles="1" noChangeArrowheads="1" noChangeShapeType="1" noTextEdit="1"/>
-          </p:cNvSpPr>
-          <p:nvPr>
-            <p:extLst>
-              <p:ext uri="{386F3935-93C4-4BCD-93E2-E3B085C9AB24}">
-                <p16:designElem xmlns:p16="http://schemas.microsoft.com/office/powerpoint/2015/main" val="1"/>
-              </p:ext>
-            </p:extLst>
-          </p:nvPr>
-        </p:nvSpPr>
-        <p:spPr>
-          <a:xfrm>
-            <a:off x="0" y="0"/>
-            <a:ext cx="12192000" cy="6858000"/>
-          </a:xfrm>
-          <a:prstGeom prst="rect">
-            <a:avLst/>
-          </a:prstGeom>
-          <a:ln>
-            <a:noFill/>
-          </a:ln>
-        </p:spPr>
-        <p:style>
-          <a:lnRef idx="2">
-            <a:schemeClr val="accent1">
-              <a:shade val="50000"/>
-            </a:schemeClr>
-          </a:lnRef>
-          <a:fillRef idx="1">
-            <a:schemeClr val="accent1"/>
-          </a:fillRef>
-          <a:effectRef idx="0">
-            <a:schemeClr val="accent1"/>
-          </a:effectRef>
-          <a:fontRef idx="minor">
-            <a:schemeClr val="lt1"/>
-          </a:fontRef>
-        </p:style>
-        <p:txBody>
-          <a:bodyPr rtlCol="0" anchor="ctr"/>
-          <a:lstStyle/>
-          <a:p>
-            <a:pPr algn="ctr"/>
-            <a:endParaRPr lang="en-US"/>
-          </a:p>
-        </p:txBody>
-      </p:sp>
-      <p:sp>
-        <p:nvSpPr>
-          <p:cNvPr id="2" name="Title 1">
-            <a:extLst>
-              <a:ext uri="{FF2B5EF4-FFF2-40B4-BE49-F238E27FC236}">
-                <a16:creationId xmlns:a16="http://schemas.microsoft.com/office/drawing/2014/main" id="{4F68AD2C-B46D-FA8F-1E07-13A75AF50670}"/>
-              </a:ext>
-            </a:extLst>
-          </p:cNvPr>
-          <p:cNvSpPr>
-            <a:spLocks noGrp="1"/>
-          </p:cNvSpPr>
-          <p:nvPr>
-            <p:ph type="title"/>
-          </p:nvPr>
-        </p:nvSpPr>
-        <p:spPr>
-          <a:xfrm>
-            <a:off x="5139236" y="1097280"/>
-            <a:ext cx="6043875" cy="4626864"/>
-          </a:xfrm>
-        </p:spPr>
-        <p:txBody>
-          <a:bodyPr vert="horz" lIns="91440" tIns="45720" rIns="91440" bIns="45720" rtlCol="0" anchor="ctr">
-            <a:normAutofit/>
-          </a:bodyPr>
-          <a:lstStyle/>
-          <a:p>
-            <a:pPr algn="l"/>
-            <a:r>
-              <a:rPr lang="en-US" sz="5400" dirty="0"/>
-              <a:t>D</a:t>
-            </a:r>
-            <a:r>
-              <a:rPr lang="en-US" sz="5400" b="0" i="0" dirty="0"/>
-              <a:t>ay 2 Recap</a:t>
-            </a:r>
-          </a:p>
-        </p:txBody>
-      </p:sp>
-      <p:cxnSp>
-        <p:nvCxnSpPr>
-          <p:cNvPr id="5" name="Straight Connector 8">
-            <a:extLst>
-              <a:ext uri="{FF2B5EF4-FFF2-40B4-BE49-F238E27FC236}">
-                <a16:creationId xmlns:a16="http://schemas.microsoft.com/office/drawing/2014/main" id="{2DAA738B-EDF5-4694-B25A-3488245BC87C}"/>
-              </a:ext>
-              <a:ext uri="{C183D7F6-B498-43B3-948B-1728B52AA6E4}">
-                <adec:decorative xmlns:adec="http://schemas.microsoft.com/office/drawing/2017/decorative" val="1"/>
-              </a:ext>
-            </a:extLst>
-          </p:cNvPr>
-          <p:cNvCxnSpPr>
-            <a:cxnSpLocks noGrp="1" noRot="1" noChangeAspect="1" noMove="1" noResize="1" noEditPoints="1" noAdjustHandles="1" noChangeArrowheads="1" noChangeShapeType="1"/>
-          </p:cNvCxnSpPr>
-          <p:nvPr>
-            <p:extLst>
-              <p:ext uri="{386F3935-93C4-4BCD-93E2-E3B085C9AB24}">
-                <p16:designElem xmlns:p16="http://schemas.microsoft.com/office/powerpoint/2015/main" val="1"/>
-              </p:ext>
-            </p:extLst>
-          </p:nvPr>
-        </p:nvCxnSpPr>
-        <p:spPr>
-          <a:xfrm>
-            <a:off x="4654605" y="2057399"/>
-            <a:ext cx="0" cy="2743200"/>
-          </a:xfrm>
-          <a:prstGeom prst="line">
-            <a:avLst/>
-          </a:prstGeom>
-          <a:ln w="19050">
-            <a:solidFill>
-              <a:schemeClr val="tx2"/>
-            </a:solidFill>
-          </a:ln>
-        </p:spPr>
-        <p:style>
-          <a:lnRef idx="1">
-            <a:schemeClr val="accent1"/>
-          </a:lnRef>
-          <a:fillRef idx="0">
-            <a:schemeClr val="accent1"/>
-          </a:fillRef>
-          <a:effectRef idx="0">
-            <a:schemeClr val="accent1"/>
-          </a:effectRef>
-          <a:fontRef idx="minor">
-            <a:schemeClr val="tx1"/>
-          </a:fontRef>
-        </p:style>
-      </p:cxnSp>
-    </p:spTree>
-    <p:extLst>
-      <p:ext uri="{BB962C8B-B14F-4D97-AF65-F5344CB8AC3E}">
-        <p14:creationId xmlns:p14="http://schemas.microsoft.com/office/powerpoint/2010/main" val="3013550915"/>
       </p:ext>
     </p:extLst>
   </p:cSld>
@@ -11829,7 +13888,7 @@
           </a:effectLst>
           <a:extLst>
             <a:ext uri="{91240B29-F687-4f45-9708-019B960494DF}">
-              <a14:hiddenLine xmlns="" xmlns:a14="http://schemas.microsoft.com/office/drawing/2010/main" xmlns:p14="http://schemas.microsoft.com/office/powerpoint/2010/main" xmlns:a16="http://schemas.microsoft.com/office/drawing/2014/main" w="9525">
+              <a14:hiddenLine xmlns:a16="http://schemas.microsoft.com/office/drawing/2014/main" xmlns:p14="http://schemas.microsoft.com/office/powerpoint/2010/main" xmlns:a14="http://schemas.microsoft.com/office/drawing/2010/main" xmlns="" w="9525">
                 <a:solidFill>
                   <a:srgbClr val="000000"/>
                 </a:solidFill>
@@ -11923,6 +13982,125 @@
           <p:cNvPr id="2" name="Title 1">
             <a:extLst>
               <a:ext uri="{FF2B5EF4-FFF2-40B4-BE49-F238E27FC236}">
+                <a16:creationId xmlns:a16="http://schemas.microsoft.com/office/drawing/2014/main" id="{2863F72C-E34F-ACFC-2C46-F6B2C8C20651}"/>
+              </a:ext>
+            </a:extLst>
+          </p:cNvPr>
+          <p:cNvSpPr>
+            <a:spLocks noGrp="1"/>
+          </p:cNvSpPr>
+          <p:nvPr>
+            <p:ph type="title"/>
+          </p:nvPr>
+        </p:nvSpPr>
+        <p:spPr/>
+        <p:txBody>
+          <a:bodyPr/>
+          <a:lstStyle/>
+          <a:p>
+            <a:r>
+              <a:rPr lang="en-US" dirty="0"/>
+              <a:t>Terms To Listen For</a:t>
+            </a:r>
+          </a:p>
+        </p:txBody>
+      </p:sp>
+      <p:sp>
+        <p:nvSpPr>
+          <p:cNvPr id="3" name="Content Placeholder 2">
+            <a:extLst>
+              <a:ext uri="{FF2B5EF4-FFF2-40B4-BE49-F238E27FC236}">
+                <a16:creationId xmlns:a16="http://schemas.microsoft.com/office/drawing/2014/main" id="{D7AE6683-AEEF-921F-EA2D-6BBA91346062}"/>
+              </a:ext>
+            </a:extLst>
+          </p:cNvPr>
+          <p:cNvSpPr>
+            <a:spLocks noGrp="1"/>
+          </p:cNvSpPr>
+          <p:nvPr>
+            <p:ph idx="1"/>
+          </p:nvPr>
+        </p:nvSpPr>
+        <p:spPr/>
+        <p:txBody>
+          <a:bodyPr/>
+          <a:lstStyle/>
+          <a:p>
+            <a:r>
+              <a:rPr lang="en-US" dirty="0"/>
+              <a:t>Application Programming Interface (API)</a:t>
+            </a:r>
+          </a:p>
+          <a:p>
+            <a:pPr lvl="1"/>
+            <a:r>
+              <a:rPr lang="en-US" dirty="0"/>
+              <a:t>Enables automated, programmatic retrieval of information using a standard framework.</a:t>
+            </a:r>
+          </a:p>
+          <a:p>
+            <a:r>
+              <a:rPr lang="en-US" dirty="0"/>
+              <a:t>Authentication</a:t>
+            </a:r>
+          </a:p>
+          <a:p>
+            <a:pPr lvl="1"/>
+            <a:r>
+              <a:rPr lang="en-US" dirty="0"/>
+              <a:t>Refers to the process of verifying a user’s identity.</a:t>
+            </a:r>
+          </a:p>
+          <a:p>
+            <a:r>
+              <a:rPr lang="en-US" dirty="0"/>
+              <a:t>Rate-Limit</a:t>
+            </a:r>
+          </a:p>
+          <a:p>
+            <a:pPr lvl="1"/>
+            <a:r>
+              <a:rPr lang="en-US" dirty="0"/>
+              <a:t>How many requests can occur at a given time.</a:t>
+            </a:r>
+          </a:p>
+        </p:txBody>
+      </p:sp>
+    </p:spTree>
+    <p:extLst>
+      <p:ext uri="{BB962C8B-B14F-4D97-AF65-F5344CB8AC3E}">
+        <p14:creationId xmlns:p14="http://schemas.microsoft.com/office/powerpoint/2010/main" val="1671539891"/>
+      </p:ext>
+    </p:extLst>
+  </p:cSld>
+  <p:clrMapOvr>
+    <a:masterClrMapping/>
+  </p:clrMapOvr>
+</p:sld>
+</file>
+
+<file path=ppt/slides/slide5.xml><?xml version="1.0" encoding="utf-8"?>
+<p:sld xmlns:a="http://schemas.openxmlformats.org/drawingml/2006/main" xmlns:r="http://schemas.openxmlformats.org/officeDocument/2006/relationships" xmlns:p="http://schemas.openxmlformats.org/presentationml/2006/main">
+  <p:cSld>
+    <p:spTree>
+      <p:nvGrpSpPr>
+        <p:cNvPr id="1" name=""/>
+        <p:cNvGrpSpPr/>
+        <p:nvPr/>
+      </p:nvGrpSpPr>
+      <p:grpSpPr>
+        <a:xfrm>
+          <a:off x="0" y="0"/>
+          <a:ext cx="0" cy="0"/>
+          <a:chOff x="0" y="0"/>
+          <a:chExt cx="0" cy="0"/>
+        </a:xfrm>
+      </p:grpSpPr>
+      <p:sp>
+        <p:nvSpPr>
+          <p:cNvPr id="2" name="Title 1">
+            <a:extLst>
+              <a:ext uri="{FF2B5EF4-FFF2-40B4-BE49-F238E27FC236}">
                 <a16:creationId xmlns:a16="http://schemas.microsoft.com/office/drawing/2014/main" id="{069A3439-69E9-F1FE-B8F7-605B4B8E5545}"/>
               </a:ext>
             </a:extLst>
@@ -11995,7 +14173,7 @@
 </p:sld>
 </file>
 
-<file path=ppt/slides/slide5.xml><?xml version="1.0" encoding="utf-8"?>
+<file path=ppt/slides/slide6.xml><?xml version="1.0" encoding="utf-8"?>
 <p:sld xmlns:a="http://schemas.openxmlformats.org/drawingml/2006/main" xmlns:r="http://schemas.openxmlformats.org/officeDocument/2006/relationships" xmlns:p="http://schemas.openxmlformats.org/presentationml/2006/main">
   <p:cSld>
     <p:spTree>
@@ -12055,9 +14233,28 @@
 </p:sld>
 </file>
 
-<file path=ppt/slides/slide6.xml><?xml version="1.0" encoding="utf-8"?>
+<file path=ppt/slides/slide7.xml><?xml version="1.0" encoding="utf-8"?>
 <p:sld xmlns:a="http://schemas.openxmlformats.org/drawingml/2006/main" xmlns:r="http://schemas.openxmlformats.org/officeDocument/2006/relationships" xmlns:p="http://schemas.openxmlformats.org/presentationml/2006/main">
   <p:cSld>
+    <p:bg>
+      <p:bgPr>
+        <a:blipFill rotWithShape="1">
+          <a:blip r:embed="rId3">
+            <a:duotone>
+              <a:schemeClr val="bg2">
+                <a:shade val="80000"/>
+                <a:lumMod val="80000"/>
+              </a:schemeClr>
+              <a:schemeClr val="bg2">
+                <a:tint val="98000"/>
+              </a:schemeClr>
+            </a:duotone>
+          </a:blip>
+          <a:stretch/>
+        </a:blipFill>
+        <a:effectLst/>
+      </p:bgPr>
+    </p:bg>
     <p:spTree>
       <p:nvGrpSpPr>
         <p:cNvPr id="1" name=""/>
@@ -12077,7 +14274,7 @@
           <p:cNvPr id="2" name="Title 1">
             <a:extLst>
               <a:ext uri="{FF2B5EF4-FFF2-40B4-BE49-F238E27FC236}">
-                <a16:creationId xmlns:a16="http://schemas.microsoft.com/office/drawing/2014/main" id="{21BF4D03-BD03-DAC4-BD45-155F165873FF}"/>
+                <a16:creationId xmlns:a16="http://schemas.microsoft.com/office/drawing/2014/main" id="{92EAB30D-4E16-2D45-A6BF-9FF8002DAD8A}"/>
               </a:ext>
             </a:extLst>
           </p:cNvPr>
@@ -12088,30 +14285,61 @@
             <p:ph type="title"/>
           </p:nvPr>
         </p:nvSpPr>
-        <p:spPr/>
-        <p:txBody>
-          <a:bodyPr/>
+        <p:spPr>
+          <a:xfrm>
+            <a:off x="1370693" y="4406537"/>
+            <a:ext cx="9440034" cy="1088336"/>
+          </a:xfrm>
+        </p:spPr>
+        <p:txBody>
+          <a:bodyPr vert="horz" lIns="91440" tIns="45720" rIns="91440" bIns="45720" rtlCol="0" anchor="b">
+            <a:normAutofit/>
+          </a:bodyPr>
           <a:lstStyle/>
           <a:p>
             <a:r>
-              <a:rPr lang="en-US" dirty="0"/>
-              <a:t>What is </a:t>
+              <a:rPr lang="en-US" sz="4800"/>
+              <a:t>API Key</a:t>
             </a:r>
-            <a:r>
-              <a:rPr lang="en-US" dirty="0" err="1"/>
-              <a:t>Oauth</a:t>
-            </a:r>
-            <a:r>
-              <a:rPr lang="en-US" dirty="0"/>
-              <a:t>?</a:t>
-            </a:r>
-          </a:p>
-        </p:txBody>
-      </p:sp>
+          </a:p>
+        </p:txBody>
+      </p:sp>
+      <p:pic>
+        <p:nvPicPr>
+          <p:cNvPr id="5" name="Content Placeholder 4" descr="Graphical user interface, text, application, email&#10;&#10;Description automatically generated">
+            <a:extLst>
+              <a:ext uri="{FF2B5EF4-FFF2-40B4-BE49-F238E27FC236}">
+                <a16:creationId xmlns:a16="http://schemas.microsoft.com/office/drawing/2014/main" id="{CD411802-6C10-63B2-4CCC-4C31FCB7B6BA}"/>
+              </a:ext>
+            </a:extLst>
+          </p:cNvPr>
+          <p:cNvPicPr>
+            <a:picLocks noGrp="1" noChangeAspect="1"/>
+          </p:cNvPicPr>
+          <p:nvPr>
+            <p:ph idx="4294967295"/>
+          </p:nvPr>
+        </p:nvPicPr>
+        <p:blipFill>
+          <a:blip r:embed="rId4"/>
+          <a:stretch>
+            <a:fillRect/>
+          </a:stretch>
+        </p:blipFill>
+        <p:spPr>
+          <a:xfrm>
+            <a:off x="2913557" y="643463"/>
+            <a:ext cx="6371673" cy="3249553"/>
+          </a:xfrm>
+          <a:prstGeom prst="rect">
+            <a:avLst/>
+          </a:prstGeom>
+        </p:spPr>
+      </p:pic>
     </p:spTree>
     <p:extLst>
       <p:ext uri="{BB962C8B-B14F-4D97-AF65-F5344CB8AC3E}">
-        <p14:creationId xmlns:p14="http://schemas.microsoft.com/office/powerpoint/2010/main" val="2559449484"/>
+        <p14:creationId xmlns:p14="http://schemas.microsoft.com/office/powerpoint/2010/main" val="2572114698"/>
       </p:ext>
     </p:extLst>
   </p:cSld>
@@ -12121,9 +14349,28 @@
 </p:sld>
 </file>
 
-<file path=ppt/slides/slide7.xml><?xml version="1.0" encoding="utf-8"?>
+<file path=ppt/slides/slide8.xml><?xml version="1.0" encoding="utf-8"?>
 <p:sld xmlns:a="http://schemas.openxmlformats.org/drawingml/2006/main" xmlns:r="http://schemas.openxmlformats.org/officeDocument/2006/relationships" xmlns:p="http://schemas.openxmlformats.org/presentationml/2006/main">
   <p:cSld>
+    <p:bg>
+      <p:bgPr>
+        <a:blipFill rotWithShape="1">
+          <a:blip r:embed="rId2">
+            <a:duotone>
+              <a:schemeClr val="bg2">
+                <a:shade val="80000"/>
+                <a:lumMod val="80000"/>
+              </a:schemeClr>
+              <a:schemeClr val="bg2">
+                <a:tint val="98000"/>
+              </a:schemeClr>
+            </a:duotone>
+          </a:blip>
+          <a:stretch/>
+        </a:blipFill>
+        <a:effectLst/>
+      </p:bgPr>
+    </p:bg>
     <p:spTree>
       <p:nvGrpSpPr>
         <p:cNvPr id="1" name=""/>
@@ -12138,12 +14385,246 @@
           <a:chExt cx="0" cy="0"/>
         </a:xfrm>
       </p:grpSpPr>
+      <p:pic>
+        <p:nvPicPr>
+          <p:cNvPr id="5" name="Picture 4" descr="Hand holding keys">
+            <a:extLst>
+              <a:ext uri="{FF2B5EF4-FFF2-40B4-BE49-F238E27FC236}">
+                <a16:creationId xmlns:a16="http://schemas.microsoft.com/office/drawing/2014/main" id="{E65D158D-924C-42EB-BD0B-55270F126CEB}"/>
+              </a:ext>
+            </a:extLst>
+          </p:cNvPr>
+          <p:cNvPicPr>
+            <a:picLocks noChangeAspect="1"/>
+          </p:cNvPicPr>
+          <p:nvPr/>
+        </p:nvPicPr>
+        <p:blipFill rotWithShape="1">
+          <a:blip r:embed="rId3"/>
+          <a:srcRect t="13224" b="2506"/>
+          <a:stretch/>
+        </p:blipFill>
+        <p:spPr>
+          <a:xfrm>
+            <a:off x="1" y="10"/>
+            <a:ext cx="12192000" cy="6857990"/>
+          </a:xfrm>
+          <a:prstGeom prst="rect">
+            <a:avLst/>
+          </a:prstGeom>
+        </p:spPr>
+      </p:pic>
+      <p:sp useBgFill="1">
+        <p:nvSpPr>
+          <p:cNvPr id="14" name="Freeform 5">
+            <a:extLst>
+              <a:ext uri="{FF2B5EF4-FFF2-40B4-BE49-F238E27FC236}">
+                <a16:creationId xmlns:a16="http://schemas.microsoft.com/office/drawing/2014/main" id="{37D54B6C-87D0-4C03-8335-3955179D2B5B}"/>
+              </a:ext>
+              <a:ext uri="{C183D7F6-B498-43B3-948B-1728B52AA6E4}">
+                <adec:decorative xmlns:adec="http://schemas.microsoft.com/office/drawing/2017/decorative" val="1"/>
+              </a:ext>
+            </a:extLst>
+          </p:cNvPr>
+          <p:cNvSpPr>
+            <a:spLocks noGrp="1" noRot="1" noChangeAspect="1" noMove="1" noResize="1" noEditPoints="1" noAdjustHandles="1" noChangeArrowheads="1" noChangeShapeType="1" noTextEdit="1"/>
+          </p:cNvSpPr>
+          <p:nvPr>
+            <p:extLst>
+              <p:ext uri="{386F3935-93C4-4BCD-93E2-E3B085C9AB24}">
+                <p16:designElem xmlns:p16="http://schemas.microsoft.com/office/powerpoint/2015/main" val="1"/>
+              </p:ext>
+            </p:extLst>
+          </p:nvPr>
+        </p:nvSpPr>
+        <p:spPr bwMode="auto">
+          <a:xfrm rot="5400000">
+            <a:off x="-118536" y="1371603"/>
+            <a:ext cx="5624423" cy="4100418"/>
+          </a:xfrm>
+          <a:custGeom>
+            <a:avLst/>
+            <a:gdLst>
+              <a:gd name="T0" fmla="*/ 1577 w 1601"/>
+              <a:gd name="T1" fmla="*/ 0 h 696"/>
+              <a:gd name="T2" fmla="*/ 833 w 1601"/>
+              <a:gd name="T3" fmla="*/ 0 h 696"/>
+              <a:gd name="T4" fmla="*/ 768 w 1601"/>
+              <a:gd name="T5" fmla="*/ 0 h 696"/>
+              <a:gd name="T6" fmla="*/ 24 w 1601"/>
+              <a:gd name="T7" fmla="*/ 0 h 696"/>
+              <a:gd name="T8" fmla="*/ 0 w 1601"/>
+              <a:gd name="T9" fmla="*/ 27 h 696"/>
+              <a:gd name="T10" fmla="*/ 0 w 1601"/>
+              <a:gd name="T11" fmla="*/ 669 h 696"/>
+              <a:gd name="T12" fmla="*/ 24 w 1601"/>
+              <a:gd name="T13" fmla="*/ 696 h 696"/>
+              <a:gd name="T14" fmla="*/ 768 w 1601"/>
+              <a:gd name="T15" fmla="*/ 696 h 696"/>
+              <a:gd name="T16" fmla="*/ 833 w 1601"/>
+              <a:gd name="T17" fmla="*/ 696 h 696"/>
+              <a:gd name="T18" fmla="*/ 1577 w 1601"/>
+              <a:gd name="T19" fmla="*/ 696 h 696"/>
+              <a:gd name="T20" fmla="*/ 1601 w 1601"/>
+              <a:gd name="T21" fmla="*/ 669 h 696"/>
+              <a:gd name="T22" fmla="*/ 1601 w 1601"/>
+              <a:gd name="T23" fmla="*/ 27 h 696"/>
+              <a:gd name="T24" fmla="*/ 1577 w 1601"/>
+              <a:gd name="T25" fmla="*/ 0 h 696"/>
+            </a:gdLst>
+            <a:ahLst/>
+            <a:cxnLst>
+              <a:cxn ang="0">
+                <a:pos x="T0" y="T1"/>
+              </a:cxn>
+              <a:cxn ang="0">
+                <a:pos x="T2" y="T3"/>
+              </a:cxn>
+              <a:cxn ang="0">
+                <a:pos x="T4" y="T5"/>
+              </a:cxn>
+              <a:cxn ang="0">
+                <a:pos x="T6" y="T7"/>
+              </a:cxn>
+              <a:cxn ang="0">
+                <a:pos x="T8" y="T9"/>
+              </a:cxn>
+              <a:cxn ang="0">
+                <a:pos x="T10" y="T11"/>
+              </a:cxn>
+              <a:cxn ang="0">
+                <a:pos x="T12" y="T13"/>
+              </a:cxn>
+              <a:cxn ang="0">
+                <a:pos x="T14" y="T15"/>
+              </a:cxn>
+              <a:cxn ang="0">
+                <a:pos x="T16" y="T17"/>
+              </a:cxn>
+              <a:cxn ang="0">
+                <a:pos x="T18" y="T19"/>
+              </a:cxn>
+              <a:cxn ang="0">
+                <a:pos x="T20" y="T21"/>
+              </a:cxn>
+              <a:cxn ang="0">
+                <a:pos x="T22" y="T23"/>
+              </a:cxn>
+              <a:cxn ang="0">
+                <a:pos x="T24" y="T25"/>
+              </a:cxn>
+            </a:cxnLst>
+            <a:rect l="0" t="0" r="r" b="b"/>
+            <a:pathLst>
+              <a:path w="1601" h="696">
+                <a:moveTo>
+                  <a:pt x="1577" y="0"/>
+                </a:moveTo>
+                <a:cubicBezTo>
+                  <a:pt x="833" y="0"/>
+                  <a:pt x="833" y="0"/>
+                  <a:pt x="833" y="0"/>
+                </a:cubicBezTo>
+                <a:cubicBezTo>
+                  <a:pt x="768" y="0"/>
+                  <a:pt x="768" y="0"/>
+                  <a:pt x="768" y="0"/>
+                </a:cubicBezTo>
+                <a:cubicBezTo>
+                  <a:pt x="24" y="0"/>
+                  <a:pt x="24" y="0"/>
+                  <a:pt x="24" y="0"/>
+                </a:cubicBezTo>
+                <a:cubicBezTo>
+                  <a:pt x="11" y="0"/>
+                  <a:pt x="0" y="12"/>
+                  <a:pt x="0" y="27"/>
+                </a:cubicBezTo>
+                <a:cubicBezTo>
+                  <a:pt x="0" y="669"/>
+                  <a:pt x="0" y="669"/>
+                  <a:pt x="0" y="669"/>
+                </a:cubicBezTo>
+                <a:cubicBezTo>
+                  <a:pt x="0" y="684"/>
+                  <a:pt x="11" y="696"/>
+                  <a:pt x="24" y="696"/>
+                </a:cubicBezTo>
+                <a:cubicBezTo>
+                  <a:pt x="768" y="696"/>
+                  <a:pt x="768" y="696"/>
+                  <a:pt x="768" y="696"/>
+                </a:cubicBezTo>
+                <a:cubicBezTo>
+                  <a:pt x="833" y="696"/>
+                  <a:pt x="833" y="696"/>
+                  <a:pt x="833" y="696"/>
+                </a:cubicBezTo>
+                <a:cubicBezTo>
+                  <a:pt x="1577" y="696"/>
+                  <a:pt x="1577" y="696"/>
+                  <a:pt x="1577" y="696"/>
+                </a:cubicBezTo>
+                <a:cubicBezTo>
+                  <a:pt x="1590" y="696"/>
+                  <a:pt x="1601" y="684"/>
+                  <a:pt x="1601" y="669"/>
+                </a:cubicBezTo>
+                <a:cubicBezTo>
+                  <a:pt x="1601" y="27"/>
+                  <a:pt x="1601" y="27"/>
+                  <a:pt x="1601" y="27"/>
+                </a:cubicBezTo>
+                <a:cubicBezTo>
+                  <a:pt x="1601" y="12"/>
+                  <a:pt x="1590" y="0"/>
+                  <a:pt x="1577" y="0"/>
+                </a:cubicBezTo>
+                <a:close/>
+              </a:path>
+            </a:pathLst>
+          </a:custGeom>
+          <a:ln>
+            <a:noFill/>
+          </a:ln>
+          <a:effectLst>
+            <a:outerShdw blurRad="50800" dist="38100" dir="5400000" algn="tl" rotWithShape="0">
+              <a:srgbClr val="000000">
+                <a:alpha val="43000"/>
+              </a:srgbClr>
+            </a:outerShdw>
+          </a:effectLst>
+          <a:extLst>
+            <a:ext uri="{91240B29-F687-4f45-9708-019B960494DF}">
+              <a14:hiddenLine xmlns="" xmlns:a16="http://schemas.microsoft.com/office/drawing/2014/main" xmlns:p14="http://schemas.microsoft.com/office/powerpoint/2010/main" xmlns:a14="http://schemas.microsoft.com/office/drawing/2010/main" w="9525">
+                <a:solidFill>
+                  <a:srgbClr val="000000"/>
+                </a:solidFill>
+                <a:round/>
+                <a:headEnd/>
+                <a:tailEnd/>
+              </a14:hiddenLine>
+            </a:ext>
+          </a:extLst>
+        </p:spPr>
+        <p:txBody>
+          <a:bodyPr vert="horz" wrap="square" lIns="91440" tIns="45720" rIns="91440" bIns="45720" numCol="1" anchor="t" anchorCtr="0" compatLnSpc="1">
+            <a:prstTxWarp prst="textNoShape">
+              <a:avLst/>
+            </a:prstTxWarp>
+          </a:bodyPr>
+          <a:lstStyle/>
+          <a:p>
+            <a:endParaRPr lang="en-US"/>
+          </a:p>
+        </p:txBody>
+      </p:sp>
       <p:sp>
         <p:nvSpPr>
           <p:cNvPr id="2" name="Title 1">
             <a:extLst>
               <a:ext uri="{FF2B5EF4-FFF2-40B4-BE49-F238E27FC236}">
-                <a16:creationId xmlns:a16="http://schemas.microsoft.com/office/drawing/2014/main" id="{B401AA53-CB3A-8EF2-7C9D-70B19BF8F561}"/>
+                <a16:creationId xmlns:a16="http://schemas.microsoft.com/office/drawing/2014/main" id="{F0D38242-DC86-3A6E-B3B7-D1C3C0AFE94F}"/>
               </a:ext>
             </a:extLst>
           </p:cNvPr>
@@ -12154,22 +14635,117 @@
             <p:ph type="title"/>
           </p:nvPr>
         </p:nvSpPr>
-        <p:spPr/>
-        <p:txBody>
-          <a:bodyPr/>
+        <p:spPr>
+          <a:xfrm>
+            <a:off x="913795" y="845388"/>
+            <a:ext cx="3596420" cy="979016"/>
+          </a:xfrm>
+        </p:spPr>
+        <p:txBody>
+          <a:bodyPr anchor="b">
+            <a:normAutofit/>
+          </a:bodyPr>
           <a:lstStyle/>
           <a:p>
+            <a:pPr algn="l"/>
             <a:r>
-              <a:rPr lang="en-US" dirty="0"/>
-              <a:t>How does </a:t>
+              <a:rPr lang="en-US" sz="2400"/>
+              <a:t>Why Do We Need API Keys?</a:t>
             </a:r>
+          </a:p>
+        </p:txBody>
+      </p:sp>
+      <p:sp>
+        <p:nvSpPr>
+          <p:cNvPr id="3" name="Content Placeholder 2">
+            <a:extLst>
+              <a:ext uri="{FF2B5EF4-FFF2-40B4-BE49-F238E27FC236}">
+                <a16:creationId xmlns:a16="http://schemas.microsoft.com/office/drawing/2014/main" id="{8FE505C2-50F6-30DB-CFB3-01D0D325516F}"/>
+              </a:ext>
+            </a:extLst>
+          </p:cNvPr>
+          <p:cNvSpPr>
+            <a:spLocks noGrp="1"/>
+          </p:cNvSpPr>
+          <p:nvPr>
+            <p:ph idx="1"/>
+          </p:nvPr>
+        </p:nvSpPr>
+        <p:spPr>
+          <a:xfrm>
+            <a:off x="913795" y="1968237"/>
+            <a:ext cx="3531684" cy="3679189"/>
+          </a:xfrm>
+        </p:spPr>
+        <p:txBody>
+          <a:bodyPr anchor="t">
+            <a:normAutofit/>
+          </a:bodyPr>
+          <a:lstStyle/>
+          <a:p>
+            <a:pPr>
+              <a:buClr>
+                <a:srgbClr val="DBB475"/>
+              </a:buClr>
+            </a:pPr>
             <a:r>
-              <a:rPr lang="en-US" dirty="0" err="1"/>
-              <a:t>oauth</a:t>
+              <a:rPr lang="en-US" sz="1600" dirty="0"/>
+              <a:t>Account verification</a:t>
             </a:r>
+          </a:p>
+          <a:p>
+            <a:pPr lvl="1">
+              <a:buClr>
+                <a:srgbClr val="DBB475"/>
+              </a:buClr>
+            </a:pPr>
             <a:r>
-              <a:rPr lang="en-US" dirty="0"/>
-              <a:t> work?</a:t>
+              <a:rPr lang="en-US" sz="1600" dirty="0"/>
+              <a:t>Who is requesting what information?</a:t>
+            </a:r>
+          </a:p>
+          <a:p>
+            <a:pPr>
+              <a:buClr>
+                <a:srgbClr val="DBB475"/>
+              </a:buClr>
+            </a:pPr>
+            <a:r>
+              <a:rPr lang="en-US" sz="1600" dirty="0"/>
+              <a:t>Rate limiting</a:t>
+            </a:r>
+          </a:p>
+          <a:p>
+            <a:pPr lvl="1">
+              <a:buClr>
+                <a:srgbClr val="DBB475"/>
+              </a:buClr>
+            </a:pPr>
+            <a:r>
+              <a:rPr lang="en-US" sz="1600" dirty="0"/>
+              <a:t>Avoid denial of service</a:t>
+            </a:r>
+          </a:p>
+          <a:p>
+            <a:pPr>
+              <a:buClr>
+                <a:srgbClr val="DBB475"/>
+              </a:buClr>
+            </a:pPr>
+            <a:r>
+              <a:rPr lang="en-US" sz="1600" dirty="0"/>
+              <a:t>Permissions</a:t>
+            </a:r>
+          </a:p>
+          <a:p>
+            <a:pPr lvl="1">
+              <a:buClr>
+                <a:srgbClr val="DBB475"/>
+              </a:buClr>
+            </a:pPr>
+            <a:r>
+              <a:rPr lang="en-US" sz="1600" dirty="0"/>
+              <a:t>What do we want to allow certain people to see?</a:t>
             </a:r>
           </a:p>
         </p:txBody>
@@ -12177,7 +14753,7 @@
     </p:spTree>
     <p:extLst>
       <p:ext uri="{BB962C8B-B14F-4D97-AF65-F5344CB8AC3E}">
-        <p14:creationId xmlns:p14="http://schemas.microsoft.com/office/powerpoint/2010/main" val="2437315508"/>
+        <p14:creationId xmlns:p14="http://schemas.microsoft.com/office/powerpoint/2010/main" val="4071440447"/>
       </p:ext>
     </p:extLst>
   </p:cSld>
@@ -12187,9 +14763,28 @@
 </p:sld>
 </file>
 
-<file path=ppt/slides/slide8.xml><?xml version="1.0" encoding="utf-8"?>
+<file path=ppt/slides/slide9.xml><?xml version="1.0" encoding="utf-8"?>
 <p:sld xmlns:a="http://schemas.openxmlformats.org/drawingml/2006/main" xmlns:r="http://schemas.openxmlformats.org/officeDocument/2006/relationships" xmlns:p="http://schemas.openxmlformats.org/presentationml/2006/main">
   <p:cSld>
+    <p:bg>
+      <p:bgPr>
+        <a:blipFill rotWithShape="1">
+          <a:blip r:embed="rId2">
+            <a:duotone>
+              <a:schemeClr val="bg2">
+                <a:shade val="80000"/>
+                <a:lumMod val="80000"/>
+              </a:schemeClr>
+              <a:schemeClr val="bg2">
+                <a:tint val="98000"/>
+              </a:schemeClr>
+            </a:duotone>
+          </a:blip>
+          <a:stretch/>
+        </a:blipFill>
+        <a:effectLst/>
+      </p:bgPr>
+    </p:bg>
     <p:spTree>
       <p:nvGrpSpPr>
         <p:cNvPr id="1" name=""/>
@@ -12209,7 +14804,7 @@
           <p:cNvPr id="2" name="Title 1">
             <a:extLst>
               <a:ext uri="{FF2B5EF4-FFF2-40B4-BE49-F238E27FC236}">
-                <a16:creationId xmlns:a16="http://schemas.microsoft.com/office/drawing/2014/main" id="{2FD098B1-0412-424E-49DE-3F80E7AA8349}"/>
+                <a16:creationId xmlns:a16="http://schemas.microsoft.com/office/drawing/2014/main" id="{C376F162-0520-4F35-81C7-E55520C03059}"/>
               </a:ext>
             </a:extLst>
           </p:cNvPr>
@@ -12220,149 +14815,125 @@
             <p:ph type="title"/>
           </p:nvPr>
         </p:nvSpPr>
-        <p:spPr/>
-        <p:txBody>
-          <a:bodyPr>
+        <p:spPr>
+          <a:xfrm>
+            <a:off x="8094617" y="965196"/>
+            <a:ext cx="3137262" cy="2633146"/>
+          </a:xfrm>
+        </p:spPr>
+        <p:txBody>
+          <a:bodyPr vert="horz" lIns="91440" tIns="45720" rIns="91440" bIns="45720" rtlCol="0" anchor="b">
             <a:normAutofit/>
           </a:bodyPr>
           <a:lstStyle/>
           <a:p>
             <a:r>
-              <a:rPr lang="en-US" dirty="0"/>
-              <a:t>The software development life cycle</a:t>
+              <a:rPr lang="en-US"/>
+              <a:t>Popular API Frameworks</a:t>
             </a:r>
           </a:p>
         </p:txBody>
       </p:sp>
       <p:sp>
         <p:nvSpPr>
-          <p:cNvPr id="3" name="Text Placeholder 2">
+          <p:cNvPr id="15" name="Rectangle 14">
             <a:extLst>
               <a:ext uri="{FF2B5EF4-FFF2-40B4-BE49-F238E27FC236}">
-                <a16:creationId xmlns:a16="http://schemas.microsoft.com/office/drawing/2014/main" id="{9E791FFB-9F3B-75BA-D539-11E5BAB941EF}"/>
+                <a16:creationId xmlns:a16="http://schemas.microsoft.com/office/drawing/2014/main" id="{93A46EEB-10AB-4E52-AF22-A848AE9259F9}"/>
+              </a:ext>
+              <a:ext uri="{C183D7F6-B498-43B3-948B-1728B52AA6E4}">
+                <adec:decorative xmlns:adec="http://schemas.microsoft.com/office/drawing/2017/decorative" val="1"/>
               </a:ext>
             </a:extLst>
           </p:cNvPr>
           <p:cNvSpPr>
-            <a:spLocks noGrp="1"/>
-          </p:cNvSpPr>
-          <p:nvPr>
-            <p:ph type="body" idx="1"/>
-          </p:nvPr>
-        </p:nvSpPr>
-        <p:spPr/>
-        <p:txBody>
-          <a:bodyPr/>
+            <a:spLocks noGrp="1" noRot="1" noChangeAspect="1" noMove="1" noResize="1" noEditPoints="1" noAdjustHandles="1" noChangeArrowheads="1" noChangeShapeType="1" noTextEdit="1"/>
+          </p:cNvSpPr>
+          <p:nvPr>
+            <p:extLst>
+              <p:ext uri="{386F3935-93C4-4BCD-93E2-E3B085C9AB24}">
+                <p16:designElem xmlns:p16="http://schemas.microsoft.com/office/powerpoint/2015/main" val="1"/>
+              </p:ext>
+            </p:extLst>
+          </p:nvPr>
+        </p:nvSpPr>
+        <p:spPr>
+          <a:xfrm>
+            <a:off x="950614" y="965196"/>
+            <a:ext cx="6476539" cy="4781641"/>
+          </a:xfrm>
+          <a:prstGeom prst="rect">
+            <a:avLst/>
+          </a:prstGeom>
+          <a:solidFill>
+            <a:schemeClr val="tx1"/>
+          </a:solidFill>
+          <a:ln w="190500">
+            <a:solidFill>
+              <a:schemeClr val="tx1">
+                <a:alpha val="7000"/>
+              </a:schemeClr>
+            </a:solidFill>
+          </a:ln>
+        </p:spPr>
+        <p:style>
+          <a:lnRef idx="2">
+            <a:schemeClr val="accent1">
+              <a:shade val="50000"/>
+            </a:schemeClr>
+          </a:lnRef>
+          <a:fillRef idx="1">
+            <a:schemeClr val="accent1"/>
+          </a:fillRef>
+          <a:effectRef idx="0">
+            <a:schemeClr val="accent1"/>
+          </a:effectRef>
+          <a:fontRef idx="minor">
+            <a:schemeClr val="lt1"/>
+          </a:fontRef>
+        </p:style>
+        <p:txBody>
+          <a:bodyPr rtlCol="0" anchor="ctr"/>
           <a:lstStyle/>
           <a:p>
+            <a:pPr algn="ctr"/>
             <a:endParaRPr lang="en-US"/>
           </a:p>
         </p:txBody>
       </p:sp>
+      <p:pic>
+        <p:nvPicPr>
+          <p:cNvPr id="10" name="Picture 9" descr="Diagram&#10;&#10;Description automatically generated">
+            <a:extLst>
+              <a:ext uri="{FF2B5EF4-FFF2-40B4-BE49-F238E27FC236}">
+                <a16:creationId xmlns:a16="http://schemas.microsoft.com/office/drawing/2014/main" id="{5E7F754C-9343-4B29-6B81-5474334F60B8}"/>
+              </a:ext>
+            </a:extLst>
+          </p:cNvPr>
+          <p:cNvPicPr>
+            <a:picLocks noChangeAspect="1"/>
+          </p:cNvPicPr>
+          <p:nvPr/>
+        </p:nvPicPr>
+        <p:blipFill rotWithShape="1">
+          <a:blip r:embed="rId3"/>
+          <a:srcRect t="3146" b="13578"/>
+          <a:stretch/>
+        </p:blipFill>
+        <p:spPr>
+          <a:xfrm>
+            <a:off x="1380489" y="1438360"/>
+            <a:ext cx="5562032" cy="3835314"/>
+          </a:xfrm>
+          <a:prstGeom prst="rect">
+            <a:avLst/>
+          </a:prstGeom>
+        </p:spPr>
+      </p:pic>
     </p:spTree>
     <p:extLst>
       <p:ext uri="{BB962C8B-B14F-4D97-AF65-F5344CB8AC3E}">
-        <p14:creationId xmlns:p14="http://schemas.microsoft.com/office/powerpoint/2010/main" val="3076984293"/>
-      </p:ext>
-    </p:extLst>
-  </p:cSld>
-  <p:clrMapOvr>
-    <a:masterClrMapping/>
-  </p:clrMapOvr>
-</p:sld>
-</file>
-
-<file path=ppt/slides/slide9.xml><?xml version="1.0" encoding="utf-8"?>
-<p:sld xmlns:a="http://schemas.openxmlformats.org/drawingml/2006/main" xmlns:r="http://schemas.openxmlformats.org/officeDocument/2006/relationships" xmlns:p="http://schemas.openxmlformats.org/presentationml/2006/main">
-  <p:cSld>
-    <p:spTree>
-      <p:nvGrpSpPr>
-        <p:cNvPr id="1" name=""/>
-        <p:cNvGrpSpPr/>
-        <p:nvPr/>
-      </p:nvGrpSpPr>
-      <p:grpSpPr>
-        <a:xfrm>
-          <a:off x="0" y="0"/>
-          <a:ext cx="0" cy="0"/>
-          <a:chOff x="0" y="0"/>
-          <a:chExt cx="0" cy="0"/>
-        </a:xfrm>
-      </p:grpSpPr>
-      <p:sp>
-        <p:nvSpPr>
-          <p:cNvPr id="2" name="Title 1">
-            <a:extLst>
-              <a:ext uri="{FF2B5EF4-FFF2-40B4-BE49-F238E27FC236}">
-                <a16:creationId xmlns:a16="http://schemas.microsoft.com/office/drawing/2014/main" id="{047B3247-CD57-A68D-86CB-226AD9D932CC}"/>
-              </a:ext>
-            </a:extLst>
-          </p:cNvPr>
-          <p:cNvSpPr>
-            <a:spLocks noGrp="1"/>
-          </p:cNvSpPr>
-          <p:nvPr>
-            <p:ph type="title"/>
-          </p:nvPr>
-        </p:nvSpPr>
-        <p:spPr/>
-        <p:txBody>
-          <a:bodyPr>
-            <a:normAutofit/>
-          </a:bodyPr>
-          <a:lstStyle/>
-          <a:p>
-            <a:r>
-              <a:rPr lang="en-US" dirty="0"/>
-              <a:t>What is the Software Development Life Cycle?</a:t>
-            </a:r>
-          </a:p>
-        </p:txBody>
-      </p:sp>
-      <p:sp>
-        <p:nvSpPr>
-          <p:cNvPr id="3" name="Content Placeholder 2">
-            <a:extLst>
-              <a:ext uri="{FF2B5EF4-FFF2-40B4-BE49-F238E27FC236}">
-                <a16:creationId xmlns:a16="http://schemas.microsoft.com/office/drawing/2014/main" id="{940F9860-AD79-8C22-AF4B-170D69ACC5C7}"/>
-              </a:ext>
-            </a:extLst>
-          </p:cNvPr>
-          <p:cNvSpPr>
-            <a:spLocks noGrp="1"/>
-          </p:cNvSpPr>
-          <p:nvPr>
-            <p:ph idx="1"/>
-          </p:nvPr>
-        </p:nvSpPr>
-        <p:spPr/>
-        <p:txBody>
-          <a:bodyPr/>
-          <a:lstStyle/>
-          <a:p>
-            <a:r>
-              <a:rPr lang="en-US" dirty="0"/>
-              <a:t>The SDLC helps us organize the process of building software</a:t>
-            </a:r>
-          </a:p>
-          <a:p>
-            <a:r>
-              <a:rPr lang="en-US" dirty="0"/>
-              <a:t>Includes steps for building, revising, and deploying software</a:t>
-            </a:r>
-          </a:p>
-          <a:p>
-            <a:r>
-              <a:rPr lang="en-US" dirty="0"/>
-              <a:t>Includes roles associated with each step along the building process</a:t>
-            </a:r>
-          </a:p>
-        </p:txBody>
-      </p:sp>
-    </p:spTree>
-    <p:extLst>
-      <p:ext uri="{BB962C8B-B14F-4D97-AF65-F5344CB8AC3E}">
-        <p14:creationId xmlns:p14="http://schemas.microsoft.com/office/powerpoint/2010/main" val="2158119916"/>
+        <p14:creationId xmlns:p14="http://schemas.microsoft.com/office/powerpoint/2010/main" val="1818502"/>
       </p:ext>
     </p:extLst>
   </p:cSld>
